--- a/trunk/slides/KeyStone Advanced Debug.pptx
+++ b/trunk/slides/KeyStone Advanced Debug.pptx
@@ -225,7 +225,7 @@
             <a:fld id="{E168EC2E-7004-4E52-B364-EF7EFD24F792}" type="datetimeFigureOut">
               <a:rPr lang="en-US" smtClean="0"/>
               <a:pPr/>
-              <a:t>3/22/2012</a:t>
+              <a:t>4/24/2012</a:t>
             </a:fld>
             <a:endParaRPr lang="en-US"/>
           </a:p>
@@ -537,7 +537,7 @@
           </a:bodyPr>
           <a:lstStyle/>
           <a:p>
-            <a:endParaRPr lang="en-US"/>
+            <a:endParaRPr lang="en-US" dirty="0"/>
           </a:p>
         </p:txBody>
       </p:sp>
@@ -619,7 +619,85 @@
           </a:bodyPr>
           <a:lstStyle/>
           <a:p>
-            <a:endParaRPr lang="en-US"/>
+            <a:pPr>
+              <a:buFont typeface="Arial" pitchFamily="34" charset="0"/>
+              <a:buChar char="•"/>
+            </a:pPr>
+            <a:r>
+              <a:rPr lang="en-US" dirty="0" smtClean="0"/>
+              <a:t>Key Points</a:t>
+            </a:r>
+          </a:p>
+          <a:p>
+            <a:pPr lvl="1">
+              <a:buFont typeface="Arial" pitchFamily="34" charset="0"/>
+              <a:buChar char="•"/>
+            </a:pPr>
+            <a:r>
+              <a:rPr lang="en-US" dirty="0" smtClean="0"/>
+              <a:t>This</a:t>
+            </a:r>
+            <a:r>
+              <a:rPr lang="en-US" baseline="0" dirty="0" smtClean="0"/>
+              <a:t> is not an exhaustive list, but these are the most popular inputs</a:t>
+            </a:r>
+          </a:p>
+          <a:p>
+            <a:pPr lvl="1">
+              <a:buFont typeface="Arial" pitchFamily="34" charset="0"/>
+              <a:buChar char="•"/>
+            </a:pPr>
+            <a:r>
+              <a:rPr lang="en-US" baseline="0" dirty="0" smtClean="0"/>
+              <a:t>Auxiliary Event Generators allow almost any system level event to be used as an input	</a:t>
+            </a:r>
+          </a:p>
+          <a:p>
+            <a:pPr lvl="0">
+              <a:buFont typeface="Arial" pitchFamily="34" charset="0"/>
+              <a:buChar char="•"/>
+            </a:pPr>
+            <a:r>
+              <a:rPr lang="en-US" baseline="0" dirty="0" smtClean="0"/>
+              <a:t>Use Cases:</a:t>
+            </a:r>
+          </a:p>
+          <a:p>
+            <a:pPr lvl="1">
+              <a:buFont typeface="Arial" pitchFamily="34" charset="0"/>
+              <a:buChar char="•"/>
+            </a:pPr>
+            <a:r>
+              <a:rPr lang="en-US" baseline="0" dirty="0" smtClean="0"/>
+              <a:t>Watermark Counter – Can be used as a monitor for the longest latency for a specified interrupt over an indeterminate period of time.</a:t>
+            </a:r>
+          </a:p>
+          <a:p>
+            <a:pPr lvl="0">
+              <a:buFont typeface="Arial" pitchFamily="34" charset="0"/>
+              <a:buChar char="•"/>
+            </a:pPr>
+            <a:r>
+              <a:rPr lang="en-US" baseline="0" dirty="0" smtClean="0"/>
+              <a:t>Notes</a:t>
+            </a:r>
+          </a:p>
+          <a:p>
+            <a:pPr lvl="1">
+              <a:buFont typeface="Arial" pitchFamily="34" charset="0"/>
+              <a:buChar char="•"/>
+            </a:pPr>
+            <a:r>
+              <a:rPr lang="en-US" baseline="0" dirty="0" smtClean="0"/>
+              <a:t>The CCS breakpoint manager doesn’t currently give an interface to configure the State Sequencer.  This can still be used with AETLIB.</a:t>
+            </a:r>
+          </a:p>
+          <a:p>
+            <a:pPr lvl="1">
+              <a:buFont typeface="Arial" pitchFamily="34" charset="0"/>
+              <a:buChar char="•"/>
+            </a:pPr>
+            <a:endParaRPr lang="en-US" dirty="0"/>
           </a:p>
         </p:txBody>
       </p:sp>
@@ -701,7 +779,62 @@
           </a:bodyPr>
           <a:lstStyle/>
           <a:p>
-            <a:endParaRPr lang="en-US"/>
+            <a:pPr>
+              <a:buFont typeface="Arial" pitchFamily="34" charset="0"/>
+              <a:buChar char="•"/>
+            </a:pPr>
+            <a:r>
+              <a:rPr lang="en-US" dirty="0" smtClean="0"/>
+              <a:t>Notes</a:t>
+            </a:r>
+          </a:p>
+          <a:p>
+            <a:pPr lvl="1">
+              <a:buFont typeface="Arial" pitchFamily="34" charset="0"/>
+              <a:buChar char="•"/>
+            </a:pPr>
+            <a:r>
+              <a:rPr lang="en-US" dirty="0" smtClean="0"/>
+              <a:t>The</a:t>
+            </a:r>
+            <a:r>
+              <a:rPr lang="en-US" baseline="0" dirty="0" smtClean="0"/>
+              <a:t> CPU Interrupt Halt request is treated as a NOP when the debugger is not connected.  A fielded application that might generate a halt trigger will not actually halt.  This is by design.</a:t>
+            </a:r>
+          </a:p>
+          <a:p>
+            <a:pPr lvl="1">
+              <a:buFont typeface="Arial" pitchFamily="34" charset="0"/>
+              <a:buChar char="•"/>
+            </a:pPr>
+            <a:r>
+              <a:rPr lang="en-US" baseline="0" dirty="0" smtClean="0"/>
+              <a:t>The 7 Trace Streams are PC, Timing, Read Address, Read Data, Write Address, Write Data, and PC Tag </a:t>
+            </a:r>
+          </a:p>
+          <a:p>
+            <a:pPr lvl="1">
+              <a:buFont typeface="Arial" pitchFamily="34" charset="0"/>
+              <a:buChar char="•"/>
+            </a:pPr>
+            <a:r>
+              <a:rPr lang="en-US" baseline="0" dirty="0" smtClean="0"/>
+              <a:t>A Store Trace Trigger can be thought of as like a pushbutton light switch.  When the switch is depressed, the light comes on.  When it is released, the light goes off.  So, for the AET Trigger Builder, when the condition generating the trigger is true, trace samples are stored.  When it goes false, trace samples are not stored.</a:t>
+            </a:r>
+          </a:p>
+          <a:p>
+            <a:pPr lvl="1">
+              <a:buFont typeface="Arial" pitchFamily="34" charset="0"/>
+              <a:buChar char="•"/>
+            </a:pPr>
+            <a:r>
+              <a:rPr lang="en-US" baseline="0" dirty="0" smtClean="0"/>
+              <a:t>A Start Trace trigger can be thought of as a normal light switch.  When the switch is flipped, the light comes on and remains on, until someone shuts it off.  When the event for a start trace trigger is true, tracing is started and continues even after the  logic of the trigger builder is false.  In order to turn off the trace stream, a halt trace trigger must be issued.     </a:t>
+            </a:r>
+            <a:endParaRPr lang="en-US" dirty="0" smtClean="0"/>
+          </a:p>
+          <a:p>
+            <a:endParaRPr lang="en-US" dirty="0"/>
           </a:p>
         </p:txBody>
       </p:sp>
@@ -865,7 +998,176 @@
           </a:bodyPr>
           <a:lstStyle/>
           <a:p>
-            <a:endParaRPr lang="en-US"/>
+            <a:pPr>
+              <a:buFont typeface="Arial" pitchFamily="34" charset="0"/>
+              <a:buChar char="•"/>
+            </a:pPr>
+            <a:r>
+              <a:rPr lang="en-US" dirty="0" smtClean="0"/>
+              <a:t>Notes</a:t>
+            </a:r>
+          </a:p>
+          <a:p>
+            <a:pPr lvl="1">
+              <a:buFont typeface="Arial" pitchFamily="34" charset="0"/>
+              <a:buChar char="•"/>
+            </a:pPr>
+            <a:r>
+              <a:rPr lang="en-US" dirty="0" smtClean="0"/>
+              <a:t>Core</a:t>
+            </a:r>
+            <a:r>
+              <a:rPr lang="en-US" baseline="0" dirty="0" smtClean="0"/>
+              <a:t> Trace is single core focused.  There is no means for cross core alignment yet. </a:t>
+            </a:r>
+          </a:p>
+          <a:p>
+            <a:pPr lvl="1">
+              <a:buFont typeface="Arial" pitchFamily="34" charset="0"/>
+              <a:buChar char="•"/>
+            </a:pPr>
+            <a:r>
+              <a:rPr lang="en-US" baseline="0" dirty="0" smtClean="0"/>
+              <a:t>Core Trace is similar to a Logic analyzer placed on the CPU Memory Busses.  This is an important point.  Reads/Writes that don’t use these busses cannot be traced .  So EDMA reads/writes and CPU Register reads/writes are not able to be traced.  </a:t>
+            </a:r>
+          </a:p>
+          <a:p>
+            <a:pPr lvl="1">
+              <a:buFont typeface="Arial" pitchFamily="34" charset="0"/>
+              <a:buChar char="•"/>
+            </a:pPr>
+            <a:r>
+              <a:rPr lang="en-US" baseline="0" dirty="0" smtClean="0"/>
+              <a:t>PC and Timing Trace compress nicely and when captured alone. Should always be able to be captured without any bandwidth issues.</a:t>
+            </a:r>
+          </a:p>
+          <a:p>
+            <a:pPr lvl="1">
+              <a:buFont typeface="Arial" pitchFamily="34" charset="0"/>
+              <a:buChar char="•"/>
+            </a:pPr>
+            <a:r>
+              <a:rPr lang="en-US" dirty="0" smtClean="0"/>
+              <a:t>Data Trace does not compress nicely and can cause</a:t>
+            </a:r>
+            <a:r>
+              <a:rPr lang="en-US" baseline="0" dirty="0" smtClean="0"/>
+              <a:t> bandwidth limitations.  On average, Trace can capture a single data sample every ~80 cycles.  (There is a </a:t>
+            </a:r>
+            <a:r>
+              <a:rPr lang="en-US" baseline="0" dirty="0" err="1" smtClean="0"/>
+              <a:t>fifo</a:t>
+            </a:r>
+            <a:r>
+              <a:rPr lang="en-US" baseline="0" dirty="0" smtClean="0"/>
+              <a:t> that eases this restriction, but it is only 8 samples deep and will easily overflow if this limit is passed more than very small periods of time.  </a:t>
+            </a:r>
+          </a:p>
+          <a:p>
+            <a:pPr lvl="2">
+              <a:buFont typeface="Arial" pitchFamily="34" charset="0"/>
+              <a:buChar char="•"/>
+            </a:pPr>
+            <a:r>
+              <a:rPr lang="en-US" baseline="0" dirty="0" smtClean="0"/>
+              <a:t>Trace can be configured in two ways to handle </a:t>
+            </a:r>
+            <a:r>
+              <a:rPr lang="en-US" baseline="0" dirty="0" err="1" smtClean="0"/>
+              <a:t>bandwith</a:t>
+            </a:r>
+            <a:r>
+              <a:rPr lang="en-US" baseline="0" dirty="0" smtClean="0"/>
+              <a:t> issues.  </a:t>
+            </a:r>
+          </a:p>
+          <a:p>
+            <a:pPr lvl="3">
+              <a:buFont typeface="Arial" pitchFamily="34" charset="0"/>
+              <a:buChar char="•"/>
+            </a:pPr>
+            <a:r>
+              <a:rPr lang="en-US" baseline="0" dirty="0" smtClean="0"/>
+              <a:t>It can be configured to just drop trace data when the </a:t>
+            </a:r>
+            <a:r>
+              <a:rPr lang="en-US" baseline="0" dirty="0" err="1" smtClean="0"/>
+              <a:t>bandwith</a:t>
+            </a:r>
+            <a:r>
+              <a:rPr lang="en-US" baseline="0" dirty="0" smtClean="0"/>
+              <a:t> limit is passed  (This results in loss of trace data)</a:t>
+            </a:r>
+          </a:p>
+          <a:p>
+            <a:pPr lvl="3">
+              <a:buFont typeface="Arial" pitchFamily="34" charset="0"/>
+              <a:buChar char="•"/>
+            </a:pPr>
+            <a:r>
+              <a:rPr lang="en-US" baseline="0" dirty="0" smtClean="0"/>
+              <a:t>Or it can be configured to stall the processor to allow the </a:t>
+            </a:r>
+            <a:r>
+              <a:rPr lang="en-US" baseline="0" dirty="0" err="1" smtClean="0"/>
+              <a:t>fifo</a:t>
+            </a:r>
+            <a:r>
+              <a:rPr lang="en-US" baseline="0" dirty="0" smtClean="0"/>
+              <a:t> to be emptied.  (This can cause non real-time execution)</a:t>
+            </a:r>
+          </a:p>
+          <a:p>
+            <a:pPr lvl="2">
+              <a:buFont typeface="Arial" pitchFamily="34" charset="0"/>
+              <a:buChar char="•"/>
+            </a:pPr>
+            <a:r>
+              <a:rPr lang="en-US" baseline="0" dirty="0" smtClean="0"/>
+              <a:t>The ideal situation, when capturing data trace, is to allow AET to filter the data being captured to only that which the user is interested.</a:t>
+            </a:r>
+          </a:p>
+          <a:p>
+            <a:pPr lvl="1">
+              <a:buFont typeface="Arial" pitchFamily="34" charset="0"/>
+              <a:buChar char="•"/>
+            </a:pPr>
+            <a:r>
+              <a:rPr lang="en-US" baseline="0" dirty="0" smtClean="0"/>
+              <a:t>With Event Trace, we don’t have the on/off triggers.  Trace is just captured from the beginning.  A set of events can be configured, and the program address where these events </a:t>
+            </a:r>
+            <a:r>
+              <a:rPr lang="en-US" baseline="0" dirty="0" err="1" smtClean="0"/>
+              <a:t>ccur</a:t>
+            </a:r>
+            <a:r>
+              <a:rPr lang="en-US" baseline="0" dirty="0" smtClean="0"/>
+              <a:t> will be highlighted in the trace.</a:t>
+            </a:r>
+          </a:p>
+          <a:p>
+            <a:pPr lvl="2">
+              <a:buFont typeface="Arial" pitchFamily="34" charset="0"/>
+              <a:buChar char="•"/>
+            </a:pPr>
+            <a:r>
+              <a:rPr lang="en-US" baseline="0" dirty="0" smtClean="0"/>
+              <a:t>Note the following limitation.  Only a single event will be captured on any single sample, and these are prioritized by the input event number.  So, if event 1, 3, and 4 all occur on the same cycle, the event trace will only indicate event 1.  If only 3 and 4 occur, it will only indicate 3.  It might be necessary to capture trace multiple times with different priorities in order to find what is actually occurring on each cycle.  And, the least frequent events should be given the higher priority.  </a:t>
+            </a:r>
+          </a:p>
+          <a:p>
+            <a:pPr lvl="0">
+              <a:buFont typeface="Arial" pitchFamily="34" charset="0"/>
+              <a:buChar char="•"/>
+            </a:pPr>
+            <a:endParaRPr lang="en-US" baseline="0" dirty="0" smtClean="0"/>
+          </a:p>
+          <a:p>
+            <a:pPr lvl="3">
+              <a:buFont typeface="Arial" pitchFamily="34" charset="0"/>
+              <a:buChar char="•"/>
+            </a:pPr>
+            <a:endParaRPr lang="en-US" dirty="0" smtClean="0"/>
           </a:p>
         </p:txBody>
       </p:sp>
@@ -1029,7 +1331,121 @@
           </a:bodyPr>
           <a:lstStyle/>
           <a:p>
-            <a:endParaRPr lang="en-US"/>
+            <a:pPr>
+              <a:buFont typeface="Arial" charset="0"/>
+              <a:buChar char="•"/>
+            </a:pPr>
+            <a:r>
+              <a:rPr lang="en-US" baseline="0" dirty="0" smtClean="0"/>
+              <a:t>Notes</a:t>
+            </a:r>
+          </a:p>
+          <a:p>
+            <a:pPr lvl="1">
+              <a:buFont typeface="Arial" charset="0"/>
+              <a:buChar char="•"/>
+            </a:pPr>
+            <a:r>
+              <a:rPr lang="en-US" baseline="0" dirty="0" smtClean="0"/>
+              <a:t>The Software Messages are much like a </a:t>
+            </a:r>
+            <a:r>
+              <a:rPr lang="en-US" baseline="0" dirty="0" err="1" smtClean="0"/>
+              <a:t>printf</a:t>
+            </a:r>
+            <a:r>
+              <a:rPr lang="en-US" baseline="0" dirty="0" smtClean="0"/>
+              <a:t>, without the drawbacks of </a:t>
+            </a:r>
+            <a:r>
+              <a:rPr lang="en-US" baseline="0" dirty="0" err="1" smtClean="0"/>
+              <a:t>printf</a:t>
+            </a:r>
+            <a:r>
+              <a:rPr lang="en-US" baseline="0" dirty="0" smtClean="0"/>
+              <a:t>.</a:t>
+            </a:r>
+          </a:p>
+          <a:p>
+            <a:pPr lvl="2">
+              <a:buFont typeface="Arial" charset="0"/>
+              <a:buChar char="•"/>
+            </a:pPr>
+            <a:r>
+              <a:rPr lang="en-US" baseline="0" dirty="0" smtClean="0"/>
+              <a:t>Drawbacks of </a:t>
+            </a:r>
+            <a:r>
+              <a:rPr lang="en-US" baseline="0" dirty="0" err="1" smtClean="0"/>
+              <a:t>printf</a:t>
+            </a:r>
+            <a:endParaRPr lang="en-US" baseline="0" dirty="0" smtClean="0"/>
+          </a:p>
+          <a:p>
+            <a:pPr lvl="3">
+              <a:buFont typeface="Arial" charset="0"/>
+              <a:buChar char="•"/>
+            </a:pPr>
+            <a:r>
+              <a:rPr lang="en-US" baseline="0" dirty="0" smtClean="0"/>
+              <a:t>Consume many cycles of PC execution</a:t>
+            </a:r>
+          </a:p>
+          <a:p>
+            <a:pPr lvl="3">
+              <a:buFont typeface="Arial" charset="0"/>
+              <a:buChar char="•"/>
+            </a:pPr>
+            <a:r>
+              <a:rPr lang="en-US" baseline="0" dirty="0" smtClean="0"/>
+              <a:t>Even worse, the CPU halts and waits for CCS to poll it to pull up the data. </a:t>
+            </a:r>
+          </a:p>
+          <a:p>
+            <a:pPr lvl="3">
+              <a:buFont typeface="Arial" charset="0"/>
+              <a:buChar char="•"/>
+            </a:pPr>
+            <a:r>
+              <a:rPr lang="en-US" baseline="0" dirty="0" err="1" smtClean="0"/>
+              <a:t>Printf</a:t>
+            </a:r>
+            <a:r>
+              <a:rPr lang="en-US" baseline="0" dirty="0" smtClean="0"/>
+              <a:t> messages will always be printed in </a:t>
+            </a:r>
+            <a:r>
+              <a:rPr lang="en-US" baseline="0" dirty="0" err="1" smtClean="0"/>
+              <a:t>roder</a:t>
+            </a:r>
+            <a:r>
+              <a:rPr lang="en-US" baseline="0" dirty="0" smtClean="0"/>
+              <a:t> of the CPU when CCS polls, so data can look out of order</a:t>
+            </a:r>
+          </a:p>
+          <a:p>
+            <a:pPr lvl="1">
+              <a:buFont typeface="Arial" charset="0"/>
+              <a:buChar char="•"/>
+            </a:pPr>
+            <a:r>
+              <a:rPr lang="en-US" baseline="0" dirty="0" smtClean="0"/>
+              <a:t>CP Tracer modules are Statistics Counters that periodically push their contents out the System trace port.</a:t>
+            </a:r>
+          </a:p>
+          <a:p>
+            <a:pPr lvl="1">
+              <a:buFont typeface="Arial" charset="0"/>
+              <a:buChar char="•"/>
+            </a:pPr>
+            <a:endParaRPr lang="en-US" baseline="0" dirty="0" smtClean="0"/>
+          </a:p>
+          <a:p>
+            <a:pPr lvl="3">
+              <a:buFont typeface="Arial" charset="0"/>
+              <a:buChar char="•"/>
+            </a:pPr>
+            <a:endParaRPr lang="en-US" dirty="0"/>
           </a:p>
         </p:txBody>
       </p:sp>
@@ -1111,7 +1527,36 @@
           </a:bodyPr>
           <a:lstStyle/>
           <a:p>
-            <a:endParaRPr lang="en-US"/>
+            <a:pPr>
+              <a:buFont typeface="Arial" charset="0"/>
+              <a:buChar char="•"/>
+            </a:pPr>
+            <a:r>
+              <a:rPr lang="en-US" dirty="0" smtClean="0"/>
+              <a:t>Notes</a:t>
+            </a:r>
+          </a:p>
+          <a:p>
+            <a:pPr lvl="1">
+              <a:buFont typeface="Arial" charset="0"/>
+              <a:buChar char="•"/>
+            </a:pPr>
+            <a:r>
+              <a:rPr lang="en-US" dirty="0" smtClean="0"/>
+              <a:t>Channels</a:t>
+            </a:r>
+            <a:r>
+              <a:rPr lang="en-US" baseline="0" dirty="0" smtClean="0"/>
+              <a:t> simply allow the user to filter the data based on each channel.  </a:t>
+            </a:r>
+            <a:endParaRPr lang="en-US" dirty="0" smtClean="0"/>
+          </a:p>
+          <a:p>
+            <a:r>
+              <a:rPr lang="en-US" dirty="0" smtClean="0"/>
+              <a:t>	</a:t>
+            </a:r>
+            <a:endParaRPr lang="en-US" dirty="0"/>
           </a:p>
         </p:txBody>
       </p:sp>
@@ -1193,7 +1638,7 @@
           </a:bodyPr>
           <a:lstStyle/>
           <a:p>
-            <a:endParaRPr lang="en-US"/>
+            <a:endParaRPr lang="en-US" dirty="0"/>
           </a:p>
         </p:txBody>
       </p:sp>
@@ -1326,12 +1771,31 @@
           <a:bodyPr lIns="90206" tIns="45103" rIns="90206" bIns="45103"/>
           <a:lstStyle/>
           <a:p>
-            <a:r>
-              <a:rPr lang="en-US" smtClean="0">
+            <a:pPr>
+              <a:buFont typeface="Arial" charset="0"/>
+              <a:buChar char="•"/>
+            </a:pPr>
+            <a:r>
+              <a:rPr lang="en-US" baseline="0" dirty="0" smtClean="0">
                 <a:latin typeface="Arial" pitchFamily="34" charset="0"/>
               </a:rPr>
-              <a:t>REUSABLE – nothing here needs to be rerecorded</a:t>
-            </a:r>
+              <a:t>Notes</a:t>
+            </a:r>
+          </a:p>
+          <a:p>
+            <a:pPr lvl="1">
+              <a:buFont typeface="Arial" charset="0"/>
+              <a:buChar char="•"/>
+            </a:pPr>
+            <a:r>
+              <a:rPr lang="en-US" baseline="0" dirty="0" smtClean="0">
+                <a:latin typeface="Arial" pitchFamily="34" charset="0"/>
+              </a:rPr>
+              <a:t>This slide shows the locations of the CP Tracer modules in Keystone.</a:t>
+            </a:r>
+            <a:endParaRPr lang="en-US" dirty="0" smtClean="0">
+              <a:latin typeface="Arial" pitchFamily="34" charset="0"/>
+            </a:endParaRPr>
           </a:p>
         </p:txBody>
       </p:sp>
@@ -1553,7 +2017,45 @@
           </a:bodyPr>
           <a:lstStyle/>
           <a:p>
-            <a:endParaRPr lang="en-US"/>
+            <a:pPr>
+              <a:buFont typeface="Arial" charset="0"/>
+              <a:buChar char="•"/>
+            </a:pPr>
+            <a:r>
+              <a:rPr lang="en-US" dirty="0" smtClean="0"/>
+              <a:t>Notes</a:t>
+            </a:r>
+          </a:p>
+          <a:p>
+            <a:pPr lvl="1">
+              <a:buFont typeface="Arial" charset="0"/>
+              <a:buChar char="•"/>
+            </a:pPr>
+            <a:r>
+              <a:rPr lang="en-US" dirty="0" smtClean="0"/>
+              <a:t>This data initially</a:t>
+            </a:r>
+            <a:r>
+              <a:rPr lang="en-US" baseline="0" dirty="0" smtClean="0"/>
+              <a:t> appears in CCS as textual output, with a timestamp and value for each item.  Once this has been captured, selecting Tools-&gt;Analysis-&gt;STM Graph plots the results like this.</a:t>
+            </a:r>
+          </a:p>
+          <a:p>
+            <a:pPr lvl="1">
+              <a:buFont typeface="Arial" charset="0"/>
+              <a:buChar char="•"/>
+            </a:pPr>
+            <a:r>
+              <a:rPr lang="en-US" baseline="0" dirty="0" smtClean="0"/>
+              <a:t>The wiki page that this points to initially reflected steps for CCSv4 that were different than CCSv5.  A request has been made for this to be updated.  SDO had said that it would be updated the week of 04/16/2012.</a:t>
+            </a:r>
+          </a:p>
+          <a:p>
+            <a:pPr lvl="1">
+              <a:buFont typeface="Arial" charset="0"/>
+              <a:buNone/>
+            </a:pPr>
+            <a:endParaRPr lang="en-US" dirty="0"/>
           </a:p>
         </p:txBody>
       </p:sp>
@@ -1799,7 +2301,77 @@
           </a:bodyPr>
           <a:lstStyle/>
           <a:p>
-            <a:endParaRPr lang="en-US"/>
+            <a:pPr>
+              <a:buFont typeface="Arial" charset="0"/>
+              <a:buChar char="•"/>
+            </a:pPr>
+            <a:r>
+              <a:rPr lang="en-US" baseline="0" dirty="0" smtClean="0"/>
+              <a:t>Notes</a:t>
+            </a:r>
+          </a:p>
+          <a:p>
+            <a:pPr lvl="1">
+              <a:buFont typeface="Arial" charset="0"/>
+              <a:buChar char="•"/>
+            </a:pPr>
+            <a:r>
+              <a:rPr lang="en-US" baseline="0" dirty="0" smtClean="0"/>
+              <a:t>AETLIB – For configuring the </a:t>
+            </a:r>
+            <a:r>
+              <a:rPr lang="en-US" baseline="0" dirty="0" err="1" smtClean="0"/>
+              <a:t>programmation</a:t>
+            </a:r>
+            <a:r>
+              <a:rPr lang="en-US" baseline="0" dirty="0" smtClean="0"/>
+              <a:t> of triggers in the Advanced Event triggering.  Also provides APIs for configuring and reading the AET timer/counters.</a:t>
+            </a:r>
+          </a:p>
+          <a:p>
+            <a:pPr lvl="1">
+              <a:buFont typeface="Arial" charset="0"/>
+              <a:buChar char="•"/>
+            </a:pPr>
+            <a:r>
+              <a:rPr lang="en-US" baseline="0" dirty="0" smtClean="0"/>
+              <a:t>ETBLIB – For reading data from the Embedded Trace buffers on the fly.</a:t>
+            </a:r>
+          </a:p>
+          <a:p>
+            <a:pPr lvl="1">
+              <a:buFont typeface="Arial" charset="0"/>
+              <a:buChar char="•"/>
+            </a:pPr>
+            <a:r>
+              <a:rPr lang="en-US" baseline="0" dirty="0" smtClean="0"/>
+              <a:t>CPTLIB – For configuring the CP Tracers to capture data</a:t>
+            </a:r>
+          </a:p>
+          <a:p>
+            <a:pPr lvl="1">
+              <a:buFont typeface="Arial" charset="0"/>
+              <a:buChar char="•"/>
+            </a:pPr>
+            <a:r>
+              <a:rPr lang="en-US" baseline="0" dirty="0" err="1" smtClean="0"/>
+              <a:t>DSPTraceLib</a:t>
+            </a:r>
+            <a:r>
+              <a:rPr lang="en-US" baseline="0" dirty="0" smtClean="0"/>
+              <a:t> – For configuring Core Trace and the trace receivers from within an application</a:t>
+            </a:r>
+          </a:p>
+          <a:p>
+            <a:pPr lvl="1">
+              <a:buFont typeface="Arial" charset="0"/>
+              <a:buChar char="•"/>
+            </a:pPr>
+            <a:r>
+              <a:rPr lang="en-US" baseline="0" dirty="0" smtClean="0"/>
+              <a:t>STMLIB – Implementation of the STM Software Message API</a:t>
+            </a:r>
+            <a:endParaRPr lang="en-US" dirty="0"/>
           </a:p>
         </p:txBody>
       </p:sp>
@@ -1881,7 +2453,25 @@
           </a:bodyPr>
           <a:lstStyle/>
           <a:p>
-            <a:endParaRPr lang="en-US"/>
+            <a:pPr>
+              <a:buFont typeface="Arial" charset="0"/>
+              <a:buChar char="•"/>
+            </a:pPr>
+            <a:r>
+              <a:rPr lang="en-US" baseline="0" dirty="0" smtClean="0"/>
+              <a:t>Use Case</a:t>
+            </a:r>
+          </a:p>
+          <a:p>
+            <a:pPr lvl="1">
+              <a:buFont typeface="Arial" charset="0"/>
+              <a:buChar char="•"/>
+            </a:pPr>
+            <a:r>
+              <a:rPr lang="en-US" baseline="0" dirty="0" smtClean="0"/>
+              <a:t>Monitor task stacks for overflow by reusing AET resources.  AETLIB reconfigures the AET resources to watch the top of the currently executing tasks stack.  Without AETLIB, there are only enough resources to watch 1 data range at a time, and we can’t watch dynamic task stacks because we don’t know where they will be allocated.</a:t>
+            </a:r>
+            <a:endParaRPr lang="en-US" dirty="0" smtClean="0"/>
           </a:p>
         </p:txBody>
       </p:sp>
@@ -2783,7 +3373,100 @@
           </a:bodyPr>
           <a:lstStyle/>
           <a:p>
-            <a:endParaRPr lang="en-US"/>
+            <a:pPr>
+              <a:buFont typeface="Arial" pitchFamily="34" charset="0"/>
+              <a:buChar char="•"/>
+            </a:pPr>
+            <a:r>
+              <a:rPr lang="en-US" dirty="0" smtClean="0"/>
+              <a:t>Key</a:t>
+            </a:r>
+            <a:r>
+              <a:rPr lang="en-US" baseline="0" dirty="0" smtClean="0"/>
+              <a:t> Points</a:t>
+            </a:r>
+          </a:p>
+          <a:p>
+            <a:pPr lvl="1">
+              <a:buFont typeface="Arial" pitchFamily="34" charset="0"/>
+              <a:buChar char="•"/>
+            </a:pPr>
+            <a:r>
+              <a:rPr lang="en-US" baseline="0" dirty="0" smtClean="0"/>
+              <a:t>Each </a:t>
+            </a:r>
+            <a:r>
+              <a:rPr lang="en-US" baseline="0" dirty="0" err="1" smtClean="0"/>
+              <a:t>CorePac</a:t>
+            </a:r>
+            <a:r>
+              <a:rPr lang="en-US" baseline="0" dirty="0" smtClean="0"/>
+              <a:t> has a copy of AET and its own XDS560 (Core Trace) unit.  It also has an ETB where trace data can be captured on all cores simultaneously.  </a:t>
+            </a:r>
+          </a:p>
+          <a:p>
+            <a:pPr lvl="1">
+              <a:buFont typeface="Arial" pitchFamily="34" charset="0"/>
+              <a:buChar char="•"/>
+            </a:pPr>
+            <a:r>
+              <a:rPr lang="en-US" baseline="0" dirty="0" smtClean="0"/>
+              <a:t>There is only a single set of pins out to the debug port.  These pins either need to be shared across </a:t>
+            </a:r>
+            <a:r>
+              <a:rPr lang="en-US" baseline="0" dirty="0" err="1" smtClean="0"/>
+              <a:t>CorePacs</a:t>
+            </a:r>
+            <a:r>
+              <a:rPr lang="en-US" baseline="0" dirty="0" smtClean="0"/>
+              <a:t> or all dedicated to a single </a:t>
+            </a:r>
+            <a:r>
+              <a:rPr lang="en-US" baseline="0" dirty="0" err="1" smtClean="0"/>
+              <a:t>CorePac</a:t>
+            </a:r>
+            <a:r>
+              <a:rPr lang="en-US" baseline="0" dirty="0" smtClean="0"/>
+              <a:t>.  The recommendation is to allocated all pins to a single </a:t>
+            </a:r>
+            <a:r>
+              <a:rPr lang="en-US" baseline="0" dirty="0" err="1" smtClean="0"/>
+              <a:t>CorePac</a:t>
+            </a:r>
+            <a:r>
+              <a:rPr lang="en-US" baseline="0" dirty="0" smtClean="0"/>
+              <a:t> in order to get the best trace bandwidth.</a:t>
+            </a:r>
+          </a:p>
+          <a:p>
+            <a:pPr lvl="1">
+              <a:buFont typeface="Arial" pitchFamily="34" charset="0"/>
+              <a:buChar char="•"/>
+            </a:pPr>
+            <a:r>
+              <a:rPr lang="en-US" baseline="0" dirty="0" smtClean="0"/>
+              <a:t>There is one System Level ETB which is shared between all cores for STM.</a:t>
+            </a:r>
+          </a:p>
+          <a:p>
+            <a:pPr lvl="1">
+              <a:buFont typeface="Arial" pitchFamily="34" charset="0"/>
+              <a:buChar char="•"/>
+            </a:pPr>
+            <a:r>
+              <a:rPr lang="en-US" baseline="0" dirty="0" smtClean="0"/>
+              <a:t>System Trace can also be sent out the pins.  The pins used for System Trace are independent from Core Trace.  (This may not always be the case.  It’s possible that future device might multiplex pins.)    </a:t>
+            </a:r>
+          </a:p>
+          <a:p>
+            <a:pPr lvl="1">
+              <a:buFont typeface="Arial" pitchFamily="34" charset="0"/>
+              <a:buChar char="•"/>
+            </a:pPr>
+            <a:endParaRPr lang="en-US" baseline="0" dirty="0" smtClean="0"/>
+          </a:p>
+          <a:p>
+            <a:endParaRPr lang="en-US" dirty="0"/>
           </a:p>
         </p:txBody>
       </p:sp>
@@ -2947,7 +3630,149 @@
           </a:bodyPr>
           <a:lstStyle/>
           <a:p>
-            <a:endParaRPr lang="en-US"/>
+            <a:pPr>
+              <a:buFont typeface="Arial" pitchFamily="34" charset="0"/>
+              <a:buChar char="•"/>
+            </a:pPr>
+            <a:r>
+              <a:rPr lang="en-US" dirty="0" smtClean="0"/>
+              <a:t>Key Points</a:t>
+            </a:r>
+          </a:p>
+          <a:p>
+            <a:pPr lvl="1">
+              <a:buFont typeface="Arial" pitchFamily="34" charset="0"/>
+              <a:buChar char="•"/>
+            </a:pPr>
+            <a:r>
+              <a:rPr lang="en-US" dirty="0" smtClean="0"/>
+              <a:t>AET</a:t>
+            </a:r>
+            <a:r>
+              <a:rPr lang="en-US" baseline="0" dirty="0" smtClean="0"/>
+              <a:t> is completely non-intrusive.  </a:t>
+            </a:r>
+          </a:p>
+          <a:p>
+            <a:pPr lvl="1">
+              <a:buFont typeface="Arial" pitchFamily="34" charset="0"/>
+              <a:buChar char="•"/>
+            </a:pPr>
+            <a:r>
+              <a:rPr lang="en-US" baseline="0" dirty="0" smtClean="0"/>
+              <a:t>Simplest configuration is a hardware breakpoint (Generate a halt trigger when the PC is equal to a specified value).  </a:t>
+            </a:r>
+          </a:p>
+          <a:p>
+            <a:pPr lvl="1">
+              <a:buFont typeface="Arial" pitchFamily="34" charset="0"/>
+              <a:buChar char="•"/>
+            </a:pPr>
+            <a:r>
+              <a:rPr lang="en-US" baseline="0" dirty="0" smtClean="0"/>
+              <a:t>More complex scenarios are possible, assuming the hardware is understood.  </a:t>
+            </a:r>
+          </a:p>
+          <a:p>
+            <a:pPr lvl="0">
+              <a:buFont typeface="Arial" pitchFamily="34" charset="0"/>
+              <a:buChar char="•"/>
+            </a:pPr>
+            <a:r>
+              <a:rPr lang="en-US" baseline="0" dirty="0" smtClean="0"/>
+              <a:t>Use Cases:</a:t>
+            </a:r>
+          </a:p>
+          <a:p>
+            <a:pPr lvl="1">
+              <a:buFont typeface="Arial" pitchFamily="34" charset="0"/>
+              <a:buChar char="•"/>
+            </a:pPr>
+            <a:r>
+              <a:rPr lang="en-US" baseline="0" dirty="0" smtClean="0"/>
+              <a:t>Simple Use Case</a:t>
+            </a:r>
+          </a:p>
+          <a:p>
+            <a:pPr lvl="2">
+              <a:buFont typeface="Arial" pitchFamily="34" charset="0"/>
+              <a:buChar char="•"/>
+            </a:pPr>
+            <a:r>
+              <a:rPr lang="en-US" baseline="0" dirty="0" smtClean="0"/>
+              <a:t>Hardware breakpoint – Halt when PC address is a specified value</a:t>
+            </a:r>
+          </a:p>
+          <a:p>
+            <a:pPr lvl="2">
+              <a:buFont typeface="Arial" pitchFamily="34" charset="0"/>
+              <a:buChar char="•"/>
+            </a:pPr>
+            <a:r>
+              <a:rPr lang="en-US" baseline="0" dirty="0" smtClean="0"/>
+              <a:t>Hardware </a:t>
+            </a:r>
+            <a:r>
+              <a:rPr lang="en-US" baseline="0" dirty="0" err="1" smtClean="0"/>
+              <a:t>Watchpoint</a:t>
+            </a:r>
+            <a:r>
+              <a:rPr lang="en-US" baseline="0" dirty="0" smtClean="0"/>
+              <a:t> – Halt when Write address is a specified </a:t>
+            </a:r>
+            <a:r>
+              <a:rPr lang="en-US" baseline="0" dirty="0" err="1" smtClean="0"/>
+              <a:t>valu</a:t>
+            </a:r>
+            <a:endParaRPr lang="en-US" baseline="0" dirty="0" smtClean="0"/>
+          </a:p>
+          <a:p>
+            <a:pPr lvl="1">
+              <a:buFont typeface="Arial" pitchFamily="34" charset="0"/>
+              <a:buChar char="•"/>
+            </a:pPr>
+            <a:r>
+              <a:rPr lang="en-US" baseline="0" dirty="0" smtClean="0"/>
+              <a:t>Complex Examples</a:t>
+            </a:r>
+          </a:p>
+          <a:p>
+            <a:pPr lvl="2">
+              <a:buFont typeface="Arial" pitchFamily="34" charset="0"/>
+              <a:buChar char="•"/>
+            </a:pPr>
+            <a:r>
+              <a:rPr lang="en-US" baseline="0" dirty="0" smtClean="0"/>
+              <a:t>Store PC trace sample on every 10000</a:t>
+            </a:r>
+            <a:r>
+              <a:rPr lang="en-US" baseline="30000" dirty="0" smtClean="0"/>
+              <a:t>th</a:t>
+            </a:r>
+            <a:r>
+              <a:rPr lang="en-US" baseline="0" dirty="0" smtClean="0"/>
+              <a:t> cycle.  (Basis for statistical profiling)</a:t>
+            </a:r>
+          </a:p>
+          <a:p>
+            <a:pPr lvl="2">
+              <a:buFont typeface="Arial" pitchFamily="34" charset="0"/>
+              <a:buChar char="•"/>
+            </a:pPr>
+            <a:r>
+              <a:rPr lang="en-US" baseline="0" dirty="0" smtClean="0"/>
+              <a:t>Store data trace samples when a task other than Task A is executing and the write address is in the range between address B and C. (Monitor for a write to a tasks stack outside the context of that task)</a:t>
+            </a:r>
+          </a:p>
+          <a:p>
+            <a:pPr lvl="1">
+              <a:buFont typeface="Arial" pitchFamily="34" charset="0"/>
+              <a:buChar char="•"/>
+            </a:pPr>
+            <a:endParaRPr lang="en-US" dirty="0" smtClean="0"/>
+          </a:p>
+          <a:p>
+            <a:endParaRPr lang="en-US" dirty="0"/>
           </a:p>
         </p:txBody>
       </p:sp>
@@ -4166,15 +4991,7 @@
           <a:p>
             <a:r>
               <a:rPr lang="en-US" dirty="0" smtClean="0"/>
-              <a:t>Keystone </a:t>
-            </a:r>
-            <a:r>
-              <a:rPr lang="en-US" dirty="0" smtClean="0"/>
-              <a:t>Advanced </a:t>
-            </a:r>
-            <a:r>
-              <a:rPr lang="en-US" dirty="0" smtClean="0"/>
-              <a:t>Debug</a:t>
+              <a:t>Keystone Advanced Debug</a:t>
             </a:r>
             <a:endParaRPr lang="en-US" dirty="0"/>
           </a:p>

--- a/trunk/slides/KeyStone Advanced Debug.pptx
+++ b/trunk/slides/KeyStone Advanced Debug.pptx
@@ -5,7 +5,7 @@
     <p:sldMasterId id="2147483660" r:id="rId1"/>
   </p:sldMasterIdLst>
   <p:notesMasterIdLst>
-    <p:notesMasterId r:id="rId32"/>
+    <p:notesMasterId r:id="rId35"/>
   </p:notesMasterIdLst>
   <p:sldIdLst>
     <p:sldId id="256" r:id="rId2"/>
@@ -38,11 +38,14 @@
     <p:sldId id="282" r:id="rId29"/>
     <p:sldId id="284" r:id="rId30"/>
     <p:sldId id="285" r:id="rId31"/>
+    <p:sldId id="292" r:id="rId32"/>
+    <p:sldId id="295" r:id="rId33"/>
+    <p:sldId id="296" r:id="rId34"/>
   </p:sldIdLst>
   <p:sldSz cx="9144000" cy="6858000" type="screen4x3"/>
   <p:notesSz cx="6858000" cy="9144000"/>
   <p:custDataLst>
-    <p:tags r:id="rId33"/>
+    <p:tags r:id="rId36"/>
   </p:custDataLst>
   <p:defaultTextStyle>
     <a:defPPr>
@@ -142,6 +145,3145 @@
 </p:presentation>
 </file>
 
+<file path=ppt/diagrams/colors1.xml><?xml version="1.0" encoding="utf-8"?>
+<dgm:colorsDef xmlns:dgm="http://schemas.openxmlformats.org/drawingml/2006/diagram" xmlns:a="http://schemas.openxmlformats.org/drawingml/2006/main" uniqueId="urn:microsoft.com/office/officeart/2005/8/colors/accent1_2">
+  <dgm:title val=""/>
+  <dgm:desc val=""/>
+  <dgm:catLst>
+    <dgm:cat type="accent1" pri="11200"/>
+  </dgm:catLst>
+  <dgm:styleLbl name="node0">
+    <dgm:fillClrLst meth="repeat">
+      <a:schemeClr val="accent1"/>
+    </dgm:fillClrLst>
+    <dgm:linClrLst meth="repeat">
+      <a:schemeClr val="lt1"/>
+    </dgm:linClrLst>
+    <dgm:effectClrLst/>
+    <dgm:txLinClrLst/>
+    <dgm:txFillClrLst/>
+    <dgm:txEffectClrLst/>
+  </dgm:styleLbl>
+  <dgm:styleLbl name="alignNode1">
+    <dgm:fillClrLst meth="repeat">
+      <a:schemeClr val="accent1"/>
+    </dgm:fillClrLst>
+    <dgm:linClrLst meth="repeat">
+      <a:schemeClr val="accent1"/>
+    </dgm:linClrLst>
+    <dgm:effectClrLst/>
+    <dgm:txLinClrLst/>
+    <dgm:txFillClrLst/>
+    <dgm:txEffectClrLst/>
+  </dgm:styleLbl>
+  <dgm:styleLbl name="node1">
+    <dgm:fillClrLst meth="repeat">
+      <a:schemeClr val="accent1"/>
+    </dgm:fillClrLst>
+    <dgm:linClrLst meth="repeat">
+      <a:schemeClr val="lt1"/>
+    </dgm:linClrLst>
+    <dgm:effectClrLst/>
+    <dgm:txLinClrLst/>
+    <dgm:txFillClrLst/>
+    <dgm:txEffectClrLst/>
+  </dgm:styleLbl>
+  <dgm:styleLbl name="lnNode1">
+    <dgm:fillClrLst meth="repeat">
+      <a:schemeClr val="accent1"/>
+    </dgm:fillClrLst>
+    <dgm:linClrLst meth="repeat">
+      <a:schemeClr val="lt1"/>
+    </dgm:linClrLst>
+    <dgm:effectClrLst/>
+    <dgm:txLinClrLst/>
+    <dgm:txFillClrLst/>
+    <dgm:txEffectClrLst/>
+  </dgm:styleLbl>
+  <dgm:styleLbl name="vennNode1">
+    <dgm:fillClrLst meth="repeat">
+      <a:schemeClr val="accent1">
+        <a:alpha val="50000"/>
+      </a:schemeClr>
+    </dgm:fillClrLst>
+    <dgm:linClrLst meth="repeat">
+      <a:schemeClr val="lt1"/>
+    </dgm:linClrLst>
+    <dgm:effectClrLst/>
+    <dgm:txLinClrLst/>
+    <dgm:txFillClrLst/>
+    <dgm:txEffectClrLst/>
+  </dgm:styleLbl>
+  <dgm:styleLbl name="node2">
+    <dgm:fillClrLst meth="repeat">
+      <a:schemeClr val="accent1"/>
+    </dgm:fillClrLst>
+    <dgm:linClrLst meth="repeat">
+      <a:schemeClr val="lt1"/>
+    </dgm:linClrLst>
+    <dgm:effectClrLst/>
+    <dgm:txLinClrLst/>
+    <dgm:txFillClrLst/>
+    <dgm:txEffectClrLst/>
+  </dgm:styleLbl>
+  <dgm:styleLbl name="node3">
+    <dgm:fillClrLst meth="repeat">
+      <a:schemeClr val="accent1"/>
+    </dgm:fillClrLst>
+    <dgm:linClrLst meth="repeat">
+      <a:schemeClr val="lt1"/>
+    </dgm:linClrLst>
+    <dgm:effectClrLst/>
+    <dgm:txLinClrLst/>
+    <dgm:txFillClrLst/>
+    <dgm:txEffectClrLst/>
+  </dgm:styleLbl>
+  <dgm:styleLbl name="node4">
+    <dgm:fillClrLst meth="repeat">
+      <a:schemeClr val="accent1"/>
+    </dgm:fillClrLst>
+    <dgm:linClrLst meth="repeat">
+      <a:schemeClr val="lt1"/>
+    </dgm:linClrLst>
+    <dgm:effectClrLst/>
+    <dgm:txLinClrLst/>
+    <dgm:txFillClrLst/>
+    <dgm:txEffectClrLst/>
+  </dgm:styleLbl>
+  <dgm:styleLbl name="fgImgPlace1">
+    <dgm:fillClrLst meth="repeat">
+      <a:schemeClr val="accent1">
+        <a:tint val="50000"/>
+      </a:schemeClr>
+    </dgm:fillClrLst>
+    <dgm:linClrLst meth="repeat">
+      <a:schemeClr val="lt1"/>
+    </dgm:linClrLst>
+    <dgm:effectClrLst/>
+    <dgm:txLinClrLst/>
+    <dgm:txFillClrLst meth="repeat">
+      <a:schemeClr val="lt1"/>
+    </dgm:txFillClrLst>
+    <dgm:txEffectClrLst/>
+  </dgm:styleLbl>
+  <dgm:styleLbl name="alignImgPlace1">
+    <dgm:fillClrLst meth="repeat">
+      <a:schemeClr val="accent1">
+        <a:tint val="50000"/>
+      </a:schemeClr>
+    </dgm:fillClrLst>
+    <dgm:linClrLst meth="repeat">
+      <a:schemeClr val="lt1"/>
+    </dgm:linClrLst>
+    <dgm:effectClrLst/>
+    <dgm:txLinClrLst/>
+    <dgm:txFillClrLst meth="repeat">
+      <a:schemeClr val="lt1"/>
+    </dgm:txFillClrLst>
+    <dgm:txEffectClrLst/>
+  </dgm:styleLbl>
+  <dgm:styleLbl name="bgImgPlace1">
+    <dgm:fillClrLst meth="repeat">
+      <a:schemeClr val="accent1">
+        <a:tint val="50000"/>
+      </a:schemeClr>
+    </dgm:fillClrLst>
+    <dgm:linClrLst meth="repeat">
+      <a:schemeClr val="lt1"/>
+    </dgm:linClrLst>
+    <dgm:effectClrLst/>
+    <dgm:txLinClrLst/>
+    <dgm:txFillClrLst meth="repeat">
+      <a:schemeClr val="lt1"/>
+    </dgm:txFillClrLst>
+    <dgm:txEffectClrLst/>
+  </dgm:styleLbl>
+  <dgm:styleLbl name="sibTrans2D1">
+    <dgm:fillClrLst meth="repeat">
+      <a:schemeClr val="accent1">
+        <a:tint val="60000"/>
+      </a:schemeClr>
+    </dgm:fillClrLst>
+    <dgm:linClrLst meth="repeat">
+      <a:schemeClr val="accent1">
+        <a:tint val="60000"/>
+      </a:schemeClr>
+    </dgm:linClrLst>
+    <dgm:effectClrLst/>
+    <dgm:txLinClrLst/>
+    <dgm:txFillClrLst/>
+    <dgm:txEffectClrLst/>
+  </dgm:styleLbl>
+  <dgm:styleLbl name="fgSibTrans2D1">
+    <dgm:fillClrLst meth="repeat">
+      <a:schemeClr val="accent1">
+        <a:tint val="60000"/>
+      </a:schemeClr>
+    </dgm:fillClrLst>
+    <dgm:linClrLst meth="repeat">
+      <a:schemeClr val="accent1">
+        <a:tint val="60000"/>
+      </a:schemeClr>
+    </dgm:linClrLst>
+    <dgm:effectClrLst/>
+    <dgm:txLinClrLst/>
+    <dgm:txFillClrLst/>
+    <dgm:txEffectClrLst/>
+  </dgm:styleLbl>
+  <dgm:styleLbl name="bgSibTrans2D1">
+    <dgm:fillClrLst meth="repeat">
+      <a:schemeClr val="accent1">
+        <a:tint val="60000"/>
+      </a:schemeClr>
+    </dgm:fillClrLst>
+    <dgm:linClrLst meth="repeat">
+      <a:schemeClr val="accent1">
+        <a:tint val="60000"/>
+      </a:schemeClr>
+    </dgm:linClrLst>
+    <dgm:effectClrLst/>
+    <dgm:txLinClrLst/>
+    <dgm:txFillClrLst/>
+    <dgm:txEffectClrLst/>
+  </dgm:styleLbl>
+  <dgm:styleLbl name="sibTrans1D1">
+    <dgm:fillClrLst meth="repeat">
+      <a:schemeClr val="accent1"/>
+    </dgm:fillClrLst>
+    <dgm:linClrLst meth="repeat">
+      <a:schemeClr val="accent1"/>
+    </dgm:linClrLst>
+    <dgm:effectClrLst/>
+    <dgm:txLinClrLst/>
+    <dgm:txFillClrLst meth="repeat">
+      <a:schemeClr val="tx1"/>
+    </dgm:txFillClrLst>
+    <dgm:txEffectClrLst/>
+  </dgm:styleLbl>
+  <dgm:styleLbl name="callout">
+    <dgm:fillClrLst meth="repeat">
+      <a:schemeClr val="accent1"/>
+    </dgm:fillClrLst>
+    <dgm:linClrLst meth="repeat">
+      <a:schemeClr val="accent1">
+        <a:tint val="50000"/>
+      </a:schemeClr>
+    </dgm:linClrLst>
+    <dgm:effectClrLst/>
+    <dgm:txLinClrLst/>
+    <dgm:txFillClrLst meth="repeat">
+      <a:schemeClr val="tx1"/>
+    </dgm:txFillClrLst>
+    <dgm:txEffectClrLst/>
+  </dgm:styleLbl>
+  <dgm:styleLbl name="asst0">
+    <dgm:fillClrLst meth="repeat">
+      <a:schemeClr val="accent1"/>
+    </dgm:fillClrLst>
+    <dgm:linClrLst meth="repeat">
+      <a:schemeClr val="lt1"/>
+    </dgm:linClrLst>
+    <dgm:effectClrLst/>
+    <dgm:txLinClrLst/>
+    <dgm:txFillClrLst/>
+    <dgm:txEffectClrLst/>
+  </dgm:styleLbl>
+  <dgm:styleLbl name="asst1">
+    <dgm:fillClrLst meth="repeat">
+      <a:schemeClr val="accent1"/>
+    </dgm:fillClrLst>
+    <dgm:linClrLst meth="repeat">
+      <a:schemeClr val="lt1"/>
+    </dgm:linClrLst>
+    <dgm:effectClrLst/>
+    <dgm:txLinClrLst/>
+    <dgm:txFillClrLst/>
+    <dgm:txEffectClrLst/>
+  </dgm:styleLbl>
+  <dgm:styleLbl name="asst2">
+    <dgm:fillClrLst meth="repeat">
+      <a:schemeClr val="accent1"/>
+    </dgm:fillClrLst>
+    <dgm:linClrLst meth="repeat">
+      <a:schemeClr val="lt1"/>
+    </dgm:linClrLst>
+    <dgm:effectClrLst/>
+    <dgm:txLinClrLst/>
+    <dgm:txFillClrLst/>
+    <dgm:txEffectClrLst/>
+  </dgm:styleLbl>
+  <dgm:styleLbl name="asst3">
+    <dgm:fillClrLst meth="repeat">
+      <a:schemeClr val="accent1"/>
+    </dgm:fillClrLst>
+    <dgm:linClrLst meth="repeat">
+      <a:schemeClr val="lt1"/>
+    </dgm:linClrLst>
+    <dgm:effectClrLst/>
+    <dgm:txLinClrLst/>
+    <dgm:txFillClrLst/>
+    <dgm:txEffectClrLst/>
+  </dgm:styleLbl>
+  <dgm:styleLbl name="asst4">
+    <dgm:fillClrLst meth="repeat">
+      <a:schemeClr val="accent1"/>
+    </dgm:fillClrLst>
+    <dgm:linClrLst meth="repeat">
+      <a:schemeClr val="lt1"/>
+    </dgm:linClrLst>
+    <dgm:effectClrLst/>
+    <dgm:txLinClrLst/>
+    <dgm:txFillClrLst/>
+    <dgm:txEffectClrLst/>
+  </dgm:styleLbl>
+  <dgm:styleLbl name="parChTrans2D1">
+    <dgm:fillClrLst meth="repeat">
+      <a:schemeClr val="accent1">
+        <a:tint val="60000"/>
+      </a:schemeClr>
+    </dgm:fillClrLst>
+    <dgm:linClrLst meth="repeat">
+      <a:schemeClr val="accent1">
+        <a:tint val="60000"/>
+      </a:schemeClr>
+    </dgm:linClrLst>
+    <dgm:effectClrLst/>
+    <dgm:txLinClrLst/>
+    <dgm:txFillClrLst meth="repeat">
+      <a:schemeClr val="lt1"/>
+    </dgm:txFillClrLst>
+    <dgm:txEffectClrLst/>
+  </dgm:styleLbl>
+  <dgm:styleLbl name="parChTrans2D2">
+    <dgm:fillClrLst meth="repeat">
+      <a:schemeClr val="accent1"/>
+    </dgm:fillClrLst>
+    <dgm:linClrLst meth="repeat">
+      <a:schemeClr val="accent1"/>
+    </dgm:linClrLst>
+    <dgm:effectClrLst/>
+    <dgm:txLinClrLst/>
+    <dgm:txFillClrLst meth="repeat">
+      <a:schemeClr val="lt1"/>
+    </dgm:txFillClrLst>
+    <dgm:txEffectClrLst/>
+  </dgm:styleLbl>
+  <dgm:styleLbl name="parChTrans2D3">
+    <dgm:fillClrLst meth="repeat">
+      <a:schemeClr val="accent1"/>
+    </dgm:fillClrLst>
+    <dgm:linClrLst meth="repeat">
+      <a:schemeClr val="accent1"/>
+    </dgm:linClrLst>
+    <dgm:effectClrLst/>
+    <dgm:txLinClrLst/>
+    <dgm:txFillClrLst meth="repeat">
+      <a:schemeClr val="lt1"/>
+    </dgm:txFillClrLst>
+    <dgm:txEffectClrLst/>
+  </dgm:styleLbl>
+  <dgm:styleLbl name="parChTrans2D4">
+    <dgm:fillClrLst meth="repeat">
+      <a:schemeClr val="accent1"/>
+    </dgm:fillClrLst>
+    <dgm:linClrLst meth="repeat">
+      <a:schemeClr val="accent1"/>
+    </dgm:linClrLst>
+    <dgm:effectClrLst/>
+    <dgm:txLinClrLst/>
+    <dgm:txFillClrLst meth="repeat">
+      <a:schemeClr val="lt1"/>
+    </dgm:txFillClrLst>
+    <dgm:txEffectClrLst/>
+  </dgm:styleLbl>
+  <dgm:styleLbl name="parChTrans1D1">
+    <dgm:fillClrLst meth="repeat">
+      <a:schemeClr val="accent1"/>
+    </dgm:fillClrLst>
+    <dgm:linClrLst meth="repeat">
+      <a:schemeClr val="accent1">
+        <a:shade val="60000"/>
+      </a:schemeClr>
+    </dgm:linClrLst>
+    <dgm:effectClrLst/>
+    <dgm:txLinClrLst/>
+    <dgm:txFillClrLst meth="repeat">
+      <a:schemeClr val="tx1"/>
+    </dgm:txFillClrLst>
+    <dgm:txEffectClrLst/>
+  </dgm:styleLbl>
+  <dgm:styleLbl name="parChTrans1D2">
+    <dgm:fillClrLst meth="repeat">
+      <a:schemeClr val="accent1"/>
+    </dgm:fillClrLst>
+    <dgm:linClrLst meth="repeat">
+      <a:schemeClr val="accent1">
+        <a:shade val="60000"/>
+      </a:schemeClr>
+    </dgm:linClrLst>
+    <dgm:effectClrLst/>
+    <dgm:txLinClrLst/>
+    <dgm:txFillClrLst meth="repeat">
+      <a:schemeClr val="tx1"/>
+    </dgm:txFillClrLst>
+    <dgm:txEffectClrLst/>
+  </dgm:styleLbl>
+  <dgm:styleLbl name="parChTrans1D3">
+    <dgm:fillClrLst meth="repeat">
+      <a:schemeClr val="accent1"/>
+    </dgm:fillClrLst>
+    <dgm:linClrLst meth="repeat">
+      <a:schemeClr val="accent1">
+        <a:shade val="80000"/>
+      </a:schemeClr>
+    </dgm:linClrLst>
+    <dgm:effectClrLst/>
+    <dgm:txLinClrLst/>
+    <dgm:txFillClrLst meth="repeat">
+      <a:schemeClr val="tx1"/>
+    </dgm:txFillClrLst>
+    <dgm:txEffectClrLst/>
+  </dgm:styleLbl>
+  <dgm:styleLbl name="parChTrans1D4">
+    <dgm:fillClrLst meth="repeat">
+      <a:schemeClr val="accent1"/>
+    </dgm:fillClrLst>
+    <dgm:linClrLst meth="repeat">
+      <a:schemeClr val="accent1">
+        <a:shade val="80000"/>
+      </a:schemeClr>
+    </dgm:linClrLst>
+    <dgm:effectClrLst/>
+    <dgm:txLinClrLst/>
+    <dgm:txFillClrLst meth="repeat">
+      <a:schemeClr val="tx1"/>
+    </dgm:txFillClrLst>
+    <dgm:txEffectClrLst/>
+  </dgm:styleLbl>
+  <dgm:styleLbl name="fgAcc1">
+    <dgm:fillClrLst meth="repeat">
+      <a:schemeClr val="lt1">
+        <a:alpha val="90000"/>
+      </a:schemeClr>
+    </dgm:fillClrLst>
+    <dgm:linClrLst meth="repeat">
+      <a:schemeClr val="accent1"/>
+    </dgm:linClrLst>
+    <dgm:effectClrLst/>
+    <dgm:txLinClrLst/>
+    <dgm:txFillClrLst meth="repeat">
+      <a:schemeClr val="dk1"/>
+    </dgm:txFillClrLst>
+    <dgm:txEffectClrLst/>
+  </dgm:styleLbl>
+  <dgm:styleLbl name="conFgAcc1">
+    <dgm:fillClrLst meth="repeat">
+      <a:schemeClr val="lt1">
+        <a:alpha val="90000"/>
+      </a:schemeClr>
+    </dgm:fillClrLst>
+    <dgm:linClrLst meth="repeat">
+      <a:schemeClr val="accent1"/>
+    </dgm:linClrLst>
+    <dgm:effectClrLst/>
+    <dgm:txLinClrLst/>
+    <dgm:txFillClrLst meth="repeat">
+      <a:schemeClr val="dk1"/>
+    </dgm:txFillClrLst>
+    <dgm:txEffectClrLst/>
+  </dgm:styleLbl>
+  <dgm:styleLbl name="alignAcc1">
+    <dgm:fillClrLst meth="repeat">
+      <a:schemeClr val="lt1">
+        <a:alpha val="90000"/>
+      </a:schemeClr>
+    </dgm:fillClrLst>
+    <dgm:linClrLst meth="repeat">
+      <a:schemeClr val="accent1"/>
+    </dgm:linClrLst>
+    <dgm:effectClrLst/>
+    <dgm:txLinClrLst/>
+    <dgm:txFillClrLst meth="repeat">
+      <a:schemeClr val="dk1"/>
+    </dgm:txFillClrLst>
+    <dgm:txEffectClrLst/>
+  </dgm:styleLbl>
+  <dgm:styleLbl name="trAlignAcc1">
+    <dgm:fillClrLst meth="repeat">
+      <a:schemeClr val="lt1">
+        <a:alpha val="40000"/>
+      </a:schemeClr>
+    </dgm:fillClrLst>
+    <dgm:linClrLst meth="repeat">
+      <a:schemeClr val="accent1"/>
+    </dgm:linClrLst>
+    <dgm:effectClrLst/>
+    <dgm:txLinClrLst/>
+    <dgm:txFillClrLst meth="repeat">
+      <a:schemeClr val="dk1"/>
+    </dgm:txFillClrLst>
+    <dgm:txEffectClrLst/>
+  </dgm:styleLbl>
+  <dgm:styleLbl name="bgAcc1">
+    <dgm:fillClrLst meth="repeat">
+      <a:schemeClr val="lt1">
+        <a:alpha val="90000"/>
+      </a:schemeClr>
+    </dgm:fillClrLst>
+    <dgm:linClrLst meth="repeat">
+      <a:schemeClr val="accent1"/>
+    </dgm:linClrLst>
+    <dgm:effectClrLst/>
+    <dgm:txLinClrLst/>
+    <dgm:txFillClrLst meth="repeat">
+      <a:schemeClr val="dk1"/>
+    </dgm:txFillClrLst>
+    <dgm:txEffectClrLst/>
+  </dgm:styleLbl>
+  <dgm:styleLbl name="solidFgAcc1">
+    <dgm:fillClrLst meth="repeat">
+      <a:schemeClr val="lt1"/>
+    </dgm:fillClrLst>
+    <dgm:linClrLst meth="repeat">
+      <a:schemeClr val="accent1"/>
+    </dgm:linClrLst>
+    <dgm:effectClrLst/>
+    <dgm:txLinClrLst/>
+    <dgm:txFillClrLst meth="repeat">
+      <a:schemeClr val="dk1"/>
+    </dgm:txFillClrLst>
+    <dgm:txEffectClrLst/>
+  </dgm:styleLbl>
+  <dgm:styleLbl name="solidAlignAcc1">
+    <dgm:fillClrLst meth="repeat">
+      <a:schemeClr val="lt1"/>
+    </dgm:fillClrLst>
+    <dgm:linClrLst meth="repeat">
+      <a:schemeClr val="accent1"/>
+    </dgm:linClrLst>
+    <dgm:effectClrLst/>
+    <dgm:txLinClrLst/>
+    <dgm:txFillClrLst meth="repeat">
+      <a:schemeClr val="dk1"/>
+    </dgm:txFillClrLst>
+    <dgm:txEffectClrLst/>
+  </dgm:styleLbl>
+  <dgm:styleLbl name="solidBgAcc1">
+    <dgm:fillClrLst meth="repeat">
+      <a:schemeClr val="lt1"/>
+    </dgm:fillClrLst>
+    <dgm:linClrLst meth="repeat">
+      <a:schemeClr val="accent1"/>
+    </dgm:linClrLst>
+    <dgm:effectClrLst/>
+    <dgm:txLinClrLst/>
+    <dgm:txFillClrLst meth="repeat">
+      <a:schemeClr val="dk1"/>
+    </dgm:txFillClrLst>
+    <dgm:txEffectClrLst/>
+  </dgm:styleLbl>
+  <dgm:styleLbl name="fgAccFollowNode1">
+    <dgm:fillClrLst meth="repeat">
+      <a:schemeClr val="accent1">
+        <a:alpha val="90000"/>
+        <a:tint val="40000"/>
+      </a:schemeClr>
+    </dgm:fillClrLst>
+    <dgm:linClrLst meth="repeat">
+      <a:schemeClr val="accent1">
+        <a:alpha val="90000"/>
+        <a:tint val="40000"/>
+      </a:schemeClr>
+    </dgm:linClrLst>
+    <dgm:effectClrLst/>
+    <dgm:txLinClrLst/>
+    <dgm:txFillClrLst meth="repeat">
+      <a:schemeClr val="dk1"/>
+    </dgm:txFillClrLst>
+    <dgm:txEffectClrLst/>
+  </dgm:styleLbl>
+  <dgm:styleLbl name="alignAccFollowNode1">
+    <dgm:fillClrLst meth="repeat">
+      <a:schemeClr val="accent1">
+        <a:alpha val="90000"/>
+        <a:tint val="40000"/>
+      </a:schemeClr>
+    </dgm:fillClrLst>
+    <dgm:linClrLst meth="repeat">
+      <a:schemeClr val="accent1">
+        <a:alpha val="90000"/>
+        <a:tint val="40000"/>
+      </a:schemeClr>
+    </dgm:linClrLst>
+    <dgm:effectClrLst/>
+    <dgm:txLinClrLst/>
+    <dgm:txFillClrLst meth="repeat">
+      <a:schemeClr val="dk1"/>
+    </dgm:txFillClrLst>
+    <dgm:txEffectClrLst/>
+  </dgm:styleLbl>
+  <dgm:styleLbl name="bgAccFollowNode1">
+    <dgm:fillClrLst meth="repeat">
+      <a:schemeClr val="accent1">
+        <a:alpha val="90000"/>
+        <a:tint val="40000"/>
+      </a:schemeClr>
+    </dgm:fillClrLst>
+    <dgm:linClrLst meth="repeat">
+      <a:schemeClr val="accent1">
+        <a:alpha val="90000"/>
+        <a:tint val="40000"/>
+      </a:schemeClr>
+    </dgm:linClrLst>
+    <dgm:effectClrLst/>
+    <dgm:txLinClrLst/>
+    <dgm:txFillClrLst meth="repeat">
+      <a:schemeClr val="dk1"/>
+    </dgm:txFillClrLst>
+    <dgm:txEffectClrLst/>
+  </dgm:styleLbl>
+  <dgm:styleLbl name="fgAcc0">
+    <dgm:fillClrLst meth="repeat">
+      <a:schemeClr val="lt1">
+        <a:alpha val="90000"/>
+      </a:schemeClr>
+    </dgm:fillClrLst>
+    <dgm:linClrLst meth="repeat">
+      <a:schemeClr val="accent1"/>
+    </dgm:linClrLst>
+    <dgm:effectClrLst/>
+    <dgm:txLinClrLst/>
+    <dgm:txFillClrLst meth="repeat">
+      <a:schemeClr val="dk1"/>
+    </dgm:txFillClrLst>
+    <dgm:txEffectClrLst/>
+  </dgm:styleLbl>
+  <dgm:styleLbl name="fgAcc2">
+    <dgm:fillClrLst meth="repeat">
+      <a:schemeClr val="lt1">
+        <a:alpha val="90000"/>
+      </a:schemeClr>
+    </dgm:fillClrLst>
+    <dgm:linClrLst meth="repeat">
+      <a:schemeClr val="accent1"/>
+    </dgm:linClrLst>
+    <dgm:effectClrLst/>
+    <dgm:txLinClrLst/>
+    <dgm:txFillClrLst meth="repeat">
+      <a:schemeClr val="dk1"/>
+    </dgm:txFillClrLst>
+    <dgm:txEffectClrLst/>
+  </dgm:styleLbl>
+  <dgm:styleLbl name="fgAcc3">
+    <dgm:fillClrLst meth="repeat">
+      <a:schemeClr val="lt1">
+        <a:alpha val="90000"/>
+      </a:schemeClr>
+    </dgm:fillClrLst>
+    <dgm:linClrLst meth="repeat">
+      <a:schemeClr val="accent1"/>
+    </dgm:linClrLst>
+    <dgm:effectClrLst/>
+    <dgm:txLinClrLst/>
+    <dgm:txFillClrLst meth="repeat">
+      <a:schemeClr val="dk1"/>
+    </dgm:txFillClrLst>
+    <dgm:txEffectClrLst/>
+  </dgm:styleLbl>
+  <dgm:styleLbl name="fgAcc4">
+    <dgm:fillClrLst meth="repeat">
+      <a:schemeClr val="lt1">
+        <a:alpha val="90000"/>
+      </a:schemeClr>
+    </dgm:fillClrLst>
+    <dgm:linClrLst meth="repeat">
+      <a:schemeClr val="accent1"/>
+    </dgm:linClrLst>
+    <dgm:effectClrLst/>
+    <dgm:txLinClrLst/>
+    <dgm:txFillClrLst meth="repeat">
+      <a:schemeClr val="dk1"/>
+    </dgm:txFillClrLst>
+    <dgm:txEffectClrLst/>
+  </dgm:styleLbl>
+  <dgm:styleLbl name="bgShp">
+    <dgm:fillClrLst meth="repeat">
+      <a:schemeClr val="accent1">
+        <a:tint val="40000"/>
+      </a:schemeClr>
+    </dgm:fillClrLst>
+    <dgm:linClrLst meth="repeat">
+      <a:schemeClr val="accent1"/>
+    </dgm:linClrLst>
+    <dgm:effectClrLst/>
+    <dgm:txLinClrLst/>
+    <dgm:txFillClrLst meth="repeat">
+      <a:schemeClr val="dk1"/>
+    </dgm:txFillClrLst>
+    <dgm:txEffectClrLst/>
+  </dgm:styleLbl>
+  <dgm:styleLbl name="dkBgShp">
+    <dgm:fillClrLst meth="repeat">
+      <a:schemeClr val="accent1">
+        <a:shade val="80000"/>
+      </a:schemeClr>
+    </dgm:fillClrLst>
+    <dgm:linClrLst meth="repeat">
+      <a:schemeClr val="accent1"/>
+    </dgm:linClrLst>
+    <dgm:effectClrLst/>
+    <dgm:txLinClrLst/>
+    <dgm:txFillClrLst meth="repeat">
+      <a:schemeClr val="lt1"/>
+    </dgm:txFillClrLst>
+    <dgm:txEffectClrLst/>
+  </dgm:styleLbl>
+  <dgm:styleLbl name="trBgShp">
+    <dgm:fillClrLst meth="repeat">
+      <a:schemeClr val="accent1">
+        <a:tint val="50000"/>
+        <a:alpha val="40000"/>
+      </a:schemeClr>
+    </dgm:fillClrLst>
+    <dgm:linClrLst meth="repeat">
+      <a:schemeClr val="accent1"/>
+    </dgm:linClrLst>
+    <dgm:effectClrLst/>
+    <dgm:txLinClrLst/>
+    <dgm:txFillClrLst meth="repeat">
+      <a:schemeClr val="lt1"/>
+    </dgm:txFillClrLst>
+    <dgm:txEffectClrLst/>
+  </dgm:styleLbl>
+  <dgm:styleLbl name="fgShp">
+    <dgm:fillClrLst meth="repeat">
+      <a:schemeClr val="accent1">
+        <a:tint val="60000"/>
+      </a:schemeClr>
+    </dgm:fillClrLst>
+    <dgm:linClrLst meth="repeat">
+      <a:schemeClr val="lt1"/>
+    </dgm:linClrLst>
+    <dgm:effectClrLst/>
+    <dgm:txLinClrLst/>
+    <dgm:txFillClrLst meth="repeat">
+      <a:schemeClr val="dk1"/>
+    </dgm:txFillClrLst>
+    <dgm:txEffectClrLst/>
+  </dgm:styleLbl>
+  <dgm:styleLbl name="revTx">
+    <dgm:fillClrLst meth="repeat">
+      <a:schemeClr val="lt1">
+        <a:alpha val="0"/>
+      </a:schemeClr>
+    </dgm:fillClrLst>
+    <dgm:linClrLst meth="repeat">
+      <a:schemeClr val="dk1">
+        <a:alpha val="0"/>
+      </a:schemeClr>
+    </dgm:linClrLst>
+    <dgm:effectClrLst/>
+    <dgm:txLinClrLst/>
+    <dgm:txFillClrLst meth="repeat">
+      <a:schemeClr val="tx1"/>
+    </dgm:txFillClrLst>
+    <dgm:txEffectClrLst/>
+  </dgm:styleLbl>
+</dgm:colorsDef>
+</file>
+
+<file path=ppt/diagrams/data1.xml><?xml version="1.0" encoding="utf-8"?>
+<dgm:dataModel xmlns:dgm="http://schemas.openxmlformats.org/drawingml/2006/diagram" xmlns:a="http://schemas.openxmlformats.org/drawingml/2006/main">
+  <dgm:ptLst>
+    <dgm:pt modelId="{FD57CCFC-B83B-464C-88F8-BC6450268F97}" type="doc">
+      <dgm:prSet loTypeId="urn:microsoft.com/office/officeart/2005/8/layout/cycle2" loCatId="cycle" qsTypeId="urn:microsoft.com/office/officeart/2005/8/quickstyle/simple1" qsCatId="simple" csTypeId="urn:microsoft.com/office/officeart/2005/8/colors/accent1_2" csCatId="accent1" phldr="1"/>
+      <dgm:spPr/>
+      <dgm:t>
+        <a:bodyPr/>
+        <a:lstStyle/>
+        <a:p>
+          <a:endParaRPr lang="en-US"/>
+        </a:p>
+      </dgm:t>
+    </dgm:pt>
+    <dgm:pt modelId="{DC1518B7-EDD6-4CCF-9688-BF43B6ABDDB5}">
+      <dgm:prSet phldrT="[Text]"/>
+      <dgm:spPr/>
+      <dgm:t>
+        <a:bodyPr/>
+        <a:lstStyle/>
+        <a:p>
+          <a:r>
+            <a:rPr lang="en-US" dirty="0" smtClean="0"/>
+            <a:t>TSK0</a:t>
+          </a:r>
+          <a:endParaRPr lang="en-US" dirty="0"/>
+        </a:p>
+      </dgm:t>
+    </dgm:pt>
+    <dgm:pt modelId="{130A9095-4CCA-4C97-87A2-565F02EAAB50}" type="parTrans" cxnId="{E1FC6E72-F33D-4BB9-A274-4220C286B861}">
+      <dgm:prSet/>
+      <dgm:spPr/>
+      <dgm:t>
+        <a:bodyPr/>
+        <a:lstStyle/>
+        <a:p>
+          <a:endParaRPr lang="en-US"/>
+        </a:p>
+      </dgm:t>
+    </dgm:pt>
+    <dgm:pt modelId="{3E71EEED-B8A8-41CA-92B7-5F1CDAF3BE2F}" type="sibTrans" cxnId="{E1FC6E72-F33D-4BB9-A274-4220C286B861}">
+      <dgm:prSet/>
+      <dgm:spPr/>
+      <dgm:t>
+        <a:bodyPr/>
+        <a:lstStyle/>
+        <a:p>
+          <a:endParaRPr lang="en-US"/>
+        </a:p>
+      </dgm:t>
+    </dgm:pt>
+    <dgm:pt modelId="{142584DF-DF37-4E4D-8B12-3F1186ED8A79}">
+      <dgm:prSet phldrT="[Text]">
+        <dgm:style>
+          <a:lnRef idx="1">
+            <a:schemeClr val="accent2"/>
+          </a:lnRef>
+          <a:fillRef idx="2">
+            <a:schemeClr val="accent2"/>
+          </a:fillRef>
+          <a:effectRef idx="1">
+            <a:schemeClr val="accent2"/>
+          </a:effectRef>
+          <a:fontRef idx="minor">
+            <a:schemeClr val="dk1"/>
+          </a:fontRef>
+        </dgm:style>
+      </dgm:prSet>
+      <dgm:spPr/>
+      <dgm:t>
+        <a:bodyPr/>
+        <a:lstStyle/>
+        <a:p>
+          <a:r>
+            <a:rPr lang="en-US" dirty="0" smtClean="0"/>
+            <a:t>TSK1</a:t>
+          </a:r>
+          <a:endParaRPr lang="en-US" dirty="0"/>
+        </a:p>
+      </dgm:t>
+    </dgm:pt>
+    <dgm:pt modelId="{ED9FF5C5-2955-4ABE-8CBD-A291C105BC10}" type="parTrans" cxnId="{8000DA2E-31CB-4AD9-AF9B-52BAB5602E59}">
+      <dgm:prSet/>
+      <dgm:spPr/>
+      <dgm:t>
+        <a:bodyPr/>
+        <a:lstStyle/>
+        <a:p>
+          <a:endParaRPr lang="en-US"/>
+        </a:p>
+      </dgm:t>
+    </dgm:pt>
+    <dgm:pt modelId="{F9A12A89-8926-472F-A7F2-6C018E0DE993}" type="sibTrans" cxnId="{8000DA2E-31CB-4AD9-AF9B-52BAB5602E59}">
+      <dgm:prSet/>
+      <dgm:spPr/>
+      <dgm:t>
+        <a:bodyPr/>
+        <a:lstStyle/>
+        <a:p>
+          <a:endParaRPr lang="en-US"/>
+        </a:p>
+      </dgm:t>
+    </dgm:pt>
+    <dgm:pt modelId="{94959A71-8399-4743-A822-4B2822F36EB9}">
+      <dgm:prSet phldrT="[Text]"/>
+      <dgm:spPr/>
+      <dgm:t>
+        <a:bodyPr/>
+        <a:lstStyle/>
+        <a:p>
+          <a:r>
+            <a:rPr lang="en-US" dirty="0" smtClean="0"/>
+            <a:t>TSK2</a:t>
+          </a:r>
+          <a:endParaRPr lang="en-US" dirty="0"/>
+        </a:p>
+      </dgm:t>
+    </dgm:pt>
+    <dgm:pt modelId="{7B73C905-77F1-455E-8A1E-1C07DA733669}" type="parTrans" cxnId="{0A57CA8B-CCE8-45FB-ABAA-4658A3B96B41}">
+      <dgm:prSet/>
+      <dgm:spPr/>
+      <dgm:t>
+        <a:bodyPr/>
+        <a:lstStyle/>
+        <a:p>
+          <a:endParaRPr lang="en-US"/>
+        </a:p>
+      </dgm:t>
+    </dgm:pt>
+    <dgm:pt modelId="{341A2B66-E7B4-4CCE-A800-2D09F00E988D}" type="sibTrans" cxnId="{0A57CA8B-CCE8-45FB-ABAA-4658A3B96B41}">
+      <dgm:prSet/>
+      <dgm:spPr/>
+      <dgm:t>
+        <a:bodyPr/>
+        <a:lstStyle/>
+        <a:p>
+          <a:endParaRPr lang="en-US"/>
+        </a:p>
+      </dgm:t>
+    </dgm:pt>
+    <dgm:pt modelId="{1303FBFC-9B1F-43AD-A9CC-01EC7DFCCA63}">
+      <dgm:prSet phldrT="[Text]">
+        <dgm:style>
+          <a:lnRef idx="1">
+            <a:schemeClr val="accent2"/>
+          </a:lnRef>
+          <a:fillRef idx="2">
+            <a:schemeClr val="accent2"/>
+          </a:fillRef>
+          <a:effectRef idx="1">
+            <a:schemeClr val="accent2"/>
+          </a:effectRef>
+          <a:fontRef idx="minor">
+            <a:schemeClr val="dk1"/>
+          </a:fontRef>
+        </dgm:style>
+      </dgm:prSet>
+      <dgm:spPr/>
+      <dgm:t>
+        <a:bodyPr/>
+        <a:lstStyle/>
+        <a:p>
+          <a:r>
+            <a:rPr lang="en-US" dirty="0" smtClean="0"/>
+            <a:t>TSK3</a:t>
+          </a:r>
+          <a:endParaRPr lang="en-US" dirty="0"/>
+        </a:p>
+      </dgm:t>
+    </dgm:pt>
+    <dgm:pt modelId="{DF56F91D-EBF4-453D-B293-713DA3B7BAE8}" type="parTrans" cxnId="{26FA7A0A-3EAB-4761-BA2E-5E038B9C08EC}">
+      <dgm:prSet/>
+      <dgm:spPr/>
+      <dgm:t>
+        <a:bodyPr/>
+        <a:lstStyle/>
+        <a:p>
+          <a:endParaRPr lang="en-US"/>
+        </a:p>
+      </dgm:t>
+    </dgm:pt>
+    <dgm:pt modelId="{963AB9C7-534E-4244-8795-2DE50C0AAE1A}" type="sibTrans" cxnId="{26FA7A0A-3EAB-4761-BA2E-5E038B9C08EC}">
+      <dgm:prSet/>
+      <dgm:spPr/>
+      <dgm:t>
+        <a:bodyPr/>
+        <a:lstStyle/>
+        <a:p>
+          <a:endParaRPr lang="en-US"/>
+        </a:p>
+      </dgm:t>
+    </dgm:pt>
+    <dgm:pt modelId="{604DED0C-C7D1-44E9-9D91-4EA86CC58132}">
+      <dgm:prSet phldrT="[Text]"/>
+      <dgm:spPr/>
+      <dgm:t>
+        <a:bodyPr/>
+        <a:lstStyle/>
+        <a:p>
+          <a:r>
+            <a:rPr lang="en-US" dirty="0" smtClean="0"/>
+            <a:t>TSK4</a:t>
+          </a:r>
+          <a:endParaRPr lang="en-US" dirty="0"/>
+        </a:p>
+      </dgm:t>
+    </dgm:pt>
+    <dgm:pt modelId="{80FF181E-2F3F-4C95-B016-991B121BE693}" type="parTrans" cxnId="{8318BC13-B71D-4942-9198-291D21A68FEF}">
+      <dgm:prSet/>
+      <dgm:spPr/>
+      <dgm:t>
+        <a:bodyPr/>
+        <a:lstStyle/>
+        <a:p>
+          <a:endParaRPr lang="en-US"/>
+        </a:p>
+      </dgm:t>
+    </dgm:pt>
+    <dgm:pt modelId="{F9D67482-08A8-41D2-A4D4-28EF53768755}" type="sibTrans" cxnId="{8318BC13-B71D-4942-9198-291D21A68FEF}">
+      <dgm:prSet/>
+      <dgm:spPr/>
+      <dgm:t>
+        <a:bodyPr/>
+        <a:lstStyle/>
+        <a:p>
+          <a:endParaRPr lang="en-US"/>
+        </a:p>
+      </dgm:t>
+    </dgm:pt>
+    <dgm:pt modelId="{67A0B1C8-6388-410F-ABFD-B0A6F2F228F7}" type="pres">
+      <dgm:prSet presAssocID="{FD57CCFC-B83B-464C-88F8-BC6450268F97}" presName="cycle" presStyleCnt="0">
+        <dgm:presLayoutVars>
+          <dgm:dir/>
+          <dgm:resizeHandles val="exact"/>
+        </dgm:presLayoutVars>
+      </dgm:prSet>
+      <dgm:spPr/>
+    </dgm:pt>
+    <dgm:pt modelId="{9D1A61A1-B2AA-4F6A-AD68-CA1F7CD1DF22}" type="pres">
+      <dgm:prSet presAssocID="{DC1518B7-EDD6-4CCF-9688-BF43B6ABDDB5}" presName="node" presStyleLbl="node1" presStyleIdx="0" presStyleCnt="5">
+        <dgm:presLayoutVars>
+          <dgm:bulletEnabled val="1"/>
+        </dgm:presLayoutVars>
+      </dgm:prSet>
+      <dgm:spPr/>
+    </dgm:pt>
+    <dgm:pt modelId="{2C793FD2-6A40-488B-8088-8D409044269C}" type="pres">
+      <dgm:prSet presAssocID="{3E71EEED-B8A8-41CA-92B7-5F1CDAF3BE2F}" presName="sibTrans" presStyleLbl="sibTrans2D1" presStyleIdx="0" presStyleCnt="5"/>
+      <dgm:spPr/>
+    </dgm:pt>
+    <dgm:pt modelId="{586AA159-1625-454D-A036-99A7A81CC350}" type="pres">
+      <dgm:prSet presAssocID="{3E71EEED-B8A8-41CA-92B7-5F1CDAF3BE2F}" presName="connectorText" presStyleLbl="sibTrans2D1" presStyleIdx="0" presStyleCnt="5"/>
+      <dgm:spPr/>
+    </dgm:pt>
+    <dgm:pt modelId="{4CFB935C-7860-4776-A04C-834BDF85D630}" type="pres">
+      <dgm:prSet presAssocID="{142584DF-DF37-4E4D-8B12-3F1186ED8A79}" presName="node" presStyleLbl="node1" presStyleIdx="1" presStyleCnt="5">
+        <dgm:presLayoutVars>
+          <dgm:bulletEnabled val="1"/>
+        </dgm:presLayoutVars>
+      </dgm:prSet>
+      <dgm:spPr/>
+    </dgm:pt>
+    <dgm:pt modelId="{194CE3CF-2BF2-4AF5-9CEB-61305F2C5E2D}" type="pres">
+      <dgm:prSet presAssocID="{F9A12A89-8926-472F-A7F2-6C018E0DE993}" presName="sibTrans" presStyleLbl="sibTrans2D1" presStyleIdx="1" presStyleCnt="5"/>
+      <dgm:spPr/>
+    </dgm:pt>
+    <dgm:pt modelId="{CFCBAE3F-24A5-4178-8FA4-D975A8B7374E}" type="pres">
+      <dgm:prSet presAssocID="{F9A12A89-8926-472F-A7F2-6C018E0DE993}" presName="connectorText" presStyleLbl="sibTrans2D1" presStyleIdx="1" presStyleCnt="5"/>
+      <dgm:spPr/>
+    </dgm:pt>
+    <dgm:pt modelId="{EA63BA78-DFE1-4E32-B4E3-D3637C87D01A}" type="pres">
+      <dgm:prSet presAssocID="{94959A71-8399-4743-A822-4B2822F36EB9}" presName="node" presStyleLbl="node1" presStyleIdx="2" presStyleCnt="5">
+        <dgm:presLayoutVars>
+          <dgm:bulletEnabled val="1"/>
+        </dgm:presLayoutVars>
+      </dgm:prSet>
+      <dgm:spPr/>
+    </dgm:pt>
+    <dgm:pt modelId="{DA3308EA-AC4F-4F40-B121-EF1B7A77DC44}" type="pres">
+      <dgm:prSet presAssocID="{341A2B66-E7B4-4CCE-A800-2D09F00E988D}" presName="sibTrans" presStyleLbl="sibTrans2D1" presStyleIdx="2" presStyleCnt="5"/>
+      <dgm:spPr/>
+    </dgm:pt>
+    <dgm:pt modelId="{D328AB4C-7799-47B7-A8F1-3355D4AEDC1D}" type="pres">
+      <dgm:prSet presAssocID="{341A2B66-E7B4-4CCE-A800-2D09F00E988D}" presName="connectorText" presStyleLbl="sibTrans2D1" presStyleIdx="2" presStyleCnt="5"/>
+      <dgm:spPr/>
+    </dgm:pt>
+    <dgm:pt modelId="{7865197D-6E8D-4FFF-BEF4-77D19CDA6748}" type="pres">
+      <dgm:prSet presAssocID="{1303FBFC-9B1F-43AD-A9CC-01EC7DFCCA63}" presName="node" presStyleLbl="node1" presStyleIdx="3" presStyleCnt="5">
+        <dgm:presLayoutVars>
+          <dgm:bulletEnabled val="1"/>
+        </dgm:presLayoutVars>
+      </dgm:prSet>
+      <dgm:spPr/>
+    </dgm:pt>
+    <dgm:pt modelId="{BAAC15F4-9D1D-4DF8-800E-A898ABC0F2AB}" type="pres">
+      <dgm:prSet presAssocID="{963AB9C7-534E-4244-8795-2DE50C0AAE1A}" presName="sibTrans" presStyleLbl="sibTrans2D1" presStyleIdx="3" presStyleCnt="5"/>
+      <dgm:spPr/>
+    </dgm:pt>
+    <dgm:pt modelId="{1020FBBB-690C-4821-A794-B22748BC07F6}" type="pres">
+      <dgm:prSet presAssocID="{963AB9C7-534E-4244-8795-2DE50C0AAE1A}" presName="connectorText" presStyleLbl="sibTrans2D1" presStyleIdx="3" presStyleCnt="5"/>
+      <dgm:spPr/>
+    </dgm:pt>
+    <dgm:pt modelId="{7154A4FA-E800-40EB-A87E-5CECCE812433}" type="pres">
+      <dgm:prSet presAssocID="{604DED0C-C7D1-44E9-9D91-4EA86CC58132}" presName="node" presStyleLbl="node1" presStyleIdx="4" presStyleCnt="5">
+        <dgm:presLayoutVars>
+          <dgm:bulletEnabled val="1"/>
+        </dgm:presLayoutVars>
+      </dgm:prSet>
+      <dgm:spPr/>
+    </dgm:pt>
+    <dgm:pt modelId="{58C57B0B-F787-4E7B-A44C-92F01115E8E7}" type="pres">
+      <dgm:prSet presAssocID="{F9D67482-08A8-41D2-A4D4-28EF53768755}" presName="sibTrans" presStyleLbl="sibTrans2D1" presStyleIdx="4" presStyleCnt="5"/>
+      <dgm:spPr/>
+    </dgm:pt>
+    <dgm:pt modelId="{0DE8E6C8-D66E-45A0-B23D-743ED7603BE1}" type="pres">
+      <dgm:prSet presAssocID="{F9D67482-08A8-41D2-A4D4-28EF53768755}" presName="connectorText" presStyleLbl="sibTrans2D1" presStyleIdx="4" presStyleCnt="5"/>
+      <dgm:spPr/>
+    </dgm:pt>
+  </dgm:ptLst>
+  <dgm:cxnLst>
+    <dgm:cxn modelId="{267E9567-00E8-4CF5-AC3F-C4B78015D95D}" type="presOf" srcId="{3E71EEED-B8A8-41CA-92B7-5F1CDAF3BE2F}" destId="{2C793FD2-6A40-488B-8088-8D409044269C}" srcOrd="0" destOrd="0" presId="urn:microsoft.com/office/officeart/2005/8/layout/cycle2"/>
+    <dgm:cxn modelId="{E1FC6E72-F33D-4BB9-A274-4220C286B861}" srcId="{FD57CCFC-B83B-464C-88F8-BC6450268F97}" destId="{DC1518B7-EDD6-4CCF-9688-BF43B6ABDDB5}" srcOrd="0" destOrd="0" parTransId="{130A9095-4CCA-4C97-87A2-565F02EAAB50}" sibTransId="{3E71EEED-B8A8-41CA-92B7-5F1CDAF3BE2F}"/>
+    <dgm:cxn modelId="{FB579B80-661A-4626-B61F-E71F4E734262}" type="presOf" srcId="{142584DF-DF37-4E4D-8B12-3F1186ED8A79}" destId="{4CFB935C-7860-4776-A04C-834BDF85D630}" srcOrd="0" destOrd="0" presId="urn:microsoft.com/office/officeart/2005/8/layout/cycle2"/>
+    <dgm:cxn modelId="{F708609E-B605-4F54-9CB0-43BFD707546D}" type="presOf" srcId="{DC1518B7-EDD6-4CCF-9688-BF43B6ABDDB5}" destId="{9D1A61A1-B2AA-4F6A-AD68-CA1F7CD1DF22}" srcOrd="0" destOrd="0" presId="urn:microsoft.com/office/officeart/2005/8/layout/cycle2"/>
+    <dgm:cxn modelId="{1D8D5F4A-711A-4C36-9FDB-4E9DFB74713E}" type="presOf" srcId="{341A2B66-E7B4-4CCE-A800-2D09F00E988D}" destId="{DA3308EA-AC4F-4F40-B121-EF1B7A77DC44}" srcOrd="0" destOrd="0" presId="urn:microsoft.com/office/officeart/2005/8/layout/cycle2"/>
+    <dgm:cxn modelId="{8000DA2E-31CB-4AD9-AF9B-52BAB5602E59}" srcId="{FD57CCFC-B83B-464C-88F8-BC6450268F97}" destId="{142584DF-DF37-4E4D-8B12-3F1186ED8A79}" srcOrd="1" destOrd="0" parTransId="{ED9FF5C5-2955-4ABE-8CBD-A291C105BC10}" sibTransId="{F9A12A89-8926-472F-A7F2-6C018E0DE993}"/>
+    <dgm:cxn modelId="{457A18C9-81F1-4A35-ADA5-3C23816981B3}" type="presOf" srcId="{F9D67482-08A8-41D2-A4D4-28EF53768755}" destId="{58C57B0B-F787-4E7B-A44C-92F01115E8E7}" srcOrd="0" destOrd="0" presId="urn:microsoft.com/office/officeart/2005/8/layout/cycle2"/>
+    <dgm:cxn modelId="{856A50DA-D64A-4647-9709-42A133F935EB}" type="presOf" srcId="{963AB9C7-534E-4244-8795-2DE50C0AAE1A}" destId="{BAAC15F4-9D1D-4DF8-800E-A898ABC0F2AB}" srcOrd="0" destOrd="0" presId="urn:microsoft.com/office/officeart/2005/8/layout/cycle2"/>
+    <dgm:cxn modelId="{5BC36940-CB7A-4758-BE58-DC68FE675A98}" type="presOf" srcId="{F9D67482-08A8-41D2-A4D4-28EF53768755}" destId="{0DE8E6C8-D66E-45A0-B23D-743ED7603BE1}" srcOrd="1" destOrd="0" presId="urn:microsoft.com/office/officeart/2005/8/layout/cycle2"/>
+    <dgm:cxn modelId="{5BBB9AAA-3A31-48A0-9041-47E02695D120}" type="presOf" srcId="{341A2B66-E7B4-4CCE-A800-2D09F00E988D}" destId="{D328AB4C-7799-47B7-A8F1-3355D4AEDC1D}" srcOrd="1" destOrd="0" presId="urn:microsoft.com/office/officeart/2005/8/layout/cycle2"/>
+    <dgm:cxn modelId="{91D587B0-152F-4A17-97F4-8D81198DFDFF}" type="presOf" srcId="{F9A12A89-8926-472F-A7F2-6C018E0DE993}" destId="{CFCBAE3F-24A5-4178-8FA4-D975A8B7374E}" srcOrd="1" destOrd="0" presId="urn:microsoft.com/office/officeart/2005/8/layout/cycle2"/>
+    <dgm:cxn modelId="{71816249-CFA6-4CD1-B78B-39BBBE938AC5}" type="presOf" srcId="{FD57CCFC-B83B-464C-88F8-BC6450268F97}" destId="{67A0B1C8-6388-410F-ABFD-B0A6F2F228F7}" srcOrd="0" destOrd="0" presId="urn:microsoft.com/office/officeart/2005/8/layout/cycle2"/>
+    <dgm:cxn modelId="{8398DB34-75A0-4DB4-AB43-23767ADDD401}" type="presOf" srcId="{94959A71-8399-4743-A822-4B2822F36EB9}" destId="{EA63BA78-DFE1-4E32-B4E3-D3637C87D01A}" srcOrd="0" destOrd="0" presId="urn:microsoft.com/office/officeart/2005/8/layout/cycle2"/>
+    <dgm:cxn modelId="{425C4B2F-664D-4B86-B9DD-52F7B516C9B3}" type="presOf" srcId="{3E71EEED-B8A8-41CA-92B7-5F1CDAF3BE2F}" destId="{586AA159-1625-454D-A036-99A7A81CC350}" srcOrd="1" destOrd="0" presId="urn:microsoft.com/office/officeart/2005/8/layout/cycle2"/>
+    <dgm:cxn modelId="{26FA7A0A-3EAB-4761-BA2E-5E038B9C08EC}" srcId="{FD57CCFC-B83B-464C-88F8-BC6450268F97}" destId="{1303FBFC-9B1F-43AD-A9CC-01EC7DFCCA63}" srcOrd="3" destOrd="0" parTransId="{DF56F91D-EBF4-453D-B293-713DA3B7BAE8}" sibTransId="{963AB9C7-534E-4244-8795-2DE50C0AAE1A}"/>
+    <dgm:cxn modelId="{0A57CA8B-CCE8-45FB-ABAA-4658A3B96B41}" srcId="{FD57CCFC-B83B-464C-88F8-BC6450268F97}" destId="{94959A71-8399-4743-A822-4B2822F36EB9}" srcOrd="2" destOrd="0" parTransId="{7B73C905-77F1-455E-8A1E-1C07DA733669}" sibTransId="{341A2B66-E7B4-4CCE-A800-2D09F00E988D}"/>
+    <dgm:cxn modelId="{83F18F01-1EBB-4F68-A566-C281ACD257AA}" type="presOf" srcId="{F9A12A89-8926-472F-A7F2-6C018E0DE993}" destId="{194CE3CF-2BF2-4AF5-9CEB-61305F2C5E2D}" srcOrd="0" destOrd="0" presId="urn:microsoft.com/office/officeart/2005/8/layout/cycle2"/>
+    <dgm:cxn modelId="{A6CED050-C5D2-4A6A-B3EA-9375EB900D7C}" type="presOf" srcId="{1303FBFC-9B1F-43AD-A9CC-01EC7DFCCA63}" destId="{7865197D-6E8D-4FFF-BEF4-77D19CDA6748}" srcOrd="0" destOrd="0" presId="urn:microsoft.com/office/officeart/2005/8/layout/cycle2"/>
+    <dgm:cxn modelId="{7A19FA8A-9349-4A90-96EE-3F1BEED66291}" type="presOf" srcId="{963AB9C7-534E-4244-8795-2DE50C0AAE1A}" destId="{1020FBBB-690C-4821-A794-B22748BC07F6}" srcOrd="1" destOrd="0" presId="urn:microsoft.com/office/officeart/2005/8/layout/cycle2"/>
+    <dgm:cxn modelId="{782EF038-CBD4-42BC-9F87-E70F0C5BA753}" type="presOf" srcId="{604DED0C-C7D1-44E9-9D91-4EA86CC58132}" destId="{7154A4FA-E800-40EB-A87E-5CECCE812433}" srcOrd="0" destOrd="0" presId="urn:microsoft.com/office/officeart/2005/8/layout/cycle2"/>
+    <dgm:cxn modelId="{8318BC13-B71D-4942-9198-291D21A68FEF}" srcId="{FD57CCFC-B83B-464C-88F8-BC6450268F97}" destId="{604DED0C-C7D1-44E9-9D91-4EA86CC58132}" srcOrd="4" destOrd="0" parTransId="{80FF181E-2F3F-4C95-B016-991B121BE693}" sibTransId="{F9D67482-08A8-41D2-A4D4-28EF53768755}"/>
+    <dgm:cxn modelId="{9E0C6E45-BB6E-4222-ABBC-A7113BC40F60}" type="presParOf" srcId="{67A0B1C8-6388-410F-ABFD-B0A6F2F228F7}" destId="{9D1A61A1-B2AA-4F6A-AD68-CA1F7CD1DF22}" srcOrd="0" destOrd="0" presId="urn:microsoft.com/office/officeart/2005/8/layout/cycle2"/>
+    <dgm:cxn modelId="{97FEE296-E53E-47B7-988E-0AECC9F987D1}" type="presParOf" srcId="{67A0B1C8-6388-410F-ABFD-B0A6F2F228F7}" destId="{2C793FD2-6A40-488B-8088-8D409044269C}" srcOrd="1" destOrd="0" presId="urn:microsoft.com/office/officeart/2005/8/layout/cycle2"/>
+    <dgm:cxn modelId="{97A2F2E4-513E-460D-A237-6B19E8F238BA}" type="presParOf" srcId="{2C793FD2-6A40-488B-8088-8D409044269C}" destId="{586AA159-1625-454D-A036-99A7A81CC350}" srcOrd="0" destOrd="0" presId="urn:microsoft.com/office/officeart/2005/8/layout/cycle2"/>
+    <dgm:cxn modelId="{F7CA3780-5DF1-48F3-843E-F4F879F5C759}" type="presParOf" srcId="{67A0B1C8-6388-410F-ABFD-B0A6F2F228F7}" destId="{4CFB935C-7860-4776-A04C-834BDF85D630}" srcOrd="2" destOrd="0" presId="urn:microsoft.com/office/officeart/2005/8/layout/cycle2"/>
+    <dgm:cxn modelId="{FF9406BD-16AA-4919-BBC8-75972D5BA36F}" type="presParOf" srcId="{67A0B1C8-6388-410F-ABFD-B0A6F2F228F7}" destId="{194CE3CF-2BF2-4AF5-9CEB-61305F2C5E2D}" srcOrd="3" destOrd="0" presId="urn:microsoft.com/office/officeart/2005/8/layout/cycle2"/>
+    <dgm:cxn modelId="{2D35B151-448D-4328-83E5-D87A03AD46EA}" type="presParOf" srcId="{194CE3CF-2BF2-4AF5-9CEB-61305F2C5E2D}" destId="{CFCBAE3F-24A5-4178-8FA4-D975A8B7374E}" srcOrd="0" destOrd="0" presId="urn:microsoft.com/office/officeart/2005/8/layout/cycle2"/>
+    <dgm:cxn modelId="{B0BB0BE7-EDC0-48B8-A484-FDF192073E95}" type="presParOf" srcId="{67A0B1C8-6388-410F-ABFD-B0A6F2F228F7}" destId="{EA63BA78-DFE1-4E32-B4E3-D3637C87D01A}" srcOrd="4" destOrd="0" presId="urn:microsoft.com/office/officeart/2005/8/layout/cycle2"/>
+    <dgm:cxn modelId="{910A3337-BB42-41C5-A9F2-2806E20F02AB}" type="presParOf" srcId="{67A0B1C8-6388-410F-ABFD-B0A6F2F228F7}" destId="{DA3308EA-AC4F-4F40-B121-EF1B7A77DC44}" srcOrd="5" destOrd="0" presId="urn:microsoft.com/office/officeart/2005/8/layout/cycle2"/>
+    <dgm:cxn modelId="{8E7120A3-F797-48EA-8F3D-D9C6EDB76E75}" type="presParOf" srcId="{DA3308EA-AC4F-4F40-B121-EF1B7A77DC44}" destId="{D328AB4C-7799-47B7-A8F1-3355D4AEDC1D}" srcOrd="0" destOrd="0" presId="urn:microsoft.com/office/officeart/2005/8/layout/cycle2"/>
+    <dgm:cxn modelId="{08A4744D-F2DC-4604-BCB7-7DC7A2058B13}" type="presParOf" srcId="{67A0B1C8-6388-410F-ABFD-B0A6F2F228F7}" destId="{7865197D-6E8D-4FFF-BEF4-77D19CDA6748}" srcOrd="6" destOrd="0" presId="urn:microsoft.com/office/officeart/2005/8/layout/cycle2"/>
+    <dgm:cxn modelId="{9FB1DF67-DC35-490C-8AB2-A33C061A7BEE}" type="presParOf" srcId="{67A0B1C8-6388-410F-ABFD-B0A6F2F228F7}" destId="{BAAC15F4-9D1D-4DF8-800E-A898ABC0F2AB}" srcOrd="7" destOrd="0" presId="urn:microsoft.com/office/officeart/2005/8/layout/cycle2"/>
+    <dgm:cxn modelId="{C7861779-FB35-490E-83EC-C254260DE849}" type="presParOf" srcId="{BAAC15F4-9D1D-4DF8-800E-A898ABC0F2AB}" destId="{1020FBBB-690C-4821-A794-B22748BC07F6}" srcOrd="0" destOrd="0" presId="urn:microsoft.com/office/officeart/2005/8/layout/cycle2"/>
+    <dgm:cxn modelId="{C94EAF0F-566A-4441-ACD5-C4E53E5876EC}" type="presParOf" srcId="{67A0B1C8-6388-410F-ABFD-B0A6F2F228F7}" destId="{7154A4FA-E800-40EB-A87E-5CECCE812433}" srcOrd="8" destOrd="0" presId="urn:microsoft.com/office/officeart/2005/8/layout/cycle2"/>
+    <dgm:cxn modelId="{843CC2F5-A1A3-494E-B97A-D0FF86E48E2E}" type="presParOf" srcId="{67A0B1C8-6388-410F-ABFD-B0A6F2F228F7}" destId="{58C57B0B-F787-4E7B-A44C-92F01115E8E7}" srcOrd="9" destOrd="0" presId="urn:microsoft.com/office/officeart/2005/8/layout/cycle2"/>
+    <dgm:cxn modelId="{D97C588D-5945-4088-94C6-F4CE99953C80}" type="presParOf" srcId="{58C57B0B-F787-4E7B-A44C-92F01115E8E7}" destId="{0DE8E6C8-D66E-45A0-B23D-743ED7603BE1}" srcOrd="0" destOrd="0" presId="urn:microsoft.com/office/officeart/2005/8/layout/cycle2"/>
+  </dgm:cxnLst>
+  <dgm:bg/>
+  <dgm:whole/>
+  <dgm:extLst>
+    <a:ext uri="http://schemas.microsoft.com/office/drawing/2008/diagram">
+      <dsp:dataModelExt xmlns:dsp="http://schemas.microsoft.com/office/drawing/2008/diagram" xmlns="" relId="rId7" minVer="http://schemas.openxmlformats.org/drawingml/2006/diagram"/>
+    </a:ext>
+  </dgm:extLst>
+</dgm:dataModel>
+</file>
+
+<file path=ppt/diagrams/drawing1.xml><?xml version="1.0" encoding="utf-8"?>
+<dsp:drawing xmlns:dgm="http://schemas.openxmlformats.org/drawingml/2006/diagram" xmlns:a="http://schemas.openxmlformats.org/drawingml/2006/main" xmlns:dsp="http://schemas.microsoft.com/office/drawing/2008/diagram">
+  <dsp:spTree>
+    <dsp:nvGrpSpPr>
+      <dsp:cNvPr id="0" name=""/>
+      <dsp:cNvGrpSpPr/>
+    </dsp:nvGrpSpPr>
+    <dsp:grpSpPr/>
+    <dsp:sp modelId="{9D1A61A1-B2AA-4F6A-AD68-CA1F7CD1DF22}">
+      <dsp:nvSpPr>
+        <dsp:cNvPr id="0" name=""/>
+        <dsp:cNvSpPr/>
+      </dsp:nvSpPr>
+      <dsp:spPr>
+        <a:xfrm>
+          <a:off x="1520465" y="879"/>
+          <a:ext cx="1150069" cy="1150069"/>
+        </a:xfrm>
+        <a:prstGeom prst="ellipse">
+          <a:avLst/>
+        </a:prstGeom>
+        <a:solidFill>
+          <a:schemeClr val="accent1">
+            <a:hueOff val="0"/>
+            <a:satOff val="0"/>
+            <a:lumOff val="0"/>
+            <a:alphaOff val="0"/>
+          </a:schemeClr>
+        </a:solidFill>
+        <a:ln w="25400" cap="flat" cmpd="sng" algn="ctr">
+          <a:solidFill>
+            <a:schemeClr val="lt1">
+              <a:hueOff val="0"/>
+              <a:satOff val="0"/>
+              <a:lumOff val="0"/>
+              <a:alphaOff val="0"/>
+            </a:schemeClr>
+          </a:solidFill>
+          <a:prstDash val="solid"/>
+        </a:ln>
+        <a:effectLst/>
+      </dsp:spPr>
+      <dsp:style>
+        <a:lnRef idx="2">
+          <a:scrgbClr r="0" g="0" b="0"/>
+        </a:lnRef>
+        <a:fillRef idx="1">
+          <a:scrgbClr r="0" g="0" b="0"/>
+        </a:fillRef>
+        <a:effectRef idx="0">
+          <a:scrgbClr r="0" g="0" b="0"/>
+        </a:effectRef>
+        <a:fontRef idx="minor">
+          <a:schemeClr val="lt1"/>
+        </a:fontRef>
+      </dsp:style>
+      <dsp:txBody>
+        <a:bodyPr spcFirstLastPara="0" vert="horz" wrap="square" lIns="36830" tIns="36830" rIns="36830" bIns="36830" numCol="1" spcCol="1270" anchor="ctr" anchorCtr="0">
+          <a:noAutofit/>
+        </a:bodyPr>
+        <a:lstStyle/>
+        <a:p>
+          <a:pPr lvl="0" algn="ctr" defTabSz="1289050">
+            <a:lnSpc>
+              <a:spcPct val="90000"/>
+            </a:lnSpc>
+            <a:spcBef>
+              <a:spcPct val="0"/>
+            </a:spcBef>
+            <a:spcAft>
+              <a:spcPct val="35000"/>
+            </a:spcAft>
+          </a:pPr>
+          <a:r>
+            <a:rPr lang="en-US" sz="2900" kern="1200" dirty="0" smtClean="0"/>
+            <a:t>TSK0</a:t>
+          </a:r>
+          <a:endParaRPr lang="en-US" sz="2900" kern="1200" dirty="0"/>
+        </a:p>
+      </dsp:txBody>
+      <dsp:txXfrm>
+        <a:off x="1520465" y="879"/>
+        <a:ext cx="1150069" cy="1150069"/>
+      </dsp:txXfrm>
+    </dsp:sp>
+    <dsp:sp modelId="{2C793FD2-6A40-488B-8088-8D409044269C}">
+      <dsp:nvSpPr>
+        <dsp:cNvPr id="0" name=""/>
+        <dsp:cNvSpPr/>
+      </dsp:nvSpPr>
+      <dsp:spPr>
+        <a:xfrm rot="2160000">
+          <a:off x="2634247" y="884415"/>
+          <a:ext cx="305977" cy="388148"/>
+        </a:xfrm>
+        <a:prstGeom prst="rightArrow">
+          <a:avLst>
+            <a:gd name="adj1" fmla="val 60000"/>
+            <a:gd name="adj2" fmla="val 50000"/>
+          </a:avLst>
+        </a:prstGeom>
+        <a:solidFill>
+          <a:schemeClr val="accent1">
+            <a:tint val="60000"/>
+            <a:hueOff val="0"/>
+            <a:satOff val="0"/>
+            <a:lumOff val="0"/>
+            <a:alphaOff val="0"/>
+          </a:schemeClr>
+        </a:solidFill>
+        <a:ln>
+          <a:noFill/>
+        </a:ln>
+        <a:effectLst/>
+      </dsp:spPr>
+      <dsp:style>
+        <a:lnRef idx="0">
+          <a:scrgbClr r="0" g="0" b="0"/>
+        </a:lnRef>
+        <a:fillRef idx="1">
+          <a:scrgbClr r="0" g="0" b="0"/>
+        </a:fillRef>
+        <a:effectRef idx="0">
+          <a:scrgbClr r="0" g="0" b="0"/>
+        </a:effectRef>
+        <a:fontRef idx="minor">
+          <a:schemeClr val="lt1"/>
+        </a:fontRef>
+      </dsp:style>
+      <dsp:txBody>
+        <a:bodyPr spcFirstLastPara="0" vert="horz" wrap="square" lIns="0" tIns="0" rIns="0" bIns="0" numCol="1" spcCol="1270" anchor="ctr" anchorCtr="0">
+          <a:noAutofit/>
+        </a:bodyPr>
+        <a:lstStyle/>
+        <a:p>
+          <a:pPr lvl="0" algn="ctr" defTabSz="711200">
+            <a:lnSpc>
+              <a:spcPct val="90000"/>
+            </a:lnSpc>
+            <a:spcBef>
+              <a:spcPct val="0"/>
+            </a:spcBef>
+            <a:spcAft>
+              <a:spcPct val="35000"/>
+            </a:spcAft>
+          </a:pPr>
+          <a:endParaRPr lang="en-US" sz="1600" kern="1200"/>
+        </a:p>
+      </dsp:txBody>
+      <dsp:txXfrm rot="2160000">
+        <a:off x="2634247" y="884415"/>
+        <a:ext cx="305977" cy="388148"/>
+      </dsp:txXfrm>
+    </dsp:sp>
+    <dsp:sp modelId="{4CFB935C-7860-4776-A04C-834BDF85D630}">
+      <dsp:nvSpPr>
+        <dsp:cNvPr id="0" name=""/>
+        <dsp:cNvSpPr/>
+      </dsp:nvSpPr>
+      <dsp:spPr>
+        <a:xfrm>
+          <a:off x="2917948" y="1016210"/>
+          <a:ext cx="1150069" cy="1150069"/>
+        </a:xfrm>
+        <a:prstGeom prst="ellipse">
+          <a:avLst/>
+        </a:prstGeom>
+        <a:gradFill rotWithShape="1">
+          <a:gsLst>
+            <a:gs pos="0">
+              <a:schemeClr val="accent2">
+                <a:tint val="50000"/>
+                <a:satMod val="300000"/>
+              </a:schemeClr>
+            </a:gs>
+            <a:gs pos="35000">
+              <a:schemeClr val="accent2">
+                <a:tint val="37000"/>
+                <a:satMod val="300000"/>
+              </a:schemeClr>
+            </a:gs>
+            <a:gs pos="100000">
+              <a:schemeClr val="accent2">
+                <a:tint val="15000"/>
+                <a:satMod val="350000"/>
+              </a:schemeClr>
+            </a:gs>
+          </a:gsLst>
+          <a:lin ang="16200000" scaled="1"/>
+        </a:gradFill>
+        <a:ln w="9525" cap="flat" cmpd="sng" algn="ctr">
+          <a:solidFill>
+            <a:schemeClr val="accent2">
+              <a:shade val="95000"/>
+              <a:satMod val="105000"/>
+            </a:schemeClr>
+          </a:solidFill>
+          <a:prstDash val="solid"/>
+        </a:ln>
+        <a:effectLst>
+          <a:outerShdw blurRad="40000" dist="20000" dir="5400000" rotWithShape="0">
+            <a:srgbClr val="000000">
+              <a:alpha val="38000"/>
+            </a:srgbClr>
+          </a:outerShdw>
+        </a:effectLst>
+      </dsp:spPr>
+      <dsp:style>
+        <a:lnRef idx="1">
+          <a:schemeClr val="accent2"/>
+        </a:lnRef>
+        <a:fillRef idx="2">
+          <a:schemeClr val="accent2"/>
+        </a:fillRef>
+        <a:effectRef idx="1">
+          <a:schemeClr val="accent2"/>
+        </a:effectRef>
+        <a:fontRef idx="minor">
+          <a:schemeClr val="dk1"/>
+        </a:fontRef>
+      </dsp:style>
+      <dsp:txBody>
+        <a:bodyPr spcFirstLastPara="0" vert="horz" wrap="square" lIns="36830" tIns="36830" rIns="36830" bIns="36830" numCol="1" spcCol="1270" anchor="ctr" anchorCtr="0">
+          <a:noAutofit/>
+        </a:bodyPr>
+        <a:lstStyle/>
+        <a:p>
+          <a:pPr lvl="0" algn="ctr" defTabSz="1289050">
+            <a:lnSpc>
+              <a:spcPct val="90000"/>
+            </a:lnSpc>
+            <a:spcBef>
+              <a:spcPct val="0"/>
+            </a:spcBef>
+            <a:spcAft>
+              <a:spcPct val="35000"/>
+            </a:spcAft>
+          </a:pPr>
+          <a:r>
+            <a:rPr lang="en-US" sz="2900" kern="1200" dirty="0" smtClean="0"/>
+            <a:t>TSK1</a:t>
+          </a:r>
+          <a:endParaRPr lang="en-US" sz="2900" kern="1200" dirty="0"/>
+        </a:p>
+      </dsp:txBody>
+      <dsp:txXfrm>
+        <a:off x="2917948" y="1016210"/>
+        <a:ext cx="1150069" cy="1150069"/>
+      </dsp:txXfrm>
+    </dsp:sp>
+    <dsp:sp modelId="{194CE3CF-2BF2-4AF5-9CEB-61305F2C5E2D}">
+      <dsp:nvSpPr>
+        <dsp:cNvPr id="0" name=""/>
+        <dsp:cNvSpPr/>
+      </dsp:nvSpPr>
+      <dsp:spPr>
+        <a:xfrm rot="6480000">
+          <a:off x="3075775" y="2210355"/>
+          <a:ext cx="305977" cy="388148"/>
+        </a:xfrm>
+        <a:prstGeom prst="rightArrow">
+          <a:avLst>
+            <a:gd name="adj1" fmla="val 60000"/>
+            <a:gd name="adj2" fmla="val 50000"/>
+          </a:avLst>
+        </a:prstGeom>
+        <a:solidFill>
+          <a:schemeClr val="accent1">
+            <a:tint val="60000"/>
+            <a:hueOff val="0"/>
+            <a:satOff val="0"/>
+            <a:lumOff val="0"/>
+            <a:alphaOff val="0"/>
+          </a:schemeClr>
+        </a:solidFill>
+        <a:ln>
+          <a:noFill/>
+        </a:ln>
+        <a:effectLst/>
+      </dsp:spPr>
+      <dsp:style>
+        <a:lnRef idx="0">
+          <a:scrgbClr r="0" g="0" b="0"/>
+        </a:lnRef>
+        <a:fillRef idx="1">
+          <a:scrgbClr r="0" g="0" b="0"/>
+        </a:fillRef>
+        <a:effectRef idx="0">
+          <a:scrgbClr r="0" g="0" b="0"/>
+        </a:effectRef>
+        <a:fontRef idx="minor">
+          <a:schemeClr val="lt1"/>
+        </a:fontRef>
+      </dsp:style>
+      <dsp:txBody>
+        <a:bodyPr spcFirstLastPara="0" vert="horz" wrap="square" lIns="0" tIns="0" rIns="0" bIns="0" numCol="1" spcCol="1270" anchor="ctr" anchorCtr="0">
+          <a:noAutofit/>
+        </a:bodyPr>
+        <a:lstStyle/>
+        <a:p>
+          <a:pPr lvl="0" algn="ctr" defTabSz="711200">
+            <a:lnSpc>
+              <a:spcPct val="90000"/>
+            </a:lnSpc>
+            <a:spcBef>
+              <a:spcPct val="0"/>
+            </a:spcBef>
+            <a:spcAft>
+              <a:spcPct val="35000"/>
+            </a:spcAft>
+          </a:pPr>
+          <a:endParaRPr lang="en-US" sz="1600" kern="1200"/>
+        </a:p>
+      </dsp:txBody>
+      <dsp:txXfrm rot="6480000">
+        <a:off x="3075775" y="2210355"/>
+        <a:ext cx="305977" cy="388148"/>
+      </dsp:txXfrm>
+    </dsp:sp>
+    <dsp:sp modelId="{EA63BA78-DFE1-4E32-B4E3-D3637C87D01A}">
+      <dsp:nvSpPr>
+        <dsp:cNvPr id="0" name=""/>
+        <dsp:cNvSpPr/>
+      </dsp:nvSpPr>
+      <dsp:spPr>
+        <a:xfrm>
+          <a:off x="2384157" y="2659051"/>
+          <a:ext cx="1150069" cy="1150069"/>
+        </a:xfrm>
+        <a:prstGeom prst="ellipse">
+          <a:avLst/>
+        </a:prstGeom>
+        <a:solidFill>
+          <a:schemeClr val="accent1">
+            <a:hueOff val="0"/>
+            <a:satOff val="0"/>
+            <a:lumOff val="0"/>
+            <a:alphaOff val="0"/>
+          </a:schemeClr>
+        </a:solidFill>
+        <a:ln w="25400" cap="flat" cmpd="sng" algn="ctr">
+          <a:solidFill>
+            <a:schemeClr val="lt1">
+              <a:hueOff val="0"/>
+              <a:satOff val="0"/>
+              <a:lumOff val="0"/>
+              <a:alphaOff val="0"/>
+            </a:schemeClr>
+          </a:solidFill>
+          <a:prstDash val="solid"/>
+        </a:ln>
+        <a:effectLst/>
+      </dsp:spPr>
+      <dsp:style>
+        <a:lnRef idx="2">
+          <a:scrgbClr r="0" g="0" b="0"/>
+        </a:lnRef>
+        <a:fillRef idx="1">
+          <a:scrgbClr r="0" g="0" b="0"/>
+        </a:fillRef>
+        <a:effectRef idx="0">
+          <a:scrgbClr r="0" g="0" b="0"/>
+        </a:effectRef>
+        <a:fontRef idx="minor">
+          <a:schemeClr val="lt1"/>
+        </a:fontRef>
+      </dsp:style>
+      <dsp:txBody>
+        <a:bodyPr spcFirstLastPara="0" vert="horz" wrap="square" lIns="36830" tIns="36830" rIns="36830" bIns="36830" numCol="1" spcCol="1270" anchor="ctr" anchorCtr="0">
+          <a:noAutofit/>
+        </a:bodyPr>
+        <a:lstStyle/>
+        <a:p>
+          <a:pPr lvl="0" algn="ctr" defTabSz="1289050">
+            <a:lnSpc>
+              <a:spcPct val="90000"/>
+            </a:lnSpc>
+            <a:spcBef>
+              <a:spcPct val="0"/>
+            </a:spcBef>
+            <a:spcAft>
+              <a:spcPct val="35000"/>
+            </a:spcAft>
+          </a:pPr>
+          <a:r>
+            <a:rPr lang="en-US" sz="2900" kern="1200" dirty="0" smtClean="0"/>
+            <a:t>TSK2</a:t>
+          </a:r>
+          <a:endParaRPr lang="en-US" sz="2900" kern="1200" dirty="0"/>
+        </a:p>
+      </dsp:txBody>
+      <dsp:txXfrm>
+        <a:off x="2384157" y="2659051"/>
+        <a:ext cx="1150069" cy="1150069"/>
+      </dsp:txXfrm>
+    </dsp:sp>
+    <dsp:sp modelId="{DA3308EA-AC4F-4F40-B121-EF1B7A77DC44}">
+      <dsp:nvSpPr>
+        <dsp:cNvPr id="0" name=""/>
+        <dsp:cNvSpPr/>
+      </dsp:nvSpPr>
+      <dsp:spPr>
+        <a:xfrm rot="10800000">
+          <a:off x="1951171" y="3040011"/>
+          <a:ext cx="305977" cy="388148"/>
+        </a:xfrm>
+        <a:prstGeom prst="rightArrow">
+          <a:avLst>
+            <a:gd name="adj1" fmla="val 60000"/>
+            <a:gd name="adj2" fmla="val 50000"/>
+          </a:avLst>
+        </a:prstGeom>
+        <a:solidFill>
+          <a:schemeClr val="accent1">
+            <a:tint val="60000"/>
+            <a:hueOff val="0"/>
+            <a:satOff val="0"/>
+            <a:lumOff val="0"/>
+            <a:alphaOff val="0"/>
+          </a:schemeClr>
+        </a:solidFill>
+        <a:ln>
+          <a:noFill/>
+        </a:ln>
+        <a:effectLst/>
+      </dsp:spPr>
+      <dsp:style>
+        <a:lnRef idx="0">
+          <a:scrgbClr r="0" g="0" b="0"/>
+        </a:lnRef>
+        <a:fillRef idx="1">
+          <a:scrgbClr r="0" g="0" b="0"/>
+        </a:fillRef>
+        <a:effectRef idx="0">
+          <a:scrgbClr r="0" g="0" b="0"/>
+        </a:effectRef>
+        <a:fontRef idx="minor">
+          <a:schemeClr val="lt1"/>
+        </a:fontRef>
+      </dsp:style>
+      <dsp:txBody>
+        <a:bodyPr spcFirstLastPara="0" vert="horz" wrap="square" lIns="0" tIns="0" rIns="0" bIns="0" numCol="1" spcCol="1270" anchor="ctr" anchorCtr="0">
+          <a:noAutofit/>
+        </a:bodyPr>
+        <a:lstStyle/>
+        <a:p>
+          <a:pPr lvl="0" algn="ctr" defTabSz="711200">
+            <a:lnSpc>
+              <a:spcPct val="90000"/>
+            </a:lnSpc>
+            <a:spcBef>
+              <a:spcPct val="0"/>
+            </a:spcBef>
+            <a:spcAft>
+              <a:spcPct val="35000"/>
+            </a:spcAft>
+          </a:pPr>
+          <a:endParaRPr lang="en-US" sz="1600" kern="1200"/>
+        </a:p>
+      </dsp:txBody>
+      <dsp:txXfrm rot="10800000">
+        <a:off x="1951171" y="3040011"/>
+        <a:ext cx="305977" cy="388148"/>
+      </dsp:txXfrm>
+    </dsp:sp>
+    <dsp:sp modelId="{7865197D-6E8D-4FFF-BEF4-77D19CDA6748}">
+      <dsp:nvSpPr>
+        <dsp:cNvPr id="0" name=""/>
+        <dsp:cNvSpPr/>
+      </dsp:nvSpPr>
+      <dsp:spPr>
+        <a:xfrm>
+          <a:off x="656772" y="2659051"/>
+          <a:ext cx="1150069" cy="1150069"/>
+        </a:xfrm>
+        <a:prstGeom prst="ellipse">
+          <a:avLst/>
+        </a:prstGeom>
+        <a:gradFill rotWithShape="1">
+          <a:gsLst>
+            <a:gs pos="0">
+              <a:schemeClr val="accent2">
+                <a:tint val="50000"/>
+                <a:satMod val="300000"/>
+              </a:schemeClr>
+            </a:gs>
+            <a:gs pos="35000">
+              <a:schemeClr val="accent2">
+                <a:tint val="37000"/>
+                <a:satMod val="300000"/>
+              </a:schemeClr>
+            </a:gs>
+            <a:gs pos="100000">
+              <a:schemeClr val="accent2">
+                <a:tint val="15000"/>
+                <a:satMod val="350000"/>
+              </a:schemeClr>
+            </a:gs>
+          </a:gsLst>
+          <a:lin ang="16200000" scaled="1"/>
+        </a:gradFill>
+        <a:ln w="9525" cap="flat" cmpd="sng" algn="ctr">
+          <a:solidFill>
+            <a:schemeClr val="accent2">
+              <a:shade val="95000"/>
+              <a:satMod val="105000"/>
+            </a:schemeClr>
+          </a:solidFill>
+          <a:prstDash val="solid"/>
+        </a:ln>
+        <a:effectLst>
+          <a:outerShdw blurRad="40000" dist="20000" dir="5400000" rotWithShape="0">
+            <a:srgbClr val="000000">
+              <a:alpha val="38000"/>
+            </a:srgbClr>
+          </a:outerShdw>
+        </a:effectLst>
+      </dsp:spPr>
+      <dsp:style>
+        <a:lnRef idx="1">
+          <a:schemeClr val="accent2"/>
+        </a:lnRef>
+        <a:fillRef idx="2">
+          <a:schemeClr val="accent2"/>
+        </a:fillRef>
+        <a:effectRef idx="1">
+          <a:schemeClr val="accent2"/>
+        </a:effectRef>
+        <a:fontRef idx="minor">
+          <a:schemeClr val="dk1"/>
+        </a:fontRef>
+      </dsp:style>
+      <dsp:txBody>
+        <a:bodyPr spcFirstLastPara="0" vert="horz" wrap="square" lIns="36830" tIns="36830" rIns="36830" bIns="36830" numCol="1" spcCol="1270" anchor="ctr" anchorCtr="0">
+          <a:noAutofit/>
+        </a:bodyPr>
+        <a:lstStyle/>
+        <a:p>
+          <a:pPr lvl="0" algn="ctr" defTabSz="1289050">
+            <a:lnSpc>
+              <a:spcPct val="90000"/>
+            </a:lnSpc>
+            <a:spcBef>
+              <a:spcPct val="0"/>
+            </a:spcBef>
+            <a:spcAft>
+              <a:spcPct val="35000"/>
+            </a:spcAft>
+          </a:pPr>
+          <a:r>
+            <a:rPr lang="en-US" sz="2900" kern="1200" dirty="0" smtClean="0"/>
+            <a:t>TSK3</a:t>
+          </a:r>
+          <a:endParaRPr lang="en-US" sz="2900" kern="1200" dirty="0"/>
+        </a:p>
+      </dsp:txBody>
+      <dsp:txXfrm>
+        <a:off x="656772" y="2659051"/>
+        <a:ext cx="1150069" cy="1150069"/>
+      </dsp:txXfrm>
+    </dsp:sp>
+    <dsp:sp modelId="{BAAC15F4-9D1D-4DF8-800E-A898ABC0F2AB}">
+      <dsp:nvSpPr>
+        <dsp:cNvPr id="0" name=""/>
+        <dsp:cNvSpPr/>
+      </dsp:nvSpPr>
+      <dsp:spPr>
+        <a:xfrm rot="15120000">
+          <a:off x="814599" y="2226827"/>
+          <a:ext cx="305977" cy="388148"/>
+        </a:xfrm>
+        <a:prstGeom prst="rightArrow">
+          <a:avLst>
+            <a:gd name="adj1" fmla="val 60000"/>
+            <a:gd name="adj2" fmla="val 50000"/>
+          </a:avLst>
+        </a:prstGeom>
+        <a:solidFill>
+          <a:schemeClr val="accent1">
+            <a:tint val="60000"/>
+            <a:hueOff val="0"/>
+            <a:satOff val="0"/>
+            <a:lumOff val="0"/>
+            <a:alphaOff val="0"/>
+          </a:schemeClr>
+        </a:solidFill>
+        <a:ln>
+          <a:noFill/>
+        </a:ln>
+        <a:effectLst/>
+      </dsp:spPr>
+      <dsp:style>
+        <a:lnRef idx="0">
+          <a:scrgbClr r="0" g="0" b="0"/>
+        </a:lnRef>
+        <a:fillRef idx="1">
+          <a:scrgbClr r="0" g="0" b="0"/>
+        </a:fillRef>
+        <a:effectRef idx="0">
+          <a:scrgbClr r="0" g="0" b="0"/>
+        </a:effectRef>
+        <a:fontRef idx="minor">
+          <a:schemeClr val="lt1"/>
+        </a:fontRef>
+      </dsp:style>
+      <dsp:txBody>
+        <a:bodyPr spcFirstLastPara="0" vert="horz" wrap="square" lIns="0" tIns="0" rIns="0" bIns="0" numCol="1" spcCol="1270" anchor="ctr" anchorCtr="0">
+          <a:noAutofit/>
+        </a:bodyPr>
+        <a:lstStyle/>
+        <a:p>
+          <a:pPr lvl="0" algn="ctr" defTabSz="711200">
+            <a:lnSpc>
+              <a:spcPct val="90000"/>
+            </a:lnSpc>
+            <a:spcBef>
+              <a:spcPct val="0"/>
+            </a:spcBef>
+            <a:spcAft>
+              <a:spcPct val="35000"/>
+            </a:spcAft>
+          </a:pPr>
+          <a:endParaRPr lang="en-US" sz="1600" kern="1200"/>
+        </a:p>
+      </dsp:txBody>
+      <dsp:txXfrm rot="15120000">
+        <a:off x="814599" y="2226827"/>
+        <a:ext cx="305977" cy="388148"/>
+      </dsp:txXfrm>
+    </dsp:sp>
+    <dsp:sp modelId="{7154A4FA-E800-40EB-A87E-5CECCE812433}">
+      <dsp:nvSpPr>
+        <dsp:cNvPr id="0" name=""/>
+        <dsp:cNvSpPr/>
+      </dsp:nvSpPr>
+      <dsp:spPr>
+        <a:xfrm>
+          <a:off x="122981" y="1016210"/>
+          <a:ext cx="1150069" cy="1150069"/>
+        </a:xfrm>
+        <a:prstGeom prst="ellipse">
+          <a:avLst/>
+        </a:prstGeom>
+        <a:solidFill>
+          <a:schemeClr val="accent1">
+            <a:hueOff val="0"/>
+            <a:satOff val="0"/>
+            <a:lumOff val="0"/>
+            <a:alphaOff val="0"/>
+          </a:schemeClr>
+        </a:solidFill>
+        <a:ln w="25400" cap="flat" cmpd="sng" algn="ctr">
+          <a:solidFill>
+            <a:schemeClr val="lt1">
+              <a:hueOff val="0"/>
+              <a:satOff val="0"/>
+              <a:lumOff val="0"/>
+              <a:alphaOff val="0"/>
+            </a:schemeClr>
+          </a:solidFill>
+          <a:prstDash val="solid"/>
+        </a:ln>
+        <a:effectLst/>
+      </dsp:spPr>
+      <dsp:style>
+        <a:lnRef idx="2">
+          <a:scrgbClr r="0" g="0" b="0"/>
+        </a:lnRef>
+        <a:fillRef idx="1">
+          <a:scrgbClr r="0" g="0" b="0"/>
+        </a:fillRef>
+        <a:effectRef idx="0">
+          <a:scrgbClr r="0" g="0" b="0"/>
+        </a:effectRef>
+        <a:fontRef idx="minor">
+          <a:schemeClr val="lt1"/>
+        </a:fontRef>
+      </dsp:style>
+      <dsp:txBody>
+        <a:bodyPr spcFirstLastPara="0" vert="horz" wrap="square" lIns="36830" tIns="36830" rIns="36830" bIns="36830" numCol="1" spcCol="1270" anchor="ctr" anchorCtr="0">
+          <a:noAutofit/>
+        </a:bodyPr>
+        <a:lstStyle/>
+        <a:p>
+          <a:pPr lvl="0" algn="ctr" defTabSz="1289050">
+            <a:lnSpc>
+              <a:spcPct val="90000"/>
+            </a:lnSpc>
+            <a:spcBef>
+              <a:spcPct val="0"/>
+            </a:spcBef>
+            <a:spcAft>
+              <a:spcPct val="35000"/>
+            </a:spcAft>
+          </a:pPr>
+          <a:r>
+            <a:rPr lang="en-US" sz="2900" kern="1200" dirty="0" smtClean="0"/>
+            <a:t>TSK4</a:t>
+          </a:r>
+          <a:endParaRPr lang="en-US" sz="2900" kern="1200" dirty="0"/>
+        </a:p>
+      </dsp:txBody>
+      <dsp:txXfrm>
+        <a:off x="122981" y="1016210"/>
+        <a:ext cx="1150069" cy="1150069"/>
+      </dsp:txXfrm>
+    </dsp:sp>
+    <dsp:sp modelId="{58C57B0B-F787-4E7B-A44C-92F01115E8E7}">
+      <dsp:nvSpPr>
+        <dsp:cNvPr id="0" name=""/>
+        <dsp:cNvSpPr/>
+      </dsp:nvSpPr>
+      <dsp:spPr>
+        <a:xfrm rot="19440000">
+          <a:off x="1236763" y="894595"/>
+          <a:ext cx="305977" cy="388148"/>
+        </a:xfrm>
+        <a:prstGeom prst="rightArrow">
+          <a:avLst>
+            <a:gd name="adj1" fmla="val 60000"/>
+            <a:gd name="adj2" fmla="val 50000"/>
+          </a:avLst>
+        </a:prstGeom>
+        <a:solidFill>
+          <a:schemeClr val="accent1">
+            <a:tint val="60000"/>
+            <a:hueOff val="0"/>
+            <a:satOff val="0"/>
+            <a:lumOff val="0"/>
+            <a:alphaOff val="0"/>
+          </a:schemeClr>
+        </a:solidFill>
+        <a:ln>
+          <a:noFill/>
+        </a:ln>
+        <a:effectLst/>
+      </dsp:spPr>
+      <dsp:style>
+        <a:lnRef idx="0">
+          <a:scrgbClr r="0" g="0" b="0"/>
+        </a:lnRef>
+        <a:fillRef idx="1">
+          <a:scrgbClr r="0" g="0" b="0"/>
+        </a:fillRef>
+        <a:effectRef idx="0">
+          <a:scrgbClr r="0" g="0" b="0"/>
+        </a:effectRef>
+        <a:fontRef idx="minor">
+          <a:schemeClr val="lt1"/>
+        </a:fontRef>
+      </dsp:style>
+      <dsp:txBody>
+        <a:bodyPr spcFirstLastPara="0" vert="horz" wrap="square" lIns="0" tIns="0" rIns="0" bIns="0" numCol="1" spcCol="1270" anchor="ctr" anchorCtr="0">
+          <a:noAutofit/>
+        </a:bodyPr>
+        <a:lstStyle/>
+        <a:p>
+          <a:pPr lvl="0" algn="ctr" defTabSz="711200">
+            <a:lnSpc>
+              <a:spcPct val="90000"/>
+            </a:lnSpc>
+            <a:spcBef>
+              <a:spcPct val="0"/>
+            </a:spcBef>
+            <a:spcAft>
+              <a:spcPct val="35000"/>
+            </a:spcAft>
+          </a:pPr>
+          <a:endParaRPr lang="en-US" sz="1600" kern="1200"/>
+        </a:p>
+      </dsp:txBody>
+      <dsp:txXfrm rot="19440000">
+        <a:off x="1236763" y="894595"/>
+        <a:ext cx="305977" cy="388148"/>
+      </dsp:txXfrm>
+    </dsp:sp>
+  </dsp:spTree>
+</dsp:drawing>
+</file>
+
+<file path=ppt/diagrams/layout1.xml><?xml version="1.0" encoding="utf-8"?>
+<dgm:layoutDef xmlns:dgm="http://schemas.openxmlformats.org/drawingml/2006/diagram" xmlns:a="http://schemas.openxmlformats.org/drawingml/2006/main" uniqueId="urn:microsoft.com/office/officeart/2005/8/layout/cycle2">
+  <dgm:title val=""/>
+  <dgm:desc val=""/>
+  <dgm:catLst>
+    <dgm:cat type="cycle" pri="1000"/>
+    <dgm:cat type="convert" pri="10000"/>
+  </dgm:catLst>
+  <dgm:sampData>
+    <dgm:dataModel>
+      <dgm:ptLst>
+        <dgm:pt modelId="0" type="doc"/>
+        <dgm:pt modelId="1">
+          <dgm:prSet phldr="1"/>
+        </dgm:pt>
+        <dgm:pt modelId="2">
+          <dgm:prSet phldr="1"/>
+        </dgm:pt>
+        <dgm:pt modelId="3">
+          <dgm:prSet phldr="1"/>
+        </dgm:pt>
+        <dgm:pt modelId="4">
+          <dgm:prSet phldr="1"/>
+        </dgm:pt>
+        <dgm:pt modelId="5">
+          <dgm:prSet phldr="1"/>
+        </dgm:pt>
+      </dgm:ptLst>
+      <dgm:cxnLst>
+        <dgm:cxn modelId="6" srcId="0" destId="1" srcOrd="0" destOrd="0"/>
+        <dgm:cxn modelId="7" srcId="0" destId="2" srcOrd="1" destOrd="0"/>
+        <dgm:cxn modelId="8" srcId="0" destId="3" srcOrd="2" destOrd="0"/>
+        <dgm:cxn modelId="9" srcId="0" destId="4" srcOrd="3" destOrd="0"/>
+        <dgm:cxn modelId="10" srcId="0" destId="5" srcOrd="4" destOrd="0"/>
+      </dgm:cxnLst>
+      <dgm:bg/>
+      <dgm:whole/>
+    </dgm:dataModel>
+  </dgm:sampData>
+  <dgm:styleData>
+    <dgm:dataModel>
+      <dgm:ptLst>
+        <dgm:pt modelId="0" type="doc"/>
+        <dgm:pt modelId="1"/>
+        <dgm:pt modelId="2"/>
+        <dgm:pt modelId="3"/>
+      </dgm:ptLst>
+      <dgm:cxnLst>
+        <dgm:cxn modelId="4" srcId="0" destId="1" srcOrd="0" destOrd="0"/>
+        <dgm:cxn modelId="5" srcId="0" destId="2" srcOrd="1" destOrd="0"/>
+        <dgm:cxn modelId="6" srcId="0" destId="3" srcOrd="2" destOrd="0"/>
+      </dgm:cxnLst>
+      <dgm:bg/>
+      <dgm:whole/>
+    </dgm:dataModel>
+  </dgm:styleData>
+  <dgm:clrData>
+    <dgm:dataModel>
+      <dgm:ptLst>
+        <dgm:pt modelId="0" type="doc"/>
+        <dgm:pt modelId="1"/>
+        <dgm:pt modelId="2"/>
+        <dgm:pt modelId="3"/>
+        <dgm:pt modelId="4"/>
+        <dgm:pt modelId="5"/>
+        <dgm:pt modelId="6"/>
+      </dgm:ptLst>
+      <dgm:cxnLst>
+        <dgm:cxn modelId="7" srcId="0" destId="1" srcOrd="0" destOrd="0"/>
+        <dgm:cxn modelId="8" srcId="0" destId="2" srcOrd="1" destOrd="0"/>
+        <dgm:cxn modelId="9" srcId="0" destId="3" srcOrd="2" destOrd="0"/>
+        <dgm:cxn modelId="10" srcId="0" destId="4" srcOrd="3" destOrd="0"/>
+        <dgm:cxn modelId="11" srcId="0" destId="5" srcOrd="4" destOrd="0"/>
+        <dgm:cxn modelId="12" srcId="0" destId="6" srcOrd="5" destOrd="0"/>
+      </dgm:cxnLst>
+      <dgm:bg/>
+      <dgm:whole/>
+    </dgm:dataModel>
+  </dgm:clrData>
+  <dgm:layoutNode name="cycle">
+    <dgm:varLst>
+      <dgm:dir/>
+      <dgm:resizeHandles val="exact"/>
+    </dgm:varLst>
+    <dgm:choose name="Name0">
+      <dgm:if name="Name1" func="var" arg="dir" op="equ" val="norm">
+        <dgm:choose name="Name2">
+          <dgm:if name="Name3" axis="ch" ptType="node" func="cnt" op="gt" val="2">
+            <dgm:alg type="cycle">
+              <dgm:param type="stAng" val="0"/>
+              <dgm:param type="spanAng" val="360"/>
+            </dgm:alg>
+          </dgm:if>
+          <dgm:else name="Name4">
+            <dgm:alg type="cycle">
+              <dgm:param type="stAng" val="-90"/>
+              <dgm:param type="spanAng" val="360"/>
+            </dgm:alg>
+          </dgm:else>
+        </dgm:choose>
+      </dgm:if>
+      <dgm:else name="Name5">
+        <dgm:choose name="Name6">
+          <dgm:if name="Name7" axis="ch" ptType="node" func="cnt" op="gt" val="2">
+            <dgm:alg type="cycle">
+              <dgm:param type="stAng" val="0"/>
+              <dgm:param type="spanAng" val="-360"/>
+            </dgm:alg>
+          </dgm:if>
+          <dgm:else name="Name8">
+            <dgm:alg type="cycle">
+              <dgm:param type="stAng" val="90"/>
+              <dgm:param type="spanAng" val="-360"/>
+            </dgm:alg>
+          </dgm:else>
+        </dgm:choose>
+      </dgm:else>
+    </dgm:choose>
+    <dgm:shape xmlns:r="http://schemas.openxmlformats.org/officeDocument/2006/relationships" r:blip="">
+      <dgm:adjLst/>
+    </dgm:shape>
+    <dgm:presOf/>
+    <dgm:constrLst>
+      <dgm:constr type="w" for="ch" ptType="node" refType="w"/>
+      <dgm:constr type="w" for="ch" ptType="sibTrans" refType="w" refFor="ch" refPtType="node" op="equ" fact="0.25"/>
+      <dgm:constr type="sibSp" refType="w" refFor="ch" refPtType="node" fact="0.5"/>
+      <dgm:constr type="primFontSz" for="ch" ptType="node" op="equ" val="65"/>
+      <dgm:constr type="primFontSz" for="des" forName="connectorText" op="equ" val="55"/>
+      <dgm:constr type="primFontSz" for="des" forName="connectorText" refType="primFontSz" refFor="ch" refPtType="node" op="lte" fact="0.8"/>
+    </dgm:constrLst>
+    <dgm:ruleLst/>
+    <dgm:forEach name="nodesForEach" axis="ch" ptType="node">
+      <dgm:layoutNode name="node">
+        <dgm:varLst>
+          <dgm:bulletEnabled val="1"/>
+        </dgm:varLst>
+        <dgm:alg type="tx">
+          <dgm:param type="txAnchorVertCh" val="mid"/>
+        </dgm:alg>
+        <dgm:shape xmlns:r="http://schemas.openxmlformats.org/officeDocument/2006/relationships" type="ellipse" r:blip="">
+          <dgm:adjLst/>
+        </dgm:shape>
+        <dgm:presOf axis="desOrSelf" ptType="node"/>
+        <dgm:constrLst>
+          <dgm:constr type="h" refType="w"/>
+          <dgm:constr type="lMarg" refType="primFontSz" fact="0.1"/>
+          <dgm:constr type="rMarg" refType="primFontSz" fact="0.1"/>
+          <dgm:constr type="tMarg" refType="primFontSz" fact="0.1"/>
+          <dgm:constr type="bMarg" refType="primFontSz" fact="0.1"/>
+        </dgm:constrLst>
+        <dgm:ruleLst>
+          <dgm:rule type="primFontSz" val="5" fact="NaN" max="NaN"/>
+        </dgm:ruleLst>
+      </dgm:layoutNode>
+      <dgm:choose name="Name9">
+        <dgm:if name="Name10" axis="par ch" ptType="doc node" func="cnt" op="gt" val="1">
+          <dgm:forEach name="sibTransForEach" axis="followSib" ptType="sibTrans" hideLastTrans="0" cnt="1">
+            <dgm:layoutNode name="sibTrans">
+              <dgm:choose name="Name11">
+                <dgm:if name="Name12" axis="par ch" ptType="doc node" func="cnt" op="lt" val="3">
+                  <dgm:alg type="conn">
+                    <dgm:param type="begPts" val="radial"/>
+                    <dgm:param type="endPts" val="radial"/>
+                  </dgm:alg>
+                </dgm:if>
+                <dgm:else name="Name13">
+                  <dgm:alg type="conn">
+                    <dgm:param type="begPts" val="auto"/>
+                    <dgm:param type="endPts" val="auto"/>
+                  </dgm:alg>
+                </dgm:else>
+              </dgm:choose>
+              <dgm:shape xmlns:r="http://schemas.openxmlformats.org/officeDocument/2006/relationships" type="conn" r:blip="">
+                <dgm:adjLst/>
+              </dgm:shape>
+              <dgm:presOf axis="self"/>
+              <dgm:constrLst>
+                <dgm:constr type="h" refType="w" fact="1.35"/>
+                <dgm:constr type="connDist"/>
+                <dgm:constr type="w" for="ch" refType="connDist" fact="0.45"/>
+                <dgm:constr type="h" for="ch" refType="h"/>
+              </dgm:constrLst>
+              <dgm:ruleLst/>
+              <dgm:layoutNode name="connectorText">
+                <dgm:alg type="tx">
+                  <dgm:param type="autoTxRot" val="grav"/>
+                </dgm:alg>
+                <dgm:shape xmlns:r="http://schemas.openxmlformats.org/officeDocument/2006/relationships" type="conn" r:blip="" hideGeom="1">
+                  <dgm:adjLst/>
+                </dgm:shape>
+                <dgm:presOf axis="self"/>
+                <dgm:constrLst>
+                  <dgm:constr type="lMarg"/>
+                  <dgm:constr type="rMarg"/>
+                  <dgm:constr type="tMarg"/>
+                  <dgm:constr type="bMarg"/>
+                </dgm:constrLst>
+                <dgm:ruleLst>
+                  <dgm:rule type="primFontSz" val="5" fact="NaN" max="NaN"/>
+                </dgm:ruleLst>
+              </dgm:layoutNode>
+            </dgm:layoutNode>
+          </dgm:forEach>
+        </dgm:if>
+        <dgm:else name="Name14"/>
+      </dgm:choose>
+    </dgm:forEach>
+  </dgm:layoutNode>
+</dgm:layoutDef>
+</file>
+
+<file path=ppt/diagrams/quickStyle1.xml><?xml version="1.0" encoding="utf-8"?>
+<dgm:styleDef xmlns:dgm="http://schemas.openxmlformats.org/drawingml/2006/diagram" xmlns:a="http://schemas.openxmlformats.org/drawingml/2006/main" uniqueId="urn:microsoft.com/office/officeart/2005/8/quickstyle/simple1">
+  <dgm:title val=""/>
+  <dgm:desc val=""/>
+  <dgm:catLst>
+    <dgm:cat type="simple" pri="10100"/>
+  </dgm:catLst>
+  <dgm:scene3d>
+    <a:camera prst="orthographicFront"/>
+    <a:lightRig rig="threePt" dir="t"/>
+  </dgm:scene3d>
+  <dgm:styleLbl name="node0">
+    <dgm:scene3d>
+      <a:camera prst="orthographicFront"/>
+      <a:lightRig rig="threePt" dir="t"/>
+    </dgm:scene3d>
+    <dgm:sp3d/>
+    <dgm:txPr/>
+    <dgm:style>
+      <a:lnRef idx="2">
+        <a:scrgbClr r="0" g="0" b="0"/>
+      </a:lnRef>
+      <a:fillRef idx="1">
+        <a:scrgbClr r="0" g="0" b="0"/>
+      </a:fillRef>
+      <a:effectRef idx="0">
+        <a:scrgbClr r="0" g="0" b="0"/>
+      </a:effectRef>
+      <a:fontRef idx="minor">
+        <a:schemeClr val="lt1"/>
+      </a:fontRef>
+    </dgm:style>
+  </dgm:styleLbl>
+  <dgm:styleLbl name="lnNode1">
+    <dgm:scene3d>
+      <a:camera prst="orthographicFront"/>
+      <a:lightRig rig="threePt" dir="t"/>
+    </dgm:scene3d>
+    <dgm:sp3d/>
+    <dgm:txPr/>
+    <dgm:style>
+      <a:lnRef idx="2">
+        <a:scrgbClr r="0" g="0" b="0"/>
+      </a:lnRef>
+      <a:fillRef idx="1">
+        <a:scrgbClr r="0" g="0" b="0"/>
+      </a:fillRef>
+      <a:effectRef idx="0">
+        <a:scrgbClr r="0" g="0" b="0"/>
+      </a:effectRef>
+      <a:fontRef idx="minor">
+        <a:schemeClr val="lt1"/>
+      </a:fontRef>
+    </dgm:style>
+  </dgm:styleLbl>
+  <dgm:styleLbl name="vennNode1">
+    <dgm:scene3d>
+      <a:camera prst="orthographicFront"/>
+      <a:lightRig rig="threePt" dir="t"/>
+    </dgm:scene3d>
+    <dgm:sp3d/>
+    <dgm:txPr/>
+    <dgm:style>
+      <a:lnRef idx="2">
+        <a:scrgbClr r="0" g="0" b="0"/>
+      </a:lnRef>
+      <a:fillRef idx="1">
+        <a:scrgbClr r="0" g="0" b="0"/>
+      </a:fillRef>
+      <a:effectRef idx="0">
+        <a:scrgbClr r="0" g="0" b="0"/>
+      </a:effectRef>
+      <a:fontRef idx="minor">
+        <a:schemeClr val="tx1"/>
+      </a:fontRef>
+    </dgm:style>
+  </dgm:styleLbl>
+  <dgm:styleLbl name="alignNode1">
+    <dgm:scene3d>
+      <a:camera prst="orthographicFront"/>
+      <a:lightRig rig="threePt" dir="t"/>
+    </dgm:scene3d>
+    <dgm:sp3d/>
+    <dgm:txPr/>
+    <dgm:style>
+      <a:lnRef idx="2">
+        <a:scrgbClr r="0" g="0" b="0"/>
+      </a:lnRef>
+      <a:fillRef idx="1">
+        <a:scrgbClr r="0" g="0" b="0"/>
+      </a:fillRef>
+      <a:effectRef idx="0">
+        <a:scrgbClr r="0" g="0" b="0"/>
+      </a:effectRef>
+      <a:fontRef idx="minor">
+        <a:schemeClr val="lt1"/>
+      </a:fontRef>
+    </dgm:style>
+  </dgm:styleLbl>
+  <dgm:styleLbl name="node1">
+    <dgm:scene3d>
+      <a:camera prst="orthographicFront"/>
+      <a:lightRig rig="threePt" dir="t"/>
+    </dgm:scene3d>
+    <dgm:sp3d/>
+    <dgm:txPr/>
+    <dgm:style>
+      <a:lnRef idx="2">
+        <a:scrgbClr r="0" g="0" b="0"/>
+      </a:lnRef>
+      <a:fillRef idx="1">
+        <a:scrgbClr r="0" g="0" b="0"/>
+      </a:fillRef>
+      <a:effectRef idx="0">
+        <a:scrgbClr r="0" g="0" b="0"/>
+      </a:effectRef>
+      <a:fontRef idx="minor">
+        <a:schemeClr val="lt1"/>
+      </a:fontRef>
+    </dgm:style>
+  </dgm:styleLbl>
+  <dgm:styleLbl name="node2">
+    <dgm:scene3d>
+      <a:camera prst="orthographicFront"/>
+      <a:lightRig rig="threePt" dir="t"/>
+    </dgm:scene3d>
+    <dgm:sp3d/>
+    <dgm:txPr/>
+    <dgm:style>
+      <a:lnRef idx="2">
+        <a:scrgbClr r="0" g="0" b="0"/>
+      </a:lnRef>
+      <a:fillRef idx="1">
+        <a:scrgbClr r="0" g="0" b="0"/>
+      </a:fillRef>
+      <a:effectRef idx="0">
+        <a:scrgbClr r="0" g="0" b="0"/>
+      </a:effectRef>
+      <a:fontRef idx="minor">
+        <a:schemeClr val="lt1"/>
+      </a:fontRef>
+    </dgm:style>
+  </dgm:styleLbl>
+  <dgm:styleLbl name="node3">
+    <dgm:scene3d>
+      <a:camera prst="orthographicFront"/>
+      <a:lightRig rig="threePt" dir="t"/>
+    </dgm:scene3d>
+    <dgm:sp3d/>
+    <dgm:txPr/>
+    <dgm:style>
+      <a:lnRef idx="2">
+        <a:scrgbClr r="0" g="0" b="0"/>
+      </a:lnRef>
+      <a:fillRef idx="1">
+        <a:scrgbClr r="0" g="0" b="0"/>
+      </a:fillRef>
+      <a:effectRef idx="0">
+        <a:scrgbClr r="0" g="0" b="0"/>
+      </a:effectRef>
+      <a:fontRef idx="minor">
+        <a:schemeClr val="lt1"/>
+      </a:fontRef>
+    </dgm:style>
+  </dgm:styleLbl>
+  <dgm:styleLbl name="node4">
+    <dgm:scene3d>
+      <a:camera prst="orthographicFront"/>
+      <a:lightRig rig="threePt" dir="t"/>
+    </dgm:scene3d>
+    <dgm:sp3d/>
+    <dgm:txPr/>
+    <dgm:style>
+      <a:lnRef idx="2">
+        <a:scrgbClr r="0" g="0" b="0"/>
+      </a:lnRef>
+      <a:fillRef idx="1">
+        <a:scrgbClr r="0" g="0" b="0"/>
+      </a:fillRef>
+      <a:effectRef idx="0">
+        <a:scrgbClr r="0" g="0" b="0"/>
+      </a:effectRef>
+      <a:fontRef idx="minor">
+        <a:schemeClr val="lt1"/>
+      </a:fontRef>
+    </dgm:style>
+  </dgm:styleLbl>
+  <dgm:styleLbl name="fgImgPlace1">
+    <dgm:scene3d>
+      <a:camera prst="orthographicFront"/>
+      <a:lightRig rig="threePt" dir="t"/>
+    </dgm:scene3d>
+    <dgm:sp3d/>
+    <dgm:txPr/>
+    <dgm:style>
+      <a:lnRef idx="2">
+        <a:scrgbClr r="0" g="0" b="0"/>
+      </a:lnRef>
+      <a:fillRef idx="1">
+        <a:scrgbClr r="0" g="0" b="0"/>
+      </a:fillRef>
+      <a:effectRef idx="0">
+        <a:scrgbClr r="0" g="0" b="0"/>
+      </a:effectRef>
+      <a:fontRef idx="minor"/>
+    </dgm:style>
+  </dgm:styleLbl>
+  <dgm:styleLbl name="alignImgPlace1">
+    <dgm:scene3d>
+      <a:camera prst="orthographicFront"/>
+      <a:lightRig rig="threePt" dir="t"/>
+    </dgm:scene3d>
+    <dgm:sp3d/>
+    <dgm:txPr/>
+    <dgm:style>
+      <a:lnRef idx="2">
+        <a:scrgbClr r="0" g="0" b="0"/>
+      </a:lnRef>
+      <a:fillRef idx="1">
+        <a:scrgbClr r="0" g="0" b="0"/>
+      </a:fillRef>
+      <a:effectRef idx="0">
+        <a:scrgbClr r="0" g="0" b="0"/>
+      </a:effectRef>
+      <a:fontRef idx="minor"/>
+    </dgm:style>
+  </dgm:styleLbl>
+  <dgm:styleLbl name="bgImgPlace1">
+    <dgm:scene3d>
+      <a:camera prst="orthographicFront"/>
+      <a:lightRig rig="threePt" dir="t"/>
+    </dgm:scene3d>
+    <dgm:sp3d/>
+    <dgm:txPr/>
+    <dgm:style>
+      <a:lnRef idx="2">
+        <a:scrgbClr r="0" g="0" b="0"/>
+      </a:lnRef>
+      <a:fillRef idx="1">
+        <a:scrgbClr r="0" g="0" b="0"/>
+      </a:fillRef>
+      <a:effectRef idx="0">
+        <a:scrgbClr r="0" g="0" b="0"/>
+      </a:effectRef>
+      <a:fontRef idx="minor"/>
+    </dgm:style>
+  </dgm:styleLbl>
+  <dgm:styleLbl name="sibTrans2D1">
+    <dgm:scene3d>
+      <a:camera prst="orthographicFront"/>
+      <a:lightRig rig="threePt" dir="t"/>
+    </dgm:scene3d>
+    <dgm:sp3d/>
+    <dgm:txPr/>
+    <dgm:style>
+      <a:lnRef idx="0">
+        <a:scrgbClr r="0" g="0" b="0"/>
+      </a:lnRef>
+      <a:fillRef idx="1">
+        <a:scrgbClr r="0" g="0" b="0"/>
+      </a:fillRef>
+      <a:effectRef idx="0">
+        <a:scrgbClr r="0" g="0" b="0"/>
+      </a:effectRef>
+      <a:fontRef idx="minor">
+        <a:schemeClr val="lt1"/>
+      </a:fontRef>
+    </dgm:style>
+  </dgm:styleLbl>
+  <dgm:styleLbl name="fgSibTrans2D1">
+    <dgm:scene3d>
+      <a:camera prst="orthographicFront"/>
+      <a:lightRig rig="threePt" dir="t"/>
+    </dgm:scene3d>
+    <dgm:sp3d/>
+    <dgm:txPr/>
+    <dgm:style>
+      <a:lnRef idx="0">
+        <a:scrgbClr r="0" g="0" b="0"/>
+      </a:lnRef>
+      <a:fillRef idx="1">
+        <a:scrgbClr r="0" g="0" b="0"/>
+      </a:fillRef>
+      <a:effectRef idx="0">
+        <a:scrgbClr r="0" g="0" b="0"/>
+      </a:effectRef>
+      <a:fontRef idx="minor">
+        <a:schemeClr val="lt1"/>
+      </a:fontRef>
+    </dgm:style>
+  </dgm:styleLbl>
+  <dgm:styleLbl name="bgSibTrans2D1">
+    <dgm:scene3d>
+      <a:camera prst="orthographicFront"/>
+      <a:lightRig rig="threePt" dir="t"/>
+    </dgm:scene3d>
+    <dgm:sp3d/>
+    <dgm:txPr/>
+    <dgm:style>
+      <a:lnRef idx="0">
+        <a:scrgbClr r="0" g="0" b="0"/>
+      </a:lnRef>
+      <a:fillRef idx="1">
+        <a:scrgbClr r="0" g="0" b="0"/>
+      </a:fillRef>
+      <a:effectRef idx="0">
+        <a:scrgbClr r="0" g="0" b="0"/>
+      </a:effectRef>
+      <a:fontRef idx="minor">
+        <a:schemeClr val="lt1"/>
+      </a:fontRef>
+    </dgm:style>
+  </dgm:styleLbl>
+  <dgm:styleLbl name="sibTrans1D1">
+    <dgm:scene3d>
+      <a:camera prst="orthographicFront"/>
+      <a:lightRig rig="threePt" dir="t"/>
+    </dgm:scene3d>
+    <dgm:sp3d/>
+    <dgm:txPr/>
+    <dgm:style>
+      <a:lnRef idx="1">
+        <a:scrgbClr r="0" g="0" b="0"/>
+      </a:lnRef>
+      <a:fillRef idx="0">
+        <a:scrgbClr r="0" g="0" b="0"/>
+      </a:fillRef>
+      <a:effectRef idx="0">
+        <a:scrgbClr r="0" g="0" b="0"/>
+      </a:effectRef>
+      <a:fontRef idx="minor"/>
+    </dgm:style>
+  </dgm:styleLbl>
+  <dgm:styleLbl name="callout">
+    <dgm:scene3d>
+      <a:camera prst="orthographicFront"/>
+      <a:lightRig rig="threePt" dir="t"/>
+    </dgm:scene3d>
+    <dgm:sp3d/>
+    <dgm:txPr/>
+    <dgm:style>
+      <a:lnRef idx="2">
+        <a:scrgbClr r="0" g="0" b="0"/>
+      </a:lnRef>
+      <a:fillRef idx="1">
+        <a:scrgbClr r="0" g="0" b="0"/>
+      </a:fillRef>
+      <a:effectRef idx="0">
+        <a:scrgbClr r="0" g="0" b="0"/>
+      </a:effectRef>
+      <a:fontRef idx="minor"/>
+    </dgm:style>
+  </dgm:styleLbl>
+  <dgm:styleLbl name="asst0">
+    <dgm:scene3d>
+      <a:camera prst="orthographicFront"/>
+      <a:lightRig rig="threePt" dir="t"/>
+    </dgm:scene3d>
+    <dgm:sp3d/>
+    <dgm:txPr/>
+    <dgm:style>
+      <a:lnRef idx="2">
+        <a:scrgbClr r="0" g="0" b="0"/>
+      </a:lnRef>
+      <a:fillRef idx="1">
+        <a:scrgbClr r="0" g="0" b="0"/>
+      </a:fillRef>
+      <a:effectRef idx="0">
+        <a:scrgbClr r="0" g="0" b="0"/>
+      </a:effectRef>
+      <a:fontRef idx="minor">
+        <a:schemeClr val="lt1"/>
+      </a:fontRef>
+    </dgm:style>
+  </dgm:styleLbl>
+  <dgm:styleLbl name="asst1">
+    <dgm:scene3d>
+      <a:camera prst="orthographicFront"/>
+      <a:lightRig rig="threePt" dir="t"/>
+    </dgm:scene3d>
+    <dgm:sp3d/>
+    <dgm:txPr/>
+    <dgm:style>
+      <a:lnRef idx="2">
+        <a:scrgbClr r="0" g="0" b="0"/>
+      </a:lnRef>
+      <a:fillRef idx="1">
+        <a:scrgbClr r="0" g="0" b="0"/>
+      </a:fillRef>
+      <a:effectRef idx="0">
+        <a:scrgbClr r="0" g="0" b="0"/>
+      </a:effectRef>
+      <a:fontRef idx="minor">
+        <a:schemeClr val="lt1"/>
+      </a:fontRef>
+    </dgm:style>
+  </dgm:styleLbl>
+  <dgm:styleLbl name="asst2">
+    <dgm:scene3d>
+      <a:camera prst="orthographicFront"/>
+      <a:lightRig rig="threePt" dir="t"/>
+    </dgm:scene3d>
+    <dgm:sp3d/>
+    <dgm:txPr/>
+    <dgm:style>
+      <a:lnRef idx="2">
+        <a:scrgbClr r="0" g="0" b="0"/>
+      </a:lnRef>
+      <a:fillRef idx="1">
+        <a:scrgbClr r="0" g="0" b="0"/>
+      </a:fillRef>
+      <a:effectRef idx="0">
+        <a:scrgbClr r="0" g="0" b="0"/>
+      </a:effectRef>
+      <a:fontRef idx="minor">
+        <a:schemeClr val="lt1"/>
+      </a:fontRef>
+    </dgm:style>
+  </dgm:styleLbl>
+  <dgm:styleLbl name="asst3">
+    <dgm:scene3d>
+      <a:camera prst="orthographicFront"/>
+      <a:lightRig rig="threePt" dir="t"/>
+    </dgm:scene3d>
+    <dgm:sp3d/>
+    <dgm:txPr/>
+    <dgm:style>
+      <a:lnRef idx="2">
+        <a:scrgbClr r="0" g="0" b="0"/>
+      </a:lnRef>
+      <a:fillRef idx="1">
+        <a:scrgbClr r="0" g="0" b="0"/>
+      </a:fillRef>
+      <a:effectRef idx="0">
+        <a:scrgbClr r="0" g="0" b="0"/>
+      </a:effectRef>
+      <a:fontRef idx="minor">
+        <a:schemeClr val="lt1"/>
+      </a:fontRef>
+    </dgm:style>
+  </dgm:styleLbl>
+  <dgm:styleLbl name="asst4">
+    <dgm:scene3d>
+      <a:camera prst="orthographicFront"/>
+      <a:lightRig rig="threePt" dir="t"/>
+    </dgm:scene3d>
+    <dgm:sp3d/>
+    <dgm:txPr/>
+    <dgm:style>
+      <a:lnRef idx="2">
+        <a:scrgbClr r="0" g="0" b="0"/>
+      </a:lnRef>
+      <a:fillRef idx="1">
+        <a:scrgbClr r="0" g="0" b="0"/>
+      </a:fillRef>
+      <a:effectRef idx="0">
+        <a:scrgbClr r="0" g="0" b="0"/>
+      </a:effectRef>
+      <a:fontRef idx="minor">
+        <a:schemeClr val="lt1"/>
+      </a:fontRef>
+    </dgm:style>
+  </dgm:styleLbl>
+  <dgm:styleLbl name="parChTrans2D1">
+    <dgm:scene3d>
+      <a:camera prst="orthographicFront"/>
+      <a:lightRig rig="threePt" dir="t"/>
+    </dgm:scene3d>
+    <dgm:sp3d/>
+    <dgm:txPr/>
+    <dgm:style>
+      <a:lnRef idx="2">
+        <a:scrgbClr r="0" g="0" b="0"/>
+      </a:lnRef>
+      <a:fillRef idx="1">
+        <a:scrgbClr r="0" g="0" b="0"/>
+      </a:fillRef>
+      <a:effectRef idx="0">
+        <a:scrgbClr r="0" g="0" b="0"/>
+      </a:effectRef>
+      <a:fontRef idx="minor">
+        <a:schemeClr val="lt1"/>
+      </a:fontRef>
+    </dgm:style>
+  </dgm:styleLbl>
+  <dgm:styleLbl name="parChTrans2D2">
+    <dgm:scene3d>
+      <a:camera prst="orthographicFront"/>
+      <a:lightRig rig="threePt" dir="t"/>
+    </dgm:scene3d>
+    <dgm:sp3d/>
+    <dgm:txPr/>
+    <dgm:style>
+      <a:lnRef idx="2">
+        <a:scrgbClr r="0" g="0" b="0"/>
+      </a:lnRef>
+      <a:fillRef idx="1">
+        <a:scrgbClr r="0" g="0" b="0"/>
+      </a:fillRef>
+      <a:effectRef idx="0">
+        <a:scrgbClr r="0" g="0" b="0"/>
+      </a:effectRef>
+      <a:fontRef idx="minor">
+        <a:schemeClr val="lt1"/>
+      </a:fontRef>
+    </dgm:style>
+  </dgm:styleLbl>
+  <dgm:styleLbl name="parChTrans2D3">
+    <dgm:scene3d>
+      <a:camera prst="orthographicFront"/>
+      <a:lightRig rig="threePt" dir="t"/>
+    </dgm:scene3d>
+    <dgm:sp3d/>
+    <dgm:txPr/>
+    <dgm:style>
+      <a:lnRef idx="2">
+        <a:scrgbClr r="0" g="0" b="0"/>
+      </a:lnRef>
+      <a:fillRef idx="1">
+        <a:scrgbClr r="0" g="0" b="0"/>
+      </a:fillRef>
+      <a:effectRef idx="0">
+        <a:scrgbClr r="0" g="0" b="0"/>
+      </a:effectRef>
+      <a:fontRef idx="minor">
+        <a:schemeClr val="lt1"/>
+      </a:fontRef>
+    </dgm:style>
+  </dgm:styleLbl>
+  <dgm:styleLbl name="parChTrans2D4">
+    <dgm:scene3d>
+      <a:camera prst="orthographicFront"/>
+      <a:lightRig rig="threePt" dir="t"/>
+    </dgm:scene3d>
+    <dgm:sp3d/>
+    <dgm:txPr/>
+    <dgm:style>
+      <a:lnRef idx="2">
+        <a:scrgbClr r="0" g="0" b="0"/>
+      </a:lnRef>
+      <a:fillRef idx="1">
+        <a:scrgbClr r="0" g="0" b="0"/>
+      </a:fillRef>
+      <a:effectRef idx="0">
+        <a:scrgbClr r="0" g="0" b="0"/>
+      </a:effectRef>
+      <a:fontRef idx="minor">
+        <a:schemeClr val="lt1"/>
+      </a:fontRef>
+    </dgm:style>
+  </dgm:styleLbl>
+  <dgm:styleLbl name="parChTrans1D1">
+    <dgm:scene3d>
+      <a:camera prst="orthographicFront"/>
+      <a:lightRig rig="threePt" dir="t"/>
+    </dgm:scene3d>
+    <dgm:sp3d/>
+    <dgm:txPr/>
+    <dgm:style>
+      <a:lnRef idx="2">
+        <a:scrgbClr r="0" g="0" b="0"/>
+      </a:lnRef>
+      <a:fillRef idx="0">
+        <a:scrgbClr r="0" g="0" b="0"/>
+      </a:fillRef>
+      <a:effectRef idx="0">
+        <a:scrgbClr r="0" g="0" b="0"/>
+      </a:effectRef>
+      <a:fontRef idx="minor"/>
+    </dgm:style>
+  </dgm:styleLbl>
+  <dgm:styleLbl name="parChTrans1D2">
+    <dgm:scene3d>
+      <a:camera prst="orthographicFront"/>
+      <a:lightRig rig="threePt" dir="t"/>
+    </dgm:scene3d>
+    <dgm:sp3d/>
+    <dgm:txPr/>
+    <dgm:style>
+      <a:lnRef idx="2">
+        <a:scrgbClr r="0" g="0" b="0"/>
+      </a:lnRef>
+      <a:fillRef idx="0">
+        <a:scrgbClr r="0" g="0" b="0"/>
+      </a:fillRef>
+      <a:effectRef idx="0">
+        <a:scrgbClr r="0" g="0" b="0"/>
+      </a:effectRef>
+      <a:fontRef idx="minor"/>
+    </dgm:style>
+  </dgm:styleLbl>
+  <dgm:styleLbl name="parChTrans1D3">
+    <dgm:scene3d>
+      <a:camera prst="orthographicFront"/>
+      <a:lightRig rig="threePt" dir="t"/>
+    </dgm:scene3d>
+    <dgm:sp3d/>
+    <dgm:txPr/>
+    <dgm:style>
+      <a:lnRef idx="2">
+        <a:scrgbClr r="0" g="0" b="0"/>
+      </a:lnRef>
+      <a:fillRef idx="0">
+        <a:scrgbClr r="0" g="0" b="0"/>
+      </a:fillRef>
+      <a:effectRef idx="0">
+        <a:scrgbClr r="0" g="0" b="0"/>
+      </a:effectRef>
+      <a:fontRef idx="minor"/>
+    </dgm:style>
+  </dgm:styleLbl>
+  <dgm:styleLbl name="parChTrans1D4">
+    <dgm:scene3d>
+      <a:camera prst="orthographicFront"/>
+      <a:lightRig rig="threePt" dir="t"/>
+    </dgm:scene3d>
+    <dgm:sp3d/>
+    <dgm:txPr/>
+    <dgm:style>
+      <a:lnRef idx="2">
+        <a:scrgbClr r="0" g="0" b="0"/>
+      </a:lnRef>
+      <a:fillRef idx="0">
+        <a:scrgbClr r="0" g="0" b="0"/>
+      </a:fillRef>
+      <a:effectRef idx="0">
+        <a:scrgbClr r="0" g="0" b="0"/>
+      </a:effectRef>
+      <a:fontRef idx="minor"/>
+    </dgm:style>
+  </dgm:styleLbl>
+  <dgm:styleLbl name="fgAcc1">
+    <dgm:scene3d>
+      <a:camera prst="orthographicFront"/>
+      <a:lightRig rig="threePt" dir="t"/>
+    </dgm:scene3d>
+    <dgm:sp3d/>
+    <dgm:txPr/>
+    <dgm:style>
+      <a:lnRef idx="2">
+        <a:scrgbClr r="0" g="0" b="0"/>
+      </a:lnRef>
+      <a:fillRef idx="1">
+        <a:scrgbClr r="0" g="0" b="0"/>
+      </a:fillRef>
+      <a:effectRef idx="0">
+        <a:scrgbClr r="0" g="0" b="0"/>
+      </a:effectRef>
+      <a:fontRef idx="minor"/>
+    </dgm:style>
+  </dgm:styleLbl>
+  <dgm:styleLbl name="conFgAcc1">
+    <dgm:scene3d>
+      <a:camera prst="orthographicFront"/>
+      <a:lightRig rig="threePt" dir="t"/>
+    </dgm:scene3d>
+    <dgm:sp3d/>
+    <dgm:txPr/>
+    <dgm:style>
+      <a:lnRef idx="2">
+        <a:scrgbClr r="0" g="0" b="0"/>
+      </a:lnRef>
+      <a:fillRef idx="1">
+        <a:scrgbClr r="0" g="0" b="0"/>
+      </a:fillRef>
+      <a:effectRef idx="0">
+        <a:scrgbClr r="0" g="0" b="0"/>
+      </a:effectRef>
+      <a:fontRef idx="minor"/>
+    </dgm:style>
+  </dgm:styleLbl>
+  <dgm:styleLbl name="alignAcc1">
+    <dgm:scene3d>
+      <a:camera prst="orthographicFront"/>
+      <a:lightRig rig="threePt" dir="t"/>
+    </dgm:scene3d>
+    <dgm:sp3d/>
+    <dgm:txPr/>
+    <dgm:style>
+      <a:lnRef idx="2">
+        <a:scrgbClr r="0" g="0" b="0"/>
+      </a:lnRef>
+      <a:fillRef idx="1">
+        <a:scrgbClr r="0" g="0" b="0"/>
+      </a:fillRef>
+      <a:effectRef idx="0">
+        <a:scrgbClr r="0" g="0" b="0"/>
+      </a:effectRef>
+      <a:fontRef idx="minor"/>
+    </dgm:style>
+  </dgm:styleLbl>
+  <dgm:styleLbl name="trAlignAcc1">
+    <dgm:scene3d>
+      <a:camera prst="orthographicFront"/>
+      <a:lightRig rig="threePt" dir="t"/>
+    </dgm:scene3d>
+    <dgm:sp3d/>
+    <dgm:txPr/>
+    <dgm:style>
+      <a:lnRef idx="1">
+        <a:scrgbClr r="0" g="0" b="0"/>
+      </a:lnRef>
+      <a:fillRef idx="1">
+        <a:scrgbClr r="0" g="0" b="0"/>
+      </a:fillRef>
+      <a:effectRef idx="0">
+        <a:scrgbClr r="0" g="0" b="0"/>
+      </a:effectRef>
+      <a:fontRef idx="minor"/>
+    </dgm:style>
+  </dgm:styleLbl>
+  <dgm:styleLbl name="bgAcc1">
+    <dgm:scene3d>
+      <a:camera prst="orthographicFront"/>
+      <a:lightRig rig="threePt" dir="t"/>
+    </dgm:scene3d>
+    <dgm:sp3d/>
+    <dgm:txPr/>
+    <dgm:style>
+      <a:lnRef idx="2">
+        <a:scrgbClr r="0" g="0" b="0"/>
+      </a:lnRef>
+      <a:fillRef idx="1">
+        <a:scrgbClr r="0" g="0" b="0"/>
+      </a:fillRef>
+      <a:effectRef idx="0">
+        <a:scrgbClr r="0" g="0" b="0"/>
+      </a:effectRef>
+      <a:fontRef idx="minor"/>
+    </dgm:style>
+  </dgm:styleLbl>
+  <dgm:styleLbl name="solidFgAcc1">
+    <dgm:scene3d>
+      <a:camera prst="orthographicFront"/>
+      <a:lightRig rig="threePt" dir="t"/>
+    </dgm:scene3d>
+    <dgm:sp3d/>
+    <dgm:txPr/>
+    <dgm:style>
+      <a:lnRef idx="2">
+        <a:scrgbClr r="0" g="0" b="0"/>
+      </a:lnRef>
+      <a:fillRef idx="1">
+        <a:scrgbClr r="0" g="0" b="0"/>
+      </a:fillRef>
+      <a:effectRef idx="0">
+        <a:scrgbClr r="0" g="0" b="0"/>
+      </a:effectRef>
+      <a:fontRef idx="minor"/>
+    </dgm:style>
+  </dgm:styleLbl>
+  <dgm:styleLbl name="solidAlignAcc1">
+    <dgm:scene3d>
+      <a:camera prst="orthographicFront"/>
+      <a:lightRig rig="threePt" dir="t"/>
+    </dgm:scene3d>
+    <dgm:sp3d/>
+    <dgm:txPr/>
+    <dgm:style>
+      <a:lnRef idx="2">
+        <a:scrgbClr r="0" g="0" b="0"/>
+      </a:lnRef>
+      <a:fillRef idx="1">
+        <a:scrgbClr r="0" g="0" b="0"/>
+      </a:fillRef>
+      <a:effectRef idx="0">
+        <a:scrgbClr r="0" g="0" b="0"/>
+      </a:effectRef>
+      <a:fontRef idx="minor"/>
+    </dgm:style>
+  </dgm:styleLbl>
+  <dgm:styleLbl name="solidBgAcc1">
+    <dgm:scene3d>
+      <a:camera prst="orthographicFront"/>
+      <a:lightRig rig="threePt" dir="t"/>
+    </dgm:scene3d>
+    <dgm:sp3d/>
+    <dgm:txPr/>
+    <dgm:style>
+      <a:lnRef idx="2">
+        <a:scrgbClr r="0" g="0" b="0"/>
+      </a:lnRef>
+      <a:fillRef idx="1">
+        <a:scrgbClr r="0" g="0" b="0"/>
+      </a:fillRef>
+      <a:effectRef idx="0">
+        <a:scrgbClr r="0" g="0" b="0"/>
+      </a:effectRef>
+      <a:fontRef idx="minor"/>
+    </dgm:style>
+  </dgm:styleLbl>
+  <dgm:styleLbl name="fgAccFollowNode1">
+    <dgm:scene3d>
+      <a:camera prst="orthographicFront"/>
+      <a:lightRig rig="threePt" dir="t"/>
+    </dgm:scene3d>
+    <dgm:sp3d/>
+    <dgm:txPr/>
+    <dgm:style>
+      <a:lnRef idx="2">
+        <a:scrgbClr r="0" g="0" b="0"/>
+      </a:lnRef>
+      <a:fillRef idx="1">
+        <a:scrgbClr r="0" g="0" b="0"/>
+      </a:fillRef>
+      <a:effectRef idx="0">
+        <a:scrgbClr r="0" g="0" b="0"/>
+      </a:effectRef>
+      <a:fontRef idx="minor"/>
+    </dgm:style>
+  </dgm:styleLbl>
+  <dgm:styleLbl name="alignAccFollowNode1">
+    <dgm:scene3d>
+      <a:camera prst="orthographicFront"/>
+      <a:lightRig rig="threePt" dir="t"/>
+    </dgm:scene3d>
+    <dgm:sp3d/>
+    <dgm:txPr/>
+    <dgm:style>
+      <a:lnRef idx="2">
+        <a:scrgbClr r="0" g="0" b="0"/>
+      </a:lnRef>
+      <a:fillRef idx="1">
+        <a:scrgbClr r="0" g="0" b="0"/>
+      </a:fillRef>
+      <a:effectRef idx="0">
+        <a:scrgbClr r="0" g="0" b="0"/>
+      </a:effectRef>
+      <a:fontRef idx="minor"/>
+    </dgm:style>
+  </dgm:styleLbl>
+  <dgm:styleLbl name="bgAccFollowNode1">
+    <dgm:scene3d>
+      <a:camera prst="orthographicFront"/>
+      <a:lightRig rig="threePt" dir="t"/>
+    </dgm:scene3d>
+    <dgm:sp3d/>
+    <dgm:txPr/>
+    <dgm:style>
+      <a:lnRef idx="2">
+        <a:scrgbClr r="0" g="0" b="0"/>
+      </a:lnRef>
+      <a:fillRef idx="1">
+        <a:scrgbClr r="0" g="0" b="0"/>
+      </a:fillRef>
+      <a:effectRef idx="0">
+        <a:scrgbClr r="0" g="0" b="0"/>
+      </a:effectRef>
+      <a:fontRef idx="minor"/>
+    </dgm:style>
+  </dgm:styleLbl>
+  <dgm:styleLbl name="fgAcc0">
+    <dgm:scene3d>
+      <a:camera prst="orthographicFront"/>
+      <a:lightRig rig="threePt" dir="t"/>
+    </dgm:scene3d>
+    <dgm:sp3d/>
+    <dgm:txPr/>
+    <dgm:style>
+      <a:lnRef idx="2">
+        <a:scrgbClr r="0" g="0" b="0"/>
+      </a:lnRef>
+      <a:fillRef idx="1">
+        <a:scrgbClr r="0" g="0" b="0"/>
+      </a:fillRef>
+      <a:effectRef idx="0">
+        <a:scrgbClr r="0" g="0" b="0"/>
+      </a:effectRef>
+      <a:fontRef idx="minor"/>
+    </dgm:style>
+  </dgm:styleLbl>
+  <dgm:styleLbl name="fgAcc2">
+    <dgm:scene3d>
+      <a:camera prst="orthographicFront"/>
+      <a:lightRig rig="threePt" dir="t"/>
+    </dgm:scene3d>
+    <dgm:sp3d/>
+    <dgm:txPr/>
+    <dgm:style>
+      <a:lnRef idx="2">
+        <a:scrgbClr r="0" g="0" b="0"/>
+      </a:lnRef>
+      <a:fillRef idx="1">
+        <a:scrgbClr r="0" g="0" b="0"/>
+      </a:fillRef>
+      <a:effectRef idx="0">
+        <a:scrgbClr r="0" g="0" b="0"/>
+      </a:effectRef>
+      <a:fontRef idx="minor"/>
+    </dgm:style>
+  </dgm:styleLbl>
+  <dgm:styleLbl name="fgAcc3">
+    <dgm:scene3d>
+      <a:camera prst="orthographicFront"/>
+      <a:lightRig rig="threePt" dir="t"/>
+    </dgm:scene3d>
+    <dgm:sp3d/>
+    <dgm:txPr/>
+    <dgm:style>
+      <a:lnRef idx="2">
+        <a:scrgbClr r="0" g="0" b="0"/>
+      </a:lnRef>
+      <a:fillRef idx="1">
+        <a:scrgbClr r="0" g="0" b="0"/>
+      </a:fillRef>
+      <a:effectRef idx="0">
+        <a:scrgbClr r="0" g="0" b="0"/>
+      </a:effectRef>
+      <a:fontRef idx="minor"/>
+    </dgm:style>
+  </dgm:styleLbl>
+  <dgm:styleLbl name="fgAcc4">
+    <dgm:scene3d>
+      <a:camera prst="orthographicFront"/>
+      <a:lightRig rig="threePt" dir="t"/>
+    </dgm:scene3d>
+    <dgm:sp3d/>
+    <dgm:txPr/>
+    <dgm:style>
+      <a:lnRef idx="2">
+        <a:scrgbClr r="0" g="0" b="0"/>
+      </a:lnRef>
+      <a:fillRef idx="1">
+        <a:scrgbClr r="0" g="0" b="0"/>
+      </a:fillRef>
+      <a:effectRef idx="0">
+        <a:scrgbClr r="0" g="0" b="0"/>
+      </a:effectRef>
+      <a:fontRef idx="minor"/>
+    </dgm:style>
+  </dgm:styleLbl>
+  <dgm:styleLbl name="bgShp">
+    <dgm:scene3d>
+      <a:camera prst="orthographicFront"/>
+      <a:lightRig rig="threePt" dir="t"/>
+    </dgm:scene3d>
+    <dgm:sp3d/>
+    <dgm:txPr/>
+    <dgm:style>
+      <a:lnRef idx="0">
+        <a:scrgbClr r="0" g="0" b="0"/>
+      </a:lnRef>
+      <a:fillRef idx="1">
+        <a:scrgbClr r="0" g="0" b="0"/>
+      </a:fillRef>
+      <a:effectRef idx="0">
+        <a:scrgbClr r="0" g="0" b="0"/>
+      </a:effectRef>
+      <a:fontRef idx="minor"/>
+    </dgm:style>
+  </dgm:styleLbl>
+  <dgm:styleLbl name="dkBgShp">
+    <dgm:scene3d>
+      <a:camera prst="orthographicFront"/>
+      <a:lightRig rig="threePt" dir="t"/>
+    </dgm:scene3d>
+    <dgm:sp3d/>
+    <dgm:txPr/>
+    <dgm:style>
+      <a:lnRef idx="0">
+        <a:scrgbClr r="0" g="0" b="0"/>
+      </a:lnRef>
+      <a:fillRef idx="1">
+        <a:scrgbClr r="0" g="0" b="0"/>
+      </a:fillRef>
+      <a:effectRef idx="0">
+        <a:scrgbClr r="0" g="0" b="0"/>
+      </a:effectRef>
+      <a:fontRef idx="minor"/>
+    </dgm:style>
+  </dgm:styleLbl>
+  <dgm:styleLbl name="trBgShp">
+    <dgm:scene3d>
+      <a:camera prst="orthographicFront"/>
+      <a:lightRig rig="threePt" dir="t"/>
+    </dgm:scene3d>
+    <dgm:sp3d/>
+    <dgm:txPr/>
+    <dgm:style>
+      <a:lnRef idx="0">
+        <a:scrgbClr r="0" g="0" b="0"/>
+      </a:lnRef>
+      <a:fillRef idx="1">
+        <a:scrgbClr r="0" g="0" b="0"/>
+      </a:fillRef>
+      <a:effectRef idx="0">
+        <a:scrgbClr r="0" g="0" b="0"/>
+      </a:effectRef>
+      <a:fontRef idx="minor"/>
+    </dgm:style>
+  </dgm:styleLbl>
+  <dgm:styleLbl name="fgShp">
+    <dgm:scene3d>
+      <a:camera prst="orthographicFront"/>
+      <a:lightRig rig="threePt" dir="t"/>
+    </dgm:scene3d>
+    <dgm:sp3d/>
+    <dgm:txPr/>
+    <dgm:style>
+      <a:lnRef idx="2">
+        <a:scrgbClr r="0" g="0" b="0"/>
+      </a:lnRef>
+      <a:fillRef idx="1">
+        <a:scrgbClr r="0" g="0" b="0"/>
+      </a:fillRef>
+      <a:effectRef idx="0">
+        <a:scrgbClr r="0" g="0" b="0"/>
+      </a:effectRef>
+      <a:fontRef idx="minor"/>
+    </dgm:style>
+  </dgm:styleLbl>
+  <dgm:styleLbl name="revTx">
+    <dgm:scene3d>
+      <a:camera prst="orthographicFront"/>
+      <a:lightRig rig="threePt" dir="t"/>
+    </dgm:scene3d>
+    <dgm:sp3d/>
+    <dgm:txPr/>
+    <dgm:style>
+      <a:lnRef idx="0">
+        <a:scrgbClr r="0" g="0" b="0"/>
+      </a:lnRef>
+      <a:fillRef idx="0">
+        <a:scrgbClr r="0" g="0" b="0"/>
+      </a:fillRef>
+      <a:effectRef idx="0">
+        <a:scrgbClr r="0" g="0" b="0"/>
+      </a:effectRef>
+      <a:fontRef idx="minor"/>
+    </dgm:style>
+  </dgm:styleLbl>
+</dgm:styleDef>
+</file>
+
 <file path=ppt/notesMasters/notesMaster1.xml><?xml version="1.0" encoding="utf-8"?>
 <p:notesMaster xmlns:a="http://schemas.openxmlformats.org/drawingml/2006/main" xmlns:r="http://schemas.openxmlformats.org/officeDocument/2006/relationships" xmlns:p="http://schemas.openxmlformats.org/presentationml/2006/main">
   <p:cSld>
@@ -225,7 +3367,7 @@
             <a:fld id="{E168EC2E-7004-4E52-B364-EF7EFD24F792}" type="datetimeFigureOut">
               <a:rPr lang="en-US" smtClean="0"/>
               <a:pPr/>
-              <a:t>4/24/2012</a:t>
+              <a:t>4/30/2012</a:t>
             </a:fld>
             <a:endParaRPr lang="en-US"/>
           </a:p>
@@ -3068,6 +6210,252 @@
               <a:rPr lang="en-US" smtClean="0"/>
               <a:pPr/>
               <a:t>30</a:t>
+            </a:fld>
+            <a:endParaRPr lang="en-US"/>
+          </a:p>
+        </p:txBody>
+      </p:sp>
+    </p:spTree>
+  </p:cSld>
+  <p:clrMapOvr>
+    <a:masterClrMapping/>
+  </p:clrMapOvr>
+</p:notes>
+</file>
+
+<file path=ppt/notesSlides/notesSlide31.xml><?xml version="1.0" encoding="utf-8"?>
+<p:notes xmlns:a="http://schemas.openxmlformats.org/drawingml/2006/main" xmlns:r="http://schemas.openxmlformats.org/officeDocument/2006/relationships" xmlns:p="http://schemas.openxmlformats.org/presentationml/2006/main">
+  <p:cSld>
+    <p:spTree>
+      <p:nvGrpSpPr>
+        <p:cNvPr id="1" name=""/>
+        <p:cNvGrpSpPr/>
+        <p:nvPr/>
+      </p:nvGrpSpPr>
+      <p:grpSpPr>
+        <a:xfrm>
+          <a:off x="0" y="0"/>
+          <a:ext cx="0" cy="0"/>
+          <a:chOff x="0" y="0"/>
+          <a:chExt cx="0" cy="0"/>
+        </a:xfrm>
+      </p:grpSpPr>
+      <p:sp>
+        <p:nvSpPr>
+          <p:cNvPr id="2" name="Slide Image Placeholder 1"/>
+          <p:cNvSpPr>
+            <a:spLocks noGrp="1" noRot="1" noChangeAspect="1"/>
+          </p:cNvSpPr>
+          <p:nvPr>
+            <p:ph type="sldImg"/>
+          </p:nvPr>
+        </p:nvSpPr>
+        <p:spPr/>
+      </p:sp>
+      <p:sp>
+        <p:nvSpPr>
+          <p:cNvPr id="3" name="Notes Placeholder 2"/>
+          <p:cNvSpPr>
+            <a:spLocks noGrp="1"/>
+          </p:cNvSpPr>
+          <p:nvPr>
+            <p:ph type="body" idx="1"/>
+          </p:nvPr>
+        </p:nvSpPr>
+        <p:spPr/>
+        <p:txBody>
+          <a:bodyPr>
+            <a:normAutofit/>
+          </a:bodyPr>
+          <a:lstStyle/>
+          <a:p>
+            <a:endParaRPr lang="en-US"/>
+          </a:p>
+        </p:txBody>
+      </p:sp>
+      <p:sp>
+        <p:nvSpPr>
+          <p:cNvPr id="4" name="Slide Number Placeholder 3"/>
+          <p:cNvSpPr>
+            <a:spLocks noGrp="1"/>
+          </p:cNvSpPr>
+          <p:nvPr>
+            <p:ph type="sldNum" sz="quarter" idx="10"/>
+          </p:nvPr>
+        </p:nvSpPr>
+        <p:spPr/>
+        <p:txBody>
+          <a:bodyPr/>
+          <a:lstStyle/>
+          <a:p>
+            <a:fld id="{08DBBD94-F691-4E8C-B563-F4811306E3CB}" type="slidenum">
+              <a:rPr lang="en-US" smtClean="0"/>
+              <a:pPr/>
+              <a:t>31</a:t>
+            </a:fld>
+            <a:endParaRPr lang="en-US"/>
+          </a:p>
+        </p:txBody>
+      </p:sp>
+    </p:spTree>
+  </p:cSld>
+  <p:clrMapOvr>
+    <a:masterClrMapping/>
+  </p:clrMapOvr>
+</p:notes>
+</file>
+
+<file path=ppt/notesSlides/notesSlide32.xml><?xml version="1.0" encoding="utf-8"?>
+<p:notes xmlns:a="http://schemas.openxmlformats.org/drawingml/2006/main" xmlns:r="http://schemas.openxmlformats.org/officeDocument/2006/relationships" xmlns:p="http://schemas.openxmlformats.org/presentationml/2006/main">
+  <p:cSld>
+    <p:spTree>
+      <p:nvGrpSpPr>
+        <p:cNvPr id="1" name=""/>
+        <p:cNvGrpSpPr/>
+        <p:nvPr/>
+      </p:nvGrpSpPr>
+      <p:grpSpPr>
+        <a:xfrm>
+          <a:off x="0" y="0"/>
+          <a:ext cx="0" cy="0"/>
+          <a:chOff x="0" y="0"/>
+          <a:chExt cx="0" cy="0"/>
+        </a:xfrm>
+      </p:grpSpPr>
+      <p:sp>
+        <p:nvSpPr>
+          <p:cNvPr id="2" name="Slide Image Placeholder 1"/>
+          <p:cNvSpPr>
+            <a:spLocks noGrp="1" noRot="1" noChangeAspect="1"/>
+          </p:cNvSpPr>
+          <p:nvPr>
+            <p:ph type="sldImg"/>
+          </p:nvPr>
+        </p:nvSpPr>
+        <p:spPr/>
+      </p:sp>
+      <p:sp>
+        <p:nvSpPr>
+          <p:cNvPr id="3" name="Notes Placeholder 2"/>
+          <p:cNvSpPr>
+            <a:spLocks noGrp="1"/>
+          </p:cNvSpPr>
+          <p:nvPr>
+            <p:ph type="body" idx="1"/>
+          </p:nvPr>
+        </p:nvSpPr>
+        <p:spPr/>
+        <p:txBody>
+          <a:bodyPr>
+            <a:normAutofit/>
+          </a:bodyPr>
+          <a:lstStyle/>
+          <a:p>
+            <a:endParaRPr lang="en-US"/>
+          </a:p>
+        </p:txBody>
+      </p:sp>
+      <p:sp>
+        <p:nvSpPr>
+          <p:cNvPr id="4" name="Slide Number Placeholder 3"/>
+          <p:cNvSpPr>
+            <a:spLocks noGrp="1"/>
+          </p:cNvSpPr>
+          <p:nvPr>
+            <p:ph type="sldNum" sz="quarter" idx="10"/>
+          </p:nvPr>
+        </p:nvSpPr>
+        <p:spPr/>
+        <p:txBody>
+          <a:bodyPr/>
+          <a:lstStyle/>
+          <a:p>
+            <a:fld id="{08DBBD94-F691-4E8C-B563-F4811306E3CB}" type="slidenum">
+              <a:rPr lang="en-US" smtClean="0"/>
+              <a:pPr/>
+              <a:t>32</a:t>
+            </a:fld>
+            <a:endParaRPr lang="en-US"/>
+          </a:p>
+        </p:txBody>
+      </p:sp>
+    </p:spTree>
+  </p:cSld>
+  <p:clrMapOvr>
+    <a:masterClrMapping/>
+  </p:clrMapOvr>
+</p:notes>
+</file>
+
+<file path=ppt/notesSlides/notesSlide33.xml><?xml version="1.0" encoding="utf-8"?>
+<p:notes xmlns:a="http://schemas.openxmlformats.org/drawingml/2006/main" xmlns:r="http://schemas.openxmlformats.org/officeDocument/2006/relationships" xmlns:p="http://schemas.openxmlformats.org/presentationml/2006/main">
+  <p:cSld>
+    <p:spTree>
+      <p:nvGrpSpPr>
+        <p:cNvPr id="1" name=""/>
+        <p:cNvGrpSpPr/>
+        <p:nvPr/>
+      </p:nvGrpSpPr>
+      <p:grpSpPr>
+        <a:xfrm>
+          <a:off x="0" y="0"/>
+          <a:ext cx="0" cy="0"/>
+          <a:chOff x="0" y="0"/>
+          <a:chExt cx="0" cy="0"/>
+        </a:xfrm>
+      </p:grpSpPr>
+      <p:sp>
+        <p:nvSpPr>
+          <p:cNvPr id="2" name="Slide Image Placeholder 1"/>
+          <p:cNvSpPr>
+            <a:spLocks noGrp="1" noRot="1" noChangeAspect="1"/>
+          </p:cNvSpPr>
+          <p:nvPr>
+            <p:ph type="sldImg"/>
+          </p:nvPr>
+        </p:nvSpPr>
+        <p:spPr/>
+      </p:sp>
+      <p:sp>
+        <p:nvSpPr>
+          <p:cNvPr id="3" name="Notes Placeholder 2"/>
+          <p:cNvSpPr>
+            <a:spLocks noGrp="1"/>
+          </p:cNvSpPr>
+          <p:nvPr>
+            <p:ph type="body" idx="1"/>
+          </p:nvPr>
+        </p:nvSpPr>
+        <p:spPr/>
+        <p:txBody>
+          <a:bodyPr>
+            <a:normAutofit/>
+          </a:bodyPr>
+          <a:lstStyle/>
+          <a:p>
+            <a:endParaRPr lang="en-US"/>
+          </a:p>
+        </p:txBody>
+      </p:sp>
+      <p:sp>
+        <p:nvSpPr>
+          <p:cNvPr id="4" name="Slide Number Placeholder 3"/>
+          <p:cNvSpPr>
+            <a:spLocks noGrp="1"/>
+          </p:cNvSpPr>
+          <p:nvPr>
+            <p:ph type="sldNum" sz="quarter" idx="10"/>
+          </p:nvPr>
+        </p:nvSpPr>
+        <p:spPr/>
+        <p:txBody>
+          <a:bodyPr/>
+          <a:lstStyle/>
+          <a:p>
+            <a:fld id="{08DBBD94-F691-4E8C-B563-F4811306E3CB}" type="slidenum">
+              <a:rPr lang="en-US" smtClean="0"/>
+              <a:pPr/>
+              <a:t>33</a:t>
             </a:fld>
             <a:endParaRPr lang="en-US"/>
           </a:p>
@@ -25723,6 +29111,527 @@
           </a:p>
         </p:txBody>
       </p:sp>
+    </p:spTree>
+  </p:cSld>
+  <p:clrMapOvr>
+    <a:masterClrMapping/>
+  </p:clrMapOvr>
+</p:sld>
+</file>
+
+<file path=ppt/slides/slide31.xml><?xml version="1.0" encoding="utf-8"?>
+<p:sld xmlns:a="http://schemas.openxmlformats.org/drawingml/2006/main" xmlns:r="http://schemas.openxmlformats.org/officeDocument/2006/relationships" xmlns:p="http://schemas.openxmlformats.org/presentationml/2006/main" show="0">
+  <p:cSld>
+    <p:spTree>
+      <p:nvGrpSpPr>
+        <p:cNvPr id="1" name=""/>
+        <p:cNvGrpSpPr/>
+        <p:nvPr/>
+      </p:nvGrpSpPr>
+      <p:grpSpPr>
+        <a:xfrm>
+          <a:off x="0" y="0"/>
+          <a:ext cx="0" cy="0"/>
+          <a:chOff x="0" y="0"/>
+          <a:chExt cx="0" cy="0"/>
+        </a:xfrm>
+      </p:grpSpPr>
+      <p:sp>
+        <p:nvSpPr>
+          <p:cNvPr id="2" name="Title 1"/>
+          <p:cNvSpPr>
+            <a:spLocks noGrp="1"/>
+          </p:cNvSpPr>
+          <p:nvPr>
+            <p:ph type="title"/>
+          </p:nvPr>
+        </p:nvSpPr>
+        <p:spPr/>
+        <p:txBody>
+          <a:bodyPr/>
+          <a:lstStyle/>
+          <a:p>
+            <a:r>
+              <a:rPr lang="en-US" dirty="0" smtClean="0"/>
+              <a:t>Use Case: Bios Task Stack Monitor</a:t>
+            </a:r>
+            <a:endParaRPr lang="en-US" dirty="0"/>
+          </a:p>
+        </p:txBody>
+      </p:sp>
+      <p:sp>
+        <p:nvSpPr>
+          <p:cNvPr id="3" name="Content Placeholder 2"/>
+          <p:cNvSpPr>
+            <a:spLocks noGrp="1"/>
+          </p:cNvSpPr>
+          <p:nvPr>
+            <p:ph idx="1"/>
+          </p:nvPr>
+        </p:nvSpPr>
+        <p:spPr/>
+        <p:txBody>
+          <a:bodyPr/>
+          <a:lstStyle/>
+          <a:p>
+            <a:r>
+              <a:rPr lang="en-US" dirty="0" smtClean="0"/>
+              <a:t>Goal?</a:t>
+            </a:r>
+          </a:p>
+          <a:p>
+            <a:pPr lvl="1"/>
+            <a:r>
+              <a:rPr lang="en-US" dirty="0" smtClean="0"/>
+              <a:t>Configure Advanced Event Triggering to generate an interrupt when a value is written to the top 10% of the stack</a:t>
+            </a:r>
+          </a:p>
+          <a:p>
+            <a:r>
+              <a:rPr lang="en-US" dirty="0" smtClean="0"/>
+              <a:t>What do we know?</a:t>
+            </a:r>
+          </a:p>
+          <a:p>
+            <a:pPr lvl="1"/>
+            <a:r>
+              <a:rPr lang="en-US" dirty="0" smtClean="0"/>
+              <a:t>Each Bios Task has it’s own Task Stack. </a:t>
+            </a:r>
+          </a:p>
+          <a:p>
+            <a:pPr lvl="1"/>
+            <a:r>
+              <a:rPr lang="en-US" dirty="0" smtClean="0"/>
+              <a:t>Advanced Event Triggering contains 4 32-bit Dual Range Comparators for watching Data Address Bus</a:t>
+            </a:r>
+          </a:p>
+          <a:p>
+            <a:r>
+              <a:rPr lang="en-US" dirty="0" smtClean="0"/>
+              <a:t>Assumptions</a:t>
+            </a:r>
+          </a:p>
+          <a:p>
+            <a:pPr lvl="1"/>
+            <a:r>
+              <a:rPr lang="en-US" dirty="0" smtClean="0"/>
+              <a:t>Application has 5 tasks; 3 statically generated; 2 dynamically generated</a:t>
+            </a:r>
+          </a:p>
+          <a:p>
+            <a:pPr lvl="1"/>
+            <a:endParaRPr lang="en-US" dirty="0" smtClean="0"/>
+          </a:p>
+          <a:p>
+            <a:pPr lvl="1"/>
+            <a:endParaRPr lang="en-US" dirty="0" smtClean="0"/>
+          </a:p>
+        </p:txBody>
+      </p:sp>
+    </p:spTree>
+  </p:cSld>
+  <p:clrMapOvr>
+    <a:masterClrMapping/>
+  </p:clrMapOvr>
+  <p:transition/>
+</p:sld>
+</file>
+
+<file path=ppt/slides/slide32.xml><?xml version="1.0" encoding="utf-8"?>
+<p:sld xmlns:a="http://schemas.openxmlformats.org/drawingml/2006/main" xmlns:r="http://schemas.openxmlformats.org/officeDocument/2006/relationships" xmlns:p="http://schemas.openxmlformats.org/presentationml/2006/main">
+  <p:cSld>
+    <p:spTree>
+      <p:nvGrpSpPr>
+        <p:cNvPr id="1" name=""/>
+        <p:cNvGrpSpPr/>
+        <p:nvPr/>
+      </p:nvGrpSpPr>
+      <p:grpSpPr>
+        <a:xfrm>
+          <a:off x="0" y="0"/>
+          <a:ext cx="0" cy="0"/>
+          <a:chOff x="0" y="0"/>
+          <a:chExt cx="0" cy="0"/>
+        </a:xfrm>
+      </p:grpSpPr>
+      <p:sp>
+        <p:nvSpPr>
+          <p:cNvPr id="2" name="Title 1"/>
+          <p:cNvSpPr>
+            <a:spLocks noGrp="1"/>
+          </p:cNvSpPr>
+          <p:nvPr>
+            <p:ph type="title"/>
+          </p:nvPr>
+        </p:nvSpPr>
+        <p:spPr/>
+        <p:txBody>
+          <a:bodyPr/>
+          <a:lstStyle/>
+          <a:p>
+            <a:r>
+              <a:rPr lang="en-US" dirty="0" smtClean="0"/>
+              <a:t>Application View</a:t>
+            </a:r>
+            <a:endParaRPr lang="en-US" dirty="0"/>
+          </a:p>
+        </p:txBody>
+      </p:sp>
+      <p:graphicFrame>
+        <p:nvGraphicFramePr>
+          <p:cNvPr id="4" name="Diagram 3"/>
+          <p:cNvGraphicFramePr/>
+          <p:nvPr/>
+        </p:nvGraphicFramePr>
+        <p:xfrm>
+          <a:off x="0" y="1066800"/>
+          <a:ext cx="4191000" cy="3810000"/>
+        </p:xfrm>
+        <a:graphic>
+          <a:graphicData uri="http://schemas.openxmlformats.org/drawingml/2006/diagram">
+            <dgm:relIds xmlns:dgm="http://schemas.openxmlformats.org/drawingml/2006/diagram" xmlns:r="http://schemas.openxmlformats.org/officeDocument/2006/relationships" r:dm="rId3" r:lo="rId4" r:qs="rId5" r:cs="rId6"/>
+          </a:graphicData>
+        </a:graphic>
+      </p:graphicFrame>
+      <p:sp>
+        <p:nvSpPr>
+          <p:cNvPr id="5" name="TextBox 4"/>
+          <p:cNvSpPr txBox="1"/>
+          <p:nvPr/>
+        </p:nvSpPr>
+        <p:spPr>
+          <a:xfrm>
+            <a:off x="4343400" y="1066800"/>
+            <a:ext cx="4800600" cy="1815882"/>
+          </a:xfrm>
+          <a:prstGeom prst="rect">
+            <a:avLst/>
+          </a:prstGeom>
+          <a:noFill/>
+        </p:spPr>
+        <p:txBody>
+          <a:bodyPr wrap="square" rtlCol="0">
+            <a:spAutoFit/>
+          </a:bodyPr>
+          <a:lstStyle/>
+          <a:p>
+            <a:pPr>
+              <a:buFont typeface="Arial" pitchFamily="34" charset="0"/>
+              <a:buChar char="•"/>
+            </a:pPr>
+            <a:r>
+              <a:rPr lang="en-US" sz="2800" dirty="0" smtClean="0"/>
+              <a:t>Each Task has it’s own stack</a:t>
+            </a:r>
+          </a:p>
+          <a:p>
+            <a:pPr>
+              <a:buFont typeface="Arial" pitchFamily="34" charset="0"/>
+              <a:buChar char="•"/>
+            </a:pPr>
+            <a:r>
+              <a:rPr lang="en-US" sz="2800" dirty="0" smtClean="0"/>
+              <a:t>Tasks have different stack sizes</a:t>
+            </a:r>
+          </a:p>
+          <a:p>
+            <a:pPr>
+              <a:buFont typeface="Arial" pitchFamily="34" charset="0"/>
+              <a:buChar char="•"/>
+            </a:pPr>
+            <a:r>
+              <a:rPr lang="en-US" sz="2800" dirty="0" smtClean="0"/>
+              <a:t>Blue – Statically Allocated</a:t>
+            </a:r>
+          </a:p>
+          <a:p>
+            <a:pPr>
+              <a:buFont typeface="Arial" pitchFamily="34" charset="0"/>
+              <a:buChar char="•"/>
+            </a:pPr>
+            <a:r>
+              <a:rPr lang="en-US" sz="2800" dirty="0" smtClean="0"/>
+              <a:t>Red – Dynamically Allocated</a:t>
+            </a:r>
+          </a:p>
+        </p:txBody>
+      </p:sp>
+    </p:spTree>
+  </p:cSld>
+  <p:clrMapOvr>
+    <a:masterClrMapping/>
+  </p:clrMapOvr>
+</p:sld>
+</file>
+
+<file path=ppt/slides/slide33.xml><?xml version="1.0" encoding="utf-8"?>
+<p:sld xmlns:a="http://schemas.openxmlformats.org/drawingml/2006/main" xmlns:r="http://schemas.openxmlformats.org/officeDocument/2006/relationships" xmlns:p="http://schemas.openxmlformats.org/presentationml/2006/main">
+  <p:cSld>
+    <p:spTree>
+      <p:nvGrpSpPr>
+        <p:cNvPr id="1" name=""/>
+        <p:cNvGrpSpPr/>
+        <p:nvPr/>
+      </p:nvGrpSpPr>
+      <p:grpSpPr>
+        <a:xfrm>
+          <a:off x="0" y="0"/>
+          <a:ext cx="0" cy="0"/>
+          <a:chOff x="0" y="0"/>
+          <a:chExt cx="0" cy="0"/>
+        </a:xfrm>
+      </p:grpSpPr>
+      <p:sp>
+        <p:nvSpPr>
+          <p:cNvPr id="2" name="Title 1"/>
+          <p:cNvSpPr>
+            <a:spLocks noGrp="1"/>
+          </p:cNvSpPr>
+          <p:nvPr>
+            <p:ph type="title"/>
+          </p:nvPr>
+        </p:nvSpPr>
+        <p:spPr/>
+        <p:txBody>
+          <a:bodyPr/>
+          <a:lstStyle/>
+          <a:p>
+            <a:r>
+              <a:rPr lang="en-US" dirty="0" smtClean="0"/>
+              <a:t>Dual Range Comparators</a:t>
+            </a:r>
+            <a:endParaRPr lang="en-US" dirty="0"/>
+          </a:p>
+        </p:txBody>
+      </p:sp>
+      <p:sp>
+        <p:nvSpPr>
+          <p:cNvPr id="4" name="Content Placeholder 3"/>
+          <p:cNvSpPr>
+            <a:spLocks noGrp="1"/>
+          </p:cNvSpPr>
+          <p:nvPr>
+            <p:ph idx="10"/>
+          </p:nvPr>
+        </p:nvSpPr>
+        <p:spPr>
+          <a:xfrm>
+            <a:off x="6096000" y="990600"/>
+            <a:ext cx="2819400" cy="5334000"/>
+          </a:xfrm>
+        </p:spPr>
+        <p:txBody>
+          <a:bodyPr/>
+          <a:lstStyle/>
+          <a:p>
+            <a:r>
+              <a:rPr lang="en-US" sz="2400" dirty="0" smtClean="0"/>
+              <a:t>4 Connected to Data Buses</a:t>
+            </a:r>
+          </a:p>
+          <a:p>
+            <a:r>
+              <a:rPr lang="en-US" sz="2400" dirty="0" smtClean="0"/>
+              <a:t>32 Bits </a:t>
+            </a:r>
+          </a:p>
+          <a:p>
+            <a:r>
+              <a:rPr lang="en-US" sz="2400" dirty="0" smtClean="0"/>
+              <a:t>Multiple Configurations </a:t>
+            </a:r>
+          </a:p>
+          <a:p>
+            <a:pPr lvl="1"/>
+            <a:r>
+              <a:rPr lang="en-US" sz="2000" dirty="0" smtClean="0"/>
+              <a:t>GT</a:t>
+            </a:r>
+          </a:p>
+          <a:p>
+            <a:pPr lvl="1"/>
+            <a:r>
+              <a:rPr lang="en-US" sz="2000" dirty="0" smtClean="0"/>
+              <a:t>GEQ</a:t>
+            </a:r>
+          </a:p>
+          <a:p>
+            <a:pPr lvl="1"/>
+            <a:r>
+              <a:rPr lang="en-US" sz="2000" dirty="0" smtClean="0"/>
+              <a:t>LT</a:t>
+            </a:r>
+          </a:p>
+          <a:p>
+            <a:pPr lvl="1"/>
+            <a:r>
+              <a:rPr lang="en-US" sz="2000" dirty="0" smtClean="0"/>
+              <a:t>LEQ</a:t>
+            </a:r>
+          </a:p>
+          <a:p>
+            <a:pPr lvl="1"/>
+            <a:r>
+              <a:rPr lang="en-US" sz="2000" dirty="0" smtClean="0"/>
+              <a:t>EQ</a:t>
+            </a:r>
+          </a:p>
+          <a:p>
+            <a:pPr>
+              <a:buNone/>
+            </a:pPr>
+            <a:endParaRPr lang="en-US" sz="2400" dirty="0"/>
+          </a:p>
+        </p:txBody>
+      </p:sp>
+      <p:grpSp>
+        <p:nvGrpSpPr>
+          <p:cNvPr id="13" name="Group 12"/>
+          <p:cNvGrpSpPr/>
+          <p:nvPr/>
+        </p:nvGrpSpPr>
+        <p:grpSpPr>
+          <a:xfrm>
+            <a:off x="685800" y="1295400"/>
+            <a:ext cx="413896" cy="4495800"/>
+            <a:chOff x="685800" y="1295400"/>
+            <a:chExt cx="413896" cy="4495800"/>
+          </a:xfrm>
+        </p:grpSpPr>
+        <p:cxnSp>
+          <p:nvCxnSpPr>
+            <p:cNvPr id="6" name="Straight Connector 5"/>
+            <p:cNvCxnSpPr/>
+            <p:nvPr/>
+          </p:nvCxnSpPr>
+          <p:spPr bwMode="auto">
+            <a:xfrm>
+              <a:off x="892748" y="1676400"/>
+              <a:ext cx="0" cy="4114800"/>
+            </a:xfrm>
+            <a:prstGeom prst="line">
+              <a:avLst/>
+            </a:prstGeom>
+            <a:solidFill>
+              <a:schemeClr val="accent1"/>
+            </a:solidFill>
+            <a:ln w="9525" cap="flat" cmpd="sng" algn="ctr">
+              <a:solidFill>
+                <a:schemeClr val="tx1"/>
+              </a:solidFill>
+              <a:prstDash val="solid"/>
+              <a:round/>
+              <a:headEnd type="none" w="med" len="med"/>
+              <a:tailEnd type="none" w="med" len="med"/>
+            </a:ln>
+            <a:effectLst/>
+          </p:spPr>
+        </p:cxnSp>
+        <p:sp>
+          <p:nvSpPr>
+            <p:cNvPr id="10" name="TextBox 9"/>
+            <p:cNvSpPr txBox="1"/>
+            <p:nvPr/>
+          </p:nvSpPr>
+          <p:spPr>
+            <a:xfrm>
+              <a:off x="685800" y="1295400"/>
+              <a:ext cx="413896" cy="369332"/>
+            </a:xfrm>
+            <a:prstGeom prst="rect">
+              <a:avLst/>
+            </a:prstGeom>
+            <a:noFill/>
+          </p:spPr>
+          <p:txBody>
+            <a:bodyPr wrap="none" rtlCol="0">
+              <a:spAutoFit/>
+            </a:bodyPr>
+            <a:lstStyle/>
+            <a:p>
+              <a:r>
+                <a:rPr lang="en-US" dirty="0" smtClean="0"/>
+                <a:t>T1</a:t>
+              </a:r>
+              <a:endParaRPr lang="en-US" dirty="0"/>
+            </a:p>
+          </p:txBody>
+        </p:sp>
+      </p:grpSp>
+      <p:grpSp>
+        <p:nvGrpSpPr>
+          <p:cNvPr id="12" name="Group 11"/>
+          <p:cNvGrpSpPr/>
+          <p:nvPr/>
+        </p:nvGrpSpPr>
+        <p:grpSpPr>
+          <a:xfrm>
+            <a:off x="1033904" y="1295400"/>
+            <a:ext cx="413896" cy="4495800"/>
+            <a:chOff x="2176904" y="1295400"/>
+            <a:chExt cx="413896" cy="4495800"/>
+          </a:xfrm>
+        </p:grpSpPr>
+        <p:cxnSp>
+          <p:nvCxnSpPr>
+            <p:cNvPr id="8" name="Straight Connector 7"/>
+            <p:cNvCxnSpPr/>
+            <p:nvPr/>
+          </p:nvCxnSpPr>
+          <p:spPr bwMode="auto">
+            <a:xfrm>
+              <a:off x="2383852" y="1676400"/>
+              <a:ext cx="0" cy="4114800"/>
+            </a:xfrm>
+            <a:prstGeom prst="line">
+              <a:avLst/>
+            </a:prstGeom>
+            <a:solidFill>
+              <a:schemeClr val="accent1"/>
+            </a:solidFill>
+            <a:ln w="9525" cap="flat" cmpd="sng" algn="ctr">
+              <a:solidFill>
+                <a:schemeClr val="tx1"/>
+              </a:solidFill>
+              <a:prstDash val="solid"/>
+              <a:round/>
+              <a:headEnd type="none" w="med" len="med"/>
+              <a:tailEnd type="none" w="med" len="med"/>
+            </a:ln>
+            <a:effectLst/>
+          </p:spPr>
+        </p:cxnSp>
+        <p:sp>
+          <p:nvSpPr>
+            <p:cNvPr id="11" name="TextBox 10"/>
+            <p:cNvSpPr txBox="1"/>
+            <p:nvPr/>
+          </p:nvSpPr>
+          <p:spPr>
+            <a:xfrm>
+              <a:off x="2176904" y="1295400"/>
+              <a:ext cx="413896" cy="369332"/>
+            </a:xfrm>
+            <a:prstGeom prst="rect">
+              <a:avLst/>
+            </a:prstGeom>
+            <a:noFill/>
+          </p:spPr>
+          <p:txBody>
+            <a:bodyPr wrap="none" rtlCol="0">
+              <a:spAutoFit/>
+            </a:bodyPr>
+            <a:lstStyle/>
+            <a:p>
+              <a:r>
+                <a:rPr lang="en-US" dirty="0" smtClean="0"/>
+                <a:t>T2</a:t>
+              </a:r>
+            </a:p>
+          </p:txBody>
+        </p:sp>
+      </p:grpSp>
     </p:spTree>
   </p:cSld>
   <p:clrMapOvr>

--- a/trunk/slides/KeyStone Advanced Debug.pptx
+++ b/trunk/slides/KeyStone Advanced Debug.pptx
@@ -1129,6 +1129,13 @@
         </dgm:presLayoutVars>
       </dgm:prSet>
       <dgm:spPr/>
+      <dgm:t>
+        <a:bodyPr/>
+        <a:lstStyle/>
+        <a:p>
+          <a:endParaRPr lang="en-US"/>
+        </a:p>
+      </dgm:t>
     </dgm:pt>
     <dgm:pt modelId="{9D1A61A1-B2AA-4F6A-AD68-CA1F7CD1DF22}" type="pres">
       <dgm:prSet presAssocID="{DC1518B7-EDD6-4CCF-9688-BF43B6ABDDB5}" presName="node" presStyleLbl="node1" presStyleIdx="0" presStyleCnt="5">
@@ -1137,14 +1144,35 @@
         </dgm:presLayoutVars>
       </dgm:prSet>
       <dgm:spPr/>
+      <dgm:t>
+        <a:bodyPr/>
+        <a:lstStyle/>
+        <a:p>
+          <a:endParaRPr lang="en-US"/>
+        </a:p>
+      </dgm:t>
     </dgm:pt>
     <dgm:pt modelId="{2C793FD2-6A40-488B-8088-8D409044269C}" type="pres">
       <dgm:prSet presAssocID="{3E71EEED-B8A8-41CA-92B7-5F1CDAF3BE2F}" presName="sibTrans" presStyleLbl="sibTrans2D1" presStyleIdx="0" presStyleCnt="5"/>
       <dgm:spPr/>
+      <dgm:t>
+        <a:bodyPr/>
+        <a:lstStyle/>
+        <a:p>
+          <a:endParaRPr lang="en-US"/>
+        </a:p>
+      </dgm:t>
     </dgm:pt>
     <dgm:pt modelId="{586AA159-1625-454D-A036-99A7A81CC350}" type="pres">
       <dgm:prSet presAssocID="{3E71EEED-B8A8-41CA-92B7-5F1CDAF3BE2F}" presName="connectorText" presStyleLbl="sibTrans2D1" presStyleIdx="0" presStyleCnt="5"/>
       <dgm:spPr/>
+      <dgm:t>
+        <a:bodyPr/>
+        <a:lstStyle/>
+        <a:p>
+          <a:endParaRPr lang="en-US"/>
+        </a:p>
+      </dgm:t>
     </dgm:pt>
     <dgm:pt modelId="{4CFB935C-7860-4776-A04C-834BDF85D630}" type="pres">
       <dgm:prSet presAssocID="{142584DF-DF37-4E4D-8B12-3F1186ED8A79}" presName="node" presStyleLbl="node1" presStyleIdx="1" presStyleCnt="5">
@@ -1153,14 +1181,35 @@
         </dgm:presLayoutVars>
       </dgm:prSet>
       <dgm:spPr/>
+      <dgm:t>
+        <a:bodyPr/>
+        <a:lstStyle/>
+        <a:p>
+          <a:endParaRPr lang="en-US"/>
+        </a:p>
+      </dgm:t>
     </dgm:pt>
     <dgm:pt modelId="{194CE3CF-2BF2-4AF5-9CEB-61305F2C5E2D}" type="pres">
       <dgm:prSet presAssocID="{F9A12A89-8926-472F-A7F2-6C018E0DE993}" presName="sibTrans" presStyleLbl="sibTrans2D1" presStyleIdx="1" presStyleCnt="5"/>
       <dgm:spPr/>
+      <dgm:t>
+        <a:bodyPr/>
+        <a:lstStyle/>
+        <a:p>
+          <a:endParaRPr lang="en-US"/>
+        </a:p>
+      </dgm:t>
     </dgm:pt>
     <dgm:pt modelId="{CFCBAE3F-24A5-4178-8FA4-D975A8B7374E}" type="pres">
       <dgm:prSet presAssocID="{F9A12A89-8926-472F-A7F2-6C018E0DE993}" presName="connectorText" presStyleLbl="sibTrans2D1" presStyleIdx="1" presStyleCnt="5"/>
       <dgm:spPr/>
+      <dgm:t>
+        <a:bodyPr/>
+        <a:lstStyle/>
+        <a:p>
+          <a:endParaRPr lang="en-US"/>
+        </a:p>
+      </dgm:t>
     </dgm:pt>
     <dgm:pt modelId="{EA63BA78-DFE1-4E32-B4E3-D3637C87D01A}" type="pres">
       <dgm:prSet presAssocID="{94959A71-8399-4743-A822-4B2822F36EB9}" presName="node" presStyleLbl="node1" presStyleIdx="2" presStyleCnt="5">
@@ -1169,14 +1218,35 @@
         </dgm:presLayoutVars>
       </dgm:prSet>
       <dgm:spPr/>
+      <dgm:t>
+        <a:bodyPr/>
+        <a:lstStyle/>
+        <a:p>
+          <a:endParaRPr lang="en-US"/>
+        </a:p>
+      </dgm:t>
     </dgm:pt>
     <dgm:pt modelId="{DA3308EA-AC4F-4F40-B121-EF1B7A77DC44}" type="pres">
       <dgm:prSet presAssocID="{341A2B66-E7B4-4CCE-A800-2D09F00E988D}" presName="sibTrans" presStyleLbl="sibTrans2D1" presStyleIdx="2" presStyleCnt="5"/>
       <dgm:spPr/>
+      <dgm:t>
+        <a:bodyPr/>
+        <a:lstStyle/>
+        <a:p>
+          <a:endParaRPr lang="en-US"/>
+        </a:p>
+      </dgm:t>
     </dgm:pt>
     <dgm:pt modelId="{D328AB4C-7799-47B7-A8F1-3355D4AEDC1D}" type="pres">
       <dgm:prSet presAssocID="{341A2B66-E7B4-4CCE-A800-2D09F00E988D}" presName="connectorText" presStyleLbl="sibTrans2D1" presStyleIdx="2" presStyleCnt="5"/>
       <dgm:spPr/>
+      <dgm:t>
+        <a:bodyPr/>
+        <a:lstStyle/>
+        <a:p>
+          <a:endParaRPr lang="en-US"/>
+        </a:p>
+      </dgm:t>
     </dgm:pt>
     <dgm:pt modelId="{7865197D-6E8D-4FFF-BEF4-77D19CDA6748}" type="pres">
       <dgm:prSet presAssocID="{1303FBFC-9B1F-43AD-A9CC-01EC7DFCCA63}" presName="node" presStyleLbl="node1" presStyleIdx="3" presStyleCnt="5">
@@ -1185,14 +1255,35 @@
         </dgm:presLayoutVars>
       </dgm:prSet>
       <dgm:spPr/>
+      <dgm:t>
+        <a:bodyPr/>
+        <a:lstStyle/>
+        <a:p>
+          <a:endParaRPr lang="en-US"/>
+        </a:p>
+      </dgm:t>
     </dgm:pt>
     <dgm:pt modelId="{BAAC15F4-9D1D-4DF8-800E-A898ABC0F2AB}" type="pres">
       <dgm:prSet presAssocID="{963AB9C7-534E-4244-8795-2DE50C0AAE1A}" presName="sibTrans" presStyleLbl="sibTrans2D1" presStyleIdx="3" presStyleCnt="5"/>
       <dgm:spPr/>
+      <dgm:t>
+        <a:bodyPr/>
+        <a:lstStyle/>
+        <a:p>
+          <a:endParaRPr lang="en-US"/>
+        </a:p>
+      </dgm:t>
     </dgm:pt>
     <dgm:pt modelId="{1020FBBB-690C-4821-A794-B22748BC07F6}" type="pres">
       <dgm:prSet presAssocID="{963AB9C7-534E-4244-8795-2DE50C0AAE1A}" presName="connectorText" presStyleLbl="sibTrans2D1" presStyleIdx="3" presStyleCnt="5"/>
       <dgm:spPr/>
+      <dgm:t>
+        <a:bodyPr/>
+        <a:lstStyle/>
+        <a:p>
+          <a:endParaRPr lang="en-US"/>
+        </a:p>
+      </dgm:t>
     </dgm:pt>
     <dgm:pt modelId="{7154A4FA-E800-40EB-A87E-5CECCE812433}" type="pres">
       <dgm:prSet presAssocID="{604DED0C-C7D1-44E9-9D91-4EA86CC58132}" presName="node" presStyleLbl="node1" presStyleIdx="4" presStyleCnt="5">
@@ -1201,14 +1292,35 @@
         </dgm:presLayoutVars>
       </dgm:prSet>
       <dgm:spPr/>
+      <dgm:t>
+        <a:bodyPr/>
+        <a:lstStyle/>
+        <a:p>
+          <a:endParaRPr lang="en-US"/>
+        </a:p>
+      </dgm:t>
     </dgm:pt>
     <dgm:pt modelId="{58C57B0B-F787-4E7B-A44C-92F01115E8E7}" type="pres">
       <dgm:prSet presAssocID="{F9D67482-08A8-41D2-A4D4-28EF53768755}" presName="sibTrans" presStyleLbl="sibTrans2D1" presStyleIdx="4" presStyleCnt="5"/>
       <dgm:spPr/>
+      <dgm:t>
+        <a:bodyPr/>
+        <a:lstStyle/>
+        <a:p>
+          <a:endParaRPr lang="en-US"/>
+        </a:p>
+      </dgm:t>
     </dgm:pt>
     <dgm:pt modelId="{0DE8E6C8-D66E-45A0-B23D-743ED7603BE1}" type="pres">
       <dgm:prSet presAssocID="{F9D67482-08A8-41D2-A4D4-28EF53768755}" presName="connectorText" presStyleLbl="sibTrans2D1" presStyleIdx="4" presStyleCnt="5"/>
       <dgm:spPr/>
+      <dgm:t>
+        <a:bodyPr/>
+        <a:lstStyle/>
+        <a:p>
+          <a:endParaRPr lang="en-US"/>
+        </a:p>
+      </dgm:t>
     </dgm:pt>
   </dgm:ptLst>
   <dgm:cxnLst>
@@ -1217,8 +1329,8 @@
     <dgm:cxn modelId="{FB579B80-661A-4626-B61F-E71F4E734262}" type="presOf" srcId="{142584DF-DF37-4E4D-8B12-3F1186ED8A79}" destId="{4CFB935C-7860-4776-A04C-834BDF85D630}" srcOrd="0" destOrd="0" presId="urn:microsoft.com/office/officeart/2005/8/layout/cycle2"/>
     <dgm:cxn modelId="{F708609E-B605-4F54-9CB0-43BFD707546D}" type="presOf" srcId="{DC1518B7-EDD6-4CCF-9688-BF43B6ABDDB5}" destId="{9D1A61A1-B2AA-4F6A-AD68-CA1F7CD1DF22}" srcOrd="0" destOrd="0" presId="urn:microsoft.com/office/officeart/2005/8/layout/cycle2"/>
     <dgm:cxn modelId="{1D8D5F4A-711A-4C36-9FDB-4E9DFB74713E}" type="presOf" srcId="{341A2B66-E7B4-4CCE-A800-2D09F00E988D}" destId="{DA3308EA-AC4F-4F40-B121-EF1B7A77DC44}" srcOrd="0" destOrd="0" presId="urn:microsoft.com/office/officeart/2005/8/layout/cycle2"/>
+    <dgm:cxn modelId="{457A18C9-81F1-4A35-ADA5-3C23816981B3}" type="presOf" srcId="{F9D67482-08A8-41D2-A4D4-28EF53768755}" destId="{58C57B0B-F787-4E7B-A44C-92F01115E8E7}" srcOrd="0" destOrd="0" presId="urn:microsoft.com/office/officeart/2005/8/layout/cycle2"/>
     <dgm:cxn modelId="{8000DA2E-31CB-4AD9-AF9B-52BAB5602E59}" srcId="{FD57CCFC-B83B-464C-88F8-BC6450268F97}" destId="{142584DF-DF37-4E4D-8B12-3F1186ED8A79}" srcOrd="1" destOrd="0" parTransId="{ED9FF5C5-2955-4ABE-8CBD-A291C105BC10}" sibTransId="{F9A12A89-8926-472F-A7F2-6C018E0DE993}"/>
-    <dgm:cxn modelId="{457A18C9-81F1-4A35-ADA5-3C23816981B3}" type="presOf" srcId="{F9D67482-08A8-41D2-A4D4-28EF53768755}" destId="{58C57B0B-F787-4E7B-A44C-92F01115E8E7}" srcOrd="0" destOrd="0" presId="urn:microsoft.com/office/officeart/2005/8/layout/cycle2"/>
     <dgm:cxn modelId="{856A50DA-D64A-4647-9709-42A133F935EB}" type="presOf" srcId="{963AB9C7-534E-4244-8795-2DE50C0AAE1A}" destId="{BAAC15F4-9D1D-4DF8-800E-A898ABC0F2AB}" srcOrd="0" destOrd="0" presId="urn:microsoft.com/office/officeart/2005/8/layout/cycle2"/>
     <dgm:cxn modelId="{5BC36940-CB7A-4758-BE58-DC68FE675A98}" type="presOf" srcId="{F9D67482-08A8-41D2-A4D4-28EF53768755}" destId="{0DE8E6C8-D66E-45A0-B23D-743ED7603BE1}" srcOrd="1" destOrd="0" presId="urn:microsoft.com/office/officeart/2005/8/layout/cycle2"/>
     <dgm:cxn modelId="{5BBB9AAA-3A31-48A0-9041-47E02695D120}" type="presOf" srcId="{341A2B66-E7B4-4CCE-A800-2D09F00E988D}" destId="{D328AB4C-7799-47B7-A8F1-3355D4AEDC1D}" srcOrd="1" destOrd="0" presId="urn:microsoft.com/office/officeart/2005/8/layout/cycle2"/>
@@ -1230,8 +1342,8 @@
     <dgm:cxn modelId="{0A57CA8B-CCE8-45FB-ABAA-4658A3B96B41}" srcId="{FD57CCFC-B83B-464C-88F8-BC6450268F97}" destId="{94959A71-8399-4743-A822-4B2822F36EB9}" srcOrd="2" destOrd="0" parTransId="{7B73C905-77F1-455E-8A1E-1C07DA733669}" sibTransId="{341A2B66-E7B4-4CCE-A800-2D09F00E988D}"/>
     <dgm:cxn modelId="{83F18F01-1EBB-4F68-A566-C281ACD257AA}" type="presOf" srcId="{F9A12A89-8926-472F-A7F2-6C018E0DE993}" destId="{194CE3CF-2BF2-4AF5-9CEB-61305F2C5E2D}" srcOrd="0" destOrd="0" presId="urn:microsoft.com/office/officeart/2005/8/layout/cycle2"/>
     <dgm:cxn modelId="{A6CED050-C5D2-4A6A-B3EA-9375EB900D7C}" type="presOf" srcId="{1303FBFC-9B1F-43AD-A9CC-01EC7DFCCA63}" destId="{7865197D-6E8D-4FFF-BEF4-77D19CDA6748}" srcOrd="0" destOrd="0" presId="urn:microsoft.com/office/officeart/2005/8/layout/cycle2"/>
+    <dgm:cxn modelId="{782EF038-CBD4-42BC-9F87-E70F0C5BA753}" type="presOf" srcId="{604DED0C-C7D1-44E9-9D91-4EA86CC58132}" destId="{7154A4FA-E800-40EB-A87E-5CECCE812433}" srcOrd="0" destOrd="0" presId="urn:microsoft.com/office/officeart/2005/8/layout/cycle2"/>
     <dgm:cxn modelId="{7A19FA8A-9349-4A90-96EE-3F1BEED66291}" type="presOf" srcId="{963AB9C7-534E-4244-8795-2DE50C0AAE1A}" destId="{1020FBBB-690C-4821-A794-B22748BC07F6}" srcOrd="1" destOrd="0" presId="urn:microsoft.com/office/officeart/2005/8/layout/cycle2"/>
-    <dgm:cxn modelId="{782EF038-CBD4-42BC-9F87-E70F0C5BA753}" type="presOf" srcId="{604DED0C-C7D1-44E9-9D91-4EA86CC58132}" destId="{7154A4FA-E800-40EB-A87E-5CECCE812433}" srcOrd="0" destOrd="0" presId="urn:microsoft.com/office/officeart/2005/8/layout/cycle2"/>
     <dgm:cxn modelId="{8318BC13-B71D-4942-9198-291D21A68FEF}" srcId="{FD57CCFC-B83B-464C-88F8-BC6450268F97}" destId="{604DED0C-C7D1-44E9-9D91-4EA86CC58132}" srcOrd="4" destOrd="0" parTransId="{80FF181E-2F3F-4C95-B016-991B121BE693}" sibTransId="{F9D67482-08A8-41D2-A4D4-28EF53768755}"/>
     <dgm:cxn modelId="{9E0C6E45-BB6E-4222-ABBC-A7113BC40F60}" type="presParOf" srcId="{67A0B1C8-6388-410F-ABFD-B0A6F2F228F7}" destId="{9D1A61A1-B2AA-4F6A-AD68-CA1F7CD1DF22}" srcOrd="0" destOrd="0" presId="urn:microsoft.com/office/officeart/2005/8/layout/cycle2"/>
     <dgm:cxn modelId="{97FEE296-E53E-47B7-988E-0AECC9F987D1}" type="presParOf" srcId="{67A0B1C8-6388-410F-ABFD-B0A6F2F228F7}" destId="{2C793FD2-6A40-488B-8088-8D409044269C}" srcOrd="1" destOrd="0" presId="urn:microsoft.com/office/officeart/2005/8/layout/cycle2"/>
@@ -1267,774 +1379,6 @@
       <dsp:cNvGrpSpPr/>
     </dsp:nvGrpSpPr>
     <dsp:grpSpPr/>
-    <dsp:sp modelId="{9D1A61A1-B2AA-4F6A-AD68-CA1F7CD1DF22}">
-      <dsp:nvSpPr>
-        <dsp:cNvPr id="0" name=""/>
-        <dsp:cNvSpPr/>
-      </dsp:nvSpPr>
-      <dsp:spPr>
-        <a:xfrm>
-          <a:off x="1520465" y="879"/>
-          <a:ext cx="1150069" cy="1150069"/>
-        </a:xfrm>
-        <a:prstGeom prst="ellipse">
-          <a:avLst/>
-        </a:prstGeom>
-        <a:solidFill>
-          <a:schemeClr val="accent1">
-            <a:hueOff val="0"/>
-            <a:satOff val="0"/>
-            <a:lumOff val="0"/>
-            <a:alphaOff val="0"/>
-          </a:schemeClr>
-        </a:solidFill>
-        <a:ln w="25400" cap="flat" cmpd="sng" algn="ctr">
-          <a:solidFill>
-            <a:schemeClr val="lt1">
-              <a:hueOff val="0"/>
-              <a:satOff val="0"/>
-              <a:lumOff val="0"/>
-              <a:alphaOff val="0"/>
-            </a:schemeClr>
-          </a:solidFill>
-          <a:prstDash val="solid"/>
-        </a:ln>
-        <a:effectLst/>
-      </dsp:spPr>
-      <dsp:style>
-        <a:lnRef idx="2">
-          <a:scrgbClr r="0" g="0" b="0"/>
-        </a:lnRef>
-        <a:fillRef idx="1">
-          <a:scrgbClr r="0" g="0" b="0"/>
-        </a:fillRef>
-        <a:effectRef idx="0">
-          <a:scrgbClr r="0" g="0" b="0"/>
-        </a:effectRef>
-        <a:fontRef idx="minor">
-          <a:schemeClr val="lt1"/>
-        </a:fontRef>
-      </dsp:style>
-      <dsp:txBody>
-        <a:bodyPr spcFirstLastPara="0" vert="horz" wrap="square" lIns="36830" tIns="36830" rIns="36830" bIns="36830" numCol="1" spcCol="1270" anchor="ctr" anchorCtr="0">
-          <a:noAutofit/>
-        </a:bodyPr>
-        <a:lstStyle/>
-        <a:p>
-          <a:pPr lvl="0" algn="ctr" defTabSz="1289050">
-            <a:lnSpc>
-              <a:spcPct val="90000"/>
-            </a:lnSpc>
-            <a:spcBef>
-              <a:spcPct val="0"/>
-            </a:spcBef>
-            <a:spcAft>
-              <a:spcPct val="35000"/>
-            </a:spcAft>
-          </a:pPr>
-          <a:r>
-            <a:rPr lang="en-US" sz="2900" kern="1200" dirty="0" smtClean="0"/>
-            <a:t>TSK0</a:t>
-          </a:r>
-          <a:endParaRPr lang="en-US" sz="2900" kern="1200" dirty="0"/>
-        </a:p>
-      </dsp:txBody>
-      <dsp:txXfrm>
-        <a:off x="1520465" y="879"/>
-        <a:ext cx="1150069" cy="1150069"/>
-      </dsp:txXfrm>
-    </dsp:sp>
-    <dsp:sp modelId="{2C793FD2-6A40-488B-8088-8D409044269C}">
-      <dsp:nvSpPr>
-        <dsp:cNvPr id="0" name=""/>
-        <dsp:cNvSpPr/>
-      </dsp:nvSpPr>
-      <dsp:spPr>
-        <a:xfrm rot="2160000">
-          <a:off x="2634247" y="884415"/>
-          <a:ext cx="305977" cy="388148"/>
-        </a:xfrm>
-        <a:prstGeom prst="rightArrow">
-          <a:avLst>
-            <a:gd name="adj1" fmla="val 60000"/>
-            <a:gd name="adj2" fmla="val 50000"/>
-          </a:avLst>
-        </a:prstGeom>
-        <a:solidFill>
-          <a:schemeClr val="accent1">
-            <a:tint val="60000"/>
-            <a:hueOff val="0"/>
-            <a:satOff val="0"/>
-            <a:lumOff val="0"/>
-            <a:alphaOff val="0"/>
-          </a:schemeClr>
-        </a:solidFill>
-        <a:ln>
-          <a:noFill/>
-        </a:ln>
-        <a:effectLst/>
-      </dsp:spPr>
-      <dsp:style>
-        <a:lnRef idx="0">
-          <a:scrgbClr r="0" g="0" b="0"/>
-        </a:lnRef>
-        <a:fillRef idx="1">
-          <a:scrgbClr r="0" g="0" b="0"/>
-        </a:fillRef>
-        <a:effectRef idx="0">
-          <a:scrgbClr r="0" g="0" b="0"/>
-        </a:effectRef>
-        <a:fontRef idx="minor">
-          <a:schemeClr val="lt1"/>
-        </a:fontRef>
-      </dsp:style>
-      <dsp:txBody>
-        <a:bodyPr spcFirstLastPara="0" vert="horz" wrap="square" lIns="0" tIns="0" rIns="0" bIns="0" numCol="1" spcCol="1270" anchor="ctr" anchorCtr="0">
-          <a:noAutofit/>
-        </a:bodyPr>
-        <a:lstStyle/>
-        <a:p>
-          <a:pPr lvl="0" algn="ctr" defTabSz="711200">
-            <a:lnSpc>
-              <a:spcPct val="90000"/>
-            </a:lnSpc>
-            <a:spcBef>
-              <a:spcPct val="0"/>
-            </a:spcBef>
-            <a:spcAft>
-              <a:spcPct val="35000"/>
-            </a:spcAft>
-          </a:pPr>
-          <a:endParaRPr lang="en-US" sz="1600" kern="1200"/>
-        </a:p>
-      </dsp:txBody>
-      <dsp:txXfrm rot="2160000">
-        <a:off x="2634247" y="884415"/>
-        <a:ext cx="305977" cy="388148"/>
-      </dsp:txXfrm>
-    </dsp:sp>
-    <dsp:sp modelId="{4CFB935C-7860-4776-A04C-834BDF85D630}">
-      <dsp:nvSpPr>
-        <dsp:cNvPr id="0" name=""/>
-        <dsp:cNvSpPr/>
-      </dsp:nvSpPr>
-      <dsp:spPr>
-        <a:xfrm>
-          <a:off x="2917948" y="1016210"/>
-          <a:ext cx="1150069" cy="1150069"/>
-        </a:xfrm>
-        <a:prstGeom prst="ellipse">
-          <a:avLst/>
-        </a:prstGeom>
-        <a:gradFill rotWithShape="1">
-          <a:gsLst>
-            <a:gs pos="0">
-              <a:schemeClr val="accent2">
-                <a:tint val="50000"/>
-                <a:satMod val="300000"/>
-              </a:schemeClr>
-            </a:gs>
-            <a:gs pos="35000">
-              <a:schemeClr val="accent2">
-                <a:tint val="37000"/>
-                <a:satMod val="300000"/>
-              </a:schemeClr>
-            </a:gs>
-            <a:gs pos="100000">
-              <a:schemeClr val="accent2">
-                <a:tint val="15000"/>
-                <a:satMod val="350000"/>
-              </a:schemeClr>
-            </a:gs>
-          </a:gsLst>
-          <a:lin ang="16200000" scaled="1"/>
-        </a:gradFill>
-        <a:ln w="9525" cap="flat" cmpd="sng" algn="ctr">
-          <a:solidFill>
-            <a:schemeClr val="accent2">
-              <a:shade val="95000"/>
-              <a:satMod val="105000"/>
-            </a:schemeClr>
-          </a:solidFill>
-          <a:prstDash val="solid"/>
-        </a:ln>
-        <a:effectLst>
-          <a:outerShdw blurRad="40000" dist="20000" dir="5400000" rotWithShape="0">
-            <a:srgbClr val="000000">
-              <a:alpha val="38000"/>
-            </a:srgbClr>
-          </a:outerShdw>
-        </a:effectLst>
-      </dsp:spPr>
-      <dsp:style>
-        <a:lnRef idx="1">
-          <a:schemeClr val="accent2"/>
-        </a:lnRef>
-        <a:fillRef idx="2">
-          <a:schemeClr val="accent2"/>
-        </a:fillRef>
-        <a:effectRef idx="1">
-          <a:schemeClr val="accent2"/>
-        </a:effectRef>
-        <a:fontRef idx="minor">
-          <a:schemeClr val="dk1"/>
-        </a:fontRef>
-      </dsp:style>
-      <dsp:txBody>
-        <a:bodyPr spcFirstLastPara="0" vert="horz" wrap="square" lIns="36830" tIns="36830" rIns="36830" bIns="36830" numCol="1" spcCol="1270" anchor="ctr" anchorCtr="0">
-          <a:noAutofit/>
-        </a:bodyPr>
-        <a:lstStyle/>
-        <a:p>
-          <a:pPr lvl="0" algn="ctr" defTabSz="1289050">
-            <a:lnSpc>
-              <a:spcPct val="90000"/>
-            </a:lnSpc>
-            <a:spcBef>
-              <a:spcPct val="0"/>
-            </a:spcBef>
-            <a:spcAft>
-              <a:spcPct val="35000"/>
-            </a:spcAft>
-          </a:pPr>
-          <a:r>
-            <a:rPr lang="en-US" sz="2900" kern="1200" dirty="0" smtClean="0"/>
-            <a:t>TSK1</a:t>
-          </a:r>
-          <a:endParaRPr lang="en-US" sz="2900" kern="1200" dirty="0"/>
-        </a:p>
-      </dsp:txBody>
-      <dsp:txXfrm>
-        <a:off x="2917948" y="1016210"/>
-        <a:ext cx="1150069" cy="1150069"/>
-      </dsp:txXfrm>
-    </dsp:sp>
-    <dsp:sp modelId="{194CE3CF-2BF2-4AF5-9CEB-61305F2C5E2D}">
-      <dsp:nvSpPr>
-        <dsp:cNvPr id="0" name=""/>
-        <dsp:cNvSpPr/>
-      </dsp:nvSpPr>
-      <dsp:spPr>
-        <a:xfrm rot="6480000">
-          <a:off x="3075775" y="2210355"/>
-          <a:ext cx="305977" cy="388148"/>
-        </a:xfrm>
-        <a:prstGeom prst="rightArrow">
-          <a:avLst>
-            <a:gd name="adj1" fmla="val 60000"/>
-            <a:gd name="adj2" fmla="val 50000"/>
-          </a:avLst>
-        </a:prstGeom>
-        <a:solidFill>
-          <a:schemeClr val="accent1">
-            <a:tint val="60000"/>
-            <a:hueOff val="0"/>
-            <a:satOff val="0"/>
-            <a:lumOff val="0"/>
-            <a:alphaOff val="0"/>
-          </a:schemeClr>
-        </a:solidFill>
-        <a:ln>
-          <a:noFill/>
-        </a:ln>
-        <a:effectLst/>
-      </dsp:spPr>
-      <dsp:style>
-        <a:lnRef idx="0">
-          <a:scrgbClr r="0" g="0" b="0"/>
-        </a:lnRef>
-        <a:fillRef idx="1">
-          <a:scrgbClr r="0" g="0" b="0"/>
-        </a:fillRef>
-        <a:effectRef idx="0">
-          <a:scrgbClr r="0" g="0" b="0"/>
-        </a:effectRef>
-        <a:fontRef idx="minor">
-          <a:schemeClr val="lt1"/>
-        </a:fontRef>
-      </dsp:style>
-      <dsp:txBody>
-        <a:bodyPr spcFirstLastPara="0" vert="horz" wrap="square" lIns="0" tIns="0" rIns="0" bIns="0" numCol="1" spcCol="1270" anchor="ctr" anchorCtr="0">
-          <a:noAutofit/>
-        </a:bodyPr>
-        <a:lstStyle/>
-        <a:p>
-          <a:pPr lvl="0" algn="ctr" defTabSz="711200">
-            <a:lnSpc>
-              <a:spcPct val="90000"/>
-            </a:lnSpc>
-            <a:spcBef>
-              <a:spcPct val="0"/>
-            </a:spcBef>
-            <a:spcAft>
-              <a:spcPct val="35000"/>
-            </a:spcAft>
-          </a:pPr>
-          <a:endParaRPr lang="en-US" sz="1600" kern="1200"/>
-        </a:p>
-      </dsp:txBody>
-      <dsp:txXfrm rot="6480000">
-        <a:off x="3075775" y="2210355"/>
-        <a:ext cx="305977" cy="388148"/>
-      </dsp:txXfrm>
-    </dsp:sp>
-    <dsp:sp modelId="{EA63BA78-DFE1-4E32-B4E3-D3637C87D01A}">
-      <dsp:nvSpPr>
-        <dsp:cNvPr id="0" name=""/>
-        <dsp:cNvSpPr/>
-      </dsp:nvSpPr>
-      <dsp:spPr>
-        <a:xfrm>
-          <a:off x="2384157" y="2659051"/>
-          <a:ext cx="1150069" cy="1150069"/>
-        </a:xfrm>
-        <a:prstGeom prst="ellipse">
-          <a:avLst/>
-        </a:prstGeom>
-        <a:solidFill>
-          <a:schemeClr val="accent1">
-            <a:hueOff val="0"/>
-            <a:satOff val="0"/>
-            <a:lumOff val="0"/>
-            <a:alphaOff val="0"/>
-          </a:schemeClr>
-        </a:solidFill>
-        <a:ln w="25400" cap="flat" cmpd="sng" algn="ctr">
-          <a:solidFill>
-            <a:schemeClr val="lt1">
-              <a:hueOff val="0"/>
-              <a:satOff val="0"/>
-              <a:lumOff val="0"/>
-              <a:alphaOff val="0"/>
-            </a:schemeClr>
-          </a:solidFill>
-          <a:prstDash val="solid"/>
-        </a:ln>
-        <a:effectLst/>
-      </dsp:spPr>
-      <dsp:style>
-        <a:lnRef idx="2">
-          <a:scrgbClr r="0" g="0" b="0"/>
-        </a:lnRef>
-        <a:fillRef idx="1">
-          <a:scrgbClr r="0" g="0" b="0"/>
-        </a:fillRef>
-        <a:effectRef idx="0">
-          <a:scrgbClr r="0" g="0" b="0"/>
-        </a:effectRef>
-        <a:fontRef idx="minor">
-          <a:schemeClr val="lt1"/>
-        </a:fontRef>
-      </dsp:style>
-      <dsp:txBody>
-        <a:bodyPr spcFirstLastPara="0" vert="horz" wrap="square" lIns="36830" tIns="36830" rIns="36830" bIns="36830" numCol="1" spcCol="1270" anchor="ctr" anchorCtr="0">
-          <a:noAutofit/>
-        </a:bodyPr>
-        <a:lstStyle/>
-        <a:p>
-          <a:pPr lvl="0" algn="ctr" defTabSz="1289050">
-            <a:lnSpc>
-              <a:spcPct val="90000"/>
-            </a:lnSpc>
-            <a:spcBef>
-              <a:spcPct val="0"/>
-            </a:spcBef>
-            <a:spcAft>
-              <a:spcPct val="35000"/>
-            </a:spcAft>
-          </a:pPr>
-          <a:r>
-            <a:rPr lang="en-US" sz="2900" kern="1200" dirty="0" smtClean="0"/>
-            <a:t>TSK2</a:t>
-          </a:r>
-          <a:endParaRPr lang="en-US" sz="2900" kern="1200" dirty="0"/>
-        </a:p>
-      </dsp:txBody>
-      <dsp:txXfrm>
-        <a:off x="2384157" y="2659051"/>
-        <a:ext cx="1150069" cy="1150069"/>
-      </dsp:txXfrm>
-    </dsp:sp>
-    <dsp:sp modelId="{DA3308EA-AC4F-4F40-B121-EF1B7A77DC44}">
-      <dsp:nvSpPr>
-        <dsp:cNvPr id="0" name=""/>
-        <dsp:cNvSpPr/>
-      </dsp:nvSpPr>
-      <dsp:spPr>
-        <a:xfrm rot="10800000">
-          <a:off x="1951171" y="3040011"/>
-          <a:ext cx="305977" cy="388148"/>
-        </a:xfrm>
-        <a:prstGeom prst="rightArrow">
-          <a:avLst>
-            <a:gd name="adj1" fmla="val 60000"/>
-            <a:gd name="adj2" fmla="val 50000"/>
-          </a:avLst>
-        </a:prstGeom>
-        <a:solidFill>
-          <a:schemeClr val="accent1">
-            <a:tint val="60000"/>
-            <a:hueOff val="0"/>
-            <a:satOff val="0"/>
-            <a:lumOff val="0"/>
-            <a:alphaOff val="0"/>
-          </a:schemeClr>
-        </a:solidFill>
-        <a:ln>
-          <a:noFill/>
-        </a:ln>
-        <a:effectLst/>
-      </dsp:spPr>
-      <dsp:style>
-        <a:lnRef idx="0">
-          <a:scrgbClr r="0" g="0" b="0"/>
-        </a:lnRef>
-        <a:fillRef idx="1">
-          <a:scrgbClr r="0" g="0" b="0"/>
-        </a:fillRef>
-        <a:effectRef idx="0">
-          <a:scrgbClr r="0" g="0" b="0"/>
-        </a:effectRef>
-        <a:fontRef idx="minor">
-          <a:schemeClr val="lt1"/>
-        </a:fontRef>
-      </dsp:style>
-      <dsp:txBody>
-        <a:bodyPr spcFirstLastPara="0" vert="horz" wrap="square" lIns="0" tIns="0" rIns="0" bIns="0" numCol="1" spcCol="1270" anchor="ctr" anchorCtr="0">
-          <a:noAutofit/>
-        </a:bodyPr>
-        <a:lstStyle/>
-        <a:p>
-          <a:pPr lvl="0" algn="ctr" defTabSz="711200">
-            <a:lnSpc>
-              <a:spcPct val="90000"/>
-            </a:lnSpc>
-            <a:spcBef>
-              <a:spcPct val="0"/>
-            </a:spcBef>
-            <a:spcAft>
-              <a:spcPct val="35000"/>
-            </a:spcAft>
-          </a:pPr>
-          <a:endParaRPr lang="en-US" sz="1600" kern="1200"/>
-        </a:p>
-      </dsp:txBody>
-      <dsp:txXfrm rot="10800000">
-        <a:off x="1951171" y="3040011"/>
-        <a:ext cx="305977" cy="388148"/>
-      </dsp:txXfrm>
-    </dsp:sp>
-    <dsp:sp modelId="{7865197D-6E8D-4FFF-BEF4-77D19CDA6748}">
-      <dsp:nvSpPr>
-        <dsp:cNvPr id="0" name=""/>
-        <dsp:cNvSpPr/>
-      </dsp:nvSpPr>
-      <dsp:spPr>
-        <a:xfrm>
-          <a:off x="656772" y="2659051"/>
-          <a:ext cx="1150069" cy="1150069"/>
-        </a:xfrm>
-        <a:prstGeom prst="ellipse">
-          <a:avLst/>
-        </a:prstGeom>
-        <a:gradFill rotWithShape="1">
-          <a:gsLst>
-            <a:gs pos="0">
-              <a:schemeClr val="accent2">
-                <a:tint val="50000"/>
-                <a:satMod val="300000"/>
-              </a:schemeClr>
-            </a:gs>
-            <a:gs pos="35000">
-              <a:schemeClr val="accent2">
-                <a:tint val="37000"/>
-                <a:satMod val="300000"/>
-              </a:schemeClr>
-            </a:gs>
-            <a:gs pos="100000">
-              <a:schemeClr val="accent2">
-                <a:tint val="15000"/>
-                <a:satMod val="350000"/>
-              </a:schemeClr>
-            </a:gs>
-          </a:gsLst>
-          <a:lin ang="16200000" scaled="1"/>
-        </a:gradFill>
-        <a:ln w="9525" cap="flat" cmpd="sng" algn="ctr">
-          <a:solidFill>
-            <a:schemeClr val="accent2">
-              <a:shade val="95000"/>
-              <a:satMod val="105000"/>
-            </a:schemeClr>
-          </a:solidFill>
-          <a:prstDash val="solid"/>
-        </a:ln>
-        <a:effectLst>
-          <a:outerShdw blurRad="40000" dist="20000" dir="5400000" rotWithShape="0">
-            <a:srgbClr val="000000">
-              <a:alpha val="38000"/>
-            </a:srgbClr>
-          </a:outerShdw>
-        </a:effectLst>
-      </dsp:spPr>
-      <dsp:style>
-        <a:lnRef idx="1">
-          <a:schemeClr val="accent2"/>
-        </a:lnRef>
-        <a:fillRef idx="2">
-          <a:schemeClr val="accent2"/>
-        </a:fillRef>
-        <a:effectRef idx="1">
-          <a:schemeClr val="accent2"/>
-        </a:effectRef>
-        <a:fontRef idx="minor">
-          <a:schemeClr val="dk1"/>
-        </a:fontRef>
-      </dsp:style>
-      <dsp:txBody>
-        <a:bodyPr spcFirstLastPara="0" vert="horz" wrap="square" lIns="36830" tIns="36830" rIns="36830" bIns="36830" numCol="1" spcCol="1270" anchor="ctr" anchorCtr="0">
-          <a:noAutofit/>
-        </a:bodyPr>
-        <a:lstStyle/>
-        <a:p>
-          <a:pPr lvl="0" algn="ctr" defTabSz="1289050">
-            <a:lnSpc>
-              <a:spcPct val="90000"/>
-            </a:lnSpc>
-            <a:spcBef>
-              <a:spcPct val="0"/>
-            </a:spcBef>
-            <a:spcAft>
-              <a:spcPct val="35000"/>
-            </a:spcAft>
-          </a:pPr>
-          <a:r>
-            <a:rPr lang="en-US" sz="2900" kern="1200" dirty="0" smtClean="0"/>
-            <a:t>TSK3</a:t>
-          </a:r>
-          <a:endParaRPr lang="en-US" sz="2900" kern="1200" dirty="0"/>
-        </a:p>
-      </dsp:txBody>
-      <dsp:txXfrm>
-        <a:off x="656772" y="2659051"/>
-        <a:ext cx="1150069" cy="1150069"/>
-      </dsp:txXfrm>
-    </dsp:sp>
-    <dsp:sp modelId="{BAAC15F4-9D1D-4DF8-800E-A898ABC0F2AB}">
-      <dsp:nvSpPr>
-        <dsp:cNvPr id="0" name=""/>
-        <dsp:cNvSpPr/>
-      </dsp:nvSpPr>
-      <dsp:spPr>
-        <a:xfrm rot="15120000">
-          <a:off x="814599" y="2226827"/>
-          <a:ext cx="305977" cy="388148"/>
-        </a:xfrm>
-        <a:prstGeom prst="rightArrow">
-          <a:avLst>
-            <a:gd name="adj1" fmla="val 60000"/>
-            <a:gd name="adj2" fmla="val 50000"/>
-          </a:avLst>
-        </a:prstGeom>
-        <a:solidFill>
-          <a:schemeClr val="accent1">
-            <a:tint val="60000"/>
-            <a:hueOff val="0"/>
-            <a:satOff val="0"/>
-            <a:lumOff val="0"/>
-            <a:alphaOff val="0"/>
-          </a:schemeClr>
-        </a:solidFill>
-        <a:ln>
-          <a:noFill/>
-        </a:ln>
-        <a:effectLst/>
-      </dsp:spPr>
-      <dsp:style>
-        <a:lnRef idx="0">
-          <a:scrgbClr r="0" g="0" b="0"/>
-        </a:lnRef>
-        <a:fillRef idx="1">
-          <a:scrgbClr r="0" g="0" b="0"/>
-        </a:fillRef>
-        <a:effectRef idx="0">
-          <a:scrgbClr r="0" g="0" b="0"/>
-        </a:effectRef>
-        <a:fontRef idx="minor">
-          <a:schemeClr val="lt1"/>
-        </a:fontRef>
-      </dsp:style>
-      <dsp:txBody>
-        <a:bodyPr spcFirstLastPara="0" vert="horz" wrap="square" lIns="0" tIns="0" rIns="0" bIns="0" numCol="1" spcCol="1270" anchor="ctr" anchorCtr="0">
-          <a:noAutofit/>
-        </a:bodyPr>
-        <a:lstStyle/>
-        <a:p>
-          <a:pPr lvl="0" algn="ctr" defTabSz="711200">
-            <a:lnSpc>
-              <a:spcPct val="90000"/>
-            </a:lnSpc>
-            <a:spcBef>
-              <a:spcPct val="0"/>
-            </a:spcBef>
-            <a:spcAft>
-              <a:spcPct val="35000"/>
-            </a:spcAft>
-          </a:pPr>
-          <a:endParaRPr lang="en-US" sz="1600" kern="1200"/>
-        </a:p>
-      </dsp:txBody>
-      <dsp:txXfrm rot="15120000">
-        <a:off x="814599" y="2226827"/>
-        <a:ext cx="305977" cy="388148"/>
-      </dsp:txXfrm>
-    </dsp:sp>
-    <dsp:sp modelId="{7154A4FA-E800-40EB-A87E-5CECCE812433}">
-      <dsp:nvSpPr>
-        <dsp:cNvPr id="0" name=""/>
-        <dsp:cNvSpPr/>
-      </dsp:nvSpPr>
-      <dsp:spPr>
-        <a:xfrm>
-          <a:off x="122981" y="1016210"/>
-          <a:ext cx="1150069" cy="1150069"/>
-        </a:xfrm>
-        <a:prstGeom prst="ellipse">
-          <a:avLst/>
-        </a:prstGeom>
-        <a:solidFill>
-          <a:schemeClr val="accent1">
-            <a:hueOff val="0"/>
-            <a:satOff val="0"/>
-            <a:lumOff val="0"/>
-            <a:alphaOff val="0"/>
-          </a:schemeClr>
-        </a:solidFill>
-        <a:ln w="25400" cap="flat" cmpd="sng" algn="ctr">
-          <a:solidFill>
-            <a:schemeClr val="lt1">
-              <a:hueOff val="0"/>
-              <a:satOff val="0"/>
-              <a:lumOff val="0"/>
-              <a:alphaOff val="0"/>
-            </a:schemeClr>
-          </a:solidFill>
-          <a:prstDash val="solid"/>
-        </a:ln>
-        <a:effectLst/>
-      </dsp:spPr>
-      <dsp:style>
-        <a:lnRef idx="2">
-          <a:scrgbClr r="0" g="0" b="0"/>
-        </a:lnRef>
-        <a:fillRef idx="1">
-          <a:scrgbClr r="0" g="0" b="0"/>
-        </a:fillRef>
-        <a:effectRef idx="0">
-          <a:scrgbClr r="0" g="0" b="0"/>
-        </a:effectRef>
-        <a:fontRef idx="minor">
-          <a:schemeClr val="lt1"/>
-        </a:fontRef>
-      </dsp:style>
-      <dsp:txBody>
-        <a:bodyPr spcFirstLastPara="0" vert="horz" wrap="square" lIns="36830" tIns="36830" rIns="36830" bIns="36830" numCol="1" spcCol="1270" anchor="ctr" anchorCtr="0">
-          <a:noAutofit/>
-        </a:bodyPr>
-        <a:lstStyle/>
-        <a:p>
-          <a:pPr lvl="0" algn="ctr" defTabSz="1289050">
-            <a:lnSpc>
-              <a:spcPct val="90000"/>
-            </a:lnSpc>
-            <a:spcBef>
-              <a:spcPct val="0"/>
-            </a:spcBef>
-            <a:spcAft>
-              <a:spcPct val="35000"/>
-            </a:spcAft>
-          </a:pPr>
-          <a:r>
-            <a:rPr lang="en-US" sz="2900" kern="1200" dirty="0" smtClean="0"/>
-            <a:t>TSK4</a:t>
-          </a:r>
-          <a:endParaRPr lang="en-US" sz="2900" kern="1200" dirty="0"/>
-        </a:p>
-      </dsp:txBody>
-      <dsp:txXfrm>
-        <a:off x="122981" y="1016210"/>
-        <a:ext cx="1150069" cy="1150069"/>
-      </dsp:txXfrm>
-    </dsp:sp>
-    <dsp:sp modelId="{58C57B0B-F787-4E7B-A44C-92F01115E8E7}">
-      <dsp:nvSpPr>
-        <dsp:cNvPr id="0" name=""/>
-        <dsp:cNvSpPr/>
-      </dsp:nvSpPr>
-      <dsp:spPr>
-        <a:xfrm rot="19440000">
-          <a:off x="1236763" y="894595"/>
-          <a:ext cx="305977" cy="388148"/>
-        </a:xfrm>
-        <a:prstGeom prst="rightArrow">
-          <a:avLst>
-            <a:gd name="adj1" fmla="val 60000"/>
-            <a:gd name="adj2" fmla="val 50000"/>
-          </a:avLst>
-        </a:prstGeom>
-        <a:solidFill>
-          <a:schemeClr val="accent1">
-            <a:tint val="60000"/>
-            <a:hueOff val="0"/>
-            <a:satOff val="0"/>
-            <a:lumOff val="0"/>
-            <a:alphaOff val="0"/>
-          </a:schemeClr>
-        </a:solidFill>
-        <a:ln>
-          <a:noFill/>
-        </a:ln>
-        <a:effectLst/>
-      </dsp:spPr>
-      <dsp:style>
-        <a:lnRef idx="0">
-          <a:scrgbClr r="0" g="0" b="0"/>
-        </a:lnRef>
-        <a:fillRef idx="1">
-          <a:scrgbClr r="0" g="0" b="0"/>
-        </a:fillRef>
-        <a:effectRef idx="0">
-          <a:scrgbClr r="0" g="0" b="0"/>
-        </a:effectRef>
-        <a:fontRef idx="minor">
-          <a:schemeClr val="lt1"/>
-        </a:fontRef>
-      </dsp:style>
-      <dsp:txBody>
-        <a:bodyPr spcFirstLastPara="0" vert="horz" wrap="square" lIns="0" tIns="0" rIns="0" bIns="0" numCol="1" spcCol="1270" anchor="ctr" anchorCtr="0">
-          <a:noAutofit/>
-        </a:bodyPr>
-        <a:lstStyle/>
-        <a:p>
-          <a:pPr lvl="0" algn="ctr" defTabSz="711200">
-            <a:lnSpc>
-              <a:spcPct val="90000"/>
-            </a:lnSpc>
-            <a:spcBef>
-              <a:spcPct val="0"/>
-            </a:spcBef>
-            <a:spcAft>
-              <a:spcPct val="35000"/>
-            </a:spcAft>
-          </a:pPr>
-          <a:endParaRPr lang="en-US" sz="1600" kern="1200"/>
-        </a:p>
-      </dsp:txBody>
-      <dsp:txXfrm rot="19440000">
-        <a:off x="1236763" y="894595"/>
-        <a:ext cx="305977" cy="388148"/>
-      </dsp:txXfrm>
-    </dsp:sp>
   </dsp:spTree>
 </dsp:drawing>
 </file>
@@ -3367,7 +2711,7 @@
             <a:fld id="{E168EC2E-7004-4E52-B364-EF7EFD24F792}" type="datetimeFigureOut">
               <a:rPr lang="en-US" smtClean="0"/>
               <a:pPr/>
-              <a:t>4/30/2012</a:t>
+              <a:t>5/3/2012</a:t>
             </a:fld>
             <a:endParaRPr lang="en-US"/>
           </a:p>

--- a/trunk/slides/KeyStone Advanced Debug.pptx
+++ b/trunk/slides/KeyStone Advanced Debug.pptx
@@ -1342,8 +1342,8 @@
     <dgm:cxn modelId="{0A57CA8B-CCE8-45FB-ABAA-4658A3B96B41}" srcId="{FD57CCFC-B83B-464C-88F8-BC6450268F97}" destId="{94959A71-8399-4743-A822-4B2822F36EB9}" srcOrd="2" destOrd="0" parTransId="{7B73C905-77F1-455E-8A1E-1C07DA733669}" sibTransId="{341A2B66-E7B4-4CCE-A800-2D09F00E988D}"/>
     <dgm:cxn modelId="{83F18F01-1EBB-4F68-A566-C281ACD257AA}" type="presOf" srcId="{F9A12A89-8926-472F-A7F2-6C018E0DE993}" destId="{194CE3CF-2BF2-4AF5-9CEB-61305F2C5E2D}" srcOrd="0" destOrd="0" presId="urn:microsoft.com/office/officeart/2005/8/layout/cycle2"/>
     <dgm:cxn modelId="{A6CED050-C5D2-4A6A-B3EA-9375EB900D7C}" type="presOf" srcId="{1303FBFC-9B1F-43AD-A9CC-01EC7DFCCA63}" destId="{7865197D-6E8D-4FFF-BEF4-77D19CDA6748}" srcOrd="0" destOrd="0" presId="urn:microsoft.com/office/officeart/2005/8/layout/cycle2"/>
+    <dgm:cxn modelId="{7A19FA8A-9349-4A90-96EE-3F1BEED66291}" type="presOf" srcId="{963AB9C7-534E-4244-8795-2DE50C0AAE1A}" destId="{1020FBBB-690C-4821-A794-B22748BC07F6}" srcOrd="1" destOrd="0" presId="urn:microsoft.com/office/officeart/2005/8/layout/cycle2"/>
     <dgm:cxn modelId="{782EF038-CBD4-42BC-9F87-E70F0C5BA753}" type="presOf" srcId="{604DED0C-C7D1-44E9-9D91-4EA86CC58132}" destId="{7154A4FA-E800-40EB-A87E-5CECCE812433}" srcOrd="0" destOrd="0" presId="urn:microsoft.com/office/officeart/2005/8/layout/cycle2"/>
-    <dgm:cxn modelId="{7A19FA8A-9349-4A90-96EE-3F1BEED66291}" type="presOf" srcId="{963AB9C7-534E-4244-8795-2DE50C0AAE1A}" destId="{1020FBBB-690C-4821-A794-B22748BC07F6}" srcOrd="1" destOrd="0" presId="urn:microsoft.com/office/officeart/2005/8/layout/cycle2"/>
     <dgm:cxn modelId="{8318BC13-B71D-4942-9198-291D21A68FEF}" srcId="{FD57CCFC-B83B-464C-88F8-BC6450268F97}" destId="{604DED0C-C7D1-44E9-9D91-4EA86CC58132}" srcOrd="4" destOrd="0" parTransId="{80FF181E-2F3F-4C95-B016-991B121BE693}" sibTransId="{F9D67482-08A8-41D2-A4D4-28EF53768755}"/>
     <dgm:cxn modelId="{9E0C6E45-BB6E-4222-ABBC-A7113BC40F60}" type="presParOf" srcId="{67A0B1C8-6388-410F-ABFD-B0A6F2F228F7}" destId="{9D1A61A1-B2AA-4F6A-AD68-CA1F7CD1DF22}" srcOrd="0" destOrd="0" presId="urn:microsoft.com/office/officeart/2005/8/layout/cycle2"/>
     <dgm:cxn modelId="{97FEE296-E53E-47B7-988E-0AECC9F987D1}" type="presParOf" srcId="{67A0B1C8-6388-410F-ABFD-B0A6F2F228F7}" destId="{2C793FD2-6A40-488B-8088-8D409044269C}" srcOrd="1" destOrd="0" presId="urn:microsoft.com/office/officeart/2005/8/layout/cycle2"/>
@@ -1379,6 +1379,774 @@
       <dsp:cNvGrpSpPr/>
     </dsp:nvGrpSpPr>
     <dsp:grpSpPr/>
+    <dsp:sp modelId="{9D1A61A1-B2AA-4F6A-AD68-CA1F7CD1DF22}">
+      <dsp:nvSpPr>
+        <dsp:cNvPr id="0" name=""/>
+        <dsp:cNvSpPr/>
+      </dsp:nvSpPr>
+      <dsp:spPr>
+        <a:xfrm>
+          <a:off x="1520465" y="879"/>
+          <a:ext cx="1150069" cy="1150069"/>
+        </a:xfrm>
+        <a:prstGeom prst="ellipse">
+          <a:avLst/>
+        </a:prstGeom>
+        <a:solidFill>
+          <a:schemeClr val="accent1">
+            <a:hueOff val="0"/>
+            <a:satOff val="0"/>
+            <a:lumOff val="0"/>
+            <a:alphaOff val="0"/>
+          </a:schemeClr>
+        </a:solidFill>
+        <a:ln w="25400" cap="flat" cmpd="sng" algn="ctr">
+          <a:solidFill>
+            <a:schemeClr val="lt1">
+              <a:hueOff val="0"/>
+              <a:satOff val="0"/>
+              <a:lumOff val="0"/>
+              <a:alphaOff val="0"/>
+            </a:schemeClr>
+          </a:solidFill>
+          <a:prstDash val="solid"/>
+        </a:ln>
+        <a:effectLst/>
+      </dsp:spPr>
+      <dsp:style>
+        <a:lnRef idx="2">
+          <a:scrgbClr r="0" g="0" b="0"/>
+        </a:lnRef>
+        <a:fillRef idx="1">
+          <a:scrgbClr r="0" g="0" b="0"/>
+        </a:fillRef>
+        <a:effectRef idx="0">
+          <a:scrgbClr r="0" g="0" b="0"/>
+        </a:effectRef>
+        <a:fontRef idx="minor">
+          <a:schemeClr val="lt1"/>
+        </a:fontRef>
+      </dsp:style>
+      <dsp:txBody>
+        <a:bodyPr spcFirstLastPara="0" vert="horz" wrap="square" lIns="36830" tIns="36830" rIns="36830" bIns="36830" numCol="1" spcCol="1270" anchor="ctr" anchorCtr="0">
+          <a:noAutofit/>
+        </a:bodyPr>
+        <a:lstStyle/>
+        <a:p>
+          <a:pPr lvl="0" algn="ctr" defTabSz="1289050">
+            <a:lnSpc>
+              <a:spcPct val="90000"/>
+            </a:lnSpc>
+            <a:spcBef>
+              <a:spcPct val="0"/>
+            </a:spcBef>
+            <a:spcAft>
+              <a:spcPct val="35000"/>
+            </a:spcAft>
+          </a:pPr>
+          <a:r>
+            <a:rPr lang="en-US" sz="2900" kern="1200" dirty="0" smtClean="0"/>
+            <a:t>TSK0</a:t>
+          </a:r>
+          <a:endParaRPr lang="en-US" sz="2900" kern="1200" dirty="0"/>
+        </a:p>
+      </dsp:txBody>
+      <dsp:txXfrm>
+        <a:off x="1520465" y="879"/>
+        <a:ext cx="1150069" cy="1150069"/>
+      </dsp:txXfrm>
+    </dsp:sp>
+    <dsp:sp modelId="{2C793FD2-6A40-488B-8088-8D409044269C}">
+      <dsp:nvSpPr>
+        <dsp:cNvPr id="0" name=""/>
+        <dsp:cNvSpPr/>
+      </dsp:nvSpPr>
+      <dsp:spPr>
+        <a:xfrm rot="2160000">
+          <a:off x="2634247" y="884415"/>
+          <a:ext cx="305977" cy="388148"/>
+        </a:xfrm>
+        <a:prstGeom prst="rightArrow">
+          <a:avLst>
+            <a:gd name="adj1" fmla="val 60000"/>
+            <a:gd name="adj2" fmla="val 50000"/>
+          </a:avLst>
+        </a:prstGeom>
+        <a:solidFill>
+          <a:schemeClr val="accent1">
+            <a:tint val="60000"/>
+            <a:hueOff val="0"/>
+            <a:satOff val="0"/>
+            <a:lumOff val="0"/>
+            <a:alphaOff val="0"/>
+          </a:schemeClr>
+        </a:solidFill>
+        <a:ln>
+          <a:noFill/>
+        </a:ln>
+        <a:effectLst/>
+      </dsp:spPr>
+      <dsp:style>
+        <a:lnRef idx="0">
+          <a:scrgbClr r="0" g="0" b="0"/>
+        </a:lnRef>
+        <a:fillRef idx="1">
+          <a:scrgbClr r="0" g="0" b="0"/>
+        </a:fillRef>
+        <a:effectRef idx="0">
+          <a:scrgbClr r="0" g="0" b="0"/>
+        </a:effectRef>
+        <a:fontRef idx="minor">
+          <a:schemeClr val="lt1"/>
+        </a:fontRef>
+      </dsp:style>
+      <dsp:txBody>
+        <a:bodyPr spcFirstLastPara="0" vert="horz" wrap="square" lIns="0" tIns="0" rIns="0" bIns="0" numCol="1" spcCol="1270" anchor="ctr" anchorCtr="0">
+          <a:noAutofit/>
+        </a:bodyPr>
+        <a:lstStyle/>
+        <a:p>
+          <a:pPr lvl="0" algn="ctr" defTabSz="711200">
+            <a:lnSpc>
+              <a:spcPct val="90000"/>
+            </a:lnSpc>
+            <a:spcBef>
+              <a:spcPct val="0"/>
+            </a:spcBef>
+            <a:spcAft>
+              <a:spcPct val="35000"/>
+            </a:spcAft>
+          </a:pPr>
+          <a:endParaRPr lang="en-US" sz="1600" kern="1200"/>
+        </a:p>
+      </dsp:txBody>
+      <dsp:txXfrm rot="2160000">
+        <a:off x="2634247" y="884415"/>
+        <a:ext cx="305977" cy="388148"/>
+      </dsp:txXfrm>
+    </dsp:sp>
+    <dsp:sp modelId="{4CFB935C-7860-4776-A04C-834BDF85D630}">
+      <dsp:nvSpPr>
+        <dsp:cNvPr id="0" name=""/>
+        <dsp:cNvSpPr/>
+      </dsp:nvSpPr>
+      <dsp:spPr>
+        <a:xfrm>
+          <a:off x="2917948" y="1016210"/>
+          <a:ext cx="1150069" cy="1150069"/>
+        </a:xfrm>
+        <a:prstGeom prst="ellipse">
+          <a:avLst/>
+        </a:prstGeom>
+        <a:gradFill rotWithShape="1">
+          <a:gsLst>
+            <a:gs pos="0">
+              <a:schemeClr val="accent2">
+                <a:tint val="50000"/>
+                <a:satMod val="300000"/>
+              </a:schemeClr>
+            </a:gs>
+            <a:gs pos="35000">
+              <a:schemeClr val="accent2">
+                <a:tint val="37000"/>
+                <a:satMod val="300000"/>
+              </a:schemeClr>
+            </a:gs>
+            <a:gs pos="100000">
+              <a:schemeClr val="accent2">
+                <a:tint val="15000"/>
+                <a:satMod val="350000"/>
+              </a:schemeClr>
+            </a:gs>
+          </a:gsLst>
+          <a:lin ang="16200000" scaled="1"/>
+        </a:gradFill>
+        <a:ln w="9525" cap="flat" cmpd="sng" algn="ctr">
+          <a:solidFill>
+            <a:schemeClr val="accent2">
+              <a:shade val="95000"/>
+              <a:satMod val="105000"/>
+            </a:schemeClr>
+          </a:solidFill>
+          <a:prstDash val="solid"/>
+        </a:ln>
+        <a:effectLst>
+          <a:outerShdw blurRad="40000" dist="20000" dir="5400000" rotWithShape="0">
+            <a:srgbClr val="000000">
+              <a:alpha val="38000"/>
+            </a:srgbClr>
+          </a:outerShdw>
+        </a:effectLst>
+      </dsp:spPr>
+      <dsp:style>
+        <a:lnRef idx="1">
+          <a:schemeClr val="accent2"/>
+        </a:lnRef>
+        <a:fillRef idx="2">
+          <a:schemeClr val="accent2"/>
+        </a:fillRef>
+        <a:effectRef idx="1">
+          <a:schemeClr val="accent2"/>
+        </a:effectRef>
+        <a:fontRef idx="minor">
+          <a:schemeClr val="dk1"/>
+        </a:fontRef>
+      </dsp:style>
+      <dsp:txBody>
+        <a:bodyPr spcFirstLastPara="0" vert="horz" wrap="square" lIns="36830" tIns="36830" rIns="36830" bIns="36830" numCol="1" spcCol="1270" anchor="ctr" anchorCtr="0">
+          <a:noAutofit/>
+        </a:bodyPr>
+        <a:lstStyle/>
+        <a:p>
+          <a:pPr lvl="0" algn="ctr" defTabSz="1289050">
+            <a:lnSpc>
+              <a:spcPct val="90000"/>
+            </a:lnSpc>
+            <a:spcBef>
+              <a:spcPct val="0"/>
+            </a:spcBef>
+            <a:spcAft>
+              <a:spcPct val="35000"/>
+            </a:spcAft>
+          </a:pPr>
+          <a:r>
+            <a:rPr lang="en-US" sz="2900" kern="1200" dirty="0" smtClean="0"/>
+            <a:t>TSK1</a:t>
+          </a:r>
+          <a:endParaRPr lang="en-US" sz="2900" kern="1200" dirty="0"/>
+        </a:p>
+      </dsp:txBody>
+      <dsp:txXfrm>
+        <a:off x="2917948" y="1016210"/>
+        <a:ext cx="1150069" cy="1150069"/>
+      </dsp:txXfrm>
+    </dsp:sp>
+    <dsp:sp modelId="{194CE3CF-2BF2-4AF5-9CEB-61305F2C5E2D}">
+      <dsp:nvSpPr>
+        <dsp:cNvPr id="0" name=""/>
+        <dsp:cNvSpPr/>
+      </dsp:nvSpPr>
+      <dsp:spPr>
+        <a:xfrm rot="6480000">
+          <a:off x="3075775" y="2210355"/>
+          <a:ext cx="305977" cy="388148"/>
+        </a:xfrm>
+        <a:prstGeom prst="rightArrow">
+          <a:avLst>
+            <a:gd name="adj1" fmla="val 60000"/>
+            <a:gd name="adj2" fmla="val 50000"/>
+          </a:avLst>
+        </a:prstGeom>
+        <a:solidFill>
+          <a:schemeClr val="accent1">
+            <a:tint val="60000"/>
+            <a:hueOff val="0"/>
+            <a:satOff val="0"/>
+            <a:lumOff val="0"/>
+            <a:alphaOff val="0"/>
+          </a:schemeClr>
+        </a:solidFill>
+        <a:ln>
+          <a:noFill/>
+        </a:ln>
+        <a:effectLst/>
+      </dsp:spPr>
+      <dsp:style>
+        <a:lnRef idx="0">
+          <a:scrgbClr r="0" g="0" b="0"/>
+        </a:lnRef>
+        <a:fillRef idx="1">
+          <a:scrgbClr r="0" g="0" b="0"/>
+        </a:fillRef>
+        <a:effectRef idx="0">
+          <a:scrgbClr r="0" g="0" b="0"/>
+        </a:effectRef>
+        <a:fontRef idx="minor">
+          <a:schemeClr val="lt1"/>
+        </a:fontRef>
+      </dsp:style>
+      <dsp:txBody>
+        <a:bodyPr spcFirstLastPara="0" vert="horz" wrap="square" lIns="0" tIns="0" rIns="0" bIns="0" numCol="1" spcCol="1270" anchor="ctr" anchorCtr="0">
+          <a:noAutofit/>
+        </a:bodyPr>
+        <a:lstStyle/>
+        <a:p>
+          <a:pPr lvl="0" algn="ctr" defTabSz="711200">
+            <a:lnSpc>
+              <a:spcPct val="90000"/>
+            </a:lnSpc>
+            <a:spcBef>
+              <a:spcPct val="0"/>
+            </a:spcBef>
+            <a:spcAft>
+              <a:spcPct val="35000"/>
+            </a:spcAft>
+          </a:pPr>
+          <a:endParaRPr lang="en-US" sz="1600" kern="1200"/>
+        </a:p>
+      </dsp:txBody>
+      <dsp:txXfrm rot="6480000">
+        <a:off x="3075775" y="2210355"/>
+        <a:ext cx="305977" cy="388148"/>
+      </dsp:txXfrm>
+    </dsp:sp>
+    <dsp:sp modelId="{EA63BA78-DFE1-4E32-B4E3-D3637C87D01A}">
+      <dsp:nvSpPr>
+        <dsp:cNvPr id="0" name=""/>
+        <dsp:cNvSpPr/>
+      </dsp:nvSpPr>
+      <dsp:spPr>
+        <a:xfrm>
+          <a:off x="2384157" y="2659051"/>
+          <a:ext cx="1150069" cy="1150069"/>
+        </a:xfrm>
+        <a:prstGeom prst="ellipse">
+          <a:avLst/>
+        </a:prstGeom>
+        <a:solidFill>
+          <a:schemeClr val="accent1">
+            <a:hueOff val="0"/>
+            <a:satOff val="0"/>
+            <a:lumOff val="0"/>
+            <a:alphaOff val="0"/>
+          </a:schemeClr>
+        </a:solidFill>
+        <a:ln w="25400" cap="flat" cmpd="sng" algn="ctr">
+          <a:solidFill>
+            <a:schemeClr val="lt1">
+              <a:hueOff val="0"/>
+              <a:satOff val="0"/>
+              <a:lumOff val="0"/>
+              <a:alphaOff val="0"/>
+            </a:schemeClr>
+          </a:solidFill>
+          <a:prstDash val="solid"/>
+        </a:ln>
+        <a:effectLst/>
+      </dsp:spPr>
+      <dsp:style>
+        <a:lnRef idx="2">
+          <a:scrgbClr r="0" g="0" b="0"/>
+        </a:lnRef>
+        <a:fillRef idx="1">
+          <a:scrgbClr r="0" g="0" b="0"/>
+        </a:fillRef>
+        <a:effectRef idx="0">
+          <a:scrgbClr r="0" g="0" b="0"/>
+        </a:effectRef>
+        <a:fontRef idx="minor">
+          <a:schemeClr val="lt1"/>
+        </a:fontRef>
+      </dsp:style>
+      <dsp:txBody>
+        <a:bodyPr spcFirstLastPara="0" vert="horz" wrap="square" lIns="36830" tIns="36830" rIns="36830" bIns="36830" numCol="1" spcCol="1270" anchor="ctr" anchorCtr="0">
+          <a:noAutofit/>
+        </a:bodyPr>
+        <a:lstStyle/>
+        <a:p>
+          <a:pPr lvl="0" algn="ctr" defTabSz="1289050">
+            <a:lnSpc>
+              <a:spcPct val="90000"/>
+            </a:lnSpc>
+            <a:spcBef>
+              <a:spcPct val="0"/>
+            </a:spcBef>
+            <a:spcAft>
+              <a:spcPct val="35000"/>
+            </a:spcAft>
+          </a:pPr>
+          <a:r>
+            <a:rPr lang="en-US" sz="2900" kern="1200" dirty="0" smtClean="0"/>
+            <a:t>TSK2</a:t>
+          </a:r>
+          <a:endParaRPr lang="en-US" sz="2900" kern="1200" dirty="0"/>
+        </a:p>
+      </dsp:txBody>
+      <dsp:txXfrm>
+        <a:off x="2384157" y="2659051"/>
+        <a:ext cx="1150069" cy="1150069"/>
+      </dsp:txXfrm>
+    </dsp:sp>
+    <dsp:sp modelId="{DA3308EA-AC4F-4F40-B121-EF1B7A77DC44}">
+      <dsp:nvSpPr>
+        <dsp:cNvPr id="0" name=""/>
+        <dsp:cNvSpPr/>
+      </dsp:nvSpPr>
+      <dsp:spPr>
+        <a:xfrm rot="10800000">
+          <a:off x="1951171" y="3040011"/>
+          <a:ext cx="305977" cy="388148"/>
+        </a:xfrm>
+        <a:prstGeom prst="rightArrow">
+          <a:avLst>
+            <a:gd name="adj1" fmla="val 60000"/>
+            <a:gd name="adj2" fmla="val 50000"/>
+          </a:avLst>
+        </a:prstGeom>
+        <a:solidFill>
+          <a:schemeClr val="accent1">
+            <a:tint val="60000"/>
+            <a:hueOff val="0"/>
+            <a:satOff val="0"/>
+            <a:lumOff val="0"/>
+            <a:alphaOff val="0"/>
+          </a:schemeClr>
+        </a:solidFill>
+        <a:ln>
+          <a:noFill/>
+        </a:ln>
+        <a:effectLst/>
+      </dsp:spPr>
+      <dsp:style>
+        <a:lnRef idx="0">
+          <a:scrgbClr r="0" g="0" b="0"/>
+        </a:lnRef>
+        <a:fillRef idx="1">
+          <a:scrgbClr r="0" g="0" b="0"/>
+        </a:fillRef>
+        <a:effectRef idx="0">
+          <a:scrgbClr r="0" g="0" b="0"/>
+        </a:effectRef>
+        <a:fontRef idx="minor">
+          <a:schemeClr val="lt1"/>
+        </a:fontRef>
+      </dsp:style>
+      <dsp:txBody>
+        <a:bodyPr spcFirstLastPara="0" vert="horz" wrap="square" lIns="0" tIns="0" rIns="0" bIns="0" numCol="1" spcCol="1270" anchor="ctr" anchorCtr="0">
+          <a:noAutofit/>
+        </a:bodyPr>
+        <a:lstStyle/>
+        <a:p>
+          <a:pPr lvl="0" algn="ctr" defTabSz="711200">
+            <a:lnSpc>
+              <a:spcPct val="90000"/>
+            </a:lnSpc>
+            <a:spcBef>
+              <a:spcPct val="0"/>
+            </a:spcBef>
+            <a:spcAft>
+              <a:spcPct val="35000"/>
+            </a:spcAft>
+          </a:pPr>
+          <a:endParaRPr lang="en-US" sz="1600" kern="1200"/>
+        </a:p>
+      </dsp:txBody>
+      <dsp:txXfrm rot="10800000">
+        <a:off x="1951171" y="3040011"/>
+        <a:ext cx="305977" cy="388148"/>
+      </dsp:txXfrm>
+    </dsp:sp>
+    <dsp:sp modelId="{7865197D-6E8D-4FFF-BEF4-77D19CDA6748}">
+      <dsp:nvSpPr>
+        <dsp:cNvPr id="0" name=""/>
+        <dsp:cNvSpPr/>
+      </dsp:nvSpPr>
+      <dsp:spPr>
+        <a:xfrm>
+          <a:off x="656772" y="2659051"/>
+          <a:ext cx="1150069" cy="1150069"/>
+        </a:xfrm>
+        <a:prstGeom prst="ellipse">
+          <a:avLst/>
+        </a:prstGeom>
+        <a:gradFill rotWithShape="1">
+          <a:gsLst>
+            <a:gs pos="0">
+              <a:schemeClr val="accent2">
+                <a:tint val="50000"/>
+                <a:satMod val="300000"/>
+              </a:schemeClr>
+            </a:gs>
+            <a:gs pos="35000">
+              <a:schemeClr val="accent2">
+                <a:tint val="37000"/>
+                <a:satMod val="300000"/>
+              </a:schemeClr>
+            </a:gs>
+            <a:gs pos="100000">
+              <a:schemeClr val="accent2">
+                <a:tint val="15000"/>
+                <a:satMod val="350000"/>
+              </a:schemeClr>
+            </a:gs>
+          </a:gsLst>
+          <a:lin ang="16200000" scaled="1"/>
+        </a:gradFill>
+        <a:ln w="9525" cap="flat" cmpd="sng" algn="ctr">
+          <a:solidFill>
+            <a:schemeClr val="accent2">
+              <a:shade val="95000"/>
+              <a:satMod val="105000"/>
+            </a:schemeClr>
+          </a:solidFill>
+          <a:prstDash val="solid"/>
+        </a:ln>
+        <a:effectLst>
+          <a:outerShdw blurRad="40000" dist="20000" dir="5400000" rotWithShape="0">
+            <a:srgbClr val="000000">
+              <a:alpha val="38000"/>
+            </a:srgbClr>
+          </a:outerShdw>
+        </a:effectLst>
+      </dsp:spPr>
+      <dsp:style>
+        <a:lnRef idx="1">
+          <a:schemeClr val="accent2"/>
+        </a:lnRef>
+        <a:fillRef idx="2">
+          <a:schemeClr val="accent2"/>
+        </a:fillRef>
+        <a:effectRef idx="1">
+          <a:schemeClr val="accent2"/>
+        </a:effectRef>
+        <a:fontRef idx="minor">
+          <a:schemeClr val="dk1"/>
+        </a:fontRef>
+      </dsp:style>
+      <dsp:txBody>
+        <a:bodyPr spcFirstLastPara="0" vert="horz" wrap="square" lIns="36830" tIns="36830" rIns="36830" bIns="36830" numCol="1" spcCol="1270" anchor="ctr" anchorCtr="0">
+          <a:noAutofit/>
+        </a:bodyPr>
+        <a:lstStyle/>
+        <a:p>
+          <a:pPr lvl="0" algn="ctr" defTabSz="1289050">
+            <a:lnSpc>
+              <a:spcPct val="90000"/>
+            </a:lnSpc>
+            <a:spcBef>
+              <a:spcPct val="0"/>
+            </a:spcBef>
+            <a:spcAft>
+              <a:spcPct val="35000"/>
+            </a:spcAft>
+          </a:pPr>
+          <a:r>
+            <a:rPr lang="en-US" sz="2900" kern="1200" dirty="0" smtClean="0"/>
+            <a:t>TSK3</a:t>
+          </a:r>
+          <a:endParaRPr lang="en-US" sz="2900" kern="1200" dirty="0"/>
+        </a:p>
+      </dsp:txBody>
+      <dsp:txXfrm>
+        <a:off x="656772" y="2659051"/>
+        <a:ext cx="1150069" cy="1150069"/>
+      </dsp:txXfrm>
+    </dsp:sp>
+    <dsp:sp modelId="{BAAC15F4-9D1D-4DF8-800E-A898ABC0F2AB}">
+      <dsp:nvSpPr>
+        <dsp:cNvPr id="0" name=""/>
+        <dsp:cNvSpPr/>
+      </dsp:nvSpPr>
+      <dsp:spPr>
+        <a:xfrm rot="15120000">
+          <a:off x="814599" y="2226827"/>
+          <a:ext cx="305977" cy="388148"/>
+        </a:xfrm>
+        <a:prstGeom prst="rightArrow">
+          <a:avLst>
+            <a:gd name="adj1" fmla="val 60000"/>
+            <a:gd name="adj2" fmla="val 50000"/>
+          </a:avLst>
+        </a:prstGeom>
+        <a:solidFill>
+          <a:schemeClr val="accent1">
+            <a:tint val="60000"/>
+            <a:hueOff val="0"/>
+            <a:satOff val="0"/>
+            <a:lumOff val="0"/>
+            <a:alphaOff val="0"/>
+          </a:schemeClr>
+        </a:solidFill>
+        <a:ln>
+          <a:noFill/>
+        </a:ln>
+        <a:effectLst/>
+      </dsp:spPr>
+      <dsp:style>
+        <a:lnRef idx="0">
+          <a:scrgbClr r="0" g="0" b="0"/>
+        </a:lnRef>
+        <a:fillRef idx="1">
+          <a:scrgbClr r="0" g="0" b="0"/>
+        </a:fillRef>
+        <a:effectRef idx="0">
+          <a:scrgbClr r="0" g="0" b="0"/>
+        </a:effectRef>
+        <a:fontRef idx="minor">
+          <a:schemeClr val="lt1"/>
+        </a:fontRef>
+      </dsp:style>
+      <dsp:txBody>
+        <a:bodyPr spcFirstLastPara="0" vert="horz" wrap="square" lIns="0" tIns="0" rIns="0" bIns="0" numCol="1" spcCol="1270" anchor="ctr" anchorCtr="0">
+          <a:noAutofit/>
+        </a:bodyPr>
+        <a:lstStyle/>
+        <a:p>
+          <a:pPr lvl="0" algn="ctr" defTabSz="711200">
+            <a:lnSpc>
+              <a:spcPct val="90000"/>
+            </a:lnSpc>
+            <a:spcBef>
+              <a:spcPct val="0"/>
+            </a:spcBef>
+            <a:spcAft>
+              <a:spcPct val="35000"/>
+            </a:spcAft>
+          </a:pPr>
+          <a:endParaRPr lang="en-US" sz="1600" kern="1200"/>
+        </a:p>
+      </dsp:txBody>
+      <dsp:txXfrm rot="15120000">
+        <a:off x="814599" y="2226827"/>
+        <a:ext cx="305977" cy="388148"/>
+      </dsp:txXfrm>
+    </dsp:sp>
+    <dsp:sp modelId="{7154A4FA-E800-40EB-A87E-5CECCE812433}">
+      <dsp:nvSpPr>
+        <dsp:cNvPr id="0" name=""/>
+        <dsp:cNvSpPr/>
+      </dsp:nvSpPr>
+      <dsp:spPr>
+        <a:xfrm>
+          <a:off x="122981" y="1016210"/>
+          <a:ext cx="1150069" cy="1150069"/>
+        </a:xfrm>
+        <a:prstGeom prst="ellipse">
+          <a:avLst/>
+        </a:prstGeom>
+        <a:solidFill>
+          <a:schemeClr val="accent1">
+            <a:hueOff val="0"/>
+            <a:satOff val="0"/>
+            <a:lumOff val="0"/>
+            <a:alphaOff val="0"/>
+          </a:schemeClr>
+        </a:solidFill>
+        <a:ln w="25400" cap="flat" cmpd="sng" algn="ctr">
+          <a:solidFill>
+            <a:schemeClr val="lt1">
+              <a:hueOff val="0"/>
+              <a:satOff val="0"/>
+              <a:lumOff val="0"/>
+              <a:alphaOff val="0"/>
+            </a:schemeClr>
+          </a:solidFill>
+          <a:prstDash val="solid"/>
+        </a:ln>
+        <a:effectLst/>
+      </dsp:spPr>
+      <dsp:style>
+        <a:lnRef idx="2">
+          <a:scrgbClr r="0" g="0" b="0"/>
+        </a:lnRef>
+        <a:fillRef idx="1">
+          <a:scrgbClr r="0" g="0" b="0"/>
+        </a:fillRef>
+        <a:effectRef idx="0">
+          <a:scrgbClr r="0" g="0" b="0"/>
+        </a:effectRef>
+        <a:fontRef idx="minor">
+          <a:schemeClr val="lt1"/>
+        </a:fontRef>
+      </dsp:style>
+      <dsp:txBody>
+        <a:bodyPr spcFirstLastPara="0" vert="horz" wrap="square" lIns="36830" tIns="36830" rIns="36830" bIns="36830" numCol="1" spcCol="1270" anchor="ctr" anchorCtr="0">
+          <a:noAutofit/>
+        </a:bodyPr>
+        <a:lstStyle/>
+        <a:p>
+          <a:pPr lvl="0" algn="ctr" defTabSz="1289050">
+            <a:lnSpc>
+              <a:spcPct val="90000"/>
+            </a:lnSpc>
+            <a:spcBef>
+              <a:spcPct val="0"/>
+            </a:spcBef>
+            <a:spcAft>
+              <a:spcPct val="35000"/>
+            </a:spcAft>
+          </a:pPr>
+          <a:r>
+            <a:rPr lang="en-US" sz="2900" kern="1200" dirty="0" smtClean="0"/>
+            <a:t>TSK4</a:t>
+          </a:r>
+          <a:endParaRPr lang="en-US" sz="2900" kern="1200" dirty="0"/>
+        </a:p>
+      </dsp:txBody>
+      <dsp:txXfrm>
+        <a:off x="122981" y="1016210"/>
+        <a:ext cx="1150069" cy="1150069"/>
+      </dsp:txXfrm>
+    </dsp:sp>
+    <dsp:sp modelId="{58C57B0B-F787-4E7B-A44C-92F01115E8E7}">
+      <dsp:nvSpPr>
+        <dsp:cNvPr id="0" name=""/>
+        <dsp:cNvSpPr/>
+      </dsp:nvSpPr>
+      <dsp:spPr>
+        <a:xfrm rot="19440000">
+          <a:off x="1236763" y="894595"/>
+          <a:ext cx="305977" cy="388148"/>
+        </a:xfrm>
+        <a:prstGeom prst="rightArrow">
+          <a:avLst>
+            <a:gd name="adj1" fmla="val 60000"/>
+            <a:gd name="adj2" fmla="val 50000"/>
+          </a:avLst>
+        </a:prstGeom>
+        <a:solidFill>
+          <a:schemeClr val="accent1">
+            <a:tint val="60000"/>
+            <a:hueOff val="0"/>
+            <a:satOff val="0"/>
+            <a:lumOff val="0"/>
+            <a:alphaOff val="0"/>
+          </a:schemeClr>
+        </a:solidFill>
+        <a:ln>
+          <a:noFill/>
+        </a:ln>
+        <a:effectLst/>
+      </dsp:spPr>
+      <dsp:style>
+        <a:lnRef idx="0">
+          <a:scrgbClr r="0" g="0" b="0"/>
+        </a:lnRef>
+        <a:fillRef idx="1">
+          <a:scrgbClr r="0" g="0" b="0"/>
+        </a:fillRef>
+        <a:effectRef idx="0">
+          <a:scrgbClr r="0" g="0" b="0"/>
+        </a:effectRef>
+        <a:fontRef idx="minor">
+          <a:schemeClr val="lt1"/>
+        </a:fontRef>
+      </dsp:style>
+      <dsp:txBody>
+        <a:bodyPr spcFirstLastPara="0" vert="horz" wrap="square" lIns="0" tIns="0" rIns="0" bIns="0" numCol="1" spcCol="1270" anchor="ctr" anchorCtr="0">
+          <a:noAutofit/>
+        </a:bodyPr>
+        <a:lstStyle/>
+        <a:p>
+          <a:pPr lvl="0" algn="ctr" defTabSz="711200">
+            <a:lnSpc>
+              <a:spcPct val="90000"/>
+            </a:lnSpc>
+            <a:spcBef>
+              <a:spcPct val="0"/>
+            </a:spcBef>
+            <a:spcAft>
+              <a:spcPct val="35000"/>
+            </a:spcAft>
+          </a:pPr>
+          <a:endParaRPr lang="en-US" sz="1600" kern="1200"/>
+        </a:p>
+      </dsp:txBody>
+      <dsp:txXfrm rot="19440000">
+        <a:off x="1236763" y="894595"/>
+        <a:ext cx="305977" cy="388148"/>
+      </dsp:txXfrm>
+    </dsp:sp>
   </dsp:spTree>
 </dsp:drawing>
 </file>
@@ -2711,7 +3479,7 @@
             <a:fld id="{E168EC2E-7004-4E52-B364-EF7EFD24F792}" type="datetimeFigureOut">
               <a:rPr lang="en-US" smtClean="0"/>
               <a:pPr/>
-              <a:t>5/3/2012</a:t>
+              <a:t>9/13/2012</a:t>
             </a:fld>
             <a:endParaRPr lang="en-US"/>
           </a:p>
@@ -26096,11 +26864,15 @@
             </a:r>
             <a:r>
               <a:rPr lang="en-US" dirty="0" smtClean="0"/>
-              <a:t> Sample </a:t>
-            </a:r>
-            <a:r>
-              <a:rPr lang="en-US" dirty="0" err="1" smtClean="0"/>
-              <a:t>Ouput</a:t>
+              <a:t> </a:t>
+            </a:r>
+            <a:r>
+              <a:rPr lang="en-US" smtClean="0"/>
+              <a:t>Sample </a:t>
+            </a:r>
+            <a:r>
+              <a:rPr lang="en-US" smtClean="0"/>
+              <a:t>Output</a:t>
             </a:r>
             <a:endParaRPr lang="en-US" dirty="0"/>
           </a:p>

--- a/trunk/slides/KeyStone Advanced Debug.pptx
+++ b/trunk/slides/KeyStone Advanced Debug.pptx
@@ -5,7 +5,7 @@
     <p:sldMasterId id="2147483660" r:id="rId1"/>
   </p:sldMasterIdLst>
   <p:notesMasterIdLst>
-    <p:notesMasterId r:id="rId35"/>
+    <p:notesMasterId r:id="rId32"/>
   </p:notesMasterIdLst>
   <p:sldIdLst>
     <p:sldId id="256" r:id="rId2"/>
@@ -38,14 +38,11 @@
     <p:sldId id="282" r:id="rId29"/>
     <p:sldId id="284" r:id="rId30"/>
     <p:sldId id="285" r:id="rId31"/>
-    <p:sldId id="292" r:id="rId32"/>
-    <p:sldId id="295" r:id="rId33"/>
-    <p:sldId id="296" r:id="rId34"/>
   </p:sldIdLst>
   <p:sldSz cx="9144000" cy="6858000" type="screen4x3"/>
   <p:notesSz cx="6858000" cy="9144000"/>
   <p:custDataLst>
-    <p:tags r:id="rId36"/>
+    <p:tags r:id="rId33"/>
   </p:custDataLst>
   <p:defaultTextStyle>
     <a:defPPr>
@@ -145,3257 +142,6 @@
 </p:presentation>
 </file>
 
-<file path=ppt/diagrams/colors1.xml><?xml version="1.0" encoding="utf-8"?>
-<dgm:colorsDef xmlns:dgm="http://schemas.openxmlformats.org/drawingml/2006/diagram" xmlns:a="http://schemas.openxmlformats.org/drawingml/2006/main" uniqueId="urn:microsoft.com/office/officeart/2005/8/colors/accent1_2">
-  <dgm:title val=""/>
-  <dgm:desc val=""/>
-  <dgm:catLst>
-    <dgm:cat type="accent1" pri="11200"/>
-  </dgm:catLst>
-  <dgm:styleLbl name="node0">
-    <dgm:fillClrLst meth="repeat">
-      <a:schemeClr val="accent1"/>
-    </dgm:fillClrLst>
-    <dgm:linClrLst meth="repeat">
-      <a:schemeClr val="lt1"/>
-    </dgm:linClrLst>
-    <dgm:effectClrLst/>
-    <dgm:txLinClrLst/>
-    <dgm:txFillClrLst/>
-    <dgm:txEffectClrLst/>
-  </dgm:styleLbl>
-  <dgm:styleLbl name="alignNode1">
-    <dgm:fillClrLst meth="repeat">
-      <a:schemeClr val="accent1"/>
-    </dgm:fillClrLst>
-    <dgm:linClrLst meth="repeat">
-      <a:schemeClr val="accent1"/>
-    </dgm:linClrLst>
-    <dgm:effectClrLst/>
-    <dgm:txLinClrLst/>
-    <dgm:txFillClrLst/>
-    <dgm:txEffectClrLst/>
-  </dgm:styleLbl>
-  <dgm:styleLbl name="node1">
-    <dgm:fillClrLst meth="repeat">
-      <a:schemeClr val="accent1"/>
-    </dgm:fillClrLst>
-    <dgm:linClrLst meth="repeat">
-      <a:schemeClr val="lt1"/>
-    </dgm:linClrLst>
-    <dgm:effectClrLst/>
-    <dgm:txLinClrLst/>
-    <dgm:txFillClrLst/>
-    <dgm:txEffectClrLst/>
-  </dgm:styleLbl>
-  <dgm:styleLbl name="lnNode1">
-    <dgm:fillClrLst meth="repeat">
-      <a:schemeClr val="accent1"/>
-    </dgm:fillClrLst>
-    <dgm:linClrLst meth="repeat">
-      <a:schemeClr val="lt1"/>
-    </dgm:linClrLst>
-    <dgm:effectClrLst/>
-    <dgm:txLinClrLst/>
-    <dgm:txFillClrLst/>
-    <dgm:txEffectClrLst/>
-  </dgm:styleLbl>
-  <dgm:styleLbl name="vennNode1">
-    <dgm:fillClrLst meth="repeat">
-      <a:schemeClr val="accent1">
-        <a:alpha val="50000"/>
-      </a:schemeClr>
-    </dgm:fillClrLst>
-    <dgm:linClrLst meth="repeat">
-      <a:schemeClr val="lt1"/>
-    </dgm:linClrLst>
-    <dgm:effectClrLst/>
-    <dgm:txLinClrLst/>
-    <dgm:txFillClrLst/>
-    <dgm:txEffectClrLst/>
-  </dgm:styleLbl>
-  <dgm:styleLbl name="node2">
-    <dgm:fillClrLst meth="repeat">
-      <a:schemeClr val="accent1"/>
-    </dgm:fillClrLst>
-    <dgm:linClrLst meth="repeat">
-      <a:schemeClr val="lt1"/>
-    </dgm:linClrLst>
-    <dgm:effectClrLst/>
-    <dgm:txLinClrLst/>
-    <dgm:txFillClrLst/>
-    <dgm:txEffectClrLst/>
-  </dgm:styleLbl>
-  <dgm:styleLbl name="node3">
-    <dgm:fillClrLst meth="repeat">
-      <a:schemeClr val="accent1"/>
-    </dgm:fillClrLst>
-    <dgm:linClrLst meth="repeat">
-      <a:schemeClr val="lt1"/>
-    </dgm:linClrLst>
-    <dgm:effectClrLst/>
-    <dgm:txLinClrLst/>
-    <dgm:txFillClrLst/>
-    <dgm:txEffectClrLst/>
-  </dgm:styleLbl>
-  <dgm:styleLbl name="node4">
-    <dgm:fillClrLst meth="repeat">
-      <a:schemeClr val="accent1"/>
-    </dgm:fillClrLst>
-    <dgm:linClrLst meth="repeat">
-      <a:schemeClr val="lt1"/>
-    </dgm:linClrLst>
-    <dgm:effectClrLst/>
-    <dgm:txLinClrLst/>
-    <dgm:txFillClrLst/>
-    <dgm:txEffectClrLst/>
-  </dgm:styleLbl>
-  <dgm:styleLbl name="fgImgPlace1">
-    <dgm:fillClrLst meth="repeat">
-      <a:schemeClr val="accent1">
-        <a:tint val="50000"/>
-      </a:schemeClr>
-    </dgm:fillClrLst>
-    <dgm:linClrLst meth="repeat">
-      <a:schemeClr val="lt1"/>
-    </dgm:linClrLst>
-    <dgm:effectClrLst/>
-    <dgm:txLinClrLst/>
-    <dgm:txFillClrLst meth="repeat">
-      <a:schemeClr val="lt1"/>
-    </dgm:txFillClrLst>
-    <dgm:txEffectClrLst/>
-  </dgm:styleLbl>
-  <dgm:styleLbl name="alignImgPlace1">
-    <dgm:fillClrLst meth="repeat">
-      <a:schemeClr val="accent1">
-        <a:tint val="50000"/>
-      </a:schemeClr>
-    </dgm:fillClrLst>
-    <dgm:linClrLst meth="repeat">
-      <a:schemeClr val="lt1"/>
-    </dgm:linClrLst>
-    <dgm:effectClrLst/>
-    <dgm:txLinClrLst/>
-    <dgm:txFillClrLst meth="repeat">
-      <a:schemeClr val="lt1"/>
-    </dgm:txFillClrLst>
-    <dgm:txEffectClrLst/>
-  </dgm:styleLbl>
-  <dgm:styleLbl name="bgImgPlace1">
-    <dgm:fillClrLst meth="repeat">
-      <a:schemeClr val="accent1">
-        <a:tint val="50000"/>
-      </a:schemeClr>
-    </dgm:fillClrLst>
-    <dgm:linClrLst meth="repeat">
-      <a:schemeClr val="lt1"/>
-    </dgm:linClrLst>
-    <dgm:effectClrLst/>
-    <dgm:txLinClrLst/>
-    <dgm:txFillClrLst meth="repeat">
-      <a:schemeClr val="lt1"/>
-    </dgm:txFillClrLst>
-    <dgm:txEffectClrLst/>
-  </dgm:styleLbl>
-  <dgm:styleLbl name="sibTrans2D1">
-    <dgm:fillClrLst meth="repeat">
-      <a:schemeClr val="accent1">
-        <a:tint val="60000"/>
-      </a:schemeClr>
-    </dgm:fillClrLst>
-    <dgm:linClrLst meth="repeat">
-      <a:schemeClr val="accent1">
-        <a:tint val="60000"/>
-      </a:schemeClr>
-    </dgm:linClrLst>
-    <dgm:effectClrLst/>
-    <dgm:txLinClrLst/>
-    <dgm:txFillClrLst/>
-    <dgm:txEffectClrLst/>
-  </dgm:styleLbl>
-  <dgm:styleLbl name="fgSibTrans2D1">
-    <dgm:fillClrLst meth="repeat">
-      <a:schemeClr val="accent1">
-        <a:tint val="60000"/>
-      </a:schemeClr>
-    </dgm:fillClrLst>
-    <dgm:linClrLst meth="repeat">
-      <a:schemeClr val="accent1">
-        <a:tint val="60000"/>
-      </a:schemeClr>
-    </dgm:linClrLst>
-    <dgm:effectClrLst/>
-    <dgm:txLinClrLst/>
-    <dgm:txFillClrLst/>
-    <dgm:txEffectClrLst/>
-  </dgm:styleLbl>
-  <dgm:styleLbl name="bgSibTrans2D1">
-    <dgm:fillClrLst meth="repeat">
-      <a:schemeClr val="accent1">
-        <a:tint val="60000"/>
-      </a:schemeClr>
-    </dgm:fillClrLst>
-    <dgm:linClrLst meth="repeat">
-      <a:schemeClr val="accent1">
-        <a:tint val="60000"/>
-      </a:schemeClr>
-    </dgm:linClrLst>
-    <dgm:effectClrLst/>
-    <dgm:txLinClrLst/>
-    <dgm:txFillClrLst/>
-    <dgm:txEffectClrLst/>
-  </dgm:styleLbl>
-  <dgm:styleLbl name="sibTrans1D1">
-    <dgm:fillClrLst meth="repeat">
-      <a:schemeClr val="accent1"/>
-    </dgm:fillClrLst>
-    <dgm:linClrLst meth="repeat">
-      <a:schemeClr val="accent1"/>
-    </dgm:linClrLst>
-    <dgm:effectClrLst/>
-    <dgm:txLinClrLst/>
-    <dgm:txFillClrLst meth="repeat">
-      <a:schemeClr val="tx1"/>
-    </dgm:txFillClrLst>
-    <dgm:txEffectClrLst/>
-  </dgm:styleLbl>
-  <dgm:styleLbl name="callout">
-    <dgm:fillClrLst meth="repeat">
-      <a:schemeClr val="accent1"/>
-    </dgm:fillClrLst>
-    <dgm:linClrLst meth="repeat">
-      <a:schemeClr val="accent1">
-        <a:tint val="50000"/>
-      </a:schemeClr>
-    </dgm:linClrLst>
-    <dgm:effectClrLst/>
-    <dgm:txLinClrLst/>
-    <dgm:txFillClrLst meth="repeat">
-      <a:schemeClr val="tx1"/>
-    </dgm:txFillClrLst>
-    <dgm:txEffectClrLst/>
-  </dgm:styleLbl>
-  <dgm:styleLbl name="asst0">
-    <dgm:fillClrLst meth="repeat">
-      <a:schemeClr val="accent1"/>
-    </dgm:fillClrLst>
-    <dgm:linClrLst meth="repeat">
-      <a:schemeClr val="lt1"/>
-    </dgm:linClrLst>
-    <dgm:effectClrLst/>
-    <dgm:txLinClrLst/>
-    <dgm:txFillClrLst/>
-    <dgm:txEffectClrLst/>
-  </dgm:styleLbl>
-  <dgm:styleLbl name="asst1">
-    <dgm:fillClrLst meth="repeat">
-      <a:schemeClr val="accent1"/>
-    </dgm:fillClrLst>
-    <dgm:linClrLst meth="repeat">
-      <a:schemeClr val="lt1"/>
-    </dgm:linClrLst>
-    <dgm:effectClrLst/>
-    <dgm:txLinClrLst/>
-    <dgm:txFillClrLst/>
-    <dgm:txEffectClrLst/>
-  </dgm:styleLbl>
-  <dgm:styleLbl name="asst2">
-    <dgm:fillClrLst meth="repeat">
-      <a:schemeClr val="accent1"/>
-    </dgm:fillClrLst>
-    <dgm:linClrLst meth="repeat">
-      <a:schemeClr val="lt1"/>
-    </dgm:linClrLst>
-    <dgm:effectClrLst/>
-    <dgm:txLinClrLst/>
-    <dgm:txFillClrLst/>
-    <dgm:txEffectClrLst/>
-  </dgm:styleLbl>
-  <dgm:styleLbl name="asst3">
-    <dgm:fillClrLst meth="repeat">
-      <a:schemeClr val="accent1"/>
-    </dgm:fillClrLst>
-    <dgm:linClrLst meth="repeat">
-      <a:schemeClr val="lt1"/>
-    </dgm:linClrLst>
-    <dgm:effectClrLst/>
-    <dgm:txLinClrLst/>
-    <dgm:txFillClrLst/>
-    <dgm:txEffectClrLst/>
-  </dgm:styleLbl>
-  <dgm:styleLbl name="asst4">
-    <dgm:fillClrLst meth="repeat">
-      <a:schemeClr val="accent1"/>
-    </dgm:fillClrLst>
-    <dgm:linClrLst meth="repeat">
-      <a:schemeClr val="lt1"/>
-    </dgm:linClrLst>
-    <dgm:effectClrLst/>
-    <dgm:txLinClrLst/>
-    <dgm:txFillClrLst/>
-    <dgm:txEffectClrLst/>
-  </dgm:styleLbl>
-  <dgm:styleLbl name="parChTrans2D1">
-    <dgm:fillClrLst meth="repeat">
-      <a:schemeClr val="accent1">
-        <a:tint val="60000"/>
-      </a:schemeClr>
-    </dgm:fillClrLst>
-    <dgm:linClrLst meth="repeat">
-      <a:schemeClr val="accent1">
-        <a:tint val="60000"/>
-      </a:schemeClr>
-    </dgm:linClrLst>
-    <dgm:effectClrLst/>
-    <dgm:txLinClrLst/>
-    <dgm:txFillClrLst meth="repeat">
-      <a:schemeClr val="lt1"/>
-    </dgm:txFillClrLst>
-    <dgm:txEffectClrLst/>
-  </dgm:styleLbl>
-  <dgm:styleLbl name="parChTrans2D2">
-    <dgm:fillClrLst meth="repeat">
-      <a:schemeClr val="accent1"/>
-    </dgm:fillClrLst>
-    <dgm:linClrLst meth="repeat">
-      <a:schemeClr val="accent1"/>
-    </dgm:linClrLst>
-    <dgm:effectClrLst/>
-    <dgm:txLinClrLst/>
-    <dgm:txFillClrLst meth="repeat">
-      <a:schemeClr val="lt1"/>
-    </dgm:txFillClrLst>
-    <dgm:txEffectClrLst/>
-  </dgm:styleLbl>
-  <dgm:styleLbl name="parChTrans2D3">
-    <dgm:fillClrLst meth="repeat">
-      <a:schemeClr val="accent1"/>
-    </dgm:fillClrLst>
-    <dgm:linClrLst meth="repeat">
-      <a:schemeClr val="accent1"/>
-    </dgm:linClrLst>
-    <dgm:effectClrLst/>
-    <dgm:txLinClrLst/>
-    <dgm:txFillClrLst meth="repeat">
-      <a:schemeClr val="lt1"/>
-    </dgm:txFillClrLst>
-    <dgm:txEffectClrLst/>
-  </dgm:styleLbl>
-  <dgm:styleLbl name="parChTrans2D4">
-    <dgm:fillClrLst meth="repeat">
-      <a:schemeClr val="accent1"/>
-    </dgm:fillClrLst>
-    <dgm:linClrLst meth="repeat">
-      <a:schemeClr val="accent1"/>
-    </dgm:linClrLst>
-    <dgm:effectClrLst/>
-    <dgm:txLinClrLst/>
-    <dgm:txFillClrLst meth="repeat">
-      <a:schemeClr val="lt1"/>
-    </dgm:txFillClrLst>
-    <dgm:txEffectClrLst/>
-  </dgm:styleLbl>
-  <dgm:styleLbl name="parChTrans1D1">
-    <dgm:fillClrLst meth="repeat">
-      <a:schemeClr val="accent1"/>
-    </dgm:fillClrLst>
-    <dgm:linClrLst meth="repeat">
-      <a:schemeClr val="accent1">
-        <a:shade val="60000"/>
-      </a:schemeClr>
-    </dgm:linClrLst>
-    <dgm:effectClrLst/>
-    <dgm:txLinClrLst/>
-    <dgm:txFillClrLst meth="repeat">
-      <a:schemeClr val="tx1"/>
-    </dgm:txFillClrLst>
-    <dgm:txEffectClrLst/>
-  </dgm:styleLbl>
-  <dgm:styleLbl name="parChTrans1D2">
-    <dgm:fillClrLst meth="repeat">
-      <a:schemeClr val="accent1"/>
-    </dgm:fillClrLst>
-    <dgm:linClrLst meth="repeat">
-      <a:schemeClr val="accent1">
-        <a:shade val="60000"/>
-      </a:schemeClr>
-    </dgm:linClrLst>
-    <dgm:effectClrLst/>
-    <dgm:txLinClrLst/>
-    <dgm:txFillClrLst meth="repeat">
-      <a:schemeClr val="tx1"/>
-    </dgm:txFillClrLst>
-    <dgm:txEffectClrLst/>
-  </dgm:styleLbl>
-  <dgm:styleLbl name="parChTrans1D3">
-    <dgm:fillClrLst meth="repeat">
-      <a:schemeClr val="accent1"/>
-    </dgm:fillClrLst>
-    <dgm:linClrLst meth="repeat">
-      <a:schemeClr val="accent1">
-        <a:shade val="80000"/>
-      </a:schemeClr>
-    </dgm:linClrLst>
-    <dgm:effectClrLst/>
-    <dgm:txLinClrLst/>
-    <dgm:txFillClrLst meth="repeat">
-      <a:schemeClr val="tx1"/>
-    </dgm:txFillClrLst>
-    <dgm:txEffectClrLst/>
-  </dgm:styleLbl>
-  <dgm:styleLbl name="parChTrans1D4">
-    <dgm:fillClrLst meth="repeat">
-      <a:schemeClr val="accent1"/>
-    </dgm:fillClrLst>
-    <dgm:linClrLst meth="repeat">
-      <a:schemeClr val="accent1">
-        <a:shade val="80000"/>
-      </a:schemeClr>
-    </dgm:linClrLst>
-    <dgm:effectClrLst/>
-    <dgm:txLinClrLst/>
-    <dgm:txFillClrLst meth="repeat">
-      <a:schemeClr val="tx1"/>
-    </dgm:txFillClrLst>
-    <dgm:txEffectClrLst/>
-  </dgm:styleLbl>
-  <dgm:styleLbl name="fgAcc1">
-    <dgm:fillClrLst meth="repeat">
-      <a:schemeClr val="lt1">
-        <a:alpha val="90000"/>
-      </a:schemeClr>
-    </dgm:fillClrLst>
-    <dgm:linClrLst meth="repeat">
-      <a:schemeClr val="accent1"/>
-    </dgm:linClrLst>
-    <dgm:effectClrLst/>
-    <dgm:txLinClrLst/>
-    <dgm:txFillClrLst meth="repeat">
-      <a:schemeClr val="dk1"/>
-    </dgm:txFillClrLst>
-    <dgm:txEffectClrLst/>
-  </dgm:styleLbl>
-  <dgm:styleLbl name="conFgAcc1">
-    <dgm:fillClrLst meth="repeat">
-      <a:schemeClr val="lt1">
-        <a:alpha val="90000"/>
-      </a:schemeClr>
-    </dgm:fillClrLst>
-    <dgm:linClrLst meth="repeat">
-      <a:schemeClr val="accent1"/>
-    </dgm:linClrLst>
-    <dgm:effectClrLst/>
-    <dgm:txLinClrLst/>
-    <dgm:txFillClrLst meth="repeat">
-      <a:schemeClr val="dk1"/>
-    </dgm:txFillClrLst>
-    <dgm:txEffectClrLst/>
-  </dgm:styleLbl>
-  <dgm:styleLbl name="alignAcc1">
-    <dgm:fillClrLst meth="repeat">
-      <a:schemeClr val="lt1">
-        <a:alpha val="90000"/>
-      </a:schemeClr>
-    </dgm:fillClrLst>
-    <dgm:linClrLst meth="repeat">
-      <a:schemeClr val="accent1"/>
-    </dgm:linClrLst>
-    <dgm:effectClrLst/>
-    <dgm:txLinClrLst/>
-    <dgm:txFillClrLst meth="repeat">
-      <a:schemeClr val="dk1"/>
-    </dgm:txFillClrLst>
-    <dgm:txEffectClrLst/>
-  </dgm:styleLbl>
-  <dgm:styleLbl name="trAlignAcc1">
-    <dgm:fillClrLst meth="repeat">
-      <a:schemeClr val="lt1">
-        <a:alpha val="40000"/>
-      </a:schemeClr>
-    </dgm:fillClrLst>
-    <dgm:linClrLst meth="repeat">
-      <a:schemeClr val="accent1"/>
-    </dgm:linClrLst>
-    <dgm:effectClrLst/>
-    <dgm:txLinClrLst/>
-    <dgm:txFillClrLst meth="repeat">
-      <a:schemeClr val="dk1"/>
-    </dgm:txFillClrLst>
-    <dgm:txEffectClrLst/>
-  </dgm:styleLbl>
-  <dgm:styleLbl name="bgAcc1">
-    <dgm:fillClrLst meth="repeat">
-      <a:schemeClr val="lt1">
-        <a:alpha val="90000"/>
-      </a:schemeClr>
-    </dgm:fillClrLst>
-    <dgm:linClrLst meth="repeat">
-      <a:schemeClr val="accent1"/>
-    </dgm:linClrLst>
-    <dgm:effectClrLst/>
-    <dgm:txLinClrLst/>
-    <dgm:txFillClrLst meth="repeat">
-      <a:schemeClr val="dk1"/>
-    </dgm:txFillClrLst>
-    <dgm:txEffectClrLst/>
-  </dgm:styleLbl>
-  <dgm:styleLbl name="solidFgAcc1">
-    <dgm:fillClrLst meth="repeat">
-      <a:schemeClr val="lt1"/>
-    </dgm:fillClrLst>
-    <dgm:linClrLst meth="repeat">
-      <a:schemeClr val="accent1"/>
-    </dgm:linClrLst>
-    <dgm:effectClrLst/>
-    <dgm:txLinClrLst/>
-    <dgm:txFillClrLst meth="repeat">
-      <a:schemeClr val="dk1"/>
-    </dgm:txFillClrLst>
-    <dgm:txEffectClrLst/>
-  </dgm:styleLbl>
-  <dgm:styleLbl name="solidAlignAcc1">
-    <dgm:fillClrLst meth="repeat">
-      <a:schemeClr val="lt1"/>
-    </dgm:fillClrLst>
-    <dgm:linClrLst meth="repeat">
-      <a:schemeClr val="accent1"/>
-    </dgm:linClrLst>
-    <dgm:effectClrLst/>
-    <dgm:txLinClrLst/>
-    <dgm:txFillClrLst meth="repeat">
-      <a:schemeClr val="dk1"/>
-    </dgm:txFillClrLst>
-    <dgm:txEffectClrLst/>
-  </dgm:styleLbl>
-  <dgm:styleLbl name="solidBgAcc1">
-    <dgm:fillClrLst meth="repeat">
-      <a:schemeClr val="lt1"/>
-    </dgm:fillClrLst>
-    <dgm:linClrLst meth="repeat">
-      <a:schemeClr val="accent1"/>
-    </dgm:linClrLst>
-    <dgm:effectClrLst/>
-    <dgm:txLinClrLst/>
-    <dgm:txFillClrLst meth="repeat">
-      <a:schemeClr val="dk1"/>
-    </dgm:txFillClrLst>
-    <dgm:txEffectClrLst/>
-  </dgm:styleLbl>
-  <dgm:styleLbl name="fgAccFollowNode1">
-    <dgm:fillClrLst meth="repeat">
-      <a:schemeClr val="accent1">
-        <a:alpha val="90000"/>
-        <a:tint val="40000"/>
-      </a:schemeClr>
-    </dgm:fillClrLst>
-    <dgm:linClrLst meth="repeat">
-      <a:schemeClr val="accent1">
-        <a:alpha val="90000"/>
-        <a:tint val="40000"/>
-      </a:schemeClr>
-    </dgm:linClrLst>
-    <dgm:effectClrLst/>
-    <dgm:txLinClrLst/>
-    <dgm:txFillClrLst meth="repeat">
-      <a:schemeClr val="dk1"/>
-    </dgm:txFillClrLst>
-    <dgm:txEffectClrLst/>
-  </dgm:styleLbl>
-  <dgm:styleLbl name="alignAccFollowNode1">
-    <dgm:fillClrLst meth="repeat">
-      <a:schemeClr val="accent1">
-        <a:alpha val="90000"/>
-        <a:tint val="40000"/>
-      </a:schemeClr>
-    </dgm:fillClrLst>
-    <dgm:linClrLst meth="repeat">
-      <a:schemeClr val="accent1">
-        <a:alpha val="90000"/>
-        <a:tint val="40000"/>
-      </a:schemeClr>
-    </dgm:linClrLst>
-    <dgm:effectClrLst/>
-    <dgm:txLinClrLst/>
-    <dgm:txFillClrLst meth="repeat">
-      <a:schemeClr val="dk1"/>
-    </dgm:txFillClrLst>
-    <dgm:txEffectClrLst/>
-  </dgm:styleLbl>
-  <dgm:styleLbl name="bgAccFollowNode1">
-    <dgm:fillClrLst meth="repeat">
-      <a:schemeClr val="accent1">
-        <a:alpha val="90000"/>
-        <a:tint val="40000"/>
-      </a:schemeClr>
-    </dgm:fillClrLst>
-    <dgm:linClrLst meth="repeat">
-      <a:schemeClr val="accent1">
-        <a:alpha val="90000"/>
-        <a:tint val="40000"/>
-      </a:schemeClr>
-    </dgm:linClrLst>
-    <dgm:effectClrLst/>
-    <dgm:txLinClrLst/>
-    <dgm:txFillClrLst meth="repeat">
-      <a:schemeClr val="dk1"/>
-    </dgm:txFillClrLst>
-    <dgm:txEffectClrLst/>
-  </dgm:styleLbl>
-  <dgm:styleLbl name="fgAcc0">
-    <dgm:fillClrLst meth="repeat">
-      <a:schemeClr val="lt1">
-        <a:alpha val="90000"/>
-      </a:schemeClr>
-    </dgm:fillClrLst>
-    <dgm:linClrLst meth="repeat">
-      <a:schemeClr val="accent1"/>
-    </dgm:linClrLst>
-    <dgm:effectClrLst/>
-    <dgm:txLinClrLst/>
-    <dgm:txFillClrLst meth="repeat">
-      <a:schemeClr val="dk1"/>
-    </dgm:txFillClrLst>
-    <dgm:txEffectClrLst/>
-  </dgm:styleLbl>
-  <dgm:styleLbl name="fgAcc2">
-    <dgm:fillClrLst meth="repeat">
-      <a:schemeClr val="lt1">
-        <a:alpha val="90000"/>
-      </a:schemeClr>
-    </dgm:fillClrLst>
-    <dgm:linClrLst meth="repeat">
-      <a:schemeClr val="accent1"/>
-    </dgm:linClrLst>
-    <dgm:effectClrLst/>
-    <dgm:txLinClrLst/>
-    <dgm:txFillClrLst meth="repeat">
-      <a:schemeClr val="dk1"/>
-    </dgm:txFillClrLst>
-    <dgm:txEffectClrLst/>
-  </dgm:styleLbl>
-  <dgm:styleLbl name="fgAcc3">
-    <dgm:fillClrLst meth="repeat">
-      <a:schemeClr val="lt1">
-        <a:alpha val="90000"/>
-      </a:schemeClr>
-    </dgm:fillClrLst>
-    <dgm:linClrLst meth="repeat">
-      <a:schemeClr val="accent1"/>
-    </dgm:linClrLst>
-    <dgm:effectClrLst/>
-    <dgm:txLinClrLst/>
-    <dgm:txFillClrLst meth="repeat">
-      <a:schemeClr val="dk1"/>
-    </dgm:txFillClrLst>
-    <dgm:txEffectClrLst/>
-  </dgm:styleLbl>
-  <dgm:styleLbl name="fgAcc4">
-    <dgm:fillClrLst meth="repeat">
-      <a:schemeClr val="lt1">
-        <a:alpha val="90000"/>
-      </a:schemeClr>
-    </dgm:fillClrLst>
-    <dgm:linClrLst meth="repeat">
-      <a:schemeClr val="accent1"/>
-    </dgm:linClrLst>
-    <dgm:effectClrLst/>
-    <dgm:txLinClrLst/>
-    <dgm:txFillClrLst meth="repeat">
-      <a:schemeClr val="dk1"/>
-    </dgm:txFillClrLst>
-    <dgm:txEffectClrLst/>
-  </dgm:styleLbl>
-  <dgm:styleLbl name="bgShp">
-    <dgm:fillClrLst meth="repeat">
-      <a:schemeClr val="accent1">
-        <a:tint val="40000"/>
-      </a:schemeClr>
-    </dgm:fillClrLst>
-    <dgm:linClrLst meth="repeat">
-      <a:schemeClr val="accent1"/>
-    </dgm:linClrLst>
-    <dgm:effectClrLst/>
-    <dgm:txLinClrLst/>
-    <dgm:txFillClrLst meth="repeat">
-      <a:schemeClr val="dk1"/>
-    </dgm:txFillClrLst>
-    <dgm:txEffectClrLst/>
-  </dgm:styleLbl>
-  <dgm:styleLbl name="dkBgShp">
-    <dgm:fillClrLst meth="repeat">
-      <a:schemeClr val="accent1">
-        <a:shade val="80000"/>
-      </a:schemeClr>
-    </dgm:fillClrLst>
-    <dgm:linClrLst meth="repeat">
-      <a:schemeClr val="accent1"/>
-    </dgm:linClrLst>
-    <dgm:effectClrLst/>
-    <dgm:txLinClrLst/>
-    <dgm:txFillClrLst meth="repeat">
-      <a:schemeClr val="lt1"/>
-    </dgm:txFillClrLst>
-    <dgm:txEffectClrLst/>
-  </dgm:styleLbl>
-  <dgm:styleLbl name="trBgShp">
-    <dgm:fillClrLst meth="repeat">
-      <a:schemeClr val="accent1">
-        <a:tint val="50000"/>
-        <a:alpha val="40000"/>
-      </a:schemeClr>
-    </dgm:fillClrLst>
-    <dgm:linClrLst meth="repeat">
-      <a:schemeClr val="accent1"/>
-    </dgm:linClrLst>
-    <dgm:effectClrLst/>
-    <dgm:txLinClrLst/>
-    <dgm:txFillClrLst meth="repeat">
-      <a:schemeClr val="lt1"/>
-    </dgm:txFillClrLst>
-    <dgm:txEffectClrLst/>
-  </dgm:styleLbl>
-  <dgm:styleLbl name="fgShp">
-    <dgm:fillClrLst meth="repeat">
-      <a:schemeClr val="accent1">
-        <a:tint val="60000"/>
-      </a:schemeClr>
-    </dgm:fillClrLst>
-    <dgm:linClrLst meth="repeat">
-      <a:schemeClr val="lt1"/>
-    </dgm:linClrLst>
-    <dgm:effectClrLst/>
-    <dgm:txLinClrLst/>
-    <dgm:txFillClrLst meth="repeat">
-      <a:schemeClr val="dk1"/>
-    </dgm:txFillClrLst>
-    <dgm:txEffectClrLst/>
-  </dgm:styleLbl>
-  <dgm:styleLbl name="revTx">
-    <dgm:fillClrLst meth="repeat">
-      <a:schemeClr val="lt1">
-        <a:alpha val="0"/>
-      </a:schemeClr>
-    </dgm:fillClrLst>
-    <dgm:linClrLst meth="repeat">
-      <a:schemeClr val="dk1">
-        <a:alpha val="0"/>
-      </a:schemeClr>
-    </dgm:linClrLst>
-    <dgm:effectClrLst/>
-    <dgm:txLinClrLst/>
-    <dgm:txFillClrLst meth="repeat">
-      <a:schemeClr val="tx1"/>
-    </dgm:txFillClrLst>
-    <dgm:txEffectClrLst/>
-  </dgm:styleLbl>
-</dgm:colorsDef>
-</file>
-
-<file path=ppt/diagrams/data1.xml><?xml version="1.0" encoding="utf-8"?>
-<dgm:dataModel xmlns:dgm="http://schemas.openxmlformats.org/drawingml/2006/diagram" xmlns:a="http://schemas.openxmlformats.org/drawingml/2006/main">
-  <dgm:ptLst>
-    <dgm:pt modelId="{FD57CCFC-B83B-464C-88F8-BC6450268F97}" type="doc">
-      <dgm:prSet loTypeId="urn:microsoft.com/office/officeart/2005/8/layout/cycle2" loCatId="cycle" qsTypeId="urn:microsoft.com/office/officeart/2005/8/quickstyle/simple1" qsCatId="simple" csTypeId="urn:microsoft.com/office/officeart/2005/8/colors/accent1_2" csCatId="accent1" phldr="1"/>
-      <dgm:spPr/>
-      <dgm:t>
-        <a:bodyPr/>
-        <a:lstStyle/>
-        <a:p>
-          <a:endParaRPr lang="en-US"/>
-        </a:p>
-      </dgm:t>
-    </dgm:pt>
-    <dgm:pt modelId="{DC1518B7-EDD6-4CCF-9688-BF43B6ABDDB5}">
-      <dgm:prSet phldrT="[Text]"/>
-      <dgm:spPr/>
-      <dgm:t>
-        <a:bodyPr/>
-        <a:lstStyle/>
-        <a:p>
-          <a:r>
-            <a:rPr lang="en-US" dirty="0" smtClean="0"/>
-            <a:t>TSK0</a:t>
-          </a:r>
-          <a:endParaRPr lang="en-US" dirty="0"/>
-        </a:p>
-      </dgm:t>
-    </dgm:pt>
-    <dgm:pt modelId="{130A9095-4CCA-4C97-87A2-565F02EAAB50}" type="parTrans" cxnId="{E1FC6E72-F33D-4BB9-A274-4220C286B861}">
-      <dgm:prSet/>
-      <dgm:spPr/>
-      <dgm:t>
-        <a:bodyPr/>
-        <a:lstStyle/>
-        <a:p>
-          <a:endParaRPr lang="en-US"/>
-        </a:p>
-      </dgm:t>
-    </dgm:pt>
-    <dgm:pt modelId="{3E71EEED-B8A8-41CA-92B7-5F1CDAF3BE2F}" type="sibTrans" cxnId="{E1FC6E72-F33D-4BB9-A274-4220C286B861}">
-      <dgm:prSet/>
-      <dgm:spPr/>
-      <dgm:t>
-        <a:bodyPr/>
-        <a:lstStyle/>
-        <a:p>
-          <a:endParaRPr lang="en-US"/>
-        </a:p>
-      </dgm:t>
-    </dgm:pt>
-    <dgm:pt modelId="{142584DF-DF37-4E4D-8B12-3F1186ED8A79}">
-      <dgm:prSet phldrT="[Text]">
-        <dgm:style>
-          <a:lnRef idx="1">
-            <a:schemeClr val="accent2"/>
-          </a:lnRef>
-          <a:fillRef idx="2">
-            <a:schemeClr val="accent2"/>
-          </a:fillRef>
-          <a:effectRef idx="1">
-            <a:schemeClr val="accent2"/>
-          </a:effectRef>
-          <a:fontRef idx="minor">
-            <a:schemeClr val="dk1"/>
-          </a:fontRef>
-        </dgm:style>
-      </dgm:prSet>
-      <dgm:spPr/>
-      <dgm:t>
-        <a:bodyPr/>
-        <a:lstStyle/>
-        <a:p>
-          <a:r>
-            <a:rPr lang="en-US" dirty="0" smtClean="0"/>
-            <a:t>TSK1</a:t>
-          </a:r>
-          <a:endParaRPr lang="en-US" dirty="0"/>
-        </a:p>
-      </dgm:t>
-    </dgm:pt>
-    <dgm:pt modelId="{ED9FF5C5-2955-4ABE-8CBD-A291C105BC10}" type="parTrans" cxnId="{8000DA2E-31CB-4AD9-AF9B-52BAB5602E59}">
-      <dgm:prSet/>
-      <dgm:spPr/>
-      <dgm:t>
-        <a:bodyPr/>
-        <a:lstStyle/>
-        <a:p>
-          <a:endParaRPr lang="en-US"/>
-        </a:p>
-      </dgm:t>
-    </dgm:pt>
-    <dgm:pt modelId="{F9A12A89-8926-472F-A7F2-6C018E0DE993}" type="sibTrans" cxnId="{8000DA2E-31CB-4AD9-AF9B-52BAB5602E59}">
-      <dgm:prSet/>
-      <dgm:spPr/>
-      <dgm:t>
-        <a:bodyPr/>
-        <a:lstStyle/>
-        <a:p>
-          <a:endParaRPr lang="en-US"/>
-        </a:p>
-      </dgm:t>
-    </dgm:pt>
-    <dgm:pt modelId="{94959A71-8399-4743-A822-4B2822F36EB9}">
-      <dgm:prSet phldrT="[Text]"/>
-      <dgm:spPr/>
-      <dgm:t>
-        <a:bodyPr/>
-        <a:lstStyle/>
-        <a:p>
-          <a:r>
-            <a:rPr lang="en-US" dirty="0" smtClean="0"/>
-            <a:t>TSK2</a:t>
-          </a:r>
-          <a:endParaRPr lang="en-US" dirty="0"/>
-        </a:p>
-      </dgm:t>
-    </dgm:pt>
-    <dgm:pt modelId="{7B73C905-77F1-455E-8A1E-1C07DA733669}" type="parTrans" cxnId="{0A57CA8B-CCE8-45FB-ABAA-4658A3B96B41}">
-      <dgm:prSet/>
-      <dgm:spPr/>
-      <dgm:t>
-        <a:bodyPr/>
-        <a:lstStyle/>
-        <a:p>
-          <a:endParaRPr lang="en-US"/>
-        </a:p>
-      </dgm:t>
-    </dgm:pt>
-    <dgm:pt modelId="{341A2B66-E7B4-4CCE-A800-2D09F00E988D}" type="sibTrans" cxnId="{0A57CA8B-CCE8-45FB-ABAA-4658A3B96B41}">
-      <dgm:prSet/>
-      <dgm:spPr/>
-      <dgm:t>
-        <a:bodyPr/>
-        <a:lstStyle/>
-        <a:p>
-          <a:endParaRPr lang="en-US"/>
-        </a:p>
-      </dgm:t>
-    </dgm:pt>
-    <dgm:pt modelId="{1303FBFC-9B1F-43AD-A9CC-01EC7DFCCA63}">
-      <dgm:prSet phldrT="[Text]">
-        <dgm:style>
-          <a:lnRef idx="1">
-            <a:schemeClr val="accent2"/>
-          </a:lnRef>
-          <a:fillRef idx="2">
-            <a:schemeClr val="accent2"/>
-          </a:fillRef>
-          <a:effectRef idx="1">
-            <a:schemeClr val="accent2"/>
-          </a:effectRef>
-          <a:fontRef idx="minor">
-            <a:schemeClr val="dk1"/>
-          </a:fontRef>
-        </dgm:style>
-      </dgm:prSet>
-      <dgm:spPr/>
-      <dgm:t>
-        <a:bodyPr/>
-        <a:lstStyle/>
-        <a:p>
-          <a:r>
-            <a:rPr lang="en-US" dirty="0" smtClean="0"/>
-            <a:t>TSK3</a:t>
-          </a:r>
-          <a:endParaRPr lang="en-US" dirty="0"/>
-        </a:p>
-      </dgm:t>
-    </dgm:pt>
-    <dgm:pt modelId="{DF56F91D-EBF4-453D-B293-713DA3B7BAE8}" type="parTrans" cxnId="{26FA7A0A-3EAB-4761-BA2E-5E038B9C08EC}">
-      <dgm:prSet/>
-      <dgm:spPr/>
-      <dgm:t>
-        <a:bodyPr/>
-        <a:lstStyle/>
-        <a:p>
-          <a:endParaRPr lang="en-US"/>
-        </a:p>
-      </dgm:t>
-    </dgm:pt>
-    <dgm:pt modelId="{963AB9C7-534E-4244-8795-2DE50C0AAE1A}" type="sibTrans" cxnId="{26FA7A0A-3EAB-4761-BA2E-5E038B9C08EC}">
-      <dgm:prSet/>
-      <dgm:spPr/>
-      <dgm:t>
-        <a:bodyPr/>
-        <a:lstStyle/>
-        <a:p>
-          <a:endParaRPr lang="en-US"/>
-        </a:p>
-      </dgm:t>
-    </dgm:pt>
-    <dgm:pt modelId="{604DED0C-C7D1-44E9-9D91-4EA86CC58132}">
-      <dgm:prSet phldrT="[Text]"/>
-      <dgm:spPr/>
-      <dgm:t>
-        <a:bodyPr/>
-        <a:lstStyle/>
-        <a:p>
-          <a:r>
-            <a:rPr lang="en-US" dirty="0" smtClean="0"/>
-            <a:t>TSK4</a:t>
-          </a:r>
-          <a:endParaRPr lang="en-US" dirty="0"/>
-        </a:p>
-      </dgm:t>
-    </dgm:pt>
-    <dgm:pt modelId="{80FF181E-2F3F-4C95-B016-991B121BE693}" type="parTrans" cxnId="{8318BC13-B71D-4942-9198-291D21A68FEF}">
-      <dgm:prSet/>
-      <dgm:spPr/>
-      <dgm:t>
-        <a:bodyPr/>
-        <a:lstStyle/>
-        <a:p>
-          <a:endParaRPr lang="en-US"/>
-        </a:p>
-      </dgm:t>
-    </dgm:pt>
-    <dgm:pt modelId="{F9D67482-08A8-41D2-A4D4-28EF53768755}" type="sibTrans" cxnId="{8318BC13-B71D-4942-9198-291D21A68FEF}">
-      <dgm:prSet/>
-      <dgm:spPr/>
-      <dgm:t>
-        <a:bodyPr/>
-        <a:lstStyle/>
-        <a:p>
-          <a:endParaRPr lang="en-US"/>
-        </a:p>
-      </dgm:t>
-    </dgm:pt>
-    <dgm:pt modelId="{67A0B1C8-6388-410F-ABFD-B0A6F2F228F7}" type="pres">
-      <dgm:prSet presAssocID="{FD57CCFC-B83B-464C-88F8-BC6450268F97}" presName="cycle" presStyleCnt="0">
-        <dgm:presLayoutVars>
-          <dgm:dir/>
-          <dgm:resizeHandles val="exact"/>
-        </dgm:presLayoutVars>
-      </dgm:prSet>
-      <dgm:spPr/>
-      <dgm:t>
-        <a:bodyPr/>
-        <a:lstStyle/>
-        <a:p>
-          <a:endParaRPr lang="en-US"/>
-        </a:p>
-      </dgm:t>
-    </dgm:pt>
-    <dgm:pt modelId="{9D1A61A1-B2AA-4F6A-AD68-CA1F7CD1DF22}" type="pres">
-      <dgm:prSet presAssocID="{DC1518B7-EDD6-4CCF-9688-BF43B6ABDDB5}" presName="node" presStyleLbl="node1" presStyleIdx="0" presStyleCnt="5">
-        <dgm:presLayoutVars>
-          <dgm:bulletEnabled val="1"/>
-        </dgm:presLayoutVars>
-      </dgm:prSet>
-      <dgm:spPr/>
-      <dgm:t>
-        <a:bodyPr/>
-        <a:lstStyle/>
-        <a:p>
-          <a:endParaRPr lang="en-US"/>
-        </a:p>
-      </dgm:t>
-    </dgm:pt>
-    <dgm:pt modelId="{2C793FD2-6A40-488B-8088-8D409044269C}" type="pres">
-      <dgm:prSet presAssocID="{3E71EEED-B8A8-41CA-92B7-5F1CDAF3BE2F}" presName="sibTrans" presStyleLbl="sibTrans2D1" presStyleIdx="0" presStyleCnt="5"/>
-      <dgm:spPr/>
-      <dgm:t>
-        <a:bodyPr/>
-        <a:lstStyle/>
-        <a:p>
-          <a:endParaRPr lang="en-US"/>
-        </a:p>
-      </dgm:t>
-    </dgm:pt>
-    <dgm:pt modelId="{586AA159-1625-454D-A036-99A7A81CC350}" type="pres">
-      <dgm:prSet presAssocID="{3E71EEED-B8A8-41CA-92B7-5F1CDAF3BE2F}" presName="connectorText" presStyleLbl="sibTrans2D1" presStyleIdx="0" presStyleCnt="5"/>
-      <dgm:spPr/>
-      <dgm:t>
-        <a:bodyPr/>
-        <a:lstStyle/>
-        <a:p>
-          <a:endParaRPr lang="en-US"/>
-        </a:p>
-      </dgm:t>
-    </dgm:pt>
-    <dgm:pt modelId="{4CFB935C-7860-4776-A04C-834BDF85D630}" type="pres">
-      <dgm:prSet presAssocID="{142584DF-DF37-4E4D-8B12-3F1186ED8A79}" presName="node" presStyleLbl="node1" presStyleIdx="1" presStyleCnt="5">
-        <dgm:presLayoutVars>
-          <dgm:bulletEnabled val="1"/>
-        </dgm:presLayoutVars>
-      </dgm:prSet>
-      <dgm:spPr/>
-      <dgm:t>
-        <a:bodyPr/>
-        <a:lstStyle/>
-        <a:p>
-          <a:endParaRPr lang="en-US"/>
-        </a:p>
-      </dgm:t>
-    </dgm:pt>
-    <dgm:pt modelId="{194CE3CF-2BF2-4AF5-9CEB-61305F2C5E2D}" type="pres">
-      <dgm:prSet presAssocID="{F9A12A89-8926-472F-A7F2-6C018E0DE993}" presName="sibTrans" presStyleLbl="sibTrans2D1" presStyleIdx="1" presStyleCnt="5"/>
-      <dgm:spPr/>
-      <dgm:t>
-        <a:bodyPr/>
-        <a:lstStyle/>
-        <a:p>
-          <a:endParaRPr lang="en-US"/>
-        </a:p>
-      </dgm:t>
-    </dgm:pt>
-    <dgm:pt modelId="{CFCBAE3F-24A5-4178-8FA4-D975A8B7374E}" type="pres">
-      <dgm:prSet presAssocID="{F9A12A89-8926-472F-A7F2-6C018E0DE993}" presName="connectorText" presStyleLbl="sibTrans2D1" presStyleIdx="1" presStyleCnt="5"/>
-      <dgm:spPr/>
-      <dgm:t>
-        <a:bodyPr/>
-        <a:lstStyle/>
-        <a:p>
-          <a:endParaRPr lang="en-US"/>
-        </a:p>
-      </dgm:t>
-    </dgm:pt>
-    <dgm:pt modelId="{EA63BA78-DFE1-4E32-B4E3-D3637C87D01A}" type="pres">
-      <dgm:prSet presAssocID="{94959A71-8399-4743-A822-4B2822F36EB9}" presName="node" presStyleLbl="node1" presStyleIdx="2" presStyleCnt="5">
-        <dgm:presLayoutVars>
-          <dgm:bulletEnabled val="1"/>
-        </dgm:presLayoutVars>
-      </dgm:prSet>
-      <dgm:spPr/>
-      <dgm:t>
-        <a:bodyPr/>
-        <a:lstStyle/>
-        <a:p>
-          <a:endParaRPr lang="en-US"/>
-        </a:p>
-      </dgm:t>
-    </dgm:pt>
-    <dgm:pt modelId="{DA3308EA-AC4F-4F40-B121-EF1B7A77DC44}" type="pres">
-      <dgm:prSet presAssocID="{341A2B66-E7B4-4CCE-A800-2D09F00E988D}" presName="sibTrans" presStyleLbl="sibTrans2D1" presStyleIdx="2" presStyleCnt="5"/>
-      <dgm:spPr/>
-      <dgm:t>
-        <a:bodyPr/>
-        <a:lstStyle/>
-        <a:p>
-          <a:endParaRPr lang="en-US"/>
-        </a:p>
-      </dgm:t>
-    </dgm:pt>
-    <dgm:pt modelId="{D328AB4C-7799-47B7-A8F1-3355D4AEDC1D}" type="pres">
-      <dgm:prSet presAssocID="{341A2B66-E7B4-4CCE-A800-2D09F00E988D}" presName="connectorText" presStyleLbl="sibTrans2D1" presStyleIdx="2" presStyleCnt="5"/>
-      <dgm:spPr/>
-      <dgm:t>
-        <a:bodyPr/>
-        <a:lstStyle/>
-        <a:p>
-          <a:endParaRPr lang="en-US"/>
-        </a:p>
-      </dgm:t>
-    </dgm:pt>
-    <dgm:pt modelId="{7865197D-6E8D-4FFF-BEF4-77D19CDA6748}" type="pres">
-      <dgm:prSet presAssocID="{1303FBFC-9B1F-43AD-A9CC-01EC7DFCCA63}" presName="node" presStyleLbl="node1" presStyleIdx="3" presStyleCnt="5">
-        <dgm:presLayoutVars>
-          <dgm:bulletEnabled val="1"/>
-        </dgm:presLayoutVars>
-      </dgm:prSet>
-      <dgm:spPr/>
-      <dgm:t>
-        <a:bodyPr/>
-        <a:lstStyle/>
-        <a:p>
-          <a:endParaRPr lang="en-US"/>
-        </a:p>
-      </dgm:t>
-    </dgm:pt>
-    <dgm:pt modelId="{BAAC15F4-9D1D-4DF8-800E-A898ABC0F2AB}" type="pres">
-      <dgm:prSet presAssocID="{963AB9C7-534E-4244-8795-2DE50C0AAE1A}" presName="sibTrans" presStyleLbl="sibTrans2D1" presStyleIdx="3" presStyleCnt="5"/>
-      <dgm:spPr/>
-      <dgm:t>
-        <a:bodyPr/>
-        <a:lstStyle/>
-        <a:p>
-          <a:endParaRPr lang="en-US"/>
-        </a:p>
-      </dgm:t>
-    </dgm:pt>
-    <dgm:pt modelId="{1020FBBB-690C-4821-A794-B22748BC07F6}" type="pres">
-      <dgm:prSet presAssocID="{963AB9C7-534E-4244-8795-2DE50C0AAE1A}" presName="connectorText" presStyleLbl="sibTrans2D1" presStyleIdx="3" presStyleCnt="5"/>
-      <dgm:spPr/>
-      <dgm:t>
-        <a:bodyPr/>
-        <a:lstStyle/>
-        <a:p>
-          <a:endParaRPr lang="en-US"/>
-        </a:p>
-      </dgm:t>
-    </dgm:pt>
-    <dgm:pt modelId="{7154A4FA-E800-40EB-A87E-5CECCE812433}" type="pres">
-      <dgm:prSet presAssocID="{604DED0C-C7D1-44E9-9D91-4EA86CC58132}" presName="node" presStyleLbl="node1" presStyleIdx="4" presStyleCnt="5">
-        <dgm:presLayoutVars>
-          <dgm:bulletEnabled val="1"/>
-        </dgm:presLayoutVars>
-      </dgm:prSet>
-      <dgm:spPr/>
-      <dgm:t>
-        <a:bodyPr/>
-        <a:lstStyle/>
-        <a:p>
-          <a:endParaRPr lang="en-US"/>
-        </a:p>
-      </dgm:t>
-    </dgm:pt>
-    <dgm:pt modelId="{58C57B0B-F787-4E7B-A44C-92F01115E8E7}" type="pres">
-      <dgm:prSet presAssocID="{F9D67482-08A8-41D2-A4D4-28EF53768755}" presName="sibTrans" presStyleLbl="sibTrans2D1" presStyleIdx="4" presStyleCnt="5"/>
-      <dgm:spPr/>
-      <dgm:t>
-        <a:bodyPr/>
-        <a:lstStyle/>
-        <a:p>
-          <a:endParaRPr lang="en-US"/>
-        </a:p>
-      </dgm:t>
-    </dgm:pt>
-    <dgm:pt modelId="{0DE8E6C8-D66E-45A0-B23D-743ED7603BE1}" type="pres">
-      <dgm:prSet presAssocID="{F9D67482-08A8-41D2-A4D4-28EF53768755}" presName="connectorText" presStyleLbl="sibTrans2D1" presStyleIdx="4" presStyleCnt="5"/>
-      <dgm:spPr/>
-      <dgm:t>
-        <a:bodyPr/>
-        <a:lstStyle/>
-        <a:p>
-          <a:endParaRPr lang="en-US"/>
-        </a:p>
-      </dgm:t>
-    </dgm:pt>
-  </dgm:ptLst>
-  <dgm:cxnLst>
-    <dgm:cxn modelId="{267E9567-00E8-4CF5-AC3F-C4B78015D95D}" type="presOf" srcId="{3E71EEED-B8A8-41CA-92B7-5F1CDAF3BE2F}" destId="{2C793FD2-6A40-488B-8088-8D409044269C}" srcOrd="0" destOrd="0" presId="urn:microsoft.com/office/officeart/2005/8/layout/cycle2"/>
-    <dgm:cxn modelId="{E1FC6E72-F33D-4BB9-A274-4220C286B861}" srcId="{FD57CCFC-B83B-464C-88F8-BC6450268F97}" destId="{DC1518B7-EDD6-4CCF-9688-BF43B6ABDDB5}" srcOrd="0" destOrd="0" parTransId="{130A9095-4CCA-4C97-87A2-565F02EAAB50}" sibTransId="{3E71EEED-B8A8-41CA-92B7-5F1CDAF3BE2F}"/>
-    <dgm:cxn modelId="{FB579B80-661A-4626-B61F-E71F4E734262}" type="presOf" srcId="{142584DF-DF37-4E4D-8B12-3F1186ED8A79}" destId="{4CFB935C-7860-4776-A04C-834BDF85D630}" srcOrd="0" destOrd="0" presId="urn:microsoft.com/office/officeart/2005/8/layout/cycle2"/>
-    <dgm:cxn modelId="{F708609E-B605-4F54-9CB0-43BFD707546D}" type="presOf" srcId="{DC1518B7-EDD6-4CCF-9688-BF43B6ABDDB5}" destId="{9D1A61A1-B2AA-4F6A-AD68-CA1F7CD1DF22}" srcOrd="0" destOrd="0" presId="urn:microsoft.com/office/officeart/2005/8/layout/cycle2"/>
-    <dgm:cxn modelId="{1D8D5F4A-711A-4C36-9FDB-4E9DFB74713E}" type="presOf" srcId="{341A2B66-E7B4-4CCE-A800-2D09F00E988D}" destId="{DA3308EA-AC4F-4F40-B121-EF1B7A77DC44}" srcOrd="0" destOrd="0" presId="urn:microsoft.com/office/officeart/2005/8/layout/cycle2"/>
-    <dgm:cxn modelId="{457A18C9-81F1-4A35-ADA5-3C23816981B3}" type="presOf" srcId="{F9D67482-08A8-41D2-A4D4-28EF53768755}" destId="{58C57B0B-F787-4E7B-A44C-92F01115E8E7}" srcOrd="0" destOrd="0" presId="urn:microsoft.com/office/officeart/2005/8/layout/cycle2"/>
-    <dgm:cxn modelId="{8000DA2E-31CB-4AD9-AF9B-52BAB5602E59}" srcId="{FD57CCFC-B83B-464C-88F8-BC6450268F97}" destId="{142584DF-DF37-4E4D-8B12-3F1186ED8A79}" srcOrd="1" destOrd="0" parTransId="{ED9FF5C5-2955-4ABE-8CBD-A291C105BC10}" sibTransId="{F9A12A89-8926-472F-A7F2-6C018E0DE993}"/>
-    <dgm:cxn modelId="{856A50DA-D64A-4647-9709-42A133F935EB}" type="presOf" srcId="{963AB9C7-534E-4244-8795-2DE50C0AAE1A}" destId="{BAAC15F4-9D1D-4DF8-800E-A898ABC0F2AB}" srcOrd="0" destOrd="0" presId="urn:microsoft.com/office/officeart/2005/8/layout/cycle2"/>
-    <dgm:cxn modelId="{5BC36940-CB7A-4758-BE58-DC68FE675A98}" type="presOf" srcId="{F9D67482-08A8-41D2-A4D4-28EF53768755}" destId="{0DE8E6C8-D66E-45A0-B23D-743ED7603BE1}" srcOrd="1" destOrd="0" presId="urn:microsoft.com/office/officeart/2005/8/layout/cycle2"/>
-    <dgm:cxn modelId="{5BBB9AAA-3A31-48A0-9041-47E02695D120}" type="presOf" srcId="{341A2B66-E7B4-4CCE-A800-2D09F00E988D}" destId="{D328AB4C-7799-47B7-A8F1-3355D4AEDC1D}" srcOrd="1" destOrd="0" presId="urn:microsoft.com/office/officeart/2005/8/layout/cycle2"/>
-    <dgm:cxn modelId="{91D587B0-152F-4A17-97F4-8D81198DFDFF}" type="presOf" srcId="{F9A12A89-8926-472F-A7F2-6C018E0DE993}" destId="{CFCBAE3F-24A5-4178-8FA4-D975A8B7374E}" srcOrd="1" destOrd="0" presId="urn:microsoft.com/office/officeart/2005/8/layout/cycle2"/>
-    <dgm:cxn modelId="{71816249-CFA6-4CD1-B78B-39BBBE938AC5}" type="presOf" srcId="{FD57CCFC-B83B-464C-88F8-BC6450268F97}" destId="{67A0B1C8-6388-410F-ABFD-B0A6F2F228F7}" srcOrd="0" destOrd="0" presId="urn:microsoft.com/office/officeart/2005/8/layout/cycle2"/>
-    <dgm:cxn modelId="{8398DB34-75A0-4DB4-AB43-23767ADDD401}" type="presOf" srcId="{94959A71-8399-4743-A822-4B2822F36EB9}" destId="{EA63BA78-DFE1-4E32-B4E3-D3637C87D01A}" srcOrd="0" destOrd="0" presId="urn:microsoft.com/office/officeart/2005/8/layout/cycle2"/>
-    <dgm:cxn modelId="{425C4B2F-664D-4B86-B9DD-52F7B516C9B3}" type="presOf" srcId="{3E71EEED-B8A8-41CA-92B7-5F1CDAF3BE2F}" destId="{586AA159-1625-454D-A036-99A7A81CC350}" srcOrd="1" destOrd="0" presId="urn:microsoft.com/office/officeart/2005/8/layout/cycle2"/>
-    <dgm:cxn modelId="{26FA7A0A-3EAB-4761-BA2E-5E038B9C08EC}" srcId="{FD57CCFC-B83B-464C-88F8-BC6450268F97}" destId="{1303FBFC-9B1F-43AD-A9CC-01EC7DFCCA63}" srcOrd="3" destOrd="0" parTransId="{DF56F91D-EBF4-453D-B293-713DA3B7BAE8}" sibTransId="{963AB9C7-534E-4244-8795-2DE50C0AAE1A}"/>
-    <dgm:cxn modelId="{0A57CA8B-CCE8-45FB-ABAA-4658A3B96B41}" srcId="{FD57CCFC-B83B-464C-88F8-BC6450268F97}" destId="{94959A71-8399-4743-A822-4B2822F36EB9}" srcOrd="2" destOrd="0" parTransId="{7B73C905-77F1-455E-8A1E-1C07DA733669}" sibTransId="{341A2B66-E7B4-4CCE-A800-2D09F00E988D}"/>
-    <dgm:cxn modelId="{83F18F01-1EBB-4F68-A566-C281ACD257AA}" type="presOf" srcId="{F9A12A89-8926-472F-A7F2-6C018E0DE993}" destId="{194CE3CF-2BF2-4AF5-9CEB-61305F2C5E2D}" srcOrd="0" destOrd="0" presId="urn:microsoft.com/office/officeart/2005/8/layout/cycle2"/>
-    <dgm:cxn modelId="{A6CED050-C5D2-4A6A-B3EA-9375EB900D7C}" type="presOf" srcId="{1303FBFC-9B1F-43AD-A9CC-01EC7DFCCA63}" destId="{7865197D-6E8D-4FFF-BEF4-77D19CDA6748}" srcOrd="0" destOrd="0" presId="urn:microsoft.com/office/officeart/2005/8/layout/cycle2"/>
-    <dgm:cxn modelId="{7A19FA8A-9349-4A90-96EE-3F1BEED66291}" type="presOf" srcId="{963AB9C7-534E-4244-8795-2DE50C0AAE1A}" destId="{1020FBBB-690C-4821-A794-B22748BC07F6}" srcOrd="1" destOrd="0" presId="urn:microsoft.com/office/officeart/2005/8/layout/cycle2"/>
-    <dgm:cxn modelId="{782EF038-CBD4-42BC-9F87-E70F0C5BA753}" type="presOf" srcId="{604DED0C-C7D1-44E9-9D91-4EA86CC58132}" destId="{7154A4FA-E800-40EB-A87E-5CECCE812433}" srcOrd="0" destOrd="0" presId="urn:microsoft.com/office/officeart/2005/8/layout/cycle2"/>
-    <dgm:cxn modelId="{8318BC13-B71D-4942-9198-291D21A68FEF}" srcId="{FD57CCFC-B83B-464C-88F8-BC6450268F97}" destId="{604DED0C-C7D1-44E9-9D91-4EA86CC58132}" srcOrd="4" destOrd="0" parTransId="{80FF181E-2F3F-4C95-B016-991B121BE693}" sibTransId="{F9D67482-08A8-41D2-A4D4-28EF53768755}"/>
-    <dgm:cxn modelId="{9E0C6E45-BB6E-4222-ABBC-A7113BC40F60}" type="presParOf" srcId="{67A0B1C8-6388-410F-ABFD-B0A6F2F228F7}" destId="{9D1A61A1-B2AA-4F6A-AD68-CA1F7CD1DF22}" srcOrd="0" destOrd="0" presId="urn:microsoft.com/office/officeart/2005/8/layout/cycle2"/>
-    <dgm:cxn modelId="{97FEE296-E53E-47B7-988E-0AECC9F987D1}" type="presParOf" srcId="{67A0B1C8-6388-410F-ABFD-B0A6F2F228F7}" destId="{2C793FD2-6A40-488B-8088-8D409044269C}" srcOrd="1" destOrd="0" presId="urn:microsoft.com/office/officeart/2005/8/layout/cycle2"/>
-    <dgm:cxn modelId="{97A2F2E4-513E-460D-A237-6B19E8F238BA}" type="presParOf" srcId="{2C793FD2-6A40-488B-8088-8D409044269C}" destId="{586AA159-1625-454D-A036-99A7A81CC350}" srcOrd="0" destOrd="0" presId="urn:microsoft.com/office/officeart/2005/8/layout/cycle2"/>
-    <dgm:cxn modelId="{F7CA3780-5DF1-48F3-843E-F4F879F5C759}" type="presParOf" srcId="{67A0B1C8-6388-410F-ABFD-B0A6F2F228F7}" destId="{4CFB935C-7860-4776-A04C-834BDF85D630}" srcOrd="2" destOrd="0" presId="urn:microsoft.com/office/officeart/2005/8/layout/cycle2"/>
-    <dgm:cxn modelId="{FF9406BD-16AA-4919-BBC8-75972D5BA36F}" type="presParOf" srcId="{67A0B1C8-6388-410F-ABFD-B0A6F2F228F7}" destId="{194CE3CF-2BF2-4AF5-9CEB-61305F2C5E2D}" srcOrd="3" destOrd="0" presId="urn:microsoft.com/office/officeart/2005/8/layout/cycle2"/>
-    <dgm:cxn modelId="{2D35B151-448D-4328-83E5-D87A03AD46EA}" type="presParOf" srcId="{194CE3CF-2BF2-4AF5-9CEB-61305F2C5E2D}" destId="{CFCBAE3F-24A5-4178-8FA4-D975A8B7374E}" srcOrd="0" destOrd="0" presId="urn:microsoft.com/office/officeart/2005/8/layout/cycle2"/>
-    <dgm:cxn modelId="{B0BB0BE7-EDC0-48B8-A484-FDF192073E95}" type="presParOf" srcId="{67A0B1C8-6388-410F-ABFD-B0A6F2F228F7}" destId="{EA63BA78-DFE1-4E32-B4E3-D3637C87D01A}" srcOrd="4" destOrd="0" presId="urn:microsoft.com/office/officeart/2005/8/layout/cycle2"/>
-    <dgm:cxn modelId="{910A3337-BB42-41C5-A9F2-2806E20F02AB}" type="presParOf" srcId="{67A0B1C8-6388-410F-ABFD-B0A6F2F228F7}" destId="{DA3308EA-AC4F-4F40-B121-EF1B7A77DC44}" srcOrd="5" destOrd="0" presId="urn:microsoft.com/office/officeart/2005/8/layout/cycle2"/>
-    <dgm:cxn modelId="{8E7120A3-F797-48EA-8F3D-D9C6EDB76E75}" type="presParOf" srcId="{DA3308EA-AC4F-4F40-B121-EF1B7A77DC44}" destId="{D328AB4C-7799-47B7-A8F1-3355D4AEDC1D}" srcOrd="0" destOrd="0" presId="urn:microsoft.com/office/officeart/2005/8/layout/cycle2"/>
-    <dgm:cxn modelId="{08A4744D-F2DC-4604-BCB7-7DC7A2058B13}" type="presParOf" srcId="{67A0B1C8-6388-410F-ABFD-B0A6F2F228F7}" destId="{7865197D-6E8D-4FFF-BEF4-77D19CDA6748}" srcOrd="6" destOrd="0" presId="urn:microsoft.com/office/officeart/2005/8/layout/cycle2"/>
-    <dgm:cxn modelId="{9FB1DF67-DC35-490C-8AB2-A33C061A7BEE}" type="presParOf" srcId="{67A0B1C8-6388-410F-ABFD-B0A6F2F228F7}" destId="{BAAC15F4-9D1D-4DF8-800E-A898ABC0F2AB}" srcOrd="7" destOrd="0" presId="urn:microsoft.com/office/officeart/2005/8/layout/cycle2"/>
-    <dgm:cxn modelId="{C7861779-FB35-490E-83EC-C254260DE849}" type="presParOf" srcId="{BAAC15F4-9D1D-4DF8-800E-A898ABC0F2AB}" destId="{1020FBBB-690C-4821-A794-B22748BC07F6}" srcOrd="0" destOrd="0" presId="urn:microsoft.com/office/officeart/2005/8/layout/cycle2"/>
-    <dgm:cxn modelId="{C94EAF0F-566A-4441-ACD5-C4E53E5876EC}" type="presParOf" srcId="{67A0B1C8-6388-410F-ABFD-B0A6F2F228F7}" destId="{7154A4FA-E800-40EB-A87E-5CECCE812433}" srcOrd="8" destOrd="0" presId="urn:microsoft.com/office/officeart/2005/8/layout/cycle2"/>
-    <dgm:cxn modelId="{843CC2F5-A1A3-494E-B97A-D0FF86E48E2E}" type="presParOf" srcId="{67A0B1C8-6388-410F-ABFD-B0A6F2F228F7}" destId="{58C57B0B-F787-4E7B-A44C-92F01115E8E7}" srcOrd="9" destOrd="0" presId="urn:microsoft.com/office/officeart/2005/8/layout/cycle2"/>
-    <dgm:cxn modelId="{D97C588D-5945-4088-94C6-F4CE99953C80}" type="presParOf" srcId="{58C57B0B-F787-4E7B-A44C-92F01115E8E7}" destId="{0DE8E6C8-D66E-45A0-B23D-743ED7603BE1}" srcOrd="0" destOrd="0" presId="urn:microsoft.com/office/officeart/2005/8/layout/cycle2"/>
-  </dgm:cxnLst>
-  <dgm:bg/>
-  <dgm:whole/>
-  <dgm:extLst>
-    <a:ext uri="http://schemas.microsoft.com/office/drawing/2008/diagram">
-      <dsp:dataModelExt xmlns:dsp="http://schemas.microsoft.com/office/drawing/2008/diagram" xmlns="" relId="rId7" minVer="http://schemas.openxmlformats.org/drawingml/2006/diagram"/>
-    </a:ext>
-  </dgm:extLst>
-</dgm:dataModel>
-</file>
-
-<file path=ppt/diagrams/drawing1.xml><?xml version="1.0" encoding="utf-8"?>
-<dsp:drawing xmlns:dgm="http://schemas.openxmlformats.org/drawingml/2006/diagram" xmlns:a="http://schemas.openxmlformats.org/drawingml/2006/main" xmlns:dsp="http://schemas.microsoft.com/office/drawing/2008/diagram">
-  <dsp:spTree>
-    <dsp:nvGrpSpPr>
-      <dsp:cNvPr id="0" name=""/>
-      <dsp:cNvGrpSpPr/>
-    </dsp:nvGrpSpPr>
-    <dsp:grpSpPr/>
-    <dsp:sp modelId="{9D1A61A1-B2AA-4F6A-AD68-CA1F7CD1DF22}">
-      <dsp:nvSpPr>
-        <dsp:cNvPr id="0" name=""/>
-        <dsp:cNvSpPr/>
-      </dsp:nvSpPr>
-      <dsp:spPr>
-        <a:xfrm>
-          <a:off x="1520465" y="879"/>
-          <a:ext cx="1150069" cy="1150069"/>
-        </a:xfrm>
-        <a:prstGeom prst="ellipse">
-          <a:avLst/>
-        </a:prstGeom>
-        <a:solidFill>
-          <a:schemeClr val="accent1">
-            <a:hueOff val="0"/>
-            <a:satOff val="0"/>
-            <a:lumOff val="0"/>
-            <a:alphaOff val="0"/>
-          </a:schemeClr>
-        </a:solidFill>
-        <a:ln w="25400" cap="flat" cmpd="sng" algn="ctr">
-          <a:solidFill>
-            <a:schemeClr val="lt1">
-              <a:hueOff val="0"/>
-              <a:satOff val="0"/>
-              <a:lumOff val="0"/>
-              <a:alphaOff val="0"/>
-            </a:schemeClr>
-          </a:solidFill>
-          <a:prstDash val="solid"/>
-        </a:ln>
-        <a:effectLst/>
-      </dsp:spPr>
-      <dsp:style>
-        <a:lnRef idx="2">
-          <a:scrgbClr r="0" g="0" b="0"/>
-        </a:lnRef>
-        <a:fillRef idx="1">
-          <a:scrgbClr r="0" g="0" b="0"/>
-        </a:fillRef>
-        <a:effectRef idx="0">
-          <a:scrgbClr r="0" g="0" b="0"/>
-        </a:effectRef>
-        <a:fontRef idx="minor">
-          <a:schemeClr val="lt1"/>
-        </a:fontRef>
-      </dsp:style>
-      <dsp:txBody>
-        <a:bodyPr spcFirstLastPara="0" vert="horz" wrap="square" lIns="36830" tIns="36830" rIns="36830" bIns="36830" numCol="1" spcCol="1270" anchor="ctr" anchorCtr="0">
-          <a:noAutofit/>
-        </a:bodyPr>
-        <a:lstStyle/>
-        <a:p>
-          <a:pPr lvl="0" algn="ctr" defTabSz="1289050">
-            <a:lnSpc>
-              <a:spcPct val="90000"/>
-            </a:lnSpc>
-            <a:spcBef>
-              <a:spcPct val="0"/>
-            </a:spcBef>
-            <a:spcAft>
-              <a:spcPct val="35000"/>
-            </a:spcAft>
-          </a:pPr>
-          <a:r>
-            <a:rPr lang="en-US" sz="2900" kern="1200" dirty="0" smtClean="0"/>
-            <a:t>TSK0</a:t>
-          </a:r>
-          <a:endParaRPr lang="en-US" sz="2900" kern="1200" dirty="0"/>
-        </a:p>
-      </dsp:txBody>
-      <dsp:txXfrm>
-        <a:off x="1520465" y="879"/>
-        <a:ext cx="1150069" cy="1150069"/>
-      </dsp:txXfrm>
-    </dsp:sp>
-    <dsp:sp modelId="{2C793FD2-6A40-488B-8088-8D409044269C}">
-      <dsp:nvSpPr>
-        <dsp:cNvPr id="0" name=""/>
-        <dsp:cNvSpPr/>
-      </dsp:nvSpPr>
-      <dsp:spPr>
-        <a:xfrm rot="2160000">
-          <a:off x="2634247" y="884415"/>
-          <a:ext cx="305977" cy="388148"/>
-        </a:xfrm>
-        <a:prstGeom prst="rightArrow">
-          <a:avLst>
-            <a:gd name="adj1" fmla="val 60000"/>
-            <a:gd name="adj2" fmla="val 50000"/>
-          </a:avLst>
-        </a:prstGeom>
-        <a:solidFill>
-          <a:schemeClr val="accent1">
-            <a:tint val="60000"/>
-            <a:hueOff val="0"/>
-            <a:satOff val="0"/>
-            <a:lumOff val="0"/>
-            <a:alphaOff val="0"/>
-          </a:schemeClr>
-        </a:solidFill>
-        <a:ln>
-          <a:noFill/>
-        </a:ln>
-        <a:effectLst/>
-      </dsp:spPr>
-      <dsp:style>
-        <a:lnRef idx="0">
-          <a:scrgbClr r="0" g="0" b="0"/>
-        </a:lnRef>
-        <a:fillRef idx="1">
-          <a:scrgbClr r="0" g="0" b="0"/>
-        </a:fillRef>
-        <a:effectRef idx="0">
-          <a:scrgbClr r="0" g="0" b="0"/>
-        </a:effectRef>
-        <a:fontRef idx="minor">
-          <a:schemeClr val="lt1"/>
-        </a:fontRef>
-      </dsp:style>
-      <dsp:txBody>
-        <a:bodyPr spcFirstLastPara="0" vert="horz" wrap="square" lIns="0" tIns="0" rIns="0" bIns="0" numCol="1" spcCol="1270" anchor="ctr" anchorCtr="0">
-          <a:noAutofit/>
-        </a:bodyPr>
-        <a:lstStyle/>
-        <a:p>
-          <a:pPr lvl="0" algn="ctr" defTabSz="711200">
-            <a:lnSpc>
-              <a:spcPct val="90000"/>
-            </a:lnSpc>
-            <a:spcBef>
-              <a:spcPct val="0"/>
-            </a:spcBef>
-            <a:spcAft>
-              <a:spcPct val="35000"/>
-            </a:spcAft>
-          </a:pPr>
-          <a:endParaRPr lang="en-US" sz="1600" kern="1200"/>
-        </a:p>
-      </dsp:txBody>
-      <dsp:txXfrm rot="2160000">
-        <a:off x="2634247" y="884415"/>
-        <a:ext cx="305977" cy="388148"/>
-      </dsp:txXfrm>
-    </dsp:sp>
-    <dsp:sp modelId="{4CFB935C-7860-4776-A04C-834BDF85D630}">
-      <dsp:nvSpPr>
-        <dsp:cNvPr id="0" name=""/>
-        <dsp:cNvSpPr/>
-      </dsp:nvSpPr>
-      <dsp:spPr>
-        <a:xfrm>
-          <a:off x="2917948" y="1016210"/>
-          <a:ext cx="1150069" cy="1150069"/>
-        </a:xfrm>
-        <a:prstGeom prst="ellipse">
-          <a:avLst/>
-        </a:prstGeom>
-        <a:gradFill rotWithShape="1">
-          <a:gsLst>
-            <a:gs pos="0">
-              <a:schemeClr val="accent2">
-                <a:tint val="50000"/>
-                <a:satMod val="300000"/>
-              </a:schemeClr>
-            </a:gs>
-            <a:gs pos="35000">
-              <a:schemeClr val="accent2">
-                <a:tint val="37000"/>
-                <a:satMod val="300000"/>
-              </a:schemeClr>
-            </a:gs>
-            <a:gs pos="100000">
-              <a:schemeClr val="accent2">
-                <a:tint val="15000"/>
-                <a:satMod val="350000"/>
-              </a:schemeClr>
-            </a:gs>
-          </a:gsLst>
-          <a:lin ang="16200000" scaled="1"/>
-        </a:gradFill>
-        <a:ln w="9525" cap="flat" cmpd="sng" algn="ctr">
-          <a:solidFill>
-            <a:schemeClr val="accent2">
-              <a:shade val="95000"/>
-              <a:satMod val="105000"/>
-            </a:schemeClr>
-          </a:solidFill>
-          <a:prstDash val="solid"/>
-        </a:ln>
-        <a:effectLst>
-          <a:outerShdw blurRad="40000" dist="20000" dir="5400000" rotWithShape="0">
-            <a:srgbClr val="000000">
-              <a:alpha val="38000"/>
-            </a:srgbClr>
-          </a:outerShdw>
-        </a:effectLst>
-      </dsp:spPr>
-      <dsp:style>
-        <a:lnRef idx="1">
-          <a:schemeClr val="accent2"/>
-        </a:lnRef>
-        <a:fillRef idx="2">
-          <a:schemeClr val="accent2"/>
-        </a:fillRef>
-        <a:effectRef idx="1">
-          <a:schemeClr val="accent2"/>
-        </a:effectRef>
-        <a:fontRef idx="minor">
-          <a:schemeClr val="dk1"/>
-        </a:fontRef>
-      </dsp:style>
-      <dsp:txBody>
-        <a:bodyPr spcFirstLastPara="0" vert="horz" wrap="square" lIns="36830" tIns="36830" rIns="36830" bIns="36830" numCol="1" spcCol="1270" anchor="ctr" anchorCtr="0">
-          <a:noAutofit/>
-        </a:bodyPr>
-        <a:lstStyle/>
-        <a:p>
-          <a:pPr lvl="0" algn="ctr" defTabSz="1289050">
-            <a:lnSpc>
-              <a:spcPct val="90000"/>
-            </a:lnSpc>
-            <a:spcBef>
-              <a:spcPct val="0"/>
-            </a:spcBef>
-            <a:spcAft>
-              <a:spcPct val="35000"/>
-            </a:spcAft>
-          </a:pPr>
-          <a:r>
-            <a:rPr lang="en-US" sz="2900" kern="1200" dirty="0" smtClean="0"/>
-            <a:t>TSK1</a:t>
-          </a:r>
-          <a:endParaRPr lang="en-US" sz="2900" kern="1200" dirty="0"/>
-        </a:p>
-      </dsp:txBody>
-      <dsp:txXfrm>
-        <a:off x="2917948" y="1016210"/>
-        <a:ext cx="1150069" cy="1150069"/>
-      </dsp:txXfrm>
-    </dsp:sp>
-    <dsp:sp modelId="{194CE3CF-2BF2-4AF5-9CEB-61305F2C5E2D}">
-      <dsp:nvSpPr>
-        <dsp:cNvPr id="0" name=""/>
-        <dsp:cNvSpPr/>
-      </dsp:nvSpPr>
-      <dsp:spPr>
-        <a:xfrm rot="6480000">
-          <a:off x="3075775" y="2210355"/>
-          <a:ext cx="305977" cy="388148"/>
-        </a:xfrm>
-        <a:prstGeom prst="rightArrow">
-          <a:avLst>
-            <a:gd name="adj1" fmla="val 60000"/>
-            <a:gd name="adj2" fmla="val 50000"/>
-          </a:avLst>
-        </a:prstGeom>
-        <a:solidFill>
-          <a:schemeClr val="accent1">
-            <a:tint val="60000"/>
-            <a:hueOff val="0"/>
-            <a:satOff val="0"/>
-            <a:lumOff val="0"/>
-            <a:alphaOff val="0"/>
-          </a:schemeClr>
-        </a:solidFill>
-        <a:ln>
-          <a:noFill/>
-        </a:ln>
-        <a:effectLst/>
-      </dsp:spPr>
-      <dsp:style>
-        <a:lnRef idx="0">
-          <a:scrgbClr r="0" g="0" b="0"/>
-        </a:lnRef>
-        <a:fillRef idx="1">
-          <a:scrgbClr r="0" g="0" b="0"/>
-        </a:fillRef>
-        <a:effectRef idx="0">
-          <a:scrgbClr r="0" g="0" b="0"/>
-        </a:effectRef>
-        <a:fontRef idx="minor">
-          <a:schemeClr val="lt1"/>
-        </a:fontRef>
-      </dsp:style>
-      <dsp:txBody>
-        <a:bodyPr spcFirstLastPara="0" vert="horz" wrap="square" lIns="0" tIns="0" rIns="0" bIns="0" numCol="1" spcCol="1270" anchor="ctr" anchorCtr="0">
-          <a:noAutofit/>
-        </a:bodyPr>
-        <a:lstStyle/>
-        <a:p>
-          <a:pPr lvl="0" algn="ctr" defTabSz="711200">
-            <a:lnSpc>
-              <a:spcPct val="90000"/>
-            </a:lnSpc>
-            <a:spcBef>
-              <a:spcPct val="0"/>
-            </a:spcBef>
-            <a:spcAft>
-              <a:spcPct val="35000"/>
-            </a:spcAft>
-          </a:pPr>
-          <a:endParaRPr lang="en-US" sz="1600" kern="1200"/>
-        </a:p>
-      </dsp:txBody>
-      <dsp:txXfrm rot="6480000">
-        <a:off x="3075775" y="2210355"/>
-        <a:ext cx="305977" cy="388148"/>
-      </dsp:txXfrm>
-    </dsp:sp>
-    <dsp:sp modelId="{EA63BA78-DFE1-4E32-B4E3-D3637C87D01A}">
-      <dsp:nvSpPr>
-        <dsp:cNvPr id="0" name=""/>
-        <dsp:cNvSpPr/>
-      </dsp:nvSpPr>
-      <dsp:spPr>
-        <a:xfrm>
-          <a:off x="2384157" y="2659051"/>
-          <a:ext cx="1150069" cy="1150069"/>
-        </a:xfrm>
-        <a:prstGeom prst="ellipse">
-          <a:avLst/>
-        </a:prstGeom>
-        <a:solidFill>
-          <a:schemeClr val="accent1">
-            <a:hueOff val="0"/>
-            <a:satOff val="0"/>
-            <a:lumOff val="0"/>
-            <a:alphaOff val="0"/>
-          </a:schemeClr>
-        </a:solidFill>
-        <a:ln w="25400" cap="flat" cmpd="sng" algn="ctr">
-          <a:solidFill>
-            <a:schemeClr val="lt1">
-              <a:hueOff val="0"/>
-              <a:satOff val="0"/>
-              <a:lumOff val="0"/>
-              <a:alphaOff val="0"/>
-            </a:schemeClr>
-          </a:solidFill>
-          <a:prstDash val="solid"/>
-        </a:ln>
-        <a:effectLst/>
-      </dsp:spPr>
-      <dsp:style>
-        <a:lnRef idx="2">
-          <a:scrgbClr r="0" g="0" b="0"/>
-        </a:lnRef>
-        <a:fillRef idx="1">
-          <a:scrgbClr r="0" g="0" b="0"/>
-        </a:fillRef>
-        <a:effectRef idx="0">
-          <a:scrgbClr r="0" g="0" b="0"/>
-        </a:effectRef>
-        <a:fontRef idx="minor">
-          <a:schemeClr val="lt1"/>
-        </a:fontRef>
-      </dsp:style>
-      <dsp:txBody>
-        <a:bodyPr spcFirstLastPara="0" vert="horz" wrap="square" lIns="36830" tIns="36830" rIns="36830" bIns="36830" numCol="1" spcCol="1270" anchor="ctr" anchorCtr="0">
-          <a:noAutofit/>
-        </a:bodyPr>
-        <a:lstStyle/>
-        <a:p>
-          <a:pPr lvl="0" algn="ctr" defTabSz="1289050">
-            <a:lnSpc>
-              <a:spcPct val="90000"/>
-            </a:lnSpc>
-            <a:spcBef>
-              <a:spcPct val="0"/>
-            </a:spcBef>
-            <a:spcAft>
-              <a:spcPct val="35000"/>
-            </a:spcAft>
-          </a:pPr>
-          <a:r>
-            <a:rPr lang="en-US" sz="2900" kern="1200" dirty="0" smtClean="0"/>
-            <a:t>TSK2</a:t>
-          </a:r>
-          <a:endParaRPr lang="en-US" sz="2900" kern="1200" dirty="0"/>
-        </a:p>
-      </dsp:txBody>
-      <dsp:txXfrm>
-        <a:off x="2384157" y="2659051"/>
-        <a:ext cx="1150069" cy="1150069"/>
-      </dsp:txXfrm>
-    </dsp:sp>
-    <dsp:sp modelId="{DA3308EA-AC4F-4F40-B121-EF1B7A77DC44}">
-      <dsp:nvSpPr>
-        <dsp:cNvPr id="0" name=""/>
-        <dsp:cNvSpPr/>
-      </dsp:nvSpPr>
-      <dsp:spPr>
-        <a:xfrm rot="10800000">
-          <a:off x="1951171" y="3040011"/>
-          <a:ext cx="305977" cy="388148"/>
-        </a:xfrm>
-        <a:prstGeom prst="rightArrow">
-          <a:avLst>
-            <a:gd name="adj1" fmla="val 60000"/>
-            <a:gd name="adj2" fmla="val 50000"/>
-          </a:avLst>
-        </a:prstGeom>
-        <a:solidFill>
-          <a:schemeClr val="accent1">
-            <a:tint val="60000"/>
-            <a:hueOff val="0"/>
-            <a:satOff val="0"/>
-            <a:lumOff val="0"/>
-            <a:alphaOff val="0"/>
-          </a:schemeClr>
-        </a:solidFill>
-        <a:ln>
-          <a:noFill/>
-        </a:ln>
-        <a:effectLst/>
-      </dsp:spPr>
-      <dsp:style>
-        <a:lnRef idx="0">
-          <a:scrgbClr r="0" g="0" b="0"/>
-        </a:lnRef>
-        <a:fillRef idx="1">
-          <a:scrgbClr r="0" g="0" b="0"/>
-        </a:fillRef>
-        <a:effectRef idx="0">
-          <a:scrgbClr r="0" g="0" b="0"/>
-        </a:effectRef>
-        <a:fontRef idx="minor">
-          <a:schemeClr val="lt1"/>
-        </a:fontRef>
-      </dsp:style>
-      <dsp:txBody>
-        <a:bodyPr spcFirstLastPara="0" vert="horz" wrap="square" lIns="0" tIns="0" rIns="0" bIns="0" numCol="1" spcCol="1270" anchor="ctr" anchorCtr="0">
-          <a:noAutofit/>
-        </a:bodyPr>
-        <a:lstStyle/>
-        <a:p>
-          <a:pPr lvl="0" algn="ctr" defTabSz="711200">
-            <a:lnSpc>
-              <a:spcPct val="90000"/>
-            </a:lnSpc>
-            <a:spcBef>
-              <a:spcPct val="0"/>
-            </a:spcBef>
-            <a:spcAft>
-              <a:spcPct val="35000"/>
-            </a:spcAft>
-          </a:pPr>
-          <a:endParaRPr lang="en-US" sz="1600" kern="1200"/>
-        </a:p>
-      </dsp:txBody>
-      <dsp:txXfrm rot="10800000">
-        <a:off x="1951171" y="3040011"/>
-        <a:ext cx="305977" cy="388148"/>
-      </dsp:txXfrm>
-    </dsp:sp>
-    <dsp:sp modelId="{7865197D-6E8D-4FFF-BEF4-77D19CDA6748}">
-      <dsp:nvSpPr>
-        <dsp:cNvPr id="0" name=""/>
-        <dsp:cNvSpPr/>
-      </dsp:nvSpPr>
-      <dsp:spPr>
-        <a:xfrm>
-          <a:off x="656772" y="2659051"/>
-          <a:ext cx="1150069" cy="1150069"/>
-        </a:xfrm>
-        <a:prstGeom prst="ellipse">
-          <a:avLst/>
-        </a:prstGeom>
-        <a:gradFill rotWithShape="1">
-          <a:gsLst>
-            <a:gs pos="0">
-              <a:schemeClr val="accent2">
-                <a:tint val="50000"/>
-                <a:satMod val="300000"/>
-              </a:schemeClr>
-            </a:gs>
-            <a:gs pos="35000">
-              <a:schemeClr val="accent2">
-                <a:tint val="37000"/>
-                <a:satMod val="300000"/>
-              </a:schemeClr>
-            </a:gs>
-            <a:gs pos="100000">
-              <a:schemeClr val="accent2">
-                <a:tint val="15000"/>
-                <a:satMod val="350000"/>
-              </a:schemeClr>
-            </a:gs>
-          </a:gsLst>
-          <a:lin ang="16200000" scaled="1"/>
-        </a:gradFill>
-        <a:ln w="9525" cap="flat" cmpd="sng" algn="ctr">
-          <a:solidFill>
-            <a:schemeClr val="accent2">
-              <a:shade val="95000"/>
-              <a:satMod val="105000"/>
-            </a:schemeClr>
-          </a:solidFill>
-          <a:prstDash val="solid"/>
-        </a:ln>
-        <a:effectLst>
-          <a:outerShdw blurRad="40000" dist="20000" dir="5400000" rotWithShape="0">
-            <a:srgbClr val="000000">
-              <a:alpha val="38000"/>
-            </a:srgbClr>
-          </a:outerShdw>
-        </a:effectLst>
-      </dsp:spPr>
-      <dsp:style>
-        <a:lnRef idx="1">
-          <a:schemeClr val="accent2"/>
-        </a:lnRef>
-        <a:fillRef idx="2">
-          <a:schemeClr val="accent2"/>
-        </a:fillRef>
-        <a:effectRef idx="1">
-          <a:schemeClr val="accent2"/>
-        </a:effectRef>
-        <a:fontRef idx="minor">
-          <a:schemeClr val="dk1"/>
-        </a:fontRef>
-      </dsp:style>
-      <dsp:txBody>
-        <a:bodyPr spcFirstLastPara="0" vert="horz" wrap="square" lIns="36830" tIns="36830" rIns="36830" bIns="36830" numCol="1" spcCol="1270" anchor="ctr" anchorCtr="0">
-          <a:noAutofit/>
-        </a:bodyPr>
-        <a:lstStyle/>
-        <a:p>
-          <a:pPr lvl="0" algn="ctr" defTabSz="1289050">
-            <a:lnSpc>
-              <a:spcPct val="90000"/>
-            </a:lnSpc>
-            <a:spcBef>
-              <a:spcPct val="0"/>
-            </a:spcBef>
-            <a:spcAft>
-              <a:spcPct val="35000"/>
-            </a:spcAft>
-          </a:pPr>
-          <a:r>
-            <a:rPr lang="en-US" sz="2900" kern="1200" dirty="0" smtClean="0"/>
-            <a:t>TSK3</a:t>
-          </a:r>
-          <a:endParaRPr lang="en-US" sz="2900" kern="1200" dirty="0"/>
-        </a:p>
-      </dsp:txBody>
-      <dsp:txXfrm>
-        <a:off x="656772" y="2659051"/>
-        <a:ext cx="1150069" cy="1150069"/>
-      </dsp:txXfrm>
-    </dsp:sp>
-    <dsp:sp modelId="{BAAC15F4-9D1D-4DF8-800E-A898ABC0F2AB}">
-      <dsp:nvSpPr>
-        <dsp:cNvPr id="0" name=""/>
-        <dsp:cNvSpPr/>
-      </dsp:nvSpPr>
-      <dsp:spPr>
-        <a:xfrm rot="15120000">
-          <a:off x="814599" y="2226827"/>
-          <a:ext cx="305977" cy="388148"/>
-        </a:xfrm>
-        <a:prstGeom prst="rightArrow">
-          <a:avLst>
-            <a:gd name="adj1" fmla="val 60000"/>
-            <a:gd name="adj2" fmla="val 50000"/>
-          </a:avLst>
-        </a:prstGeom>
-        <a:solidFill>
-          <a:schemeClr val="accent1">
-            <a:tint val="60000"/>
-            <a:hueOff val="0"/>
-            <a:satOff val="0"/>
-            <a:lumOff val="0"/>
-            <a:alphaOff val="0"/>
-          </a:schemeClr>
-        </a:solidFill>
-        <a:ln>
-          <a:noFill/>
-        </a:ln>
-        <a:effectLst/>
-      </dsp:spPr>
-      <dsp:style>
-        <a:lnRef idx="0">
-          <a:scrgbClr r="0" g="0" b="0"/>
-        </a:lnRef>
-        <a:fillRef idx="1">
-          <a:scrgbClr r="0" g="0" b="0"/>
-        </a:fillRef>
-        <a:effectRef idx="0">
-          <a:scrgbClr r="0" g="0" b="0"/>
-        </a:effectRef>
-        <a:fontRef idx="minor">
-          <a:schemeClr val="lt1"/>
-        </a:fontRef>
-      </dsp:style>
-      <dsp:txBody>
-        <a:bodyPr spcFirstLastPara="0" vert="horz" wrap="square" lIns="0" tIns="0" rIns="0" bIns="0" numCol="1" spcCol="1270" anchor="ctr" anchorCtr="0">
-          <a:noAutofit/>
-        </a:bodyPr>
-        <a:lstStyle/>
-        <a:p>
-          <a:pPr lvl="0" algn="ctr" defTabSz="711200">
-            <a:lnSpc>
-              <a:spcPct val="90000"/>
-            </a:lnSpc>
-            <a:spcBef>
-              <a:spcPct val="0"/>
-            </a:spcBef>
-            <a:spcAft>
-              <a:spcPct val="35000"/>
-            </a:spcAft>
-          </a:pPr>
-          <a:endParaRPr lang="en-US" sz="1600" kern="1200"/>
-        </a:p>
-      </dsp:txBody>
-      <dsp:txXfrm rot="15120000">
-        <a:off x="814599" y="2226827"/>
-        <a:ext cx="305977" cy="388148"/>
-      </dsp:txXfrm>
-    </dsp:sp>
-    <dsp:sp modelId="{7154A4FA-E800-40EB-A87E-5CECCE812433}">
-      <dsp:nvSpPr>
-        <dsp:cNvPr id="0" name=""/>
-        <dsp:cNvSpPr/>
-      </dsp:nvSpPr>
-      <dsp:spPr>
-        <a:xfrm>
-          <a:off x="122981" y="1016210"/>
-          <a:ext cx="1150069" cy="1150069"/>
-        </a:xfrm>
-        <a:prstGeom prst="ellipse">
-          <a:avLst/>
-        </a:prstGeom>
-        <a:solidFill>
-          <a:schemeClr val="accent1">
-            <a:hueOff val="0"/>
-            <a:satOff val="0"/>
-            <a:lumOff val="0"/>
-            <a:alphaOff val="0"/>
-          </a:schemeClr>
-        </a:solidFill>
-        <a:ln w="25400" cap="flat" cmpd="sng" algn="ctr">
-          <a:solidFill>
-            <a:schemeClr val="lt1">
-              <a:hueOff val="0"/>
-              <a:satOff val="0"/>
-              <a:lumOff val="0"/>
-              <a:alphaOff val="0"/>
-            </a:schemeClr>
-          </a:solidFill>
-          <a:prstDash val="solid"/>
-        </a:ln>
-        <a:effectLst/>
-      </dsp:spPr>
-      <dsp:style>
-        <a:lnRef idx="2">
-          <a:scrgbClr r="0" g="0" b="0"/>
-        </a:lnRef>
-        <a:fillRef idx="1">
-          <a:scrgbClr r="0" g="0" b="0"/>
-        </a:fillRef>
-        <a:effectRef idx="0">
-          <a:scrgbClr r="0" g="0" b="0"/>
-        </a:effectRef>
-        <a:fontRef idx="minor">
-          <a:schemeClr val="lt1"/>
-        </a:fontRef>
-      </dsp:style>
-      <dsp:txBody>
-        <a:bodyPr spcFirstLastPara="0" vert="horz" wrap="square" lIns="36830" tIns="36830" rIns="36830" bIns="36830" numCol="1" spcCol="1270" anchor="ctr" anchorCtr="0">
-          <a:noAutofit/>
-        </a:bodyPr>
-        <a:lstStyle/>
-        <a:p>
-          <a:pPr lvl="0" algn="ctr" defTabSz="1289050">
-            <a:lnSpc>
-              <a:spcPct val="90000"/>
-            </a:lnSpc>
-            <a:spcBef>
-              <a:spcPct val="0"/>
-            </a:spcBef>
-            <a:spcAft>
-              <a:spcPct val="35000"/>
-            </a:spcAft>
-          </a:pPr>
-          <a:r>
-            <a:rPr lang="en-US" sz="2900" kern="1200" dirty="0" smtClean="0"/>
-            <a:t>TSK4</a:t>
-          </a:r>
-          <a:endParaRPr lang="en-US" sz="2900" kern="1200" dirty="0"/>
-        </a:p>
-      </dsp:txBody>
-      <dsp:txXfrm>
-        <a:off x="122981" y="1016210"/>
-        <a:ext cx="1150069" cy="1150069"/>
-      </dsp:txXfrm>
-    </dsp:sp>
-    <dsp:sp modelId="{58C57B0B-F787-4E7B-A44C-92F01115E8E7}">
-      <dsp:nvSpPr>
-        <dsp:cNvPr id="0" name=""/>
-        <dsp:cNvSpPr/>
-      </dsp:nvSpPr>
-      <dsp:spPr>
-        <a:xfrm rot="19440000">
-          <a:off x="1236763" y="894595"/>
-          <a:ext cx="305977" cy="388148"/>
-        </a:xfrm>
-        <a:prstGeom prst="rightArrow">
-          <a:avLst>
-            <a:gd name="adj1" fmla="val 60000"/>
-            <a:gd name="adj2" fmla="val 50000"/>
-          </a:avLst>
-        </a:prstGeom>
-        <a:solidFill>
-          <a:schemeClr val="accent1">
-            <a:tint val="60000"/>
-            <a:hueOff val="0"/>
-            <a:satOff val="0"/>
-            <a:lumOff val="0"/>
-            <a:alphaOff val="0"/>
-          </a:schemeClr>
-        </a:solidFill>
-        <a:ln>
-          <a:noFill/>
-        </a:ln>
-        <a:effectLst/>
-      </dsp:spPr>
-      <dsp:style>
-        <a:lnRef idx="0">
-          <a:scrgbClr r="0" g="0" b="0"/>
-        </a:lnRef>
-        <a:fillRef idx="1">
-          <a:scrgbClr r="0" g="0" b="0"/>
-        </a:fillRef>
-        <a:effectRef idx="0">
-          <a:scrgbClr r="0" g="0" b="0"/>
-        </a:effectRef>
-        <a:fontRef idx="minor">
-          <a:schemeClr val="lt1"/>
-        </a:fontRef>
-      </dsp:style>
-      <dsp:txBody>
-        <a:bodyPr spcFirstLastPara="0" vert="horz" wrap="square" lIns="0" tIns="0" rIns="0" bIns="0" numCol="1" spcCol="1270" anchor="ctr" anchorCtr="0">
-          <a:noAutofit/>
-        </a:bodyPr>
-        <a:lstStyle/>
-        <a:p>
-          <a:pPr lvl="0" algn="ctr" defTabSz="711200">
-            <a:lnSpc>
-              <a:spcPct val="90000"/>
-            </a:lnSpc>
-            <a:spcBef>
-              <a:spcPct val="0"/>
-            </a:spcBef>
-            <a:spcAft>
-              <a:spcPct val="35000"/>
-            </a:spcAft>
-          </a:pPr>
-          <a:endParaRPr lang="en-US" sz="1600" kern="1200"/>
-        </a:p>
-      </dsp:txBody>
-      <dsp:txXfrm rot="19440000">
-        <a:off x="1236763" y="894595"/>
-        <a:ext cx="305977" cy="388148"/>
-      </dsp:txXfrm>
-    </dsp:sp>
-  </dsp:spTree>
-</dsp:drawing>
-</file>
-
-<file path=ppt/diagrams/layout1.xml><?xml version="1.0" encoding="utf-8"?>
-<dgm:layoutDef xmlns:dgm="http://schemas.openxmlformats.org/drawingml/2006/diagram" xmlns:a="http://schemas.openxmlformats.org/drawingml/2006/main" uniqueId="urn:microsoft.com/office/officeart/2005/8/layout/cycle2">
-  <dgm:title val=""/>
-  <dgm:desc val=""/>
-  <dgm:catLst>
-    <dgm:cat type="cycle" pri="1000"/>
-    <dgm:cat type="convert" pri="10000"/>
-  </dgm:catLst>
-  <dgm:sampData>
-    <dgm:dataModel>
-      <dgm:ptLst>
-        <dgm:pt modelId="0" type="doc"/>
-        <dgm:pt modelId="1">
-          <dgm:prSet phldr="1"/>
-        </dgm:pt>
-        <dgm:pt modelId="2">
-          <dgm:prSet phldr="1"/>
-        </dgm:pt>
-        <dgm:pt modelId="3">
-          <dgm:prSet phldr="1"/>
-        </dgm:pt>
-        <dgm:pt modelId="4">
-          <dgm:prSet phldr="1"/>
-        </dgm:pt>
-        <dgm:pt modelId="5">
-          <dgm:prSet phldr="1"/>
-        </dgm:pt>
-      </dgm:ptLst>
-      <dgm:cxnLst>
-        <dgm:cxn modelId="6" srcId="0" destId="1" srcOrd="0" destOrd="0"/>
-        <dgm:cxn modelId="7" srcId="0" destId="2" srcOrd="1" destOrd="0"/>
-        <dgm:cxn modelId="8" srcId="0" destId="3" srcOrd="2" destOrd="0"/>
-        <dgm:cxn modelId="9" srcId="0" destId="4" srcOrd="3" destOrd="0"/>
-        <dgm:cxn modelId="10" srcId="0" destId="5" srcOrd="4" destOrd="0"/>
-      </dgm:cxnLst>
-      <dgm:bg/>
-      <dgm:whole/>
-    </dgm:dataModel>
-  </dgm:sampData>
-  <dgm:styleData>
-    <dgm:dataModel>
-      <dgm:ptLst>
-        <dgm:pt modelId="0" type="doc"/>
-        <dgm:pt modelId="1"/>
-        <dgm:pt modelId="2"/>
-        <dgm:pt modelId="3"/>
-      </dgm:ptLst>
-      <dgm:cxnLst>
-        <dgm:cxn modelId="4" srcId="0" destId="1" srcOrd="0" destOrd="0"/>
-        <dgm:cxn modelId="5" srcId="0" destId="2" srcOrd="1" destOrd="0"/>
-        <dgm:cxn modelId="6" srcId="0" destId="3" srcOrd="2" destOrd="0"/>
-      </dgm:cxnLst>
-      <dgm:bg/>
-      <dgm:whole/>
-    </dgm:dataModel>
-  </dgm:styleData>
-  <dgm:clrData>
-    <dgm:dataModel>
-      <dgm:ptLst>
-        <dgm:pt modelId="0" type="doc"/>
-        <dgm:pt modelId="1"/>
-        <dgm:pt modelId="2"/>
-        <dgm:pt modelId="3"/>
-        <dgm:pt modelId="4"/>
-        <dgm:pt modelId="5"/>
-        <dgm:pt modelId="6"/>
-      </dgm:ptLst>
-      <dgm:cxnLst>
-        <dgm:cxn modelId="7" srcId="0" destId="1" srcOrd="0" destOrd="0"/>
-        <dgm:cxn modelId="8" srcId="0" destId="2" srcOrd="1" destOrd="0"/>
-        <dgm:cxn modelId="9" srcId="0" destId="3" srcOrd="2" destOrd="0"/>
-        <dgm:cxn modelId="10" srcId="0" destId="4" srcOrd="3" destOrd="0"/>
-        <dgm:cxn modelId="11" srcId="0" destId="5" srcOrd="4" destOrd="0"/>
-        <dgm:cxn modelId="12" srcId="0" destId="6" srcOrd="5" destOrd="0"/>
-      </dgm:cxnLst>
-      <dgm:bg/>
-      <dgm:whole/>
-    </dgm:dataModel>
-  </dgm:clrData>
-  <dgm:layoutNode name="cycle">
-    <dgm:varLst>
-      <dgm:dir/>
-      <dgm:resizeHandles val="exact"/>
-    </dgm:varLst>
-    <dgm:choose name="Name0">
-      <dgm:if name="Name1" func="var" arg="dir" op="equ" val="norm">
-        <dgm:choose name="Name2">
-          <dgm:if name="Name3" axis="ch" ptType="node" func="cnt" op="gt" val="2">
-            <dgm:alg type="cycle">
-              <dgm:param type="stAng" val="0"/>
-              <dgm:param type="spanAng" val="360"/>
-            </dgm:alg>
-          </dgm:if>
-          <dgm:else name="Name4">
-            <dgm:alg type="cycle">
-              <dgm:param type="stAng" val="-90"/>
-              <dgm:param type="spanAng" val="360"/>
-            </dgm:alg>
-          </dgm:else>
-        </dgm:choose>
-      </dgm:if>
-      <dgm:else name="Name5">
-        <dgm:choose name="Name6">
-          <dgm:if name="Name7" axis="ch" ptType="node" func="cnt" op="gt" val="2">
-            <dgm:alg type="cycle">
-              <dgm:param type="stAng" val="0"/>
-              <dgm:param type="spanAng" val="-360"/>
-            </dgm:alg>
-          </dgm:if>
-          <dgm:else name="Name8">
-            <dgm:alg type="cycle">
-              <dgm:param type="stAng" val="90"/>
-              <dgm:param type="spanAng" val="-360"/>
-            </dgm:alg>
-          </dgm:else>
-        </dgm:choose>
-      </dgm:else>
-    </dgm:choose>
-    <dgm:shape xmlns:r="http://schemas.openxmlformats.org/officeDocument/2006/relationships" r:blip="">
-      <dgm:adjLst/>
-    </dgm:shape>
-    <dgm:presOf/>
-    <dgm:constrLst>
-      <dgm:constr type="w" for="ch" ptType="node" refType="w"/>
-      <dgm:constr type="w" for="ch" ptType="sibTrans" refType="w" refFor="ch" refPtType="node" op="equ" fact="0.25"/>
-      <dgm:constr type="sibSp" refType="w" refFor="ch" refPtType="node" fact="0.5"/>
-      <dgm:constr type="primFontSz" for="ch" ptType="node" op="equ" val="65"/>
-      <dgm:constr type="primFontSz" for="des" forName="connectorText" op="equ" val="55"/>
-      <dgm:constr type="primFontSz" for="des" forName="connectorText" refType="primFontSz" refFor="ch" refPtType="node" op="lte" fact="0.8"/>
-    </dgm:constrLst>
-    <dgm:ruleLst/>
-    <dgm:forEach name="nodesForEach" axis="ch" ptType="node">
-      <dgm:layoutNode name="node">
-        <dgm:varLst>
-          <dgm:bulletEnabled val="1"/>
-        </dgm:varLst>
-        <dgm:alg type="tx">
-          <dgm:param type="txAnchorVertCh" val="mid"/>
-        </dgm:alg>
-        <dgm:shape xmlns:r="http://schemas.openxmlformats.org/officeDocument/2006/relationships" type="ellipse" r:blip="">
-          <dgm:adjLst/>
-        </dgm:shape>
-        <dgm:presOf axis="desOrSelf" ptType="node"/>
-        <dgm:constrLst>
-          <dgm:constr type="h" refType="w"/>
-          <dgm:constr type="lMarg" refType="primFontSz" fact="0.1"/>
-          <dgm:constr type="rMarg" refType="primFontSz" fact="0.1"/>
-          <dgm:constr type="tMarg" refType="primFontSz" fact="0.1"/>
-          <dgm:constr type="bMarg" refType="primFontSz" fact="0.1"/>
-        </dgm:constrLst>
-        <dgm:ruleLst>
-          <dgm:rule type="primFontSz" val="5" fact="NaN" max="NaN"/>
-        </dgm:ruleLst>
-      </dgm:layoutNode>
-      <dgm:choose name="Name9">
-        <dgm:if name="Name10" axis="par ch" ptType="doc node" func="cnt" op="gt" val="1">
-          <dgm:forEach name="sibTransForEach" axis="followSib" ptType="sibTrans" hideLastTrans="0" cnt="1">
-            <dgm:layoutNode name="sibTrans">
-              <dgm:choose name="Name11">
-                <dgm:if name="Name12" axis="par ch" ptType="doc node" func="cnt" op="lt" val="3">
-                  <dgm:alg type="conn">
-                    <dgm:param type="begPts" val="radial"/>
-                    <dgm:param type="endPts" val="radial"/>
-                  </dgm:alg>
-                </dgm:if>
-                <dgm:else name="Name13">
-                  <dgm:alg type="conn">
-                    <dgm:param type="begPts" val="auto"/>
-                    <dgm:param type="endPts" val="auto"/>
-                  </dgm:alg>
-                </dgm:else>
-              </dgm:choose>
-              <dgm:shape xmlns:r="http://schemas.openxmlformats.org/officeDocument/2006/relationships" type="conn" r:blip="">
-                <dgm:adjLst/>
-              </dgm:shape>
-              <dgm:presOf axis="self"/>
-              <dgm:constrLst>
-                <dgm:constr type="h" refType="w" fact="1.35"/>
-                <dgm:constr type="connDist"/>
-                <dgm:constr type="w" for="ch" refType="connDist" fact="0.45"/>
-                <dgm:constr type="h" for="ch" refType="h"/>
-              </dgm:constrLst>
-              <dgm:ruleLst/>
-              <dgm:layoutNode name="connectorText">
-                <dgm:alg type="tx">
-                  <dgm:param type="autoTxRot" val="grav"/>
-                </dgm:alg>
-                <dgm:shape xmlns:r="http://schemas.openxmlformats.org/officeDocument/2006/relationships" type="conn" r:blip="" hideGeom="1">
-                  <dgm:adjLst/>
-                </dgm:shape>
-                <dgm:presOf axis="self"/>
-                <dgm:constrLst>
-                  <dgm:constr type="lMarg"/>
-                  <dgm:constr type="rMarg"/>
-                  <dgm:constr type="tMarg"/>
-                  <dgm:constr type="bMarg"/>
-                </dgm:constrLst>
-                <dgm:ruleLst>
-                  <dgm:rule type="primFontSz" val="5" fact="NaN" max="NaN"/>
-                </dgm:ruleLst>
-              </dgm:layoutNode>
-            </dgm:layoutNode>
-          </dgm:forEach>
-        </dgm:if>
-        <dgm:else name="Name14"/>
-      </dgm:choose>
-    </dgm:forEach>
-  </dgm:layoutNode>
-</dgm:layoutDef>
-</file>
-
-<file path=ppt/diagrams/quickStyle1.xml><?xml version="1.0" encoding="utf-8"?>
-<dgm:styleDef xmlns:dgm="http://schemas.openxmlformats.org/drawingml/2006/diagram" xmlns:a="http://schemas.openxmlformats.org/drawingml/2006/main" uniqueId="urn:microsoft.com/office/officeart/2005/8/quickstyle/simple1">
-  <dgm:title val=""/>
-  <dgm:desc val=""/>
-  <dgm:catLst>
-    <dgm:cat type="simple" pri="10100"/>
-  </dgm:catLst>
-  <dgm:scene3d>
-    <a:camera prst="orthographicFront"/>
-    <a:lightRig rig="threePt" dir="t"/>
-  </dgm:scene3d>
-  <dgm:styleLbl name="node0">
-    <dgm:scene3d>
-      <a:camera prst="orthographicFront"/>
-      <a:lightRig rig="threePt" dir="t"/>
-    </dgm:scene3d>
-    <dgm:sp3d/>
-    <dgm:txPr/>
-    <dgm:style>
-      <a:lnRef idx="2">
-        <a:scrgbClr r="0" g="0" b="0"/>
-      </a:lnRef>
-      <a:fillRef idx="1">
-        <a:scrgbClr r="0" g="0" b="0"/>
-      </a:fillRef>
-      <a:effectRef idx="0">
-        <a:scrgbClr r="0" g="0" b="0"/>
-      </a:effectRef>
-      <a:fontRef idx="minor">
-        <a:schemeClr val="lt1"/>
-      </a:fontRef>
-    </dgm:style>
-  </dgm:styleLbl>
-  <dgm:styleLbl name="lnNode1">
-    <dgm:scene3d>
-      <a:camera prst="orthographicFront"/>
-      <a:lightRig rig="threePt" dir="t"/>
-    </dgm:scene3d>
-    <dgm:sp3d/>
-    <dgm:txPr/>
-    <dgm:style>
-      <a:lnRef idx="2">
-        <a:scrgbClr r="0" g="0" b="0"/>
-      </a:lnRef>
-      <a:fillRef idx="1">
-        <a:scrgbClr r="0" g="0" b="0"/>
-      </a:fillRef>
-      <a:effectRef idx="0">
-        <a:scrgbClr r="0" g="0" b="0"/>
-      </a:effectRef>
-      <a:fontRef idx="minor">
-        <a:schemeClr val="lt1"/>
-      </a:fontRef>
-    </dgm:style>
-  </dgm:styleLbl>
-  <dgm:styleLbl name="vennNode1">
-    <dgm:scene3d>
-      <a:camera prst="orthographicFront"/>
-      <a:lightRig rig="threePt" dir="t"/>
-    </dgm:scene3d>
-    <dgm:sp3d/>
-    <dgm:txPr/>
-    <dgm:style>
-      <a:lnRef idx="2">
-        <a:scrgbClr r="0" g="0" b="0"/>
-      </a:lnRef>
-      <a:fillRef idx="1">
-        <a:scrgbClr r="0" g="0" b="0"/>
-      </a:fillRef>
-      <a:effectRef idx="0">
-        <a:scrgbClr r="0" g="0" b="0"/>
-      </a:effectRef>
-      <a:fontRef idx="minor">
-        <a:schemeClr val="tx1"/>
-      </a:fontRef>
-    </dgm:style>
-  </dgm:styleLbl>
-  <dgm:styleLbl name="alignNode1">
-    <dgm:scene3d>
-      <a:camera prst="orthographicFront"/>
-      <a:lightRig rig="threePt" dir="t"/>
-    </dgm:scene3d>
-    <dgm:sp3d/>
-    <dgm:txPr/>
-    <dgm:style>
-      <a:lnRef idx="2">
-        <a:scrgbClr r="0" g="0" b="0"/>
-      </a:lnRef>
-      <a:fillRef idx="1">
-        <a:scrgbClr r="0" g="0" b="0"/>
-      </a:fillRef>
-      <a:effectRef idx="0">
-        <a:scrgbClr r="0" g="0" b="0"/>
-      </a:effectRef>
-      <a:fontRef idx="minor">
-        <a:schemeClr val="lt1"/>
-      </a:fontRef>
-    </dgm:style>
-  </dgm:styleLbl>
-  <dgm:styleLbl name="node1">
-    <dgm:scene3d>
-      <a:camera prst="orthographicFront"/>
-      <a:lightRig rig="threePt" dir="t"/>
-    </dgm:scene3d>
-    <dgm:sp3d/>
-    <dgm:txPr/>
-    <dgm:style>
-      <a:lnRef idx="2">
-        <a:scrgbClr r="0" g="0" b="0"/>
-      </a:lnRef>
-      <a:fillRef idx="1">
-        <a:scrgbClr r="0" g="0" b="0"/>
-      </a:fillRef>
-      <a:effectRef idx="0">
-        <a:scrgbClr r="0" g="0" b="0"/>
-      </a:effectRef>
-      <a:fontRef idx="minor">
-        <a:schemeClr val="lt1"/>
-      </a:fontRef>
-    </dgm:style>
-  </dgm:styleLbl>
-  <dgm:styleLbl name="node2">
-    <dgm:scene3d>
-      <a:camera prst="orthographicFront"/>
-      <a:lightRig rig="threePt" dir="t"/>
-    </dgm:scene3d>
-    <dgm:sp3d/>
-    <dgm:txPr/>
-    <dgm:style>
-      <a:lnRef idx="2">
-        <a:scrgbClr r="0" g="0" b="0"/>
-      </a:lnRef>
-      <a:fillRef idx="1">
-        <a:scrgbClr r="0" g="0" b="0"/>
-      </a:fillRef>
-      <a:effectRef idx="0">
-        <a:scrgbClr r="0" g="0" b="0"/>
-      </a:effectRef>
-      <a:fontRef idx="minor">
-        <a:schemeClr val="lt1"/>
-      </a:fontRef>
-    </dgm:style>
-  </dgm:styleLbl>
-  <dgm:styleLbl name="node3">
-    <dgm:scene3d>
-      <a:camera prst="orthographicFront"/>
-      <a:lightRig rig="threePt" dir="t"/>
-    </dgm:scene3d>
-    <dgm:sp3d/>
-    <dgm:txPr/>
-    <dgm:style>
-      <a:lnRef idx="2">
-        <a:scrgbClr r="0" g="0" b="0"/>
-      </a:lnRef>
-      <a:fillRef idx="1">
-        <a:scrgbClr r="0" g="0" b="0"/>
-      </a:fillRef>
-      <a:effectRef idx="0">
-        <a:scrgbClr r="0" g="0" b="0"/>
-      </a:effectRef>
-      <a:fontRef idx="minor">
-        <a:schemeClr val="lt1"/>
-      </a:fontRef>
-    </dgm:style>
-  </dgm:styleLbl>
-  <dgm:styleLbl name="node4">
-    <dgm:scene3d>
-      <a:camera prst="orthographicFront"/>
-      <a:lightRig rig="threePt" dir="t"/>
-    </dgm:scene3d>
-    <dgm:sp3d/>
-    <dgm:txPr/>
-    <dgm:style>
-      <a:lnRef idx="2">
-        <a:scrgbClr r="0" g="0" b="0"/>
-      </a:lnRef>
-      <a:fillRef idx="1">
-        <a:scrgbClr r="0" g="0" b="0"/>
-      </a:fillRef>
-      <a:effectRef idx="0">
-        <a:scrgbClr r="0" g="0" b="0"/>
-      </a:effectRef>
-      <a:fontRef idx="minor">
-        <a:schemeClr val="lt1"/>
-      </a:fontRef>
-    </dgm:style>
-  </dgm:styleLbl>
-  <dgm:styleLbl name="fgImgPlace1">
-    <dgm:scene3d>
-      <a:camera prst="orthographicFront"/>
-      <a:lightRig rig="threePt" dir="t"/>
-    </dgm:scene3d>
-    <dgm:sp3d/>
-    <dgm:txPr/>
-    <dgm:style>
-      <a:lnRef idx="2">
-        <a:scrgbClr r="0" g="0" b="0"/>
-      </a:lnRef>
-      <a:fillRef idx="1">
-        <a:scrgbClr r="0" g="0" b="0"/>
-      </a:fillRef>
-      <a:effectRef idx="0">
-        <a:scrgbClr r="0" g="0" b="0"/>
-      </a:effectRef>
-      <a:fontRef idx="minor"/>
-    </dgm:style>
-  </dgm:styleLbl>
-  <dgm:styleLbl name="alignImgPlace1">
-    <dgm:scene3d>
-      <a:camera prst="orthographicFront"/>
-      <a:lightRig rig="threePt" dir="t"/>
-    </dgm:scene3d>
-    <dgm:sp3d/>
-    <dgm:txPr/>
-    <dgm:style>
-      <a:lnRef idx="2">
-        <a:scrgbClr r="0" g="0" b="0"/>
-      </a:lnRef>
-      <a:fillRef idx="1">
-        <a:scrgbClr r="0" g="0" b="0"/>
-      </a:fillRef>
-      <a:effectRef idx="0">
-        <a:scrgbClr r="0" g="0" b="0"/>
-      </a:effectRef>
-      <a:fontRef idx="minor"/>
-    </dgm:style>
-  </dgm:styleLbl>
-  <dgm:styleLbl name="bgImgPlace1">
-    <dgm:scene3d>
-      <a:camera prst="orthographicFront"/>
-      <a:lightRig rig="threePt" dir="t"/>
-    </dgm:scene3d>
-    <dgm:sp3d/>
-    <dgm:txPr/>
-    <dgm:style>
-      <a:lnRef idx="2">
-        <a:scrgbClr r="0" g="0" b="0"/>
-      </a:lnRef>
-      <a:fillRef idx="1">
-        <a:scrgbClr r="0" g="0" b="0"/>
-      </a:fillRef>
-      <a:effectRef idx="0">
-        <a:scrgbClr r="0" g="0" b="0"/>
-      </a:effectRef>
-      <a:fontRef idx="minor"/>
-    </dgm:style>
-  </dgm:styleLbl>
-  <dgm:styleLbl name="sibTrans2D1">
-    <dgm:scene3d>
-      <a:camera prst="orthographicFront"/>
-      <a:lightRig rig="threePt" dir="t"/>
-    </dgm:scene3d>
-    <dgm:sp3d/>
-    <dgm:txPr/>
-    <dgm:style>
-      <a:lnRef idx="0">
-        <a:scrgbClr r="0" g="0" b="0"/>
-      </a:lnRef>
-      <a:fillRef idx="1">
-        <a:scrgbClr r="0" g="0" b="0"/>
-      </a:fillRef>
-      <a:effectRef idx="0">
-        <a:scrgbClr r="0" g="0" b="0"/>
-      </a:effectRef>
-      <a:fontRef idx="minor">
-        <a:schemeClr val="lt1"/>
-      </a:fontRef>
-    </dgm:style>
-  </dgm:styleLbl>
-  <dgm:styleLbl name="fgSibTrans2D1">
-    <dgm:scene3d>
-      <a:camera prst="orthographicFront"/>
-      <a:lightRig rig="threePt" dir="t"/>
-    </dgm:scene3d>
-    <dgm:sp3d/>
-    <dgm:txPr/>
-    <dgm:style>
-      <a:lnRef idx="0">
-        <a:scrgbClr r="0" g="0" b="0"/>
-      </a:lnRef>
-      <a:fillRef idx="1">
-        <a:scrgbClr r="0" g="0" b="0"/>
-      </a:fillRef>
-      <a:effectRef idx="0">
-        <a:scrgbClr r="0" g="0" b="0"/>
-      </a:effectRef>
-      <a:fontRef idx="minor">
-        <a:schemeClr val="lt1"/>
-      </a:fontRef>
-    </dgm:style>
-  </dgm:styleLbl>
-  <dgm:styleLbl name="bgSibTrans2D1">
-    <dgm:scene3d>
-      <a:camera prst="orthographicFront"/>
-      <a:lightRig rig="threePt" dir="t"/>
-    </dgm:scene3d>
-    <dgm:sp3d/>
-    <dgm:txPr/>
-    <dgm:style>
-      <a:lnRef idx="0">
-        <a:scrgbClr r="0" g="0" b="0"/>
-      </a:lnRef>
-      <a:fillRef idx="1">
-        <a:scrgbClr r="0" g="0" b="0"/>
-      </a:fillRef>
-      <a:effectRef idx="0">
-        <a:scrgbClr r="0" g="0" b="0"/>
-      </a:effectRef>
-      <a:fontRef idx="minor">
-        <a:schemeClr val="lt1"/>
-      </a:fontRef>
-    </dgm:style>
-  </dgm:styleLbl>
-  <dgm:styleLbl name="sibTrans1D1">
-    <dgm:scene3d>
-      <a:camera prst="orthographicFront"/>
-      <a:lightRig rig="threePt" dir="t"/>
-    </dgm:scene3d>
-    <dgm:sp3d/>
-    <dgm:txPr/>
-    <dgm:style>
-      <a:lnRef idx="1">
-        <a:scrgbClr r="0" g="0" b="0"/>
-      </a:lnRef>
-      <a:fillRef idx="0">
-        <a:scrgbClr r="0" g="0" b="0"/>
-      </a:fillRef>
-      <a:effectRef idx="0">
-        <a:scrgbClr r="0" g="0" b="0"/>
-      </a:effectRef>
-      <a:fontRef idx="minor"/>
-    </dgm:style>
-  </dgm:styleLbl>
-  <dgm:styleLbl name="callout">
-    <dgm:scene3d>
-      <a:camera prst="orthographicFront"/>
-      <a:lightRig rig="threePt" dir="t"/>
-    </dgm:scene3d>
-    <dgm:sp3d/>
-    <dgm:txPr/>
-    <dgm:style>
-      <a:lnRef idx="2">
-        <a:scrgbClr r="0" g="0" b="0"/>
-      </a:lnRef>
-      <a:fillRef idx="1">
-        <a:scrgbClr r="0" g="0" b="0"/>
-      </a:fillRef>
-      <a:effectRef idx="0">
-        <a:scrgbClr r="0" g="0" b="0"/>
-      </a:effectRef>
-      <a:fontRef idx="minor"/>
-    </dgm:style>
-  </dgm:styleLbl>
-  <dgm:styleLbl name="asst0">
-    <dgm:scene3d>
-      <a:camera prst="orthographicFront"/>
-      <a:lightRig rig="threePt" dir="t"/>
-    </dgm:scene3d>
-    <dgm:sp3d/>
-    <dgm:txPr/>
-    <dgm:style>
-      <a:lnRef idx="2">
-        <a:scrgbClr r="0" g="0" b="0"/>
-      </a:lnRef>
-      <a:fillRef idx="1">
-        <a:scrgbClr r="0" g="0" b="0"/>
-      </a:fillRef>
-      <a:effectRef idx="0">
-        <a:scrgbClr r="0" g="0" b="0"/>
-      </a:effectRef>
-      <a:fontRef idx="minor">
-        <a:schemeClr val="lt1"/>
-      </a:fontRef>
-    </dgm:style>
-  </dgm:styleLbl>
-  <dgm:styleLbl name="asst1">
-    <dgm:scene3d>
-      <a:camera prst="orthographicFront"/>
-      <a:lightRig rig="threePt" dir="t"/>
-    </dgm:scene3d>
-    <dgm:sp3d/>
-    <dgm:txPr/>
-    <dgm:style>
-      <a:lnRef idx="2">
-        <a:scrgbClr r="0" g="0" b="0"/>
-      </a:lnRef>
-      <a:fillRef idx="1">
-        <a:scrgbClr r="0" g="0" b="0"/>
-      </a:fillRef>
-      <a:effectRef idx="0">
-        <a:scrgbClr r="0" g="0" b="0"/>
-      </a:effectRef>
-      <a:fontRef idx="minor">
-        <a:schemeClr val="lt1"/>
-      </a:fontRef>
-    </dgm:style>
-  </dgm:styleLbl>
-  <dgm:styleLbl name="asst2">
-    <dgm:scene3d>
-      <a:camera prst="orthographicFront"/>
-      <a:lightRig rig="threePt" dir="t"/>
-    </dgm:scene3d>
-    <dgm:sp3d/>
-    <dgm:txPr/>
-    <dgm:style>
-      <a:lnRef idx="2">
-        <a:scrgbClr r="0" g="0" b="0"/>
-      </a:lnRef>
-      <a:fillRef idx="1">
-        <a:scrgbClr r="0" g="0" b="0"/>
-      </a:fillRef>
-      <a:effectRef idx="0">
-        <a:scrgbClr r="0" g="0" b="0"/>
-      </a:effectRef>
-      <a:fontRef idx="minor">
-        <a:schemeClr val="lt1"/>
-      </a:fontRef>
-    </dgm:style>
-  </dgm:styleLbl>
-  <dgm:styleLbl name="asst3">
-    <dgm:scene3d>
-      <a:camera prst="orthographicFront"/>
-      <a:lightRig rig="threePt" dir="t"/>
-    </dgm:scene3d>
-    <dgm:sp3d/>
-    <dgm:txPr/>
-    <dgm:style>
-      <a:lnRef idx="2">
-        <a:scrgbClr r="0" g="0" b="0"/>
-      </a:lnRef>
-      <a:fillRef idx="1">
-        <a:scrgbClr r="0" g="0" b="0"/>
-      </a:fillRef>
-      <a:effectRef idx="0">
-        <a:scrgbClr r="0" g="0" b="0"/>
-      </a:effectRef>
-      <a:fontRef idx="minor">
-        <a:schemeClr val="lt1"/>
-      </a:fontRef>
-    </dgm:style>
-  </dgm:styleLbl>
-  <dgm:styleLbl name="asst4">
-    <dgm:scene3d>
-      <a:camera prst="orthographicFront"/>
-      <a:lightRig rig="threePt" dir="t"/>
-    </dgm:scene3d>
-    <dgm:sp3d/>
-    <dgm:txPr/>
-    <dgm:style>
-      <a:lnRef idx="2">
-        <a:scrgbClr r="0" g="0" b="0"/>
-      </a:lnRef>
-      <a:fillRef idx="1">
-        <a:scrgbClr r="0" g="0" b="0"/>
-      </a:fillRef>
-      <a:effectRef idx="0">
-        <a:scrgbClr r="0" g="0" b="0"/>
-      </a:effectRef>
-      <a:fontRef idx="minor">
-        <a:schemeClr val="lt1"/>
-      </a:fontRef>
-    </dgm:style>
-  </dgm:styleLbl>
-  <dgm:styleLbl name="parChTrans2D1">
-    <dgm:scene3d>
-      <a:camera prst="orthographicFront"/>
-      <a:lightRig rig="threePt" dir="t"/>
-    </dgm:scene3d>
-    <dgm:sp3d/>
-    <dgm:txPr/>
-    <dgm:style>
-      <a:lnRef idx="2">
-        <a:scrgbClr r="0" g="0" b="0"/>
-      </a:lnRef>
-      <a:fillRef idx="1">
-        <a:scrgbClr r="0" g="0" b="0"/>
-      </a:fillRef>
-      <a:effectRef idx="0">
-        <a:scrgbClr r="0" g="0" b="0"/>
-      </a:effectRef>
-      <a:fontRef idx="minor">
-        <a:schemeClr val="lt1"/>
-      </a:fontRef>
-    </dgm:style>
-  </dgm:styleLbl>
-  <dgm:styleLbl name="parChTrans2D2">
-    <dgm:scene3d>
-      <a:camera prst="orthographicFront"/>
-      <a:lightRig rig="threePt" dir="t"/>
-    </dgm:scene3d>
-    <dgm:sp3d/>
-    <dgm:txPr/>
-    <dgm:style>
-      <a:lnRef idx="2">
-        <a:scrgbClr r="0" g="0" b="0"/>
-      </a:lnRef>
-      <a:fillRef idx="1">
-        <a:scrgbClr r="0" g="0" b="0"/>
-      </a:fillRef>
-      <a:effectRef idx="0">
-        <a:scrgbClr r="0" g="0" b="0"/>
-      </a:effectRef>
-      <a:fontRef idx="minor">
-        <a:schemeClr val="lt1"/>
-      </a:fontRef>
-    </dgm:style>
-  </dgm:styleLbl>
-  <dgm:styleLbl name="parChTrans2D3">
-    <dgm:scene3d>
-      <a:camera prst="orthographicFront"/>
-      <a:lightRig rig="threePt" dir="t"/>
-    </dgm:scene3d>
-    <dgm:sp3d/>
-    <dgm:txPr/>
-    <dgm:style>
-      <a:lnRef idx="2">
-        <a:scrgbClr r="0" g="0" b="0"/>
-      </a:lnRef>
-      <a:fillRef idx="1">
-        <a:scrgbClr r="0" g="0" b="0"/>
-      </a:fillRef>
-      <a:effectRef idx="0">
-        <a:scrgbClr r="0" g="0" b="0"/>
-      </a:effectRef>
-      <a:fontRef idx="minor">
-        <a:schemeClr val="lt1"/>
-      </a:fontRef>
-    </dgm:style>
-  </dgm:styleLbl>
-  <dgm:styleLbl name="parChTrans2D4">
-    <dgm:scene3d>
-      <a:camera prst="orthographicFront"/>
-      <a:lightRig rig="threePt" dir="t"/>
-    </dgm:scene3d>
-    <dgm:sp3d/>
-    <dgm:txPr/>
-    <dgm:style>
-      <a:lnRef idx="2">
-        <a:scrgbClr r="0" g="0" b="0"/>
-      </a:lnRef>
-      <a:fillRef idx="1">
-        <a:scrgbClr r="0" g="0" b="0"/>
-      </a:fillRef>
-      <a:effectRef idx="0">
-        <a:scrgbClr r="0" g="0" b="0"/>
-      </a:effectRef>
-      <a:fontRef idx="minor">
-        <a:schemeClr val="lt1"/>
-      </a:fontRef>
-    </dgm:style>
-  </dgm:styleLbl>
-  <dgm:styleLbl name="parChTrans1D1">
-    <dgm:scene3d>
-      <a:camera prst="orthographicFront"/>
-      <a:lightRig rig="threePt" dir="t"/>
-    </dgm:scene3d>
-    <dgm:sp3d/>
-    <dgm:txPr/>
-    <dgm:style>
-      <a:lnRef idx="2">
-        <a:scrgbClr r="0" g="0" b="0"/>
-      </a:lnRef>
-      <a:fillRef idx="0">
-        <a:scrgbClr r="0" g="0" b="0"/>
-      </a:fillRef>
-      <a:effectRef idx="0">
-        <a:scrgbClr r="0" g="0" b="0"/>
-      </a:effectRef>
-      <a:fontRef idx="minor"/>
-    </dgm:style>
-  </dgm:styleLbl>
-  <dgm:styleLbl name="parChTrans1D2">
-    <dgm:scene3d>
-      <a:camera prst="orthographicFront"/>
-      <a:lightRig rig="threePt" dir="t"/>
-    </dgm:scene3d>
-    <dgm:sp3d/>
-    <dgm:txPr/>
-    <dgm:style>
-      <a:lnRef idx="2">
-        <a:scrgbClr r="0" g="0" b="0"/>
-      </a:lnRef>
-      <a:fillRef idx="0">
-        <a:scrgbClr r="0" g="0" b="0"/>
-      </a:fillRef>
-      <a:effectRef idx="0">
-        <a:scrgbClr r="0" g="0" b="0"/>
-      </a:effectRef>
-      <a:fontRef idx="minor"/>
-    </dgm:style>
-  </dgm:styleLbl>
-  <dgm:styleLbl name="parChTrans1D3">
-    <dgm:scene3d>
-      <a:camera prst="orthographicFront"/>
-      <a:lightRig rig="threePt" dir="t"/>
-    </dgm:scene3d>
-    <dgm:sp3d/>
-    <dgm:txPr/>
-    <dgm:style>
-      <a:lnRef idx="2">
-        <a:scrgbClr r="0" g="0" b="0"/>
-      </a:lnRef>
-      <a:fillRef idx="0">
-        <a:scrgbClr r="0" g="0" b="0"/>
-      </a:fillRef>
-      <a:effectRef idx="0">
-        <a:scrgbClr r="0" g="0" b="0"/>
-      </a:effectRef>
-      <a:fontRef idx="minor"/>
-    </dgm:style>
-  </dgm:styleLbl>
-  <dgm:styleLbl name="parChTrans1D4">
-    <dgm:scene3d>
-      <a:camera prst="orthographicFront"/>
-      <a:lightRig rig="threePt" dir="t"/>
-    </dgm:scene3d>
-    <dgm:sp3d/>
-    <dgm:txPr/>
-    <dgm:style>
-      <a:lnRef idx="2">
-        <a:scrgbClr r="0" g="0" b="0"/>
-      </a:lnRef>
-      <a:fillRef idx="0">
-        <a:scrgbClr r="0" g="0" b="0"/>
-      </a:fillRef>
-      <a:effectRef idx="0">
-        <a:scrgbClr r="0" g="0" b="0"/>
-      </a:effectRef>
-      <a:fontRef idx="minor"/>
-    </dgm:style>
-  </dgm:styleLbl>
-  <dgm:styleLbl name="fgAcc1">
-    <dgm:scene3d>
-      <a:camera prst="orthographicFront"/>
-      <a:lightRig rig="threePt" dir="t"/>
-    </dgm:scene3d>
-    <dgm:sp3d/>
-    <dgm:txPr/>
-    <dgm:style>
-      <a:lnRef idx="2">
-        <a:scrgbClr r="0" g="0" b="0"/>
-      </a:lnRef>
-      <a:fillRef idx="1">
-        <a:scrgbClr r="0" g="0" b="0"/>
-      </a:fillRef>
-      <a:effectRef idx="0">
-        <a:scrgbClr r="0" g="0" b="0"/>
-      </a:effectRef>
-      <a:fontRef idx="minor"/>
-    </dgm:style>
-  </dgm:styleLbl>
-  <dgm:styleLbl name="conFgAcc1">
-    <dgm:scene3d>
-      <a:camera prst="orthographicFront"/>
-      <a:lightRig rig="threePt" dir="t"/>
-    </dgm:scene3d>
-    <dgm:sp3d/>
-    <dgm:txPr/>
-    <dgm:style>
-      <a:lnRef idx="2">
-        <a:scrgbClr r="0" g="0" b="0"/>
-      </a:lnRef>
-      <a:fillRef idx="1">
-        <a:scrgbClr r="0" g="0" b="0"/>
-      </a:fillRef>
-      <a:effectRef idx="0">
-        <a:scrgbClr r="0" g="0" b="0"/>
-      </a:effectRef>
-      <a:fontRef idx="minor"/>
-    </dgm:style>
-  </dgm:styleLbl>
-  <dgm:styleLbl name="alignAcc1">
-    <dgm:scene3d>
-      <a:camera prst="orthographicFront"/>
-      <a:lightRig rig="threePt" dir="t"/>
-    </dgm:scene3d>
-    <dgm:sp3d/>
-    <dgm:txPr/>
-    <dgm:style>
-      <a:lnRef idx="2">
-        <a:scrgbClr r="0" g="0" b="0"/>
-      </a:lnRef>
-      <a:fillRef idx="1">
-        <a:scrgbClr r="0" g="0" b="0"/>
-      </a:fillRef>
-      <a:effectRef idx="0">
-        <a:scrgbClr r="0" g="0" b="0"/>
-      </a:effectRef>
-      <a:fontRef idx="minor"/>
-    </dgm:style>
-  </dgm:styleLbl>
-  <dgm:styleLbl name="trAlignAcc1">
-    <dgm:scene3d>
-      <a:camera prst="orthographicFront"/>
-      <a:lightRig rig="threePt" dir="t"/>
-    </dgm:scene3d>
-    <dgm:sp3d/>
-    <dgm:txPr/>
-    <dgm:style>
-      <a:lnRef idx="1">
-        <a:scrgbClr r="0" g="0" b="0"/>
-      </a:lnRef>
-      <a:fillRef idx="1">
-        <a:scrgbClr r="0" g="0" b="0"/>
-      </a:fillRef>
-      <a:effectRef idx="0">
-        <a:scrgbClr r="0" g="0" b="0"/>
-      </a:effectRef>
-      <a:fontRef idx="minor"/>
-    </dgm:style>
-  </dgm:styleLbl>
-  <dgm:styleLbl name="bgAcc1">
-    <dgm:scene3d>
-      <a:camera prst="orthographicFront"/>
-      <a:lightRig rig="threePt" dir="t"/>
-    </dgm:scene3d>
-    <dgm:sp3d/>
-    <dgm:txPr/>
-    <dgm:style>
-      <a:lnRef idx="2">
-        <a:scrgbClr r="0" g="0" b="0"/>
-      </a:lnRef>
-      <a:fillRef idx="1">
-        <a:scrgbClr r="0" g="0" b="0"/>
-      </a:fillRef>
-      <a:effectRef idx="0">
-        <a:scrgbClr r="0" g="0" b="0"/>
-      </a:effectRef>
-      <a:fontRef idx="minor"/>
-    </dgm:style>
-  </dgm:styleLbl>
-  <dgm:styleLbl name="solidFgAcc1">
-    <dgm:scene3d>
-      <a:camera prst="orthographicFront"/>
-      <a:lightRig rig="threePt" dir="t"/>
-    </dgm:scene3d>
-    <dgm:sp3d/>
-    <dgm:txPr/>
-    <dgm:style>
-      <a:lnRef idx="2">
-        <a:scrgbClr r="0" g="0" b="0"/>
-      </a:lnRef>
-      <a:fillRef idx="1">
-        <a:scrgbClr r="0" g="0" b="0"/>
-      </a:fillRef>
-      <a:effectRef idx="0">
-        <a:scrgbClr r="0" g="0" b="0"/>
-      </a:effectRef>
-      <a:fontRef idx="minor"/>
-    </dgm:style>
-  </dgm:styleLbl>
-  <dgm:styleLbl name="solidAlignAcc1">
-    <dgm:scene3d>
-      <a:camera prst="orthographicFront"/>
-      <a:lightRig rig="threePt" dir="t"/>
-    </dgm:scene3d>
-    <dgm:sp3d/>
-    <dgm:txPr/>
-    <dgm:style>
-      <a:lnRef idx="2">
-        <a:scrgbClr r="0" g="0" b="0"/>
-      </a:lnRef>
-      <a:fillRef idx="1">
-        <a:scrgbClr r="0" g="0" b="0"/>
-      </a:fillRef>
-      <a:effectRef idx="0">
-        <a:scrgbClr r="0" g="0" b="0"/>
-      </a:effectRef>
-      <a:fontRef idx="minor"/>
-    </dgm:style>
-  </dgm:styleLbl>
-  <dgm:styleLbl name="solidBgAcc1">
-    <dgm:scene3d>
-      <a:camera prst="orthographicFront"/>
-      <a:lightRig rig="threePt" dir="t"/>
-    </dgm:scene3d>
-    <dgm:sp3d/>
-    <dgm:txPr/>
-    <dgm:style>
-      <a:lnRef idx="2">
-        <a:scrgbClr r="0" g="0" b="0"/>
-      </a:lnRef>
-      <a:fillRef idx="1">
-        <a:scrgbClr r="0" g="0" b="0"/>
-      </a:fillRef>
-      <a:effectRef idx="0">
-        <a:scrgbClr r="0" g="0" b="0"/>
-      </a:effectRef>
-      <a:fontRef idx="minor"/>
-    </dgm:style>
-  </dgm:styleLbl>
-  <dgm:styleLbl name="fgAccFollowNode1">
-    <dgm:scene3d>
-      <a:camera prst="orthographicFront"/>
-      <a:lightRig rig="threePt" dir="t"/>
-    </dgm:scene3d>
-    <dgm:sp3d/>
-    <dgm:txPr/>
-    <dgm:style>
-      <a:lnRef idx="2">
-        <a:scrgbClr r="0" g="0" b="0"/>
-      </a:lnRef>
-      <a:fillRef idx="1">
-        <a:scrgbClr r="0" g="0" b="0"/>
-      </a:fillRef>
-      <a:effectRef idx="0">
-        <a:scrgbClr r="0" g="0" b="0"/>
-      </a:effectRef>
-      <a:fontRef idx="minor"/>
-    </dgm:style>
-  </dgm:styleLbl>
-  <dgm:styleLbl name="alignAccFollowNode1">
-    <dgm:scene3d>
-      <a:camera prst="orthographicFront"/>
-      <a:lightRig rig="threePt" dir="t"/>
-    </dgm:scene3d>
-    <dgm:sp3d/>
-    <dgm:txPr/>
-    <dgm:style>
-      <a:lnRef idx="2">
-        <a:scrgbClr r="0" g="0" b="0"/>
-      </a:lnRef>
-      <a:fillRef idx="1">
-        <a:scrgbClr r="0" g="0" b="0"/>
-      </a:fillRef>
-      <a:effectRef idx="0">
-        <a:scrgbClr r="0" g="0" b="0"/>
-      </a:effectRef>
-      <a:fontRef idx="minor"/>
-    </dgm:style>
-  </dgm:styleLbl>
-  <dgm:styleLbl name="bgAccFollowNode1">
-    <dgm:scene3d>
-      <a:camera prst="orthographicFront"/>
-      <a:lightRig rig="threePt" dir="t"/>
-    </dgm:scene3d>
-    <dgm:sp3d/>
-    <dgm:txPr/>
-    <dgm:style>
-      <a:lnRef idx="2">
-        <a:scrgbClr r="0" g="0" b="0"/>
-      </a:lnRef>
-      <a:fillRef idx="1">
-        <a:scrgbClr r="0" g="0" b="0"/>
-      </a:fillRef>
-      <a:effectRef idx="0">
-        <a:scrgbClr r="0" g="0" b="0"/>
-      </a:effectRef>
-      <a:fontRef idx="minor"/>
-    </dgm:style>
-  </dgm:styleLbl>
-  <dgm:styleLbl name="fgAcc0">
-    <dgm:scene3d>
-      <a:camera prst="orthographicFront"/>
-      <a:lightRig rig="threePt" dir="t"/>
-    </dgm:scene3d>
-    <dgm:sp3d/>
-    <dgm:txPr/>
-    <dgm:style>
-      <a:lnRef idx="2">
-        <a:scrgbClr r="0" g="0" b="0"/>
-      </a:lnRef>
-      <a:fillRef idx="1">
-        <a:scrgbClr r="0" g="0" b="0"/>
-      </a:fillRef>
-      <a:effectRef idx="0">
-        <a:scrgbClr r="0" g="0" b="0"/>
-      </a:effectRef>
-      <a:fontRef idx="minor"/>
-    </dgm:style>
-  </dgm:styleLbl>
-  <dgm:styleLbl name="fgAcc2">
-    <dgm:scene3d>
-      <a:camera prst="orthographicFront"/>
-      <a:lightRig rig="threePt" dir="t"/>
-    </dgm:scene3d>
-    <dgm:sp3d/>
-    <dgm:txPr/>
-    <dgm:style>
-      <a:lnRef idx="2">
-        <a:scrgbClr r="0" g="0" b="0"/>
-      </a:lnRef>
-      <a:fillRef idx="1">
-        <a:scrgbClr r="0" g="0" b="0"/>
-      </a:fillRef>
-      <a:effectRef idx="0">
-        <a:scrgbClr r="0" g="0" b="0"/>
-      </a:effectRef>
-      <a:fontRef idx="minor"/>
-    </dgm:style>
-  </dgm:styleLbl>
-  <dgm:styleLbl name="fgAcc3">
-    <dgm:scene3d>
-      <a:camera prst="orthographicFront"/>
-      <a:lightRig rig="threePt" dir="t"/>
-    </dgm:scene3d>
-    <dgm:sp3d/>
-    <dgm:txPr/>
-    <dgm:style>
-      <a:lnRef idx="2">
-        <a:scrgbClr r="0" g="0" b="0"/>
-      </a:lnRef>
-      <a:fillRef idx="1">
-        <a:scrgbClr r="0" g="0" b="0"/>
-      </a:fillRef>
-      <a:effectRef idx="0">
-        <a:scrgbClr r="0" g="0" b="0"/>
-      </a:effectRef>
-      <a:fontRef idx="minor"/>
-    </dgm:style>
-  </dgm:styleLbl>
-  <dgm:styleLbl name="fgAcc4">
-    <dgm:scene3d>
-      <a:camera prst="orthographicFront"/>
-      <a:lightRig rig="threePt" dir="t"/>
-    </dgm:scene3d>
-    <dgm:sp3d/>
-    <dgm:txPr/>
-    <dgm:style>
-      <a:lnRef idx="2">
-        <a:scrgbClr r="0" g="0" b="0"/>
-      </a:lnRef>
-      <a:fillRef idx="1">
-        <a:scrgbClr r="0" g="0" b="0"/>
-      </a:fillRef>
-      <a:effectRef idx="0">
-        <a:scrgbClr r="0" g="0" b="0"/>
-      </a:effectRef>
-      <a:fontRef idx="minor"/>
-    </dgm:style>
-  </dgm:styleLbl>
-  <dgm:styleLbl name="bgShp">
-    <dgm:scene3d>
-      <a:camera prst="orthographicFront"/>
-      <a:lightRig rig="threePt" dir="t"/>
-    </dgm:scene3d>
-    <dgm:sp3d/>
-    <dgm:txPr/>
-    <dgm:style>
-      <a:lnRef idx="0">
-        <a:scrgbClr r="0" g="0" b="0"/>
-      </a:lnRef>
-      <a:fillRef idx="1">
-        <a:scrgbClr r="0" g="0" b="0"/>
-      </a:fillRef>
-      <a:effectRef idx="0">
-        <a:scrgbClr r="0" g="0" b="0"/>
-      </a:effectRef>
-      <a:fontRef idx="minor"/>
-    </dgm:style>
-  </dgm:styleLbl>
-  <dgm:styleLbl name="dkBgShp">
-    <dgm:scene3d>
-      <a:camera prst="orthographicFront"/>
-      <a:lightRig rig="threePt" dir="t"/>
-    </dgm:scene3d>
-    <dgm:sp3d/>
-    <dgm:txPr/>
-    <dgm:style>
-      <a:lnRef idx="0">
-        <a:scrgbClr r="0" g="0" b="0"/>
-      </a:lnRef>
-      <a:fillRef idx="1">
-        <a:scrgbClr r="0" g="0" b="0"/>
-      </a:fillRef>
-      <a:effectRef idx="0">
-        <a:scrgbClr r="0" g="0" b="0"/>
-      </a:effectRef>
-      <a:fontRef idx="minor"/>
-    </dgm:style>
-  </dgm:styleLbl>
-  <dgm:styleLbl name="trBgShp">
-    <dgm:scene3d>
-      <a:camera prst="orthographicFront"/>
-      <a:lightRig rig="threePt" dir="t"/>
-    </dgm:scene3d>
-    <dgm:sp3d/>
-    <dgm:txPr/>
-    <dgm:style>
-      <a:lnRef idx="0">
-        <a:scrgbClr r="0" g="0" b="0"/>
-      </a:lnRef>
-      <a:fillRef idx="1">
-        <a:scrgbClr r="0" g="0" b="0"/>
-      </a:fillRef>
-      <a:effectRef idx="0">
-        <a:scrgbClr r="0" g="0" b="0"/>
-      </a:effectRef>
-      <a:fontRef idx="minor"/>
-    </dgm:style>
-  </dgm:styleLbl>
-  <dgm:styleLbl name="fgShp">
-    <dgm:scene3d>
-      <a:camera prst="orthographicFront"/>
-      <a:lightRig rig="threePt" dir="t"/>
-    </dgm:scene3d>
-    <dgm:sp3d/>
-    <dgm:txPr/>
-    <dgm:style>
-      <a:lnRef idx="2">
-        <a:scrgbClr r="0" g="0" b="0"/>
-      </a:lnRef>
-      <a:fillRef idx="1">
-        <a:scrgbClr r="0" g="0" b="0"/>
-      </a:fillRef>
-      <a:effectRef idx="0">
-        <a:scrgbClr r="0" g="0" b="0"/>
-      </a:effectRef>
-      <a:fontRef idx="minor"/>
-    </dgm:style>
-  </dgm:styleLbl>
-  <dgm:styleLbl name="revTx">
-    <dgm:scene3d>
-      <a:camera prst="orthographicFront"/>
-      <a:lightRig rig="threePt" dir="t"/>
-    </dgm:scene3d>
-    <dgm:sp3d/>
-    <dgm:txPr/>
-    <dgm:style>
-      <a:lnRef idx="0">
-        <a:scrgbClr r="0" g="0" b="0"/>
-      </a:lnRef>
-      <a:fillRef idx="0">
-        <a:scrgbClr r="0" g="0" b="0"/>
-      </a:fillRef>
-      <a:effectRef idx="0">
-        <a:scrgbClr r="0" g="0" b="0"/>
-      </a:effectRef>
-      <a:fontRef idx="minor"/>
-    </dgm:style>
-  </dgm:styleLbl>
-</dgm:styleDef>
-</file>
-
 <file path=ppt/notesMasters/notesMaster1.xml><?xml version="1.0" encoding="utf-8"?>
 <p:notesMaster xmlns:a="http://schemas.openxmlformats.org/drawingml/2006/main" xmlns:r="http://schemas.openxmlformats.org/officeDocument/2006/relationships" xmlns:p="http://schemas.openxmlformats.org/presentationml/2006/main">
   <p:cSld>
@@ -3479,7 +225,7 @@
             <a:fld id="{E168EC2E-7004-4E52-B364-EF7EFD24F792}" type="datetimeFigureOut">
               <a:rPr lang="en-US" smtClean="0"/>
               <a:pPr/>
-              <a:t>9/13/2012</a:t>
+              <a:t>9/21/2012</a:t>
             </a:fld>
             <a:endParaRPr lang="en-US"/>
           </a:p>
@@ -6322,252 +3068,6 @@
               <a:rPr lang="en-US" smtClean="0"/>
               <a:pPr/>
               <a:t>30</a:t>
-            </a:fld>
-            <a:endParaRPr lang="en-US"/>
-          </a:p>
-        </p:txBody>
-      </p:sp>
-    </p:spTree>
-  </p:cSld>
-  <p:clrMapOvr>
-    <a:masterClrMapping/>
-  </p:clrMapOvr>
-</p:notes>
-</file>
-
-<file path=ppt/notesSlides/notesSlide31.xml><?xml version="1.0" encoding="utf-8"?>
-<p:notes xmlns:a="http://schemas.openxmlformats.org/drawingml/2006/main" xmlns:r="http://schemas.openxmlformats.org/officeDocument/2006/relationships" xmlns:p="http://schemas.openxmlformats.org/presentationml/2006/main">
-  <p:cSld>
-    <p:spTree>
-      <p:nvGrpSpPr>
-        <p:cNvPr id="1" name=""/>
-        <p:cNvGrpSpPr/>
-        <p:nvPr/>
-      </p:nvGrpSpPr>
-      <p:grpSpPr>
-        <a:xfrm>
-          <a:off x="0" y="0"/>
-          <a:ext cx="0" cy="0"/>
-          <a:chOff x="0" y="0"/>
-          <a:chExt cx="0" cy="0"/>
-        </a:xfrm>
-      </p:grpSpPr>
-      <p:sp>
-        <p:nvSpPr>
-          <p:cNvPr id="2" name="Slide Image Placeholder 1"/>
-          <p:cNvSpPr>
-            <a:spLocks noGrp="1" noRot="1" noChangeAspect="1"/>
-          </p:cNvSpPr>
-          <p:nvPr>
-            <p:ph type="sldImg"/>
-          </p:nvPr>
-        </p:nvSpPr>
-        <p:spPr/>
-      </p:sp>
-      <p:sp>
-        <p:nvSpPr>
-          <p:cNvPr id="3" name="Notes Placeholder 2"/>
-          <p:cNvSpPr>
-            <a:spLocks noGrp="1"/>
-          </p:cNvSpPr>
-          <p:nvPr>
-            <p:ph type="body" idx="1"/>
-          </p:nvPr>
-        </p:nvSpPr>
-        <p:spPr/>
-        <p:txBody>
-          <a:bodyPr>
-            <a:normAutofit/>
-          </a:bodyPr>
-          <a:lstStyle/>
-          <a:p>
-            <a:endParaRPr lang="en-US"/>
-          </a:p>
-        </p:txBody>
-      </p:sp>
-      <p:sp>
-        <p:nvSpPr>
-          <p:cNvPr id="4" name="Slide Number Placeholder 3"/>
-          <p:cNvSpPr>
-            <a:spLocks noGrp="1"/>
-          </p:cNvSpPr>
-          <p:nvPr>
-            <p:ph type="sldNum" sz="quarter" idx="10"/>
-          </p:nvPr>
-        </p:nvSpPr>
-        <p:spPr/>
-        <p:txBody>
-          <a:bodyPr/>
-          <a:lstStyle/>
-          <a:p>
-            <a:fld id="{08DBBD94-F691-4E8C-B563-F4811306E3CB}" type="slidenum">
-              <a:rPr lang="en-US" smtClean="0"/>
-              <a:pPr/>
-              <a:t>31</a:t>
-            </a:fld>
-            <a:endParaRPr lang="en-US"/>
-          </a:p>
-        </p:txBody>
-      </p:sp>
-    </p:spTree>
-  </p:cSld>
-  <p:clrMapOvr>
-    <a:masterClrMapping/>
-  </p:clrMapOvr>
-</p:notes>
-</file>
-
-<file path=ppt/notesSlides/notesSlide32.xml><?xml version="1.0" encoding="utf-8"?>
-<p:notes xmlns:a="http://schemas.openxmlformats.org/drawingml/2006/main" xmlns:r="http://schemas.openxmlformats.org/officeDocument/2006/relationships" xmlns:p="http://schemas.openxmlformats.org/presentationml/2006/main">
-  <p:cSld>
-    <p:spTree>
-      <p:nvGrpSpPr>
-        <p:cNvPr id="1" name=""/>
-        <p:cNvGrpSpPr/>
-        <p:nvPr/>
-      </p:nvGrpSpPr>
-      <p:grpSpPr>
-        <a:xfrm>
-          <a:off x="0" y="0"/>
-          <a:ext cx="0" cy="0"/>
-          <a:chOff x="0" y="0"/>
-          <a:chExt cx="0" cy="0"/>
-        </a:xfrm>
-      </p:grpSpPr>
-      <p:sp>
-        <p:nvSpPr>
-          <p:cNvPr id="2" name="Slide Image Placeholder 1"/>
-          <p:cNvSpPr>
-            <a:spLocks noGrp="1" noRot="1" noChangeAspect="1"/>
-          </p:cNvSpPr>
-          <p:nvPr>
-            <p:ph type="sldImg"/>
-          </p:nvPr>
-        </p:nvSpPr>
-        <p:spPr/>
-      </p:sp>
-      <p:sp>
-        <p:nvSpPr>
-          <p:cNvPr id="3" name="Notes Placeholder 2"/>
-          <p:cNvSpPr>
-            <a:spLocks noGrp="1"/>
-          </p:cNvSpPr>
-          <p:nvPr>
-            <p:ph type="body" idx="1"/>
-          </p:nvPr>
-        </p:nvSpPr>
-        <p:spPr/>
-        <p:txBody>
-          <a:bodyPr>
-            <a:normAutofit/>
-          </a:bodyPr>
-          <a:lstStyle/>
-          <a:p>
-            <a:endParaRPr lang="en-US"/>
-          </a:p>
-        </p:txBody>
-      </p:sp>
-      <p:sp>
-        <p:nvSpPr>
-          <p:cNvPr id="4" name="Slide Number Placeholder 3"/>
-          <p:cNvSpPr>
-            <a:spLocks noGrp="1"/>
-          </p:cNvSpPr>
-          <p:nvPr>
-            <p:ph type="sldNum" sz="quarter" idx="10"/>
-          </p:nvPr>
-        </p:nvSpPr>
-        <p:spPr/>
-        <p:txBody>
-          <a:bodyPr/>
-          <a:lstStyle/>
-          <a:p>
-            <a:fld id="{08DBBD94-F691-4E8C-B563-F4811306E3CB}" type="slidenum">
-              <a:rPr lang="en-US" smtClean="0"/>
-              <a:pPr/>
-              <a:t>32</a:t>
-            </a:fld>
-            <a:endParaRPr lang="en-US"/>
-          </a:p>
-        </p:txBody>
-      </p:sp>
-    </p:spTree>
-  </p:cSld>
-  <p:clrMapOvr>
-    <a:masterClrMapping/>
-  </p:clrMapOvr>
-</p:notes>
-</file>
-
-<file path=ppt/notesSlides/notesSlide33.xml><?xml version="1.0" encoding="utf-8"?>
-<p:notes xmlns:a="http://schemas.openxmlformats.org/drawingml/2006/main" xmlns:r="http://schemas.openxmlformats.org/officeDocument/2006/relationships" xmlns:p="http://schemas.openxmlformats.org/presentationml/2006/main">
-  <p:cSld>
-    <p:spTree>
-      <p:nvGrpSpPr>
-        <p:cNvPr id="1" name=""/>
-        <p:cNvGrpSpPr/>
-        <p:nvPr/>
-      </p:nvGrpSpPr>
-      <p:grpSpPr>
-        <a:xfrm>
-          <a:off x="0" y="0"/>
-          <a:ext cx="0" cy="0"/>
-          <a:chOff x="0" y="0"/>
-          <a:chExt cx="0" cy="0"/>
-        </a:xfrm>
-      </p:grpSpPr>
-      <p:sp>
-        <p:nvSpPr>
-          <p:cNvPr id="2" name="Slide Image Placeholder 1"/>
-          <p:cNvSpPr>
-            <a:spLocks noGrp="1" noRot="1" noChangeAspect="1"/>
-          </p:cNvSpPr>
-          <p:nvPr>
-            <p:ph type="sldImg"/>
-          </p:nvPr>
-        </p:nvSpPr>
-        <p:spPr/>
-      </p:sp>
-      <p:sp>
-        <p:nvSpPr>
-          <p:cNvPr id="3" name="Notes Placeholder 2"/>
-          <p:cNvSpPr>
-            <a:spLocks noGrp="1"/>
-          </p:cNvSpPr>
-          <p:nvPr>
-            <p:ph type="body" idx="1"/>
-          </p:nvPr>
-        </p:nvSpPr>
-        <p:spPr/>
-        <p:txBody>
-          <a:bodyPr>
-            <a:normAutofit/>
-          </a:bodyPr>
-          <a:lstStyle/>
-          <a:p>
-            <a:endParaRPr lang="en-US"/>
-          </a:p>
-        </p:txBody>
-      </p:sp>
-      <p:sp>
-        <p:nvSpPr>
-          <p:cNvPr id="4" name="Slide Number Placeholder 3"/>
-          <p:cNvSpPr>
-            <a:spLocks noGrp="1"/>
-          </p:cNvSpPr>
-          <p:nvPr>
-            <p:ph type="sldNum" sz="quarter" idx="10"/>
-          </p:nvPr>
-        </p:nvSpPr>
-        <p:spPr/>
-        <p:txBody>
-          <a:bodyPr/>
-          <a:lstStyle/>
-          <a:p>
-            <a:fld id="{08DBBD94-F691-4E8C-B563-F4811306E3CB}" type="slidenum">
-              <a:rPr lang="en-US" smtClean="0"/>
-              <a:pPr/>
-              <a:t>33</a:t>
             </a:fld>
             <a:endParaRPr lang="en-US"/>
           </a:p>
@@ -8521,6 +5021,13 @@
   <p:clrMapOvr>
     <a:masterClrMapping/>
   </p:clrMapOvr>
+  <p:timing>
+    <p:tnLst>
+      <p:par>
+        <p:cTn id="1" dur="indefinite" restart="never" nodeType="tmRoot"/>
+      </p:par>
+    </p:tnLst>
+  </p:timing>
 </p:sld>
 </file>
 
@@ -8651,6 +5158,13 @@
   <p:clrMapOvr>
     <a:masterClrMapping/>
   </p:clrMapOvr>
+  <p:timing>
+    <p:tnLst>
+      <p:par>
+        <p:cTn id="1" dur="indefinite" restart="never" nodeType="tmRoot"/>
+      </p:par>
+    </p:tnLst>
+  </p:timing>
 </p:sld>
 </file>
 
@@ -8817,6 +5331,13 @@
   <p:clrMapOvr>
     <a:masterClrMapping/>
   </p:clrMapOvr>
+  <p:timing>
+    <p:tnLst>
+      <p:par>
+        <p:cTn id="1" dur="indefinite" restart="never" nodeType="tmRoot"/>
+      </p:par>
+    </p:tnLst>
+  </p:timing>
 </p:sld>
 </file>
 
@@ -9105,6 +5626,13 @@
   <p:clrMapOvr>
     <a:masterClrMapping/>
   </p:clrMapOvr>
+  <p:timing>
+    <p:tnLst>
+      <p:par>
+        <p:cTn id="1" dur="indefinite" restart="never" nodeType="tmRoot"/>
+      </p:par>
+    </p:tnLst>
+  </p:timing>
 </p:sld>
 </file>
 
@@ -9210,6 +5738,13 @@
   <p:clrMapOvr>
     <a:masterClrMapping/>
   </p:clrMapOvr>
+  <p:timing>
+    <p:tnLst>
+      <p:par>
+        <p:cTn id="1" dur="indefinite" restart="never" nodeType="tmRoot"/>
+      </p:par>
+    </p:tnLst>
+  </p:timing>
 </p:sld>
 </file>
 
@@ -9498,6 +6033,13 @@
   <p:clrMapOvr>
     <a:masterClrMapping/>
   </p:clrMapOvr>
+  <p:timing>
+    <p:tnLst>
+      <p:par>
+        <p:cTn id="1" dur="indefinite" restart="never" nodeType="tmRoot"/>
+      </p:par>
+    </p:tnLst>
+  </p:timing>
 </p:sld>
 </file>
 
@@ -9684,6 +6226,13 @@
   <p:clrMapOvr>
     <a:masterClrMapping/>
   </p:clrMapOvr>
+  <p:timing>
+    <p:tnLst>
+      <p:par>
+        <p:cTn id="1" dur="indefinite" restart="never" nodeType="tmRoot"/>
+      </p:par>
+    </p:tnLst>
+  </p:timing>
 </p:sld>
 </file>
 
@@ -9869,6 +6418,13 @@
   <p:clrMapOvr>
     <a:masterClrMapping/>
   </p:clrMapOvr>
+  <p:timing>
+    <p:tnLst>
+      <p:par>
+        <p:cTn id="1" dur="indefinite" restart="never" nodeType="tmRoot"/>
+      </p:par>
+    </p:tnLst>
+  </p:timing>
 </p:sld>
 </file>
 
@@ -26600,6 +23156,13 @@
   <p:clrMapOvr>
     <a:masterClrMapping/>
   </p:clrMapOvr>
+  <p:timing>
+    <p:tnLst>
+      <p:par>
+        <p:cTn id="1" dur="indefinite" restart="never" nodeType="tmRoot"/>
+      </p:par>
+    </p:tnLst>
+  </p:timing>
 </p:sld>
 </file>
 
@@ -26823,6 +23386,13 @@
   <p:clrMapOvr>
     <a:masterClrMapping/>
   </p:clrMapOvr>
+  <p:timing>
+    <p:tnLst>
+      <p:par>
+        <p:cTn id="1" dur="indefinite" restart="never" nodeType="tmRoot"/>
+      </p:par>
+    </p:tnLst>
+  </p:timing>
 </p:sld>
 </file>
 
@@ -26868,11 +23438,7 @@
             </a:r>
             <a:r>
               <a:rPr lang="en-US" smtClean="0"/>
-              <a:t>Sample </a:t>
-            </a:r>
-            <a:r>
-              <a:rPr lang="en-US" smtClean="0"/>
-              <a:t>Output</a:t>
+              <a:t>Sample Output</a:t>
             </a:r>
             <a:endParaRPr lang="en-US" dirty="0"/>
           </a:p>
@@ -27374,6 +23940,13 @@
   <p:clrMapOvr>
     <a:masterClrMapping/>
   </p:clrMapOvr>
+  <p:timing>
+    <p:tnLst>
+      <p:par>
+        <p:cTn id="1" dur="indefinite" restart="never" nodeType="tmRoot"/>
+      </p:par>
+    </p:tnLst>
+  </p:timing>
 </p:sld>
 </file>
 
@@ -27843,6 +24416,13 @@
   <p:clrMapOvr>
     <a:masterClrMapping/>
   </p:clrMapOvr>
+  <p:timing>
+    <p:tnLst>
+      <p:par>
+        <p:cTn id="1" dur="indefinite" restart="never" nodeType="tmRoot"/>
+      </p:par>
+    </p:tnLst>
+  </p:timing>
 </p:sld>
 </file>
 
@@ -27975,6 +24555,13 @@
   <p:clrMapOvr>
     <a:masterClrMapping/>
   </p:clrMapOvr>
+  <p:timing>
+    <p:tnLst>
+      <p:par>
+        <p:cTn id="1" dur="indefinite" restart="never" nodeType="tmRoot"/>
+      </p:par>
+    </p:tnLst>
+  </p:timing>
 </p:sld>
 </file>
 
@@ -28263,6 +24850,13 @@
   <p:clrMapOvr>
     <a:masterClrMapping/>
   </p:clrMapOvr>
+  <p:timing>
+    <p:tnLst>
+      <p:par>
+        <p:cTn id="1" dur="indefinite" restart="never" nodeType="tmRoot"/>
+      </p:par>
+    </p:tnLst>
+  </p:timing>
 </p:sld>
 </file>
 
@@ -28421,6 +25015,13 @@
   <p:clrMapOvr>
     <a:masterClrMapping/>
   </p:clrMapOvr>
+  <p:timing>
+    <p:tnLst>
+      <p:par>
+        <p:cTn id="1" dur="indefinite" restart="never" nodeType="tmRoot"/>
+      </p:par>
+    </p:tnLst>
+  </p:timing>
 </p:sld>
 </file>
 
@@ -28518,6 +25119,13 @@
   <p:clrMapOvr>
     <a:masterClrMapping/>
   </p:clrMapOvr>
+  <p:timing>
+    <p:tnLst>
+      <p:par>
+        <p:cTn id="1" dur="indefinite" restart="never" nodeType="tmRoot"/>
+      </p:par>
+    </p:tnLst>
+  </p:timing>
 </p:sld>
 </file>
 
@@ -28806,6 +25414,13 @@
   <p:clrMapOvr>
     <a:masterClrMapping/>
   </p:clrMapOvr>
+  <p:timing>
+    <p:tnLst>
+      <p:par>
+        <p:cTn id="1" dur="indefinite" restart="never" nodeType="tmRoot"/>
+      </p:par>
+    </p:tnLst>
+  </p:timing>
 </p:sld>
 </file>
 
@@ -29232,527 +25847,13 @@
   <p:clrMapOvr>
     <a:masterClrMapping/>
   </p:clrMapOvr>
-</p:sld>
-</file>
-
-<file path=ppt/slides/slide31.xml><?xml version="1.0" encoding="utf-8"?>
-<p:sld xmlns:a="http://schemas.openxmlformats.org/drawingml/2006/main" xmlns:r="http://schemas.openxmlformats.org/officeDocument/2006/relationships" xmlns:p="http://schemas.openxmlformats.org/presentationml/2006/main" show="0">
-  <p:cSld>
-    <p:spTree>
-      <p:nvGrpSpPr>
-        <p:cNvPr id="1" name=""/>
-        <p:cNvGrpSpPr/>
-        <p:nvPr/>
-      </p:nvGrpSpPr>
-      <p:grpSpPr>
-        <a:xfrm>
-          <a:off x="0" y="0"/>
-          <a:ext cx="0" cy="0"/>
-          <a:chOff x="0" y="0"/>
-          <a:chExt cx="0" cy="0"/>
-        </a:xfrm>
-      </p:grpSpPr>
-      <p:sp>
-        <p:nvSpPr>
-          <p:cNvPr id="2" name="Title 1"/>
-          <p:cNvSpPr>
-            <a:spLocks noGrp="1"/>
-          </p:cNvSpPr>
-          <p:nvPr>
-            <p:ph type="title"/>
-          </p:nvPr>
-        </p:nvSpPr>
-        <p:spPr/>
-        <p:txBody>
-          <a:bodyPr/>
-          <a:lstStyle/>
-          <a:p>
-            <a:r>
-              <a:rPr lang="en-US" dirty="0" smtClean="0"/>
-              <a:t>Use Case: Bios Task Stack Monitor</a:t>
-            </a:r>
-            <a:endParaRPr lang="en-US" dirty="0"/>
-          </a:p>
-        </p:txBody>
-      </p:sp>
-      <p:sp>
-        <p:nvSpPr>
-          <p:cNvPr id="3" name="Content Placeholder 2"/>
-          <p:cNvSpPr>
-            <a:spLocks noGrp="1"/>
-          </p:cNvSpPr>
-          <p:nvPr>
-            <p:ph idx="1"/>
-          </p:nvPr>
-        </p:nvSpPr>
-        <p:spPr/>
-        <p:txBody>
-          <a:bodyPr/>
-          <a:lstStyle/>
-          <a:p>
-            <a:r>
-              <a:rPr lang="en-US" dirty="0" smtClean="0"/>
-              <a:t>Goal?</a:t>
-            </a:r>
-          </a:p>
-          <a:p>
-            <a:pPr lvl="1"/>
-            <a:r>
-              <a:rPr lang="en-US" dirty="0" smtClean="0"/>
-              <a:t>Configure Advanced Event Triggering to generate an interrupt when a value is written to the top 10% of the stack</a:t>
-            </a:r>
-          </a:p>
-          <a:p>
-            <a:r>
-              <a:rPr lang="en-US" dirty="0" smtClean="0"/>
-              <a:t>What do we know?</a:t>
-            </a:r>
-          </a:p>
-          <a:p>
-            <a:pPr lvl="1"/>
-            <a:r>
-              <a:rPr lang="en-US" dirty="0" smtClean="0"/>
-              <a:t>Each Bios Task has it’s own Task Stack. </a:t>
-            </a:r>
-          </a:p>
-          <a:p>
-            <a:pPr lvl="1"/>
-            <a:r>
-              <a:rPr lang="en-US" dirty="0" smtClean="0"/>
-              <a:t>Advanced Event Triggering contains 4 32-bit Dual Range Comparators for watching Data Address Bus</a:t>
-            </a:r>
-          </a:p>
-          <a:p>
-            <a:r>
-              <a:rPr lang="en-US" dirty="0" smtClean="0"/>
-              <a:t>Assumptions</a:t>
-            </a:r>
-          </a:p>
-          <a:p>
-            <a:pPr lvl="1"/>
-            <a:r>
-              <a:rPr lang="en-US" dirty="0" smtClean="0"/>
-              <a:t>Application has 5 tasks; 3 statically generated; 2 dynamically generated</a:t>
-            </a:r>
-          </a:p>
-          <a:p>
-            <a:pPr lvl="1"/>
-            <a:endParaRPr lang="en-US" dirty="0" smtClean="0"/>
-          </a:p>
-          <a:p>
-            <a:pPr lvl="1"/>
-            <a:endParaRPr lang="en-US" dirty="0" smtClean="0"/>
-          </a:p>
-        </p:txBody>
-      </p:sp>
-    </p:spTree>
-  </p:cSld>
-  <p:clrMapOvr>
-    <a:masterClrMapping/>
-  </p:clrMapOvr>
-  <p:transition/>
-</p:sld>
-</file>
-
-<file path=ppt/slides/slide32.xml><?xml version="1.0" encoding="utf-8"?>
-<p:sld xmlns:a="http://schemas.openxmlformats.org/drawingml/2006/main" xmlns:r="http://schemas.openxmlformats.org/officeDocument/2006/relationships" xmlns:p="http://schemas.openxmlformats.org/presentationml/2006/main">
-  <p:cSld>
-    <p:spTree>
-      <p:nvGrpSpPr>
-        <p:cNvPr id="1" name=""/>
-        <p:cNvGrpSpPr/>
-        <p:nvPr/>
-      </p:nvGrpSpPr>
-      <p:grpSpPr>
-        <a:xfrm>
-          <a:off x="0" y="0"/>
-          <a:ext cx="0" cy="0"/>
-          <a:chOff x="0" y="0"/>
-          <a:chExt cx="0" cy="0"/>
-        </a:xfrm>
-      </p:grpSpPr>
-      <p:sp>
-        <p:nvSpPr>
-          <p:cNvPr id="2" name="Title 1"/>
-          <p:cNvSpPr>
-            <a:spLocks noGrp="1"/>
-          </p:cNvSpPr>
-          <p:nvPr>
-            <p:ph type="title"/>
-          </p:nvPr>
-        </p:nvSpPr>
-        <p:spPr/>
-        <p:txBody>
-          <a:bodyPr/>
-          <a:lstStyle/>
-          <a:p>
-            <a:r>
-              <a:rPr lang="en-US" dirty="0" smtClean="0"/>
-              <a:t>Application View</a:t>
-            </a:r>
-            <a:endParaRPr lang="en-US" dirty="0"/>
-          </a:p>
-        </p:txBody>
-      </p:sp>
-      <p:graphicFrame>
-        <p:nvGraphicFramePr>
-          <p:cNvPr id="4" name="Diagram 3"/>
-          <p:cNvGraphicFramePr/>
-          <p:nvPr/>
-        </p:nvGraphicFramePr>
-        <p:xfrm>
-          <a:off x="0" y="1066800"/>
-          <a:ext cx="4191000" cy="3810000"/>
-        </p:xfrm>
-        <a:graphic>
-          <a:graphicData uri="http://schemas.openxmlformats.org/drawingml/2006/diagram">
-            <dgm:relIds xmlns:dgm="http://schemas.openxmlformats.org/drawingml/2006/diagram" xmlns:r="http://schemas.openxmlformats.org/officeDocument/2006/relationships" r:dm="rId3" r:lo="rId4" r:qs="rId5" r:cs="rId6"/>
-          </a:graphicData>
-        </a:graphic>
-      </p:graphicFrame>
-      <p:sp>
-        <p:nvSpPr>
-          <p:cNvPr id="5" name="TextBox 4"/>
-          <p:cNvSpPr txBox="1"/>
-          <p:nvPr/>
-        </p:nvSpPr>
-        <p:spPr>
-          <a:xfrm>
-            <a:off x="4343400" y="1066800"/>
-            <a:ext cx="4800600" cy="1815882"/>
-          </a:xfrm>
-          <a:prstGeom prst="rect">
-            <a:avLst/>
-          </a:prstGeom>
-          <a:noFill/>
-        </p:spPr>
-        <p:txBody>
-          <a:bodyPr wrap="square" rtlCol="0">
-            <a:spAutoFit/>
-          </a:bodyPr>
-          <a:lstStyle/>
-          <a:p>
-            <a:pPr>
-              <a:buFont typeface="Arial" pitchFamily="34" charset="0"/>
-              <a:buChar char="•"/>
-            </a:pPr>
-            <a:r>
-              <a:rPr lang="en-US" sz="2800" dirty="0" smtClean="0"/>
-              <a:t>Each Task has it’s own stack</a:t>
-            </a:r>
-          </a:p>
-          <a:p>
-            <a:pPr>
-              <a:buFont typeface="Arial" pitchFamily="34" charset="0"/>
-              <a:buChar char="•"/>
-            </a:pPr>
-            <a:r>
-              <a:rPr lang="en-US" sz="2800" dirty="0" smtClean="0"/>
-              <a:t>Tasks have different stack sizes</a:t>
-            </a:r>
-          </a:p>
-          <a:p>
-            <a:pPr>
-              <a:buFont typeface="Arial" pitchFamily="34" charset="0"/>
-              <a:buChar char="•"/>
-            </a:pPr>
-            <a:r>
-              <a:rPr lang="en-US" sz="2800" dirty="0" smtClean="0"/>
-              <a:t>Blue – Statically Allocated</a:t>
-            </a:r>
-          </a:p>
-          <a:p>
-            <a:pPr>
-              <a:buFont typeface="Arial" pitchFamily="34" charset="0"/>
-              <a:buChar char="•"/>
-            </a:pPr>
-            <a:r>
-              <a:rPr lang="en-US" sz="2800" dirty="0" smtClean="0"/>
-              <a:t>Red – Dynamically Allocated</a:t>
-            </a:r>
-          </a:p>
-        </p:txBody>
-      </p:sp>
-    </p:spTree>
-  </p:cSld>
-  <p:clrMapOvr>
-    <a:masterClrMapping/>
-  </p:clrMapOvr>
-</p:sld>
-</file>
-
-<file path=ppt/slides/slide33.xml><?xml version="1.0" encoding="utf-8"?>
-<p:sld xmlns:a="http://schemas.openxmlformats.org/drawingml/2006/main" xmlns:r="http://schemas.openxmlformats.org/officeDocument/2006/relationships" xmlns:p="http://schemas.openxmlformats.org/presentationml/2006/main">
-  <p:cSld>
-    <p:spTree>
-      <p:nvGrpSpPr>
-        <p:cNvPr id="1" name=""/>
-        <p:cNvGrpSpPr/>
-        <p:nvPr/>
-      </p:nvGrpSpPr>
-      <p:grpSpPr>
-        <a:xfrm>
-          <a:off x="0" y="0"/>
-          <a:ext cx="0" cy="0"/>
-          <a:chOff x="0" y="0"/>
-          <a:chExt cx="0" cy="0"/>
-        </a:xfrm>
-      </p:grpSpPr>
-      <p:sp>
-        <p:nvSpPr>
-          <p:cNvPr id="2" name="Title 1"/>
-          <p:cNvSpPr>
-            <a:spLocks noGrp="1"/>
-          </p:cNvSpPr>
-          <p:nvPr>
-            <p:ph type="title"/>
-          </p:nvPr>
-        </p:nvSpPr>
-        <p:spPr/>
-        <p:txBody>
-          <a:bodyPr/>
-          <a:lstStyle/>
-          <a:p>
-            <a:r>
-              <a:rPr lang="en-US" dirty="0" smtClean="0"/>
-              <a:t>Dual Range Comparators</a:t>
-            </a:r>
-            <a:endParaRPr lang="en-US" dirty="0"/>
-          </a:p>
-        </p:txBody>
-      </p:sp>
-      <p:sp>
-        <p:nvSpPr>
-          <p:cNvPr id="4" name="Content Placeholder 3"/>
-          <p:cNvSpPr>
-            <a:spLocks noGrp="1"/>
-          </p:cNvSpPr>
-          <p:nvPr>
-            <p:ph idx="10"/>
-          </p:nvPr>
-        </p:nvSpPr>
-        <p:spPr>
-          <a:xfrm>
-            <a:off x="6096000" y="990600"/>
-            <a:ext cx="2819400" cy="5334000"/>
-          </a:xfrm>
-        </p:spPr>
-        <p:txBody>
-          <a:bodyPr/>
-          <a:lstStyle/>
-          <a:p>
-            <a:r>
-              <a:rPr lang="en-US" sz="2400" dirty="0" smtClean="0"/>
-              <a:t>4 Connected to Data Buses</a:t>
-            </a:r>
-          </a:p>
-          <a:p>
-            <a:r>
-              <a:rPr lang="en-US" sz="2400" dirty="0" smtClean="0"/>
-              <a:t>32 Bits </a:t>
-            </a:r>
-          </a:p>
-          <a:p>
-            <a:r>
-              <a:rPr lang="en-US" sz="2400" dirty="0" smtClean="0"/>
-              <a:t>Multiple Configurations </a:t>
-            </a:r>
-          </a:p>
-          <a:p>
-            <a:pPr lvl="1"/>
-            <a:r>
-              <a:rPr lang="en-US" sz="2000" dirty="0" smtClean="0"/>
-              <a:t>GT</a:t>
-            </a:r>
-          </a:p>
-          <a:p>
-            <a:pPr lvl="1"/>
-            <a:r>
-              <a:rPr lang="en-US" sz="2000" dirty="0" smtClean="0"/>
-              <a:t>GEQ</a:t>
-            </a:r>
-          </a:p>
-          <a:p>
-            <a:pPr lvl="1"/>
-            <a:r>
-              <a:rPr lang="en-US" sz="2000" dirty="0" smtClean="0"/>
-              <a:t>LT</a:t>
-            </a:r>
-          </a:p>
-          <a:p>
-            <a:pPr lvl="1"/>
-            <a:r>
-              <a:rPr lang="en-US" sz="2000" dirty="0" smtClean="0"/>
-              <a:t>LEQ</a:t>
-            </a:r>
-          </a:p>
-          <a:p>
-            <a:pPr lvl="1"/>
-            <a:r>
-              <a:rPr lang="en-US" sz="2000" dirty="0" smtClean="0"/>
-              <a:t>EQ</a:t>
-            </a:r>
-          </a:p>
-          <a:p>
-            <a:pPr>
-              <a:buNone/>
-            </a:pPr>
-            <a:endParaRPr lang="en-US" sz="2400" dirty="0"/>
-          </a:p>
-        </p:txBody>
-      </p:sp>
-      <p:grpSp>
-        <p:nvGrpSpPr>
-          <p:cNvPr id="13" name="Group 12"/>
-          <p:cNvGrpSpPr/>
-          <p:nvPr/>
-        </p:nvGrpSpPr>
-        <p:grpSpPr>
-          <a:xfrm>
-            <a:off x="685800" y="1295400"/>
-            <a:ext cx="413896" cy="4495800"/>
-            <a:chOff x="685800" y="1295400"/>
-            <a:chExt cx="413896" cy="4495800"/>
-          </a:xfrm>
-        </p:grpSpPr>
-        <p:cxnSp>
-          <p:nvCxnSpPr>
-            <p:cNvPr id="6" name="Straight Connector 5"/>
-            <p:cNvCxnSpPr/>
-            <p:nvPr/>
-          </p:nvCxnSpPr>
-          <p:spPr bwMode="auto">
-            <a:xfrm>
-              <a:off x="892748" y="1676400"/>
-              <a:ext cx="0" cy="4114800"/>
-            </a:xfrm>
-            <a:prstGeom prst="line">
-              <a:avLst/>
-            </a:prstGeom>
-            <a:solidFill>
-              <a:schemeClr val="accent1"/>
-            </a:solidFill>
-            <a:ln w="9525" cap="flat" cmpd="sng" algn="ctr">
-              <a:solidFill>
-                <a:schemeClr val="tx1"/>
-              </a:solidFill>
-              <a:prstDash val="solid"/>
-              <a:round/>
-              <a:headEnd type="none" w="med" len="med"/>
-              <a:tailEnd type="none" w="med" len="med"/>
-            </a:ln>
-            <a:effectLst/>
-          </p:spPr>
-        </p:cxnSp>
-        <p:sp>
-          <p:nvSpPr>
-            <p:cNvPr id="10" name="TextBox 9"/>
-            <p:cNvSpPr txBox="1"/>
-            <p:nvPr/>
-          </p:nvSpPr>
-          <p:spPr>
-            <a:xfrm>
-              <a:off x="685800" y="1295400"/>
-              <a:ext cx="413896" cy="369332"/>
-            </a:xfrm>
-            <a:prstGeom prst="rect">
-              <a:avLst/>
-            </a:prstGeom>
-            <a:noFill/>
-          </p:spPr>
-          <p:txBody>
-            <a:bodyPr wrap="none" rtlCol="0">
-              <a:spAutoFit/>
-            </a:bodyPr>
-            <a:lstStyle/>
-            <a:p>
-              <a:r>
-                <a:rPr lang="en-US" dirty="0" smtClean="0"/>
-                <a:t>T1</a:t>
-              </a:r>
-              <a:endParaRPr lang="en-US" dirty="0"/>
-            </a:p>
-          </p:txBody>
-        </p:sp>
-      </p:grpSp>
-      <p:grpSp>
-        <p:nvGrpSpPr>
-          <p:cNvPr id="12" name="Group 11"/>
-          <p:cNvGrpSpPr/>
-          <p:nvPr/>
-        </p:nvGrpSpPr>
-        <p:grpSpPr>
-          <a:xfrm>
-            <a:off x="1033904" y="1295400"/>
-            <a:ext cx="413896" cy="4495800"/>
-            <a:chOff x="2176904" y="1295400"/>
-            <a:chExt cx="413896" cy="4495800"/>
-          </a:xfrm>
-        </p:grpSpPr>
-        <p:cxnSp>
-          <p:nvCxnSpPr>
-            <p:cNvPr id="8" name="Straight Connector 7"/>
-            <p:cNvCxnSpPr/>
-            <p:nvPr/>
-          </p:nvCxnSpPr>
-          <p:spPr bwMode="auto">
-            <a:xfrm>
-              <a:off x="2383852" y="1676400"/>
-              <a:ext cx="0" cy="4114800"/>
-            </a:xfrm>
-            <a:prstGeom prst="line">
-              <a:avLst/>
-            </a:prstGeom>
-            <a:solidFill>
-              <a:schemeClr val="accent1"/>
-            </a:solidFill>
-            <a:ln w="9525" cap="flat" cmpd="sng" algn="ctr">
-              <a:solidFill>
-                <a:schemeClr val="tx1"/>
-              </a:solidFill>
-              <a:prstDash val="solid"/>
-              <a:round/>
-              <a:headEnd type="none" w="med" len="med"/>
-              <a:tailEnd type="none" w="med" len="med"/>
-            </a:ln>
-            <a:effectLst/>
-          </p:spPr>
-        </p:cxnSp>
-        <p:sp>
-          <p:nvSpPr>
-            <p:cNvPr id="11" name="TextBox 10"/>
-            <p:cNvSpPr txBox="1"/>
-            <p:nvPr/>
-          </p:nvSpPr>
-          <p:spPr>
-            <a:xfrm>
-              <a:off x="2176904" y="1295400"/>
-              <a:ext cx="413896" cy="369332"/>
-            </a:xfrm>
-            <a:prstGeom prst="rect">
-              <a:avLst/>
-            </a:prstGeom>
-            <a:noFill/>
-          </p:spPr>
-          <p:txBody>
-            <a:bodyPr wrap="none" rtlCol="0">
-              <a:spAutoFit/>
-            </a:bodyPr>
-            <a:lstStyle/>
-            <a:p>
-              <a:r>
-                <a:rPr lang="en-US" dirty="0" smtClean="0"/>
-                <a:t>T2</a:t>
-              </a:r>
-            </a:p>
-          </p:txBody>
-        </p:sp>
-      </p:grpSp>
-    </p:spTree>
-  </p:cSld>
-  <p:clrMapOvr>
-    <a:masterClrMapping/>
-  </p:clrMapOvr>
+  <p:timing>
+    <p:tnLst>
+      <p:par>
+        <p:cTn id="1" dur="indefinite" restart="never" nodeType="tmRoot"/>
+      </p:par>
+    </p:tnLst>
+  </p:timing>
 </p:sld>
 </file>
 
@@ -29979,6 +26080,13 @@
   <p:clrMapOvr>
     <a:masterClrMapping/>
   </p:clrMapOvr>
+  <p:timing>
+    <p:tnLst>
+      <p:par>
+        <p:cTn id="1" dur="indefinite" restart="never" nodeType="tmRoot"/>
+      </p:par>
+    </p:tnLst>
+  </p:timing>
 </p:sld>
 </file>
 
@@ -30308,6 +26416,13 @@
   <p:clrMapOvr>
     <a:masterClrMapping/>
   </p:clrMapOvr>
+  <p:timing>
+    <p:tnLst>
+      <p:par>
+        <p:cTn id="1" dur="indefinite" restart="never" nodeType="tmRoot"/>
+      </p:par>
+    </p:tnLst>
+  </p:timing>
 </p:sld>
 </file>
 
@@ -30506,6 +26621,13 @@
   <p:clrMapOvr>
     <a:masterClrMapping/>
   </p:clrMapOvr>
+  <p:timing>
+    <p:tnLst>
+      <p:par>
+        <p:cTn id="1" dur="indefinite" restart="never" nodeType="tmRoot"/>
+      </p:par>
+    </p:tnLst>
+  </p:timing>
 </p:sld>
 </file>
 
@@ -32446,6 +28568,13 @@
   <p:clrMapOvr>
     <a:masterClrMapping/>
   </p:clrMapOvr>
+  <p:timing>
+    <p:tnLst>
+      <p:par>
+        <p:cTn id="1" dur="indefinite" restart="never" nodeType="tmRoot"/>
+      </p:par>
+    </p:tnLst>
+  </p:timing>
 </p:sld>
 </file>
 
@@ -32734,6 +28863,13 @@
   <p:clrMapOvr>
     <a:masterClrMapping/>
   </p:clrMapOvr>
+  <p:timing>
+    <p:tnLst>
+      <p:par>
+        <p:cTn id="1" dur="indefinite" restart="never" nodeType="tmRoot"/>
+      </p:par>
+    </p:tnLst>
+  </p:timing>
 </p:sld>
 </file>
 
@@ -32884,6 +29020,13 @@
   <p:clrMapOvr>
     <a:masterClrMapping/>
   </p:clrMapOvr>
+  <p:timing>
+    <p:tnLst>
+      <p:par>
+        <p:cTn id="1" dur="indefinite" restart="never" nodeType="tmRoot"/>
+      </p:par>
+    </p:tnLst>
+  </p:timing>
 </p:sld>
 </file>
 

--- a/trunk/slides/KeyStone Advanced Debug.pptx
+++ b/trunk/slides/KeyStone Advanced Debug.pptx
@@ -225,7 +225,7 @@
             <a:fld id="{E168EC2E-7004-4E52-B364-EF7EFD24F792}" type="datetimeFigureOut">
               <a:rPr lang="en-US" smtClean="0"/>
               <a:pPr/>
-              <a:t>9/21/2012</a:t>
+              <a:t>10/8/2012</a:t>
             </a:fld>
             <a:endParaRPr lang="en-US"/>
           </a:p>
@@ -25961,13 +25961,23 @@
               <a:rPr lang="en-US" dirty="0" smtClean="0"/>
               <a:t>System Trace </a:t>
             </a:r>
+            <a:r>
+              <a:rPr lang="en-US" dirty="0" smtClean="0"/>
+              <a:t> </a:t>
+            </a:r>
+            <a:endParaRPr lang="en-US" dirty="0" smtClean="0"/>
           </a:p>
           <a:p>
             <a:pPr lvl="1"/>
             <a:r>
               <a:rPr lang="en-US" dirty="0" smtClean="0"/>
-              <a:t>Export Bus Statistics and Events</a:t>
-            </a:r>
+              <a:t>Export Bus Statistics and </a:t>
+            </a:r>
+            <a:r>
+              <a:rPr lang="en-US" dirty="0" smtClean="0"/>
+              <a:t>Events  (CP Tracer)</a:t>
+            </a:r>
+            <a:endParaRPr lang="en-US" dirty="0" smtClean="0"/>
           </a:p>
           <a:p>
             <a:pPr lvl="1"/>
@@ -26159,7 +26169,15 @@
             <a:pPr lvl="1"/>
             <a:r>
               <a:rPr lang="en-US" sz="2400" dirty="0" smtClean="0"/>
-              <a:t>Debug Port EMU pins for export to an external receiver*</a:t>
+              <a:t>Debug Port EMU </a:t>
+            </a:r>
+            <a:r>
+              <a:rPr lang="en-US" sz="2400" dirty="0" smtClean="0"/>
+              <a:t>pins (11) </a:t>
+            </a:r>
+            <a:r>
+              <a:rPr lang="en-US" sz="2400" dirty="0" smtClean="0"/>
+              <a:t>for export to an external receiver*</a:t>
             </a:r>
           </a:p>
           <a:p>
@@ -26173,8 +26191,24 @@
             <a:pPr lvl="2"/>
             <a:r>
               <a:rPr lang="en-US" sz="2000" dirty="0" smtClean="0"/>
-              <a:t> 4Kb on each core</a:t>
-            </a:r>
+              <a:t> </a:t>
+            </a:r>
+            <a:r>
+              <a:rPr lang="en-US" sz="2000" dirty="0" smtClean="0"/>
+              <a:t>4KB </a:t>
+            </a:r>
+            <a:r>
+              <a:rPr lang="en-US" sz="2000" dirty="0" smtClean="0"/>
+              <a:t>on each </a:t>
+            </a:r>
+            <a:r>
+              <a:rPr lang="en-US" sz="2000" dirty="0" smtClean="0"/>
+              <a:t>core</a:t>
+            </a:r>
+          </a:p>
+          <a:p>
+            <a:pPr lvl="2"/>
+            <a:endParaRPr lang="en-US" sz="2000" dirty="0" smtClean="0"/>
           </a:p>
           <a:p>
             <a:r>
@@ -26186,7 +26220,15 @@
             <a:pPr lvl="1"/>
             <a:r>
               <a:rPr lang="en-US" sz="2400" dirty="0" smtClean="0"/>
-              <a:t>Debug Port EMU pins for export to an external receiver*</a:t>
+              <a:t>Debug Port EMU pins </a:t>
+            </a:r>
+            <a:r>
+              <a:rPr lang="en-US" sz="2400" dirty="0" smtClean="0"/>
+              <a:t> (4)for </a:t>
+            </a:r>
+            <a:r>
+              <a:rPr lang="en-US" sz="2400" dirty="0" smtClean="0"/>
+              <a:t>export to an external receiver*</a:t>
             </a:r>
           </a:p>
           <a:p>
@@ -26200,7 +26242,15 @@
             <a:pPr lvl="2"/>
             <a:r>
               <a:rPr lang="en-US" sz="2000" dirty="0" smtClean="0"/>
-              <a:t>16Kb per device</a:t>
+              <a:t>32</a:t>
+            </a:r>
+            <a:r>
+              <a:rPr lang="en-US" sz="2000" dirty="0" smtClean="0"/>
+              <a:t>KB </a:t>
+            </a:r>
+            <a:r>
+              <a:rPr lang="en-US" sz="2000" dirty="0" smtClean="0"/>
+              <a:t>per device</a:t>
             </a:r>
             <a:endParaRPr lang="en-US" sz="2000" dirty="0"/>
           </a:p>
@@ -26214,7 +26264,7 @@
         </p:nvSpPr>
         <p:spPr bwMode="auto">
           <a:xfrm>
-            <a:off x="381000" y="2743200"/>
+            <a:off x="381000" y="3276600"/>
             <a:ext cx="8458200" cy="2133600"/>
           </a:xfrm>
           <a:prstGeom prst="rect">
@@ -26405,7 +26455,15 @@
             <a:pPr algn="ctr"/>
             <a:r>
               <a:rPr lang="en-US" dirty="0" smtClean="0"/>
-              <a:t>* XDS560v2 Pro (In Beta) = 2GB </a:t>
+              <a:t>* XDS560v2 Pro </a:t>
+            </a:r>
+            <a:r>
+              <a:rPr lang="en-US" dirty="0" smtClean="0"/>
+              <a:t>= </a:t>
+            </a:r>
+            <a:r>
+              <a:rPr lang="en-US" dirty="0" smtClean="0"/>
+              <a:t>2GB </a:t>
             </a:r>
             <a:endParaRPr lang="en-US" dirty="0"/>
           </a:p>

--- a/trunk/slides/KeyStone Advanced Debug.pptx
+++ b/trunk/slides/KeyStone Advanced Debug.pptx
@@ -5255,22 +5255,37 @@
             <a:pPr lvl="1"/>
             <a:r>
               <a:rPr lang="en-US" dirty="0" smtClean="0"/>
-              <a:t>Counter Inc/Dec/Reset</a:t>
-            </a:r>
+              <a:t>Counter </a:t>
+            </a:r>
+            <a:r>
+              <a:rPr lang="en-US" dirty="0" smtClean="0"/>
+              <a:t>Inc/Dec/Reset  (events)</a:t>
+            </a:r>
+            <a:endParaRPr lang="en-US" dirty="0" smtClean="0"/>
           </a:p>
           <a:p>
             <a:pPr lvl="1"/>
             <a:r>
               <a:rPr lang="en-US" dirty="0" smtClean="0"/>
-              <a:t>Timer Start/Stop</a:t>
-            </a:r>
+              <a:t>Timer </a:t>
+            </a:r>
+            <a:r>
+              <a:rPr lang="en-US" dirty="0" smtClean="0"/>
+              <a:t>Start/Stop (cycles)</a:t>
+            </a:r>
+            <a:endParaRPr lang="en-US" dirty="0" smtClean="0"/>
           </a:p>
           <a:p>
             <a:pPr lvl="1"/>
             <a:r>
               <a:rPr lang="en-US" dirty="0" smtClean="0"/>
-              <a:t>Store Trace Sample (7 Streams)</a:t>
-            </a:r>
+              <a:t>Store Trace Sample (7 </a:t>
+            </a:r>
+            <a:r>
+              <a:rPr lang="en-US" dirty="0" smtClean="0"/>
+              <a:t>Streams: PC, time, read a-d write a-d and pc tag)</a:t>
+            </a:r>
+            <a:endParaRPr lang="en-US" dirty="0" smtClean="0"/>
           </a:p>
           <a:p>
             <a:pPr lvl="1"/>

--- a/trunk/slides/KeyStone Advanced Debug.pptx
+++ b/trunk/slides/KeyStone Advanced Debug.pptx
@@ -225,7 +225,7 @@
             <a:fld id="{E168EC2E-7004-4E52-B364-EF7EFD24F792}" type="datetimeFigureOut">
               <a:rPr lang="en-US" smtClean="0"/>
               <a:pPr/>
-              <a:t>10/8/2012</a:t>
+              <a:t>10/10/2012</a:t>
             </a:fld>
             <a:endParaRPr lang="en-US"/>
           </a:p>
@@ -561,7 +561,7 @@
               <a:pPr/>
               <a:t>1</a:t>
             </a:fld>
-            <a:endParaRPr lang="en-US"/>
+            <a:endParaRPr lang="en-US" dirty="0"/>
           </a:p>
         </p:txBody>
       </p:sp>
@@ -1549,6 +1549,24 @@
               <a:rPr lang="en-US" baseline="0" dirty="0" smtClean="0"/>
               <a:t> simply allow the user to filter the data based on each channel.  </a:t>
             </a:r>
+            <a:endParaRPr lang="en-US" baseline="0" dirty="0" smtClean="0"/>
+          </a:p>
+          <a:p>
+            <a:pPr lvl="1">
+              <a:buFont typeface="Arial" charset="0"/>
+              <a:buChar char="•"/>
+            </a:pPr>
+            <a:endParaRPr lang="en-US" baseline="0" dirty="0" smtClean="0"/>
+          </a:p>
+          <a:p>
+            <a:pPr lvl="1">
+              <a:buFont typeface="Arial" charset="0"/>
+              <a:buChar char="•"/>
+            </a:pPr>
+            <a:r>
+              <a:rPr lang="en-US" baseline="0" dirty="0" smtClean="0"/>
+              <a:t>Cycle aligned  - get information from different part of the device and align the timing</a:t>
+            </a:r>
             <a:endParaRPr lang="en-US" dirty="0" smtClean="0"/>
           </a:p>
           <a:p>
@@ -1638,6 +1656,22 @@
           </a:bodyPr>
           <a:lstStyle/>
           <a:p>
+            <a:r>
+              <a:rPr lang="en-US" dirty="0" smtClean="0"/>
+              <a:t>Can define window in which the statistics are stored to the trace buffer and the counters are reset</a:t>
+            </a:r>
+          </a:p>
+          <a:p>
+            <a:r>
+              <a:rPr lang="en-US" dirty="0" smtClean="0"/>
+              <a:t>Can log throughput,  wait counter and number of transactions</a:t>
+            </a:r>
+          </a:p>
+          <a:p>
+            <a:r>
+              <a:rPr lang="en-US" dirty="0" smtClean="0"/>
+              <a:t>Or other events</a:t>
+            </a:r>
             <a:endParaRPr lang="en-US" dirty="0"/>
           </a:p>
         </p:txBody>
@@ -1935,7 +1969,7 @@
           </a:bodyPr>
           <a:lstStyle/>
           <a:p>
-            <a:endParaRPr lang="en-US"/>
+            <a:endParaRPr lang="en-US" dirty="0"/>
           </a:p>
         </p:txBody>
       </p:sp>
@@ -1959,7 +1993,7 @@
               <a:pPr/>
               <a:t>2</a:t>
             </a:fld>
-            <a:endParaRPr lang="en-US"/>
+            <a:endParaRPr lang="en-US" dirty="0"/>
           </a:p>
         </p:txBody>
       </p:sp>
@@ -2047,8 +2081,48 @@
             </a:pPr>
             <a:r>
               <a:rPr lang="en-US" baseline="0" dirty="0" smtClean="0"/>
-              <a:t>The wiki page that this points to initially reflected steps for CCSv4 that were different than CCSv5.  A request has been made for this to be updated.  SDO had said that it would be updated the week of 04/16/2012.</a:t>
-            </a:r>
+              <a:t>The wiki page that this points to initially reflected steps for </a:t>
+            </a:r>
+            <a:r>
+              <a:rPr lang="en-US" baseline="0" dirty="0" smtClean="0"/>
+              <a:t>CCSv5</a:t>
+            </a:r>
+            <a:r>
+              <a:rPr lang="en-US" baseline="0" dirty="0" smtClean="0"/>
+              <a:t>.  </a:t>
+            </a:r>
+            <a:endParaRPr lang="en-US" baseline="0" dirty="0" smtClean="0"/>
+          </a:p>
+          <a:p>
+            <a:pPr lvl="1">
+              <a:buFont typeface="Arial" charset="0"/>
+              <a:buChar char="•"/>
+            </a:pPr>
+            <a:r>
+              <a:rPr lang="en-US" baseline="0" dirty="0" smtClean="0"/>
+              <a:t>X axis – time,  Y axis % or raw numbers</a:t>
+            </a:r>
+          </a:p>
+          <a:p>
+            <a:pPr lvl="1">
+              <a:buFont typeface="Arial" charset="0"/>
+              <a:buChar char="•"/>
+            </a:pPr>
+            <a:r>
+              <a:rPr lang="en-US" baseline="0" dirty="0" smtClean="0"/>
+              <a:t>Red - &gt; bus BW  (bytes divide by the window size) Green – average access bytes/cycles blue transaction per second, </a:t>
+            </a:r>
+          </a:p>
+          <a:p>
+            <a:pPr lvl="1">
+              <a:buFont typeface="Arial" charset="0"/>
+              <a:buChar char="•"/>
+            </a:pPr>
+            <a:r>
+              <a:rPr lang="en-US" baseline="0" dirty="0" smtClean="0"/>
+              <a:t>Yellow –  accumulate wait time (0) purple – average latency (0)  light blue % bus throughput access happen / requests</a:t>
+            </a:r>
+            <a:endParaRPr lang="en-US" baseline="0" dirty="0" smtClean="0"/>
           </a:p>
           <a:p>
             <a:pPr lvl="1">
@@ -2079,7 +2153,7 @@
               <a:pPr/>
               <a:t>20</a:t>
             </a:fld>
-            <a:endParaRPr lang="en-US"/>
+            <a:endParaRPr lang="en-US" dirty="0"/>
           </a:p>
         </p:txBody>
       </p:sp>
@@ -2137,7 +2211,7 @@
           </a:bodyPr>
           <a:lstStyle/>
           <a:p>
-            <a:endParaRPr lang="en-US"/>
+            <a:endParaRPr lang="en-US" dirty="0"/>
           </a:p>
         </p:txBody>
       </p:sp>
@@ -2161,7 +2235,7 @@
               <a:pPr/>
               <a:t>21</a:t>
             </a:fld>
-            <a:endParaRPr lang="en-US"/>
+            <a:endParaRPr lang="en-US" dirty="0"/>
           </a:p>
         </p:txBody>
       </p:sp>
@@ -2219,7 +2293,7 @@
           </a:bodyPr>
           <a:lstStyle/>
           <a:p>
-            <a:endParaRPr lang="en-US"/>
+            <a:endParaRPr lang="en-US" dirty="0"/>
           </a:p>
         </p:txBody>
       </p:sp>
@@ -2243,7 +2317,7 @@
               <a:pPr/>
               <a:t>22</a:t>
             </a:fld>
-            <a:endParaRPr lang="en-US"/>
+            <a:endParaRPr lang="en-US" dirty="0"/>
           </a:p>
         </p:txBody>
       </p:sp>
@@ -2963,7 +3037,7 @@
           </a:bodyPr>
           <a:lstStyle/>
           <a:p>
-            <a:endParaRPr lang="en-US"/>
+            <a:endParaRPr lang="en-US" dirty="0"/>
           </a:p>
         </p:txBody>
       </p:sp>
@@ -2987,7 +3061,7 @@
               <a:pPr/>
               <a:t>3</a:t>
             </a:fld>
-            <a:endParaRPr lang="en-US"/>
+            <a:endParaRPr lang="en-US" dirty="0"/>
           </a:p>
         </p:txBody>
       </p:sp>
@@ -5255,37 +5329,22 @@
             <a:pPr lvl="1"/>
             <a:r>
               <a:rPr lang="en-US" dirty="0" smtClean="0"/>
-              <a:t>Counter </a:t>
-            </a:r>
+              <a:t>Counter Inc/Dec/Reset  (events)</a:t>
+            </a:r>
+          </a:p>
+          <a:p>
+            <a:pPr lvl="1"/>
             <a:r>
               <a:rPr lang="en-US" dirty="0" smtClean="0"/>
-              <a:t>Inc/Dec/Reset  (events)</a:t>
-            </a:r>
-            <a:endParaRPr lang="en-US" dirty="0" smtClean="0"/>
+              <a:t>Timer Start/Stop (cycles)</a:t>
+            </a:r>
           </a:p>
           <a:p>
             <a:pPr lvl="1"/>
             <a:r>
               <a:rPr lang="en-US" dirty="0" smtClean="0"/>
-              <a:t>Timer </a:t>
-            </a:r>
-            <a:r>
-              <a:rPr lang="en-US" dirty="0" smtClean="0"/>
-              <a:t>Start/Stop (cycles)</a:t>
-            </a:r>
-            <a:endParaRPr lang="en-US" dirty="0" smtClean="0"/>
-          </a:p>
-          <a:p>
-            <a:pPr lvl="1"/>
-            <a:r>
-              <a:rPr lang="en-US" dirty="0" smtClean="0"/>
-              <a:t>Store Trace Sample (7 </a:t>
-            </a:r>
-            <a:r>
-              <a:rPr lang="en-US" dirty="0" smtClean="0"/>
-              <a:t>Streams: PC, time, read a-d write a-d and pc tag)</a:t>
-            </a:r>
-            <a:endParaRPr lang="en-US" dirty="0" smtClean="0"/>
+              <a:t>Store Trace Sample (7 Streams: PC, time, read a-d write a-d and pc tag)</a:t>
+            </a:r>
           </a:p>
           <a:p>
             <a:pPr lvl="1"/>
@@ -23329,7 +23388,7 @@
               <a:buNone/>
               <a:tabLst/>
             </a:pPr>
-            <a:endParaRPr kumimoji="0" lang="en-US" sz="1800" b="0" i="0" u="none" strike="noStrike" cap="none" normalizeH="0" baseline="0" smtClean="0">
+            <a:endParaRPr kumimoji="0" lang="en-US" sz="1800" b="0" i="0" u="none" strike="noStrike" cap="none" normalizeH="0" baseline="0" dirty="0" smtClean="0">
               <a:ln>
                 <a:noFill/>
               </a:ln>
@@ -23739,7 +23798,7 @@
               <a:buNone/>
               <a:tabLst/>
             </a:pPr>
-            <a:endParaRPr kumimoji="0" lang="en-US" sz="1800" b="0" i="0" u="none" strike="noStrike" cap="none" normalizeH="0" baseline="0" smtClean="0">
+            <a:endParaRPr kumimoji="0" lang="en-US" sz="1800" b="0" i="0" u="none" strike="noStrike" cap="none" normalizeH="0" baseline="0" dirty="0" smtClean="0">
               <a:ln>
                 <a:noFill/>
               </a:ln>
@@ -23883,7 +23942,7 @@
               <a:buNone/>
               <a:tabLst/>
             </a:pPr>
-            <a:endParaRPr kumimoji="0" lang="en-US" sz="1800" b="0" i="0" u="none" strike="noStrike" cap="none" normalizeH="0" baseline="0" smtClean="0">
+            <a:endParaRPr kumimoji="0" lang="en-US" sz="1800" b="0" i="0" u="none" strike="noStrike" cap="none" normalizeH="0" baseline="0" dirty="0" smtClean="0">
               <a:ln>
                 <a:noFill/>
               </a:ln>
@@ -25213,7 +25272,7 @@
               <a:buNone/>
               <a:tabLst/>
             </a:pPr>
-            <a:endParaRPr kumimoji="0" lang="en-US" sz="1800" b="0" i="0" u="none" strike="noStrike" cap="none" normalizeH="0" baseline="0" smtClean="0">
+            <a:endParaRPr kumimoji="0" lang="en-US" sz="1800" b="0" i="0" u="none" strike="noStrike" cap="none" normalizeH="0" baseline="0" dirty="0" smtClean="0">
               <a:ln>
                 <a:noFill/>
               </a:ln>
@@ -25357,7 +25416,7 @@
               <a:buNone/>
               <a:tabLst/>
             </a:pPr>
-            <a:endParaRPr kumimoji="0" lang="en-US" sz="1800" b="0" i="0" u="none" strike="noStrike" cap="none" normalizeH="0" baseline="0" smtClean="0">
+            <a:endParaRPr kumimoji="0" lang="en-US" sz="1800" b="0" i="0" u="none" strike="noStrike" cap="none" normalizeH="0" baseline="0" dirty="0" smtClean="0">
               <a:ln>
                 <a:noFill/>
               </a:ln>
@@ -25974,25 +26033,15 @@
           <a:p>
             <a:r>
               <a:rPr lang="en-US" dirty="0" smtClean="0"/>
-              <a:t>System Trace </a:t>
-            </a:r>
+              <a:t>System Trace  </a:t>
+            </a:r>
+          </a:p>
+          <a:p>
+            <a:pPr lvl="1"/>
             <a:r>
               <a:rPr lang="en-US" dirty="0" smtClean="0"/>
-              <a:t> </a:t>
-            </a:r>
-            <a:endParaRPr lang="en-US" dirty="0" smtClean="0"/>
-          </a:p>
-          <a:p>
-            <a:pPr lvl="1"/>
-            <a:r>
-              <a:rPr lang="en-US" dirty="0" smtClean="0"/>
-              <a:t>Export Bus Statistics and </a:t>
-            </a:r>
-            <a:r>
-              <a:rPr lang="en-US" dirty="0" smtClean="0"/>
-              <a:t>Events  (CP Tracer)</a:t>
-            </a:r>
-            <a:endParaRPr lang="en-US" dirty="0" smtClean="0"/>
+              <a:t>Export Bus Statistics and Events  (CP Tracer)</a:t>
+            </a:r>
           </a:p>
           <a:p>
             <a:pPr lvl="1"/>
@@ -26184,15 +26233,7 @@
             <a:pPr lvl="1"/>
             <a:r>
               <a:rPr lang="en-US" sz="2400" dirty="0" smtClean="0"/>
-              <a:t>Debug Port EMU </a:t>
-            </a:r>
-            <a:r>
-              <a:rPr lang="en-US" sz="2400" dirty="0" smtClean="0"/>
-              <a:t>pins (11) </a:t>
-            </a:r>
-            <a:r>
-              <a:rPr lang="en-US" sz="2400" dirty="0" smtClean="0"/>
-              <a:t>for export to an external receiver*</a:t>
+              <a:t>Debug Port EMU pins (11) for export to an external receiver*</a:t>
             </a:r>
           </a:p>
           <a:p>
@@ -26206,19 +26247,7 @@
             <a:pPr lvl="2"/>
             <a:r>
               <a:rPr lang="en-US" sz="2000" dirty="0" smtClean="0"/>
-              <a:t> </a:t>
-            </a:r>
-            <a:r>
-              <a:rPr lang="en-US" sz="2000" dirty="0" smtClean="0"/>
-              <a:t>4KB </a:t>
-            </a:r>
-            <a:r>
-              <a:rPr lang="en-US" sz="2000" dirty="0" smtClean="0"/>
-              <a:t>on each </a:t>
-            </a:r>
-            <a:r>
-              <a:rPr lang="en-US" sz="2000" dirty="0" smtClean="0"/>
-              <a:t>core</a:t>
+              <a:t> 4KB on each core</a:t>
             </a:r>
           </a:p>
           <a:p>
@@ -26235,15 +26264,7 @@
             <a:pPr lvl="1"/>
             <a:r>
               <a:rPr lang="en-US" sz="2400" dirty="0" smtClean="0"/>
-              <a:t>Debug Port EMU pins </a:t>
-            </a:r>
-            <a:r>
-              <a:rPr lang="en-US" sz="2400" dirty="0" smtClean="0"/>
-              <a:t> (4)for </a:t>
-            </a:r>
-            <a:r>
-              <a:rPr lang="en-US" sz="2400" dirty="0" smtClean="0"/>
-              <a:t>export to an external receiver*</a:t>
+              <a:t>Debug Port EMU pins  (4)for export to an external receiver*</a:t>
             </a:r>
           </a:p>
           <a:p>
@@ -26257,15 +26278,7 @@
             <a:pPr lvl="2"/>
             <a:r>
               <a:rPr lang="en-US" sz="2000" dirty="0" smtClean="0"/>
-              <a:t>32</a:t>
-            </a:r>
-            <a:r>
-              <a:rPr lang="en-US" sz="2000" dirty="0" smtClean="0"/>
-              <a:t>KB </a:t>
-            </a:r>
-            <a:r>
-              <a:rPr lang="en-US" sz="2000" dirty="0" smtClean="0"/>
-              <a:t>per device</a:t>
+              <a:t>32KB per device</a:t>
             </a:r>
             <a:endParaRPr lang="en-US" sz="2000" dirty="0"/>
           </a:p>
@@ -26470,15 +26483,7 @@
             <a:pPr algn="ctr"/>
             <a:r>
               <a:rPr lang="en-US" dirty="0" smtClean="0"/>
-              <a:t>* XDS560v2 Pro </a:t>
-            </a:r>
-            <a:r>
-              <a:rPr lang="en-US" dirty="0" smtClean="0"/>
-              <a:t>= </a:t>
-            </a:r>
-            <a:r>
-              <a:rPr lang="en-US" dirty="0" smtClean="0"/>
-              <a:t>2GB </a:t>
+              <a:t>* XDS560v2 Pro = 2GB </a:t>
             </a:r>
             <a:endParaRPr lang="en-US" dirty="0"/>
           </a:p>

--- a/trunk/slides/KeyStone Advanced Debug.pptx
+++ b/trunk/slides/KeyStone Advanced Debug.pptx
@@ -225,7 +225,7 @@
             <a:fld id="{E168EC2E-7004-4E52-B364-EF7EFD24F792}" type="datetimeFigureOut">
               <a:rPr lang="en-US" smtClean="0"/>
               <a:pPr/>
-              <a:t>10/10/2012</a:t>
+              <a:t>8/21/2013</a:t>
             </a:fld>
             <a:endParaRPr lang="en-US"/>
           </a:p>
@@ -1549,7 +1549,6 @@
               <a:rPr lang="en-US" baseline="0" dirty="0" smtClean="0"/>
               <a:t> simply allow the user to filter the data based on each channel.  </a:t>
             </a:r>
-            <a:endParaRPr lang="en-US" baseline="0" dirty="0" smtClean="0"/>
           </a:p>
           <a:p>
             <a:pPr lvl="1">
@@ -2081,17 +2080,8 @@
             </a:pPr>
             <a:r>
               <a:rPr lang="en-US" baseline="0" dirty="0" smtClean="0"/>
-              <a:t>The wiki page that this points to initially reflected steps for </a:t>
-            </a:r>
-            <a:r>
-              <a:rPr lang="en-US" baseline="0" dirty="0" smtClean="0"/>
-              <a:t>CCSv5</a:t>
-            </a:r>
-            <a:r>
-              <a:rPr lang="en-US" baseline="0" dirty="0" smtClean="0"/>
-              <a:t>.  </a:t>
-            </a:r>
-            <a:endParaRPr lang="en-US" baseline="0" dirty="0" smtClean="0"/>
+              <a:t>The wiki page that this points to initially reflected steps for CCSv5.  </a:t>
+            </a:r>
           </a:p>
           <a:p>
             <a:pPr lvl="1">
@@ -2122,7 +2112,6 @@
               <a:rPr lang="en-US" baseline="0" dirty="0" smtClean="0"/>
               <a:t>Yellow –  accumulate wait time (0) purple – average latency (0)  light blue % bus throughput access happen / requests</a:t>
             </a:r>
-            <a:endParaRPr lang="en-US" baseline="0" dirty="0" smtClean="0"/>
           </a:p>
           <a:p>
             <a:pPr lvl="1">
@@ -22393,615 +22382,13 @@
   <p:clrMapOvr>
     <a:masterClrMapping/>
   </p:clrMapOvr>
+  <p:transition advClick="0"/>
   <p:timing>
     <p:tnLst>
       <p:par>
-        <p:cTn id="1" dur="indefinite" restart="never" nodeType="tmRoot">
-          <p:childTnLst>
-            <p:seq concurrent="1" nextAc="seek">
-              <p:cTn id="2" dur="indefinite" nodeType="mainSeq">
-                <p:childTnLst>
-                  <p:par>
-                    <p:cTn id="3" fill="hold">
-                      <p:stCondLst>
-                        <p:cond delay="indefinite"/>
-                      </p:stCondLst>
-                      <p:childTnLst>
-                        <p:par>
-                          <p:cTn id="4" fill="hold">
-                            <p:stCondLst>
-                              <p:cond delay="0"/>
-                            </p:stCondLst>
-                            <p:childTnLst>
-                              <p:par>
-                                <p:cTn id="5" presetID="1" presetClass="entr" presetSubtype="0" fill="hold" grpId="0" nodeType="clickEffect">
-                                  <p:stCondLst>
-                                    <p:cond delay="0"/>
-                                  </p:stCondLst>
-                                  <p:childTnLst>
-                                    <p:set>
-                                      <p:cBhvr>
-                                        <p:cTn id="6" dur="1" fill="hold">
-                                          <p:stCondLst>
-                                            <p:cond delay="0"/>
-                                          </p:stCondLst>
-                                        </p:cTn>
-                                        <p:tgtEl>
-                                          <p:spTgt spid="1559803"/>
-                                        </p:tgtEl>
-                                        <p:attrNameLst>
-                                          <p:attrName>style.visibility</p:attrName>
-                                        </p:attrNameLst>
-                                      </p:cBhvr>
-                                      <p:to>
-                                        <p:strVal val="visible"/>
-                                      </p:to>
-                                    </p:set>
-                                  </p:childTnLst>
-                                </p:cTn>
-                              </p:par>
-                              <p:par>
-                                <p:cTn id="7" presetID="1" presetClass="entr" presetSubtype="0" fill="hold" grpId="0" nodeType="withEffect">
-                                  <p:stCondLst>
-                                    <p:cond delay="0"/>
-                                  </p:stCondLst>
-                                  <p:childTnLst>
-                                    <p:set>
-                                      <p:cBhvr>
-                                        <p:cTn id="8" dur="1" fill="hold">
-                                          <p:stCondLst>
-                                            <p:cond delay="0"/>
-                                          </p:stCondLst>
-                                        </p:cTn>
-                                        <p:tgtEl>
-                                          <p:spTgt spid="1559802"/>
-                                        </p:tgtEl>
-                                        <p:attrNameLst>
-                                          <p:attrName>style.visibility</p:attrName>
-                                        </p:attrNameLst>
-                                      </p:cBhvr>
-                                      <p:to>
-                                        <p:strVal val="visible"/>
-                                      </p:to>
-                                    </p:set>
-                                  </p:childTnLst>
-                                </p:cTn>
-                              </p:par>
-                              <p:par>
-                                <p:cTn id="9" presetID="1" presetClass="entr" presetSubtype="0" fill="hold" grpId="0" nodeType="withEffect">
-                                  <p:stCondLst>
-                                    <p:cond delay="0"/>
-                                  </p:stCondLst>
-                                  <p:childTnLst>
-                                    <p:set>
-                                      <p:cBhvr>
-                                        <p:cTn id="10" dur="1" fill="hold">
-                                          <p:stCondLst>
-                                            <p:cond delay="0"/>
-                                          </p:stCondLst>
-                                        </p:cTn>
-                                        <p:tgtEl>
-                                          <p:spTgt spid="1559800"/>
-                                        </p:tgtEl>
-                                        <p:attrNameLst>
-                                          <p:attrName>style.visibility</p:attrName>
-                                        </p:attrNameLst>
-                                      </p:cBhvr>
-                                      <p:to>
-                                        <p:strVal val="visible"/>
-                                      </p:to>
-                                    </p:set>
-                                  </p:childTnLst>
-                                </p:cTn>
-                              </p:par>
-                              <p:par>
-                                <p:cTn id="11" presetID="1" presetClass="entr" presetSubtype="0" fill="hold" grpId="0" nodeType="withEffect">
-                                  <p:stCondLst>
-                                    <p:cond delay="0"/>
-                                  </p:stCondLst>
-                                  <p:childTnLst>
-                                    <p:set>
-                                      <p:cBhvr>
-                                        <p:cTn id="12" dur="1" fill="hold">
-                                          <p:stCondLst>
-                                            <p:cond delay="0"/>
-                                          </p:stCondLst>
-                                        </p:cTn>
-                                        <p:tgtEl>
-                                          <p:spTgt spid="1559801"/>
-                                        </p:tgtEl>
-                                        <p:attrNameLst>
-                                          <p:attrName>style.visibility</p:attrName>
-                                        </p:attrNameLst>
-                                      </p:cBhvr>
-                                      <p:to>
-                                        <p:strVal val="visible"/>
-                                      </p:to>
-                                    </p:set>
-                                  </p:childTnLst>
-                                </p:cTn>
-                              </p:par>
-                              <p:par>
-                                <p:cTn id="13" presetID="1" presetClass="entr" presetSubtype="0" fill="hold" grpId="0" nodeType="withEffect">
-                                  <p:stCondLst>
-                                    <p:cond delay="0"/>
-                                  </p:stCondLst>
-                                  <p:childTnLst>
-                                    <p:set>
-                                      <p:cBhvr>
-                                        <p:cTn id="14" dur="1" fill="hold">
-                                          <p:stCondLst>
-                                            <p:cond delay="0"/>
-                                          </p:stCondLst>
-                                        </p:cTn>
-                                        <p:tgtEl>
-                                          <p:spTgt spid="1559799"/>
-                                        </p:tgtEl>
-                                        <p:attrNameLst>
-                                          <p:attrName>style.visibility</p:attrName>
-                                        </p:attrNameLst>
-                                      </p:cBhvr>
-                                      <p:to>
-                                        <p:strVal val="visible"/>
-                                      </p:to>
-                                    </p:set>
-                                  </p:childTnLst>
-                                </p:cTn>
-                              </p:par>
-                              <p:par>
-                                <p:cTn id="15" presetID="1" presetClass="entr" presetSubtype="0" fill="hold" grpId="0" nodeType="withEffect">
-                                  <p:stCondLst>
-                                    <p:cond delay="0"/>
-                                  </p:stCondLst>
-                                  <p:childTnLst>
-                                    <p:set>
-                                      <p:cBhvr>
-                                        <p:cTn id="16" dur="1" fill="hold">
-                                          <p:stCondLst>
-                                            <p:cond delay="0"/>
-                                          </p:stCondLst>
-                                        </p:cTn>
-                                        <p:tgtEl>
-                                          <p:spTgt spid="1559805"/>
-                                        </p:tgtEl>
-                                        <p:attrNameLst>
-                                          <p:attrName>style.visibility</p:attrName>
-                                        </p:attrNameLst>
-                                      </p:cBhvr>
-                                      <p:to>
-                                        <p:strVal val="visible"/>
-                                      </p:to>
-                                    </p:set>
-                                  </p:childTnLst>
-                                </p:cTn>
-                              </p:par>
-                              <p:par>
-                                <p:cTn id="17" presetID="1" presetClass="entr" presetSubtype="0" fill="hold" grpId="0" nodeType="withEffect">
-                                  <p:stCondLst>
-                                    <p:cond delay="0"/>
-                                  </p:stCondLst>
-                                  <p:childTnLst>
-                                    <p:set>
-                                      <p:cBhvr>
-                                        <p:cTn id="18" dur="1" fill="hold">
-                                          <p:stCondLst>
-                                            <p:cond delay="0"/>
-                                          </p:stCondLst>
-                                        </p:cTn>
-                                        <p:tgtEl>
-                                          <p:spTgt spid="1559804"/>
-                                        </p:tgtEl>
-                                        <p:attrNameLst>
-                                          <p:attrName>style.visibility</p:attrName>
-                                        </p:attrNameLst>
-                                      </p:cBhvr>
-                                      <p:to>
-                                        <p:strVal val="visible"/>
-                                      </p:to>
-                                    </p:set>
-                                  </p:childTnLst>
-                                </p:cTn>
-                              </p:par>
-                              <p:par>
-                                <p:cTn id="19" presetID="1" presetClass="entr" presetSubtype="0" fill="hold" grpId="0" nodeType="withEffect">
-                                  <p:stCondLst>
-                                    <p:cond delay="0"/>
-                                  </p:stCondLst>
-                                  <p:childTnLst>
-                                    <p:set>
-                                      <p:cBhvr>
-                                        <p:cTn id="20" dur="1" fill="hold">
-                                          <p:stCondLst>
-                                            <p:cond delay="0"/>
-                                          </p:stCondLst>
-                                        </p:cTn>
-                                        <p:tgtEl>
-                                          <p:spTgt spid="1559683"/>
-                                        </p:tgtEl>
-                                        <p:attrNameLst>
-                                          <p:attrName>style.visibility</p:attrName>
-                                        </p:attrNameLst>
-                                      </p:cBhvr>
-                                      <p:to>
-                                        <p:strVal val="visible"/>
-                                      </p:to>
-                                    </p:set>
-                                  </p:childTnLst>
-                                </p:cTn>
-                              </p:par>
-                              <p:par>
-                                <p:cTn id="21" presetID="1" presetClass="entr" presetSubtype="0" fill="hold" grpId="0" nodeType="withEffect">
-                                  <p:stCondLst>
-                                    <p:cond delay="0"/>
-                                  </p:stCondLst>
-                                  <p:childTnLst>
-                                    <p:set>
-                                      <p:cBhvr>
-                                        <p:cTn id="22" dur="1" fill="hold">
-                                          <p:stCondLst>
-                                            <p:cond delay="0"/>
-                                          </p:stCondLst>
-                                        </p:cTn>
-                                        <p:tgtEl>
-                                          <p:spTgt spid="1559864"/>
-                                        </p:tgtEl>
-                                        <p:attrNameLst>
-                                          <p:attrName>style.visibility</p:attrName>
-                                        </p:attrNameLst>
-                                      </p:cBhvr>
-                                      <p:to>
-                                        <p:strVal val="visible"/>
-                                      </p:to>
-                                    </p:set>
-                                  </p:childTnLst>
-                                </p:cTn>
-                              </p:par>
-                              <p:par>
-                                <p:cTn id="23" presetID="1" presetClass="entr" presetSubtype="0" fill="hold" grpId="0" nodeType="withEffect">
-                                  <p:stCondLst>
-                                    <p:cond delay="0"/>
-                                  </p:stCondLst>
-                                  <p:childTnLst>
-                                    <p:set>
-                                      <p:cBhvr>
-                                        <p:cTn id="24" dur="1" fill="hold">
-                                          <p:stCondLst>
-                                            <p:cond delay="0"/>
-                                          </p:stCondLst>
-                                        </p:cTn>
-                                        <p:tgtEl>
-                                          <p:spTgt spid="1559869"/>
-                                        </p:tgtEl>
-                                        <p:attrNameLst>
-                                          <p:attrName>style.visibility</p:attrName>
-                                        </p:attrNameLst>
-                                      </p:cBhvr>
-                                      <p:to>
-                                        <p:strVal val="visible"/>
-                                      </p:to>
-                                    </p:set>
-                                  </p:childTnLst>
-                                </p:cTn>
-                              </p:par>
-                              <p:par>
-                                <p:cTn id="25" presetID="1" presetClass="entr" presetSubtype="0" fill="hold" grpId="0" nodeType="withEffect">
-                                  <p:stCondLst>
-                                    <p:cond delay="0"/>
-                                  </p:stCondLst>
-                                  <p:childTnLst>
-                                    <p:set>
-                                      <p:cBhvr>
-                                        <p:cTn id="26" dur="1" fill="hold">
-                                          <p:stCondLst>
-                                            <p:cond delay="0"/>
-                                          </p:stCondLst>
-                                        </p:cTn>
-                                        <p:tgtEl>
-                                          <p:spTgt spid="1559731"/>
-                                        </p:tgtEl>
-                                        <p:attrNameLst>
-                                          <p:attrName>style.visibility</p:attrName>
-                                        </p:attrNameLst>
-                                      </p:cBhvr>
-                                      <p:to>
-                                        <p:strVal val="visible"/>
-                                      </p:to>
-                                    </p:set>
-                                  </p:childTnLst>
-                                </p:cTn>
-                              </p:par>
-                              <p:par>
-                                <p:cTn id="27" presetID="1" presetClass="entr" presetSubtype="0" fill="hold" grpId="0" nodeType="withEffect">
-                                  <p:stCondLst>
-                                    <p:cond delay="0"/>
-                                  </p:stCondLst>
-                                  <p:childTnLst>
-                                    <p:set>
-                                      <p:cBhvr>
-                                        <p:cTn id="28" dur="1" fill="hold">
-                                          <p:stCondLst>
-                                            <p:cond delay="0"/>
-                                          </p:stCondLst>
-                                        </p:cTn>
-                                        <p:tgtEl>
-                                          <p:spTgt spid="1559854"/>
-                                        </p:tgtEl>
-                                        <p:attrNameLst>
-                                          <p:attrName>style.visibility</p:attrName>
-                                        </p:attrNameLst>
-                                      </p:cBhvr>
-                                      <p:to>
-                                        <p:strVal val="visible"/>
-                                      </p:to>
-                                    </p:set>
-                                  </p:childTnLst>
-                                </p:cTn>
-                              </p:par>
-                              <p:par>
-                                <p:cTn id="29" presetID="1" presetClass="entr" presetSubtype="0" fill="hold" grpId="0" nodeType="withEffect">
-                                  <p:stCondLst>
-                                    <p:cond delay="0"/>
-                                  </p:stCondLst>
-                                  <p:childTnLst>
-                                    <p:set>
-                                      <p:cBhvr>
-                                        <p:cTn id="30" dur="1" fill="hold">
-                                          <p:stCondLst>
-                                            <p:cond delay="0"/>
-                                          </p:stCondLst>
-                                        </p:cTn>
-                                        <p:tgtEl>
-                                          <p:spTgt spid="1559856"/>
-                                        </p:tgtEl>
-                                        <p:attrNameLst>
-                                          <p:attrName>style.visibility</p:attrName>
-                                        </p:attrNameLst>
-                                      </p:cBhvr>
-                                      <p:to>
-                                        <p:strVal val="visible"/>
-                                      </p:to>
-                                    </p:set>
-                                  </p:childTnLst>
-                                </p:cTn>
-                              </p:par>
-                              <p:par>
-                                <p:cTn id="31" presetID="1" presetClass="entr" presetSubtype="0" fill="hold" grpId="0" nodeType="withEffect">
-                                  <p:stCondLst>
-                                    <p:cond delay="0"/>
-                                  </p:stCondLst>
-                                  <p:childTnLst>
-                                    <p:set>
-                                      <p:cBhvr>
-                                        <p:cTn id="32" dur="1" fill="hold">
-                                          <p:stCondLst>
-                                            <p:cond delay="0"/>
-                                          </p:stCondLst>
-                                        </p:cTn>
-                                        <p:tgtEl>
-                                          <p:spTgt spid="1559855"/>
-                                        </p:tgtEl>
-                                        <p:attrNameLst>
-                                          <p:attrName>style.visibility</p:attrName>
-                                        </p:attrNameLst>
-                                      </p:cBhvr>
-                                      <p:to>
-                                        <p:strVal val="visible"/>
-                                      </p:to>
-                                    </p:set>
-                                  </p:childTnLst>
-                                </p:cTn>
-                              </p:par>
-                              <p:par>
-                                <p:cTn id="33" presetID="1" presetClass="entr" presetSubtype="0" fill="hold" grpId="0" nodeType="withEffect">
-                                  <p:stCondLst>
-                                    <p:cond delay="0"/>
-                                  </p:stCondLst>
-                                  <p:childTnLst>
-                                    <p:set>
-                                      <p:cBhvr>
-                                        <p:cTn id="34" dur="1" fill="hold">
-                                          <p:stCondLst>
-                                            <p:cond delay="0"/>
-                                          </p:stCondLst>
-                                        </p:cTn>
-                                        <p:tgtEl>
-                                          <p:spTgt spid="1559853"/>
-                                        </p:tgtEl>
-                                        <p:attrNameLst>
-                                          <p:attrName>style.visibility</p:attrName>
-                                        </p:attrNameLst>
-                                      </p:cBhvr>
-                                      <p:to>
-                                        <p:strVal val="visible"/>
-                                      </p:to>
-                                    </p:set>
-                                  </p:childTnLst>
-                                </p:cTn>
-                              </p:par>
-                              <p:par>
-                                <p:cTn id="35" presetID="1" presetClass="entr" presetSubtype="0" fill="hold" grpId="0" nodeType="withEffect">
-                                  <p:stCondLst>
-                                    <p:cond delay="0"/>
-                                  </p:stCondLst>
-                                  <p:childTnLst>
-                                    <p:set>
-                                      <p:cBhvr>
-                                        <p:cTn id="36" dur="1" fill="hold">
-                                          <p:stCondLst>
-                                            <p:cond delay="0"/>
-                                          </p:stCondLst>
-                                        </p:cTn>
-                                        <p:tgtEl>
-                                          <p:spTgt spid="1559928"/>
-                                        </p:tgtEl>
-                                        <p:attrNameLst>
-                                          <p:attrName>style.visibility</p:attrName>
-                                        </p:attrNameLst>
-                                      </p:cBhvr>
-                                      <p:to>
-                                        <p:strVal val="visible"/>
-                                      </p:to>
-                                    </p:set>
-                                  </p:childTnLst>
-                                </p:cTn>
-                              </p:par>
-                              <p:par>
-                                <p:cTn id="37" presetID="1" presetClass="entr" presetSubtype="0" fill="hold" grpId="0" nodeType="withEffect">
-                                  <p:stCondLst>
-                                    <p:cond delay="0"/>
-                                  </p:stCondLst>
-                                  <p:childTnLst>
-                                    <p:set>
-                                      <p:cBhvr>
-                                        <p:cTn id="38" dur="1" fill="hold">
-                                          <p:stCondLst>
-                                            <p:cond delay="0"/>
-                                          </p:stCondLst>
-                                        </p:cTn>
-                                        <p:tgtEl>
-                                          <p:spTgt spid="1559927"/>
-                                        </p:tgtEl>
-                                        <p:attrNameLst>
-                                          <p:attrName>style.visibility</p:attrName>
-                                        </p:attrNameLst>
-                                      </p:cBhvr>
-                                      <p:to>
-                                        <p:strVal val="visible"/>
-                                      </p:to>
-                                    </p:set>
-                                  </p:childTnLst>
-                                </p:cTn>
-                              </p:par>
-                              <p:par>
-                                <p:cTn id="39" presetID="1" presetClass="entr" presetSubtype="0" fill="hold" grpId="1" nodeType="withEffect">
-                                  <p:stCondLst>
-                                    <p:cond delay="0"/>
-                                  </p:stCondLst>
-                                  <p:childTnLst>
-                                    <p:set>
-                                      <p:cBhvr>
-                                        <p:cTn id="40" dur="1" fill="hold">
-                                          <p:stCondLst>
-                                            <p:cond delay="0"/>
-                                          </p:stCondLst>
-                                        </p:cTn>
-                                        <p:tgtEl>
-                                          <p:spTgt spid="1559803"/>
-                                        </p:tgtEl>
-                                        <p:attrNameLst>
-                                          <p:attrName>style.visibility</p:attrName>
-                                        </p:attrNameLst>
-                                      </p:cBhvr>
-                                      <p:to>
-                                        <p:strVal val="visible"/>
-                                      </p:to>
-                                    </p:set>
-                                  </p:childTnLst>
-                                </p:cTn>
-                              </p:par>
-                              <p:par>
-                                <p:cTn id="41" presetID="1" presetClass="entr" presetSubtype="0" fill="hold" grpId="0" nodeType="withEffect">
-                                  <p:stCondLst>
-                                    <p:cond delay="0"/>
-                                  </p:stCondLst>
-                                  <p:childTnLst>
-                                    <p:set>
-                                      <p:cBhvr>
-                                        <p:cTn id="42" dur="1" fill="hold">
-                                          <p:stCondLst>
-                                            <p:cond delay="0"/>
-                                          </p:stCondLst>
-                                        </p:cTn>
-                                        <p:tgtEl>
-                                          <p:spTgt spid="378"/>
-                                        </p:tgtEl>
-                                        <p:attrNameLst>
-                                          <p:attrName>style.visibility</p:attrName>
-                                        </p:attrNameLst>
-                                      </p:cBhvr>
-                                      <p:to>
-                                        <p:strVal val="visible"/>
-                                      </p:to>
-                                    </p:set>
-                                  </p:childTnLst>
-                                </p:cTn>
-                              </p:par>
-                              <p:par>
-                                <p:cTn id="43" presetID="1" presetClass="entr" presetSubtype="0" fill="hold" grpId="0" nodeType="withEffect">
-                                  <p:stCondLst>
-                                    <p:cond delay="0"/>
-                                  </p:stCondLst>
-                                  <p:childTnLst>
-                                    <p:set>
-                                      <p:cBhvr>
-                                        <p:cTn id="44" dur="1" fill="hold">
-                                          <p:stCondLst>
-                                            <p:cond delay="0"/>
-                                          </p:stCondLst>
-                                        </p:cTn>
-                                        <p:tgtEl>
-                                          <p:spTgt spid="379"/>
-                                        </p:tgtEl>
-                                        <p:attrNameLst>
-                                          <p:attrName>style.visibility</p:attrName>
-                                        </p:attrNameLst>
-                                      </p:cBhvr>
-                                      <p:to>
-                                        <p:strVal val="visible"/>
-                                      </p:to>
-                                    </p:set>
-                                  </p:childTnLst>
-                                </p:cTn>
-                              </p:par>
-                            </p:childTnLst>
-                          </p:cTn>
-                        </p:par>
-                      </p:childTnLst>
-                    </p:cTn>
-                  </p:par>
-                </p:childTnLst>
-              </p:cTn>
-              <p:prevCondLst>
-                <p:cond evt="onPrev" delay="0">
-                  <p:tgtEl>
-                    <p:sldTgt/>
-                  </p:tgtEl>
-                </p:cond>
-              </p:prevCondLst>
-              <p:nextCondLst>
-                <p:cond evt="onNext" delay="0">
-                  <p:tgtEl>
-                    <p:sldTgt/>
-                  </p:tgtEl>
-                </p:cond>
-              </p:nextCondLst>
-            </p:seq>
-          </p:childTnLst>
-        </p:cTn>
+        <p:cTn id="1" dur="indefinite" restart="never" nodeType="tmRoot"/>
       </p:par>
     </p:tnLst>
-    <p:bldLst>
-      <p:bldP spid="1559683" grpId="0" animBg="1"/>
-      <p:bldP spid="1559731" grpId="0" animBg="1"/>
-      <p:bldP spid="1559799" grpId="0" animBg="1"/>
-      <p:bldP spid="1559800" grpId="0"/>
-      <p:bldP spid="1559801" grpId="0" animBg="1"/>
-      <p:bldP spid="1559802" grpId="0" animBg="1"/>
-      <p:bldP spid="1559803" grpId="0" animBg="1"/>
-      <p:bldP spid="1559803" grpId="1" animBg="1"/>
-      <p:bldP spid="1559804" grpId="0"/>
-      <p:bldP spid="1559805" grpId="0" animBg="1"/>
-      <p:bldP spid="1559853" grpId="0"/>
-      <p:bldP spid="1559854" grpId="0" animBg="1"/>
-      <p:bldP spid="1559855" grpId="0"/>
-      <p:bldP spid="1559856" grpId="0" animBg="1"/>
-      <p:bldP spid="1559864" grpId="0" animBg="1"/>
-      <p:bldP spid="1559869" grpId="0" animBg="1"/>
-      <p:bldP spid="1559927" grpId="0" animBg="1"/>
-      <p:bldP spid="1559928" grpId="0" animBg="1"/>
-      <p:bldP spid="378" grpId="0" animBg="1"/>
-      <p:bldP spid="379" grpId="0" animBg="1"/>
-    </p:bldLst>
   </p:timing>
 </p:sld>
 </file>

--- a/trunk/slides/KeyStone Advanced Debug.pptx
+++ b/trunk/slides/KeyStone Advanced Debug.pptx
@@ -226,7 +226,7 @@
             <a:fld id="{E168EC2E-7004-4E52-B364-EF7EFD24F792}" type="datetimeFigureOut">
               <a:rPr lang="en-US" smtClean="0"/>
               <a:pPr/>
-              <a:t>9/25/2013</a:t>
+              <a:t>1/29/2014</a:t>
             </a:fld>
             <a:endParaRPr lang="en-US"/>
           </a:p>
@@ -22627,6 +22627,13 @@
   <p:clrMapOvr>
     <a:masterClrMapping/>
   </p:clrMapOvr>
+  <p:timing>
+    <p:tnLst>
+      <p:par>
+        <p:cTn id="1" dur="indefinite" restart="never" nodeType="tmRoot"/>
+      </p:par>
+    </p:tnLst>
+  </p:timing>
 </p:sld>
 </file>
 
@@ -23408,6 +23415,13 @@
   <p:clrMapOvr>
     <a:masterClrMapping/>
   </p:clrMapOvr>
+  <p:timing>
+    <p:tnLst>
+      <p:par>
+        <p:cTn id="1" dur="indefinite" restart="never" nodeType="tmRoot"/>
+      </p:par>
+    </p:tnLst>
+  </p:timing>
 </p:sld>
 </file>
 
